--- a/doc/JSindo/install_mac.pptx
+++ b/doc/JSindo/install_mac.pptx
@@ -5,18 +5,21 @@
     <p:sldMasterId id="2147483660" r:id="rId1"/>
   </p:sldMasterIdLst>
   <p:notesMasterIdLst>
-    <p:notesMasterId r:id="rId11"/>
+    <p:notesMasterId r:id="rId14"/>
   </p:notesMasterIdLst>
   <p:sldIdLst>
     <p:sldId id="256" r:id="rId2"/>
     <p:sldId id="287" r:id="rId3"/>
-    <p:sldId id="288" r:id="rId4"/>
-    <p:sldId id="273" r:id="rId5"/>
-    <p:sldId id="295" r:id="rId6"/>
-    <p:sldId id="298" r:id="rId7"/>
-    <p:sldId id="282" r:id="rId8"/>
-    <p:sldId id="302" r:id="rId9"/>
-    <p:sldId id="303" r:id="rId10"/>
+    <p:sldId id="308" r:id="rId4"/>
+    <p:sldId id="307" r:id="rId5"/>
+    <p:sldId id="288" r:id="rId6"/>
+    <p:sldId id="273" r:id="rId7"/>
+    <p:sldId id="295" r:id="rId8"/>
+    <p:sldId id="298" r:id="rId9"/>
+    <p:sldId id="282" r:id="rId10"/>
+    <p:sldId id="302" r:id="rId11"/>
+    <p:sldId id="303" r:id="rId12"/>
+    <p:sldId id="309" r:id="rId13"/>
   </p:sldIdLst>
   <p:sldSz cx="9144000" cy="6858000" type="screen4x3"/>
   <p:notesSz cx="6858000" cy="9144000"/>
@@ -216,7 +219,7 @@
           <a:p>
             <a:fld id="{BB0F0136-69B4-D44B-9FED-4928016A3512}" type="datetimeFigureOut">
               <a:rPr kumimoji="1" lang="ja-JP" altLang="en-US" smtClean="0"/>
-              <a:t>2018/5/22</a:t>
+              <a:t>2018/6/13</a:t>
             </a:fld>
             <a:endParaRPr kumimoji="1" lang="ja-JP" altLang="en-US"/>
           </a:p>
@@ -665,7 +668,7 @@
           <a:p>
             <a:fld id="{3F9D3D55-BD5C-034D-AC25-55F6153EBC0E}" type="slidenum">
               <a:rPr kumimoji="1" lang="ja-JP" altLang="en-US" smtClean="0"/>
-              <a:t>7</a:t>
+              <a:t>9</a:t>
             </a:fld>
             <a:endParaRPr kumimoji="1" lang="ja-JP" altLang="en-US"/>
           </a:p>
@@ -815,7 +818,7 @@
           <a:p>
             <a:fld id="{8F1A2EAE-8A19-6140-AB90-FBA793328AFC}" type="datetime1">
               <a:rPr kumimoji="1" lang="ja-JP" altLang="en-US" smtClean="0"/>
-              <a:t>2018/5/22</a:t>
+              <a:t>2018/6/13</a:t>
             </a:fld>
             <a:endParaRPr kumimoji="1" lang="ja-JP" altLang="en-US"/>
           </a:p>
@@ -1012,7 +1015,7 @@
           <a:p>
             <a:fld id="{5032F6CD-D8C5-EA47-935C-33C61990A9AF}" type="datetime1">
               <a:rPr kumimoji="1" lang="ja-JP" altLang="en-US" smtClean="0"/>
-              <a:t>2018/5/22</a:t>
+              <a:t>2018/6/13</a:t>
             </a:fld>
             <a:endParaRPr kumimoji="1" lang="ja-JP" altLang="en-US"/>
           </a:p>
@@ -1219,7 +1222,7 @@
           <a:p>
             <a:fld id="{7432CAB7-B1D1-C842-BB27-1789136EF085}" type="datetime1">
               <a:rPr kumimoji="1" lang="ja-JP" altLang="en-US" smtClean="0"/>
-              <a:t>2018/5/22</a:t>
+              <a:t>2018/6/13</a:t>
             </a:fld>
             <a:endParaRPr kumimoji="1" lang="ja-JP" altLang="en-US"/>
           </a:p>
@@ -1416,7 +1419,7 @@
           <a:p>
             <a:fld id="{59F606A1-BF80-4F40-AD73-3A1303D72015}" type="datetime1">
               <a:rPr kumimoji="1" lang="ja-JP" altLang="en-US" smtClean="0"/>
-              <a:t>2018/5/22</a:t>
+              <a:t>2018/6/13</a:t>
             </a:fld>
             <a:endParaRPr kumimoji="1" lang="ja-JP" altLang="en-US"/>
           </a:p>
@@ -1655,7 +1658,7 @@
           <a:p>
             <a:fld id="{201370A8-86D7-DE4D-BAB6-D17D5C3BEC5A}" type="datetime1">
               <a:rPr kumimoji="1" lang="ja-JP" altLang="en-US" smtClean="0"/>
-              <a:t>2018/5/22</a:t>
+              <a:t>2018/6/13</a:t>
             </a:fld>
             <a:endParaRPr kumimoji="1" lang="ja-JP" altLang="en-US"/>
           </a:p>
@@ -1946,7 +1949,7 @@
           <a:p>
             <a:fld id="{2F8DFF1A-26F6-734D-81A6-596D27E77CDE}" type="datetime1">
               <a:rPr kumimoji="1" lang="ja-JP" altLang="en-US" smtClean="0"/>
-              <a:t>2018/5/22</a:t>
+              <a:t>2018/6/13</a:t>
             </a:fld>
             <a:endParaRPr kumimoji="1" lang="ja-JP" altLang="en-US"/>
           </a:p>
@@ -2372,7 +2375,7 @@
           <a:p>
             <a:fld id="{DA4D6ED2-2E77-3346-9932-196F8E0DDE9D}" type="datetime1">
               <a:rPr kumimoji="1" lang="ja-JP" altLang="en-US" smtClean="0"/>
-              <a:t>2018/5/22</a:t>
+              <a:t>2018/6/13</a:t>
             </a:fld>
             <a:endParaRPr kumimoji="1" lang="ja-JP" altLang="en-US"/>
           </a:p>
@@ -2485,7 +2488,7 @@
           <a:p>
             <a:fld id="{E0D62E53-0DE6-954C-A642-97CC889F03F2}" type="datetime1">
               <a:rPr kumimoji="1" lang="ja-JP" altLang="en-US" smtClean="0"/>
-              <a:t>2018/5/22</a:t>
+              <a:t>2018/6/13</a:t>
             </a:fld>
             <a:endParaRPr kumimoji="1" lang="ja-JP" altLang="en-US"/>
           </a:p>
@@ -2575,7 +2578,7 @@
           <a:p>
             <a:fld id="{4C76B436-8A19-1A40-8CF4-6DE75F461D19}" type="datetime1">
               <a:rPr kumimoji="1" lang="ja-JP" altLang="en-US" smtClean="0"/>
-              <a:t>2018/5/22</a:t>
+              <a:t>2018/6/13</a:t>
             </a:fld>
             <a:endParaRPr kumimoji="1" lang="ja-JP" altLang="en-US"/>
           </a:p>
@@ -2879,7 +2882,7 @@
           <a:p>
             <a:fld id="{50F977A8-A6EB-6544-A402-5123A38A5E0F}" type="datetime1">
               <a:rPr kumimoji="1" lang="ja-JP" altLang="en-US" smtClean="0"/>
-              <a:t>2018/5/22</a:t>
+              <a:t>2018/6/13</a:t>
             </a:fld>
             <a:endParaRPr kumimoji="1" lang="ja-JP" altLang="en-US"/>
           </a:p>
@@ -3131,7 +3134,7 @@
           <a:p>
             <a:fld id="{AC63A33F-D5AB-5D4B-9CED-7FFE32473911}" type="datetime1">
               <a:rPr kumimoji="1" lang="ja-JP" altLang="en-US" smtClean="0"/>
-              <a:t>2018/5/22</a:t>
+              <a:t>2018/6/13</a:t>
             </a:fld>
             <a:endParaRPr kumimoji="1" lang="ja-JP" altLang="en-US"/>
           </a:p>
@@ -3371,7 +3374,7 @@
           <a:p>
             <a:fld id="{533D1301-D078-CF4D-9B69-E985276E2D1F}" type="datetime1">
               <a:rPr kumimoji="1" lang="ja-JP" altLang="en-US" smtClean="0"/>
-              <a:t>2018/5/22</a:t>
+              <a:t>2018/6/13</a:t>
             </a:fld>
             <a:endParaRPr kumimoji="1" lang="ja-JP" altLang="en-US"/>
           </a:p>
@@ -3863,7 +3866,7 @@
             <a:pPr algn="ctr"/>
             <a:r>
               <a:rPr kumimoji="1" lang="en-US" altLang="ja-JP" dirty="0" smtClean="0"/>
-              <a:t>2018/05/21</a:t>
+              <a:t>2018/06/01</a:t>
             </a:r>
             <a:endParaRPr kumimoji="1" lang="ja-JP" altLang="en-US" dirty="0"/>
           </a:p>
@@ -3920,7 +3923,7 @@
 </p:sld>
 </file>
 
-<file path=ppt/slides/slide2.xml><?xml version="1.0" encoding="utf-8"?>
+<file path=ppt/slides/slide10.xml><?xml version="1.0" encoding="utf-8"?>
 <p:sld xmlns:a="http://schemas.openxmlformats.org/drawingml/2006/main" xmlns:r="http://schemas.openxmlformats.org/officeDocument/2006/relationships" xmlns:p="http://schemas.openxmlformats.org/presentationml/2006/main">
   <p:cSld>
     <p:spTree>
@@ -3937,35 +3940,6 @@
           <a:chExt cx="0" cy="0"/>
         </a:xfrm>
       </p:grpSpPr>
-      <p:pic>
-        <p:nvPicPr>
-          <p:cNvPr id="4" name="図 3"/>
-          <p:cNvPicPr>
-            <a:picLocks noChangeAspect="1"/>
-          </p:cNvPicPr>
-          <p:nvPr/>
-        </p:nvPicPr>
-        <p:blipFill rotWithShape="1">
-          <a:blip r:embed="rId2">
-            <a:extLst>
-              <a:ext uri="{28A0092B-C50C-407E-A947-70E740481C1C}">
-                <a14:useLocalDpi xmlns:a14="http://schemas.microsoft.com/office/drawing/2010/main" val="0"/>
-              </a:ext>
-            </a:extLst>
-          </a:blip>
-          <a:srcRect t="1350"/>
-          <a:stretch/>
-        </p:blipFill>
-        <p:spPr>
-          <a:xfrm>
-            <a:off x="603867" y="1877475"/>
-            <a:ext cx="3830073" cy="2287159"/>
-          </a:xfrm>
-          <a:prstGeom prst="rect">
-            <a:avLst/>
-          </a:prstGeom>
-        </p:spPr>
-      </p:pic>
       <p:sp>
         <p:nvSpPr>
           <p:cNvPr id="2" name="タイトル 1"/>
@@ -3982,8 +3956,16 @@
           <a:lstStyle/>
           <a:p>
             <a:r>
+              <a:rPr lang="en-US" altLang="ja-JP" dirty="0"/>
+              <a:t>5</a:t>
+            </a:r>
+            <a:r>
               <a:rPr kumimoji="1" lang="en-US" altLang="ja-JP" dirty="0" smtClean="0"/>
-              <a:t>1. Install Java</a:t>
+              <a:t>. Download and test </a:t>
+            </a:r>
+            <a:r>
+              <a:rPr kumimoji="1" lang="en-US" altLang="ja-JP" dirty="0" err="1" smtClean="0"/>
+              <a:t>JSindo</a:t>
             </a:r>
             <a:endParaRPr kumimoji="1" lang="ja-JP" altLang="en-US" dirty="0"/>
           </a:p>
@@ -3991,79 +3973,14 @@
       </p:sp>
       <p:sp>
         <p:nvSpPr>
-          <p:cNvPr id="3" name="正方形/長方形 2"/>
-          <p:cNvSpPr/>
-          <p:nvPr/>
-        </p:nvSpPr>
-        <p:spPr>
-          <a:xfrm>
-            <a:off x="1018240" y="1305734"/>
-            <a:ext cx="2693173" cy="369332"/>
-          </a:xfrm>
-          <a:prstGeom prst="rect">
-            <a:avLst/>
-          </a:prstGeom>
-        </p:spPr>
-        <p:txBody>
-          <a:bodyPr wrap="none">
-            <a:spAutoFit/>
-          </a:bodyPr>
-          <a:lstStyle/>
-          <a:p>
-            <a:r>
-              <a:rPr lang="ja-JP" altLang="en-US" dirty="0" smtClean="0"/>
-              <a:t>https://www.java.com/en/</a:t>
-            </a:r>
-            <a:endParaRPr lang="ja-JP" altLang="en-US" dirty="0"/>
-          </a:p>
-        </p:txBody>
-      </p:sp>
-      <p:cxnSp>
-        <p:nvCxnSpPr>
-          <p:cNvPr id="6" name="直線矢印コネクタ 5"/>
-          <p:cNvCxnSpPr/>
-          <p:nvPr/>
-        </p:nvCxnSpPr>
-        <p:spPr>
-          <a:xfrm flipV="1">
-            <a:off x="1650808" y="3765106"/>
-            <a:ext cx="0" cy="1177159"/>
-          </a:xfrm>
-          <a:prstGeom prst="straightConnector1">
-            <a:avLst/>
-          </a:prstGeom>
-          <a:ln w="38100">
-            <a:solidFill>
-              <a:srgbClr val="00B050"/>
-            </a:solidFill>
-            <a:tailEnd type="triangle"/>
-          </a:ln>
-        </p:spPr>
-        <p:style>
-          <a:lnRef idx="1">
-            <a:schemeClr val="accent1"/>
-          </a:lnRef>
-          <a:fillRef idx="0">
-            <a:schemeClr val="accent1"/>
-          </a:fillRef>
-          <a:effectRef idx="0">
-            <a:schemeClr val="accent1"/>
-          </a:effectRef>
-          <a:fontRef idx="minor">
-            <a:schemeClr val="tx1"/>
-          </a:fontRef>
-        </p:style>
-      </p:cxnSp>
-      <p:sp>
-        <p:nvSpPr>
-          <p:cNvPr id="8" name="テキスト ボックス 7"/>
+          <p:cNvPr id="4" name="テキスト ボックス 3"/>
           <p:cNvSpPr txBox="1"/>
           <p:nvPr/>
         </p:nvSpPr>
         <p:spPr>
           <a:xfrm>
-            <a:off x="199765" y="5006694"/>
-            <a:ext cx="4015975" cy="369332"/>
+            <a:off x="322815" y="2019111"/>
+            <a:ext cx="5077859" cy="3970318"/>
           </a:xfrm>
           <a:prstGeom prst="rect">
             <a:avLst/>
@@ -4077,15 +3994,136 @@
           <a:lstStyle/>
           <a:p>
             <a:r>
-              <a:rPr kumimoji="1" lang="en-US" altLang="ja-JP" dirty="0" smtClean="0"/>
-              <a:t>Click here and follow the instructions.</a:t>
-            </a:r>
-          </a:p>
-        </p:txBody>
-      </p:sp>
-      <p:sp>
-        <p:nvSpPr>
-          <p:cNvPr id="5" name="スライド番号プレースホルダー 4"/>
+              <a:rPr lang="en-US" altLang="ja-JP" dirty="0" smtClean="0"/>
+              <a:t>Now, double click JSindo-4.0.jar.  You should see a control panel of </a:t>
+            </a:r>
+            <a:r>
+              <a:rPr lang="en-US" altLang="ja-JP" dirty="0" err="1" smtClean="0"/>
+              <a:t>JSindo</a:t>
+            </a:r>
+            <a:r>
+              <a:rPr lang="en-US" altLang="ja-JP" dirty="0" smtClean="0"/>
+              <a:t>. If </a:t>
+            </a:r>
+            <a:r>
+              <a:rPr lang="en-US" altLang="ja-JP" dirty="0"/>
+              <a:t>you don’t see </a:t>
+            </a:r>
+            <a:r>
+              <a:rPr lang="en-US" altLang="ja-JP" dirty="0" smtClean="0"/>
+              <a:t>the </a:t>
+            </a:r>
+            <a:r>
+              <a:rPr lang="en-US" altLang="ja-JP" dirty="0"/>
+              <a:t>panel, review the installation of </a:t>
+            </a:r>
+            <a:r>
+              <a:rPr lang="en-US" altLang="ja-JP" dirty="0" smtClean="0"/>
+              <a:t>Java. </a:t>
+            </a:r>
+          </a:p>
+          <a:p>
+            <a:endParaRPr lang="en-US" altLang="ja-JP" dirty="0" smtClean="0"/>
+          </a:p>
+          <a:p>
+            <a:r>
+              <a:rPr lang="en-US" altLang="ja-JP" dirty="0"/>
+              <a:t>Let’s open “sample/h2co.minfo” included in </a:t>
+            </a:r>
+            <a:r>
+              <a:rPr lang="en-US" altLang="ja-JP" dirty="0" err="1"/>
+              <a:t>sample.zip</a:t>
+            </a:r>
+            <a:r>
+              <a:rPr lang="en-US" altLang="ja-JP" dirty="0"/>
+              <a:t>. Double click </a:t>
+            </a:r>
+            <a:r>
+              <a:rPr lang="en-US" altLang="ja-JP" dirty="0" err="1"/>
+              <a:t>sample.zip</a:t>
+            </a:r>
+            <a:r>
+              <a:rPr lang="en-US" altLang="ja-JP" dirty="0"/>
+              <a:t> to unzip the file.</a:t>
+            </a:r>
+            <a:endParaRPr lang="en-US" altLang="ja-JP" dirty="0" smtClean="0"/>
+          </a:p>
+          <a:p>
+            <a:endParaRPr lang="en-US" altLang="ja-JP" dirty="0"/>
+          </a:p>
+          <a:p>
+            <a:r>
+              <a:rPr lang="en-US" altLang="ja-JP" dirty="0"/>
+              <a:t>In </a:t>
+            </a:r>
+            <a:r>
+              <a:rPr lang="en-US" altLang="ja-JP" dirty="0" err="1"/>
+              <a:t>JSindo</a:t>
+            </a:r>
+            <a:r>
+              <a:rPr lang="en-US" altLang="ja-JP" dirty="0"/>
+              <a:t> control panel, </a:t>
+            </a:r>
+            <a:r>
+              <a:rPr lang="en-US" altLang="ja-JP" dirty="0" smtClean="0"/>
+              <a:t>click File -&gt; Open, choose </a:t>
+            </a:r>
+            <a:r>
+              <a:rPr lang="en-US" altLang="ja-JP" dirty="0"/>
+              <a:t>“h2co.minfo</a:t>
+            </a:r>
+            <a:r>
+              <a:rPr lang="en-US" altLang="ja-JP" dirty="0" smtClean="0"/>
+              <a:t>”, and click Open. If you see formaldehyde, you’re done with the first step!</a:t>
+            </a:r>
+          </a:p>
+          <a:p>
+            <a:endParaRPr lang="en-US" altLang="ja-JP" dirty="0" smtClean="0"/>
+          </a:p>
+          <a:p>
+            <a:r>
+              <a:rPr lang="en-US" altLang="ja-JP" dirty="0"/>
+              <a:t>If this step fails, it is highly likely that </a:t>
+            </a:r>
+            <a:r>
+              <a:rPr lang="en-US" altLang="ja-JP" dirty="0" err="1"/>
+              <a:t>JogAmp</a:t>
+            </a:r>
+            <a:r>
+              <a:rPr lang="en-US" altLang="ja-JP" dirty="0" smtClean="0"/>
+              <a:t>/ Java3D </a:t>
+            </a:r>
+            <a:r>
+              <a:rPr lang="en-US" altLang="ja-JP" dirty="0"/>
+              <a:t>has a problem. Double check if the right </a:t>
+            </a:r>
+            <a:r>
+              <a:rPr lang="en-US" altLang="ja-JP" dirty="0" err="1"/>
+              <a:t>jarfiles</a:t>
+            </a:r>
+            <a:r>
+              <a:rPr lang="en-US" altLang="ja-JP" dirty="0"/>
+              <a:t> </a:t>
+            </a:r>
+            <a:r>
+              <a:rPr lang="en-US" altLang="ja-JP" dirty="0" smtClean="0"/>
+              <a:t>are </a:t>
+            </a:r>
+            <a:r>
+              <a:rPr lang="en-US" altLang="ja-JP" dirty="0"/>
+              <a:t>located in the folder</a:t>
+            </a:r>
+            <a:r>
+              <a:rPr lang="en-US" altLang="ja-JP" dirty="0" smtClean="0"/>
+              <a:t>.</a:t>
+            </a:r>
+            <a:endParaRPr lang="en-US" altLang="ja-JP" dirty="0"/>
+          </a:p>
+        </p:txBody>
+      </p:sp>
+      <p:sp>
+        <p:nvSpPr>
+          <p:cNvPr id="6" name="スライド番号プレースホルダー 5"/>
           <p:cNvSpPr>
             <a:spLocks noGrp="1"/>
           </p:cNvSpPr>
@@ -4100,129 +4138,22 @@
           <a:p>
             <a:fld id="{7D34BB6B-1E1A-9541-9560-488905BF54FF}" type="slidenum">
               <a:rPr kumimoji="1" lang="ja-JP" altLang="en-US" smtClean="0"/>
-              <a:t>1</a:t>
+              <a:t>9</a:t>
             </a:fld>
             <a:endParaRPr kumimoji="1" lang="ja-JP" altLang="en-US"/>
           </a:p>
         </p:txBody>
       </p:sp>
-      <p:pic>
-        <p:nvPicPr>
-          <p:cNvPr id="10" name="図 9"/>
-          <p:cNvPicPr>
-            <a:picLocks noChangeAspect="1"/>
-          </p:cNvPicPr>
-          <p:nvPr/>
-        </p:nvPicPr>
-        <p:blipFill>
-          <a:blip r:embed="rId3">
-            <a:extLst>
-              <a:ext uri="{28A0092B-C50C-407E-A947-70E740481C1C}">
-                <a14:useLocalDpi xmlns:a14="http://schemas.microsoft.com/office/drawing/2010/main" val="0"/>
-              </a:ext>
-            </a:extLst>
-          </a:blip>
-          <a:stretch>
-            <a:fillRect/>
-          </a:stretch>
-        </p:blipFill>
-        <p:spPr>
-          <a:xfrm>
-            <a:off x="4987637" y="1708662"/>
-            <a:ext cx="3812136" cy="3851321"/>
-          </a:xfrm>
-          <a:prstGeom prst="rect">
-            <a:avLst/>
-          </a:prstGeom>
-        </p:spPr>
-      </p:pic>
-      <p:sp>
-        <p:nvSpPr>
-          <p:cNvPr id="11" name="正方形/長方形 10"/>
-          <p:cNvSpPr/>
-          <p:nvPr/>
-        </p:nvSpPr>
-        <p:spPr>
-          <a:xfrm>
-            <a:off x="5269606" y="1305734"/>
-            <a:ext cx="2467727" cy="369332"/>
-          </a:xfrm>
-          <a:prstGeom prst="rect">
-            <a:avLst/>
-          </a:prstGeom>
-        </p:spPr>
-        <p:txBody>
-          <a:bodyPr wrap="none">
-            <a:spAutoFit/>
-          </a:bodyPr>
-          <a:lstStyle/>
-          <a:p>
-            <a:r>
-              <a:rPr lang="en-US" altLang="ja-JP" dirty="0" smtClean="0"/>
-              <a:t>http</a:t>
-            </a:r>
-            <a:r>
-              <a:rPr lang="en-US" altLang="ja-JP" dirty="0"/>
-              <a:t>://</a:t>
-            </a:r>
-            <a:r>
-              <a:rPr lang="en-US" altLang="ja-JP" dirty="0" err="1"/>
-              <a:t>openjdk.java.net</a:t>
-            </a:r>
-            <a:r>
-              <a:rPr lang="en-US" altLang="ja-JP" dirty="0"/>
-              <a:t>/</a:t>
-            </a:r>
-            <a:endParaRPr lang="ja-JP" altLang="en-US" dirty="0"/>
-          </a:p>
-        </p:txBody>
-      </p:sp>
-      <p:cxnSp>
-        <p:nvCxnSpPr>
-          <p:cNvPr id="15" name="直線矢印コネクタ 14"/>
-          <p:cNvCxnSpPr/>
-          <p:nvPr/>
-        </p:nvCxnSpPr>
-        <p:spPr>
-          <a:xfrm flipV="1">
-            <a:off x="3420094" y="3440239"/>
-            <a:ext cx="3610098" cy="1508165"/>
-          </a:xfrm>
-          <a:prstGeom prst="straightConnector1">
-            <a:avLst/>
-          </a:prstGeom>
-          <a:ln w="38100">
-            <a:solidFill>
-              <a:srgbClr val="00B050"/>
-            </a:solidFill>
-            <a:tailEnd type="triangle"/>
-          </a:ln>
-        </p:spPr>
-        <p:style>
-          <a:lnRef idx="1">
-            <a:schemeClr val="accent1"/>
-          </a:lnRef>
-          <a:fillRef idx="0">
-            <a:schemeClr val="accent1"/>
-          </a:fillRef>
-          <a:effectRef idx="0">
-            <a:schemeClr val="accent1"/>
-          </a:effectRef>
-          <a:fontRef idx="minor">
-            <a:schemeClr val="tx1"/>
-          </a:fontRef>
-        </p:style>
-      </p:cxnSp>
-      <p:sp>
-        <p:nvSpPr>
-          <p:cNvPr id="9" name="テキスト ボックス 8"/>
+      <p:sp>
+        <p:nvSpPr>
+          <p:cNvPr id="14" name="テキスト ボックス 13"/>
           <p:cNvSpPr txBox="1"/>
           <p:nvPr/>
         </p:nvSpPr>
         <p:spPr>
           <a:xfrm>
-            <a:off x="578735" y="902825"/>
-            <a:ext cx="5566011" cy="369332"/>
+            <a:off x="322489" y="941149"/>
+            <a:ext cx="8014724" cy="646331"/>
           </a:xfrm>
           <a:prstGeom prst="rect">
             <a:avLst/>
@@ -4230,199 +4161,362 @@
           <a:noFill/>
         </p:spPr>
         <p:txBody>
-          <a:bodyPr wrap="none" rtlCol="0">
-            <a:spAutoFit/>
-          </a:bodyPr>
-          <a:lstStyle/>
-          <a:p>
-            <a:r>
-              <a:rPr kumimoji="1" lang="en-US" altLang="ja-JP" dirty="0" smtClean="0"/>
-              <a:t>Install Java </a:t>
-            </a:r>
-            <a:r>
-              <a:rPr kumimoji="1" lang="en-US" altLang="ja-JP" smtClean="0"/>
-              <a:t>of Oracle </a:t>
-            </a:r>
-            <a:r>
-              <a:rPr kumimoji="1" lang="en-US" altLang="ja-JP" dirty="0" smtClean="0"/>
-              <a:t>(left), Open JDK (right), or any other. </a:t>
-            </a:r>
-            <a:endParaRPr kumimoji="1" lang="ja-JP" altLang="en-US" dirty="0"/>
-          </a:p>
-        </p:txBody>
-      </p:sp>
-      <p:sp>
-        <p:nvSpPr>
-          <p:cNvPr id="12" name="テキスト ボックス 11"/>
-          <p:cNvSpPr txBox="1"/>
-          <p:nvPr/>
-        </p:nvSpPr>
-        <p:spPr>
-          <a:xfrm>
-            <a:off x="211873" y="5750158"/>
-            <a:ext cx="8657863" cy="523220"/>
-          </a:xfrm>
-          <a:prstGeom prst="rect">
-            <a:avLst/>
-          </a:prstGeom>
-          <a:noFill/>
-        </p:spPr>
-        <p:txBody>
           <a:bodyPr wrap="square" rtlCol="0">
             <a:spAutoFit/>
           </a:bodyPr>
           <a:lstStyle/>
           <a:p>
             <a:r>
-              <a:rPr lang="en-US" altLang="ja-JP" sz="1400" dirty="0" smtClean="0"/>
-              <a:t>Note: Although Java 9 and 10 have been released since 2017/09 and 2018/03, respectively, Java 8 (1.8.x) is still recommended for </a:t>
-            </a:r>
-            <a:r>
-              <a:rPr lang="en-US" altLang="ja-JP" sz="1400" dirty="0" err="1" smtClean="0"/>
-              <a:t>JSindo</a:t>
-            </a:r>
-            <a:r>
-              <a:rPr lang="en-US" altLang="ja-JP" sz="1400" dirty="0" smtClean="0"/>
-              <a:t>, because it uses Java3D which may or may not be compatible with the newer Java.   </a:t>
-            </a:r>
-            <a:endParaRPr lang="ja-JP" altLang="en-US" sz="1400" dirty="0"/>
-          </a:p>
-        </p:txBody>
-      </p:sp>
-    </p:spTree>
-    <p:extLst>
-      <p:ext uri="{BB962C8B-B14F-4D97-AF65-F5344CB8AC3E}">
-        <p14:creationId xmlns:p14="http://schemas.microsoft.com/office/powerpoint/2010/main" val="1313567085"/>
-      </p:ext>
-    </p:extLst>
-  </p:cSld>
-  <p:clrMapOvr>
-    <a:masterClrMapping/>
-  </p:clrMapOvr>
-</p:sld>
-</file>
-
-<file path=ppt/slides/slide3.xml><?xml version="1.0" encoding="utf-8"?>
-<p:sld xmlns:a="http://schemas.openxmlformats.org/drawingml/2006/main" xmlns:r="http://schemas.openxmlformats.org/officeDocument/2006/relationships" xmlns:p="http://schemas.openxmlformats.org/presentationml/2006/main">
-  <p:cSld>
-    <p:spTree>
-      <p:nvGrpSpPr>
-        <p:cNvPr id="1" name=""/>
-        <p:cNvGrpSpPr/>
-        <p:nvPr/>
-      </p:nvGrpSpPr>
-      <p:grpSpPr>
-        <a:xfrm>
-          <a:off x="0" y="0"/>
-          <a:ext cx="0" cy="0"/>
-          <a:chOff x="0" y="0"/>
-          <a:chExt cx="0" cy="0"/>
-        </a:xfrm>
-      </p:grpSpPr>
-      <p:sp>
-        <p:nvSpPr>
-          <p:cNvPr id="2" name="タイトル 1"/>
-          <p:cNvSpPr>
-            <a:spLocks noGrp="1"/>
-          </p:cNvSpPr>
-          <p:nvPr>
-            <p:ph type="title"/>
-          </p:nvPr>
-        </p:nvSpPr>
-        <p:spPr/>
-        <p:txBody>
-          <a:bodyPr/>
-          <a:lstStyle/>
-          <a:p>
+              <a:rPr lang="en-US" altLang="ja-JP" dirty="0" smtClean="0"/>
+              <a:t>Download JSindo-4.x.jar and </a:t>
+            </a:r>
+            <a:r>
+              <a:rPr lang="en-US" altLang="ja-JP" dirty="0" err="1" smtClean="0"/>
+              <a:t>sample.zip</a:t>
+            </a:r>
+            <a:r>
+              <a:rPr lang="en-US" altLang="ja-JP" dirty="0" smtClean="0"/>
+              <a:t> (or </a:t>
+            </a:r>
+            <a:r>
+              <a:rPr lang="en-US" altLang="ja-JP" dirty="0" err="1" smtClean="0"/>
+              <a:t>sample.tar.gz</a:t>
+            </a:r>
+            <a:r>
+              <a:rPr lang="en-US" altLang="ja-JP" dirty="0" smtClean="0"/>
+              <a:t>) from our website:</a:t>
+            </a:r>
+          </a:p>
+          <a:p>
+            <a:pPr lvl="1"/>
             <a:r>
               <a:rPr lang="en-US" altLang="ja-JP" dirty="0"/>
-              <a:t>2. </a:t>
+              <a:t>http://</a:t>
+            </a:r>
+            <a:r>
+              <a:rPr lang="en-US" altLang="ja-JP" dirty="0" err="1" smtClean="0"/>
+              <a:t>www.riken.jp</a:t>
             </a:r>
             <a:r>
               <a:rPr lang="en-US" altLang="ja-JP" dirty="0" smtClean="0"/>
-              <a:t>Download Java3D</a:t>
-            </a:r>
-            <a:endParaRPr kumimoji="1" lang="ja-JP" altLang="en-US" dirty="0"/>
-          </a:p>
-        </p:txBody>
-      </p:sp>
-      <p:sp>
-        <p:nvSpPr>
-          <p:cNvPr id="3" name="スライド番号プレースホルダー 2"/>
-          <p:cNvSpPr>
-            <a:spLocks noGrp="1"/>
-          </p:cNvSpPr>
-          <p:nvPr>
-            <p:ph type="sldNum" sz="quarter" idx="12"/>
-          </p:nvPr>
-        </p:nvSpPr>
-        <p:spPr/>
-        <p:txBody>
-          <a:bodyPr/>
-          <a:lstStyle/>
-          <a:p>
-            <a:fld id="{7D34BB6B-1E1A-9541-9560-488905BF54FF}" type="slidenum">
-              <a:rPr kumimoji="1" lang="ja-JP" altLang="en-US" smtClean="0"/>
-              <a:t>2</a:t>
-            </a:fld>
-            <a:endParaRPr kumimoji="1" lang="ja-JP" altLang="en-US"/>
+              <a:t>/TMS2012/</a:t>
+            </a:r>
+            <a:r>
+              <a:rPr lang="en-US" altLang="ja-JP" dirty="0" err="1" smtClean="0"/>
+              <a:t>tms</a:t>
+            </a:r>
+            <a:r>
+              <a:rPr lang="en-US" altLang="ja-JP" dirty="0" smtClean="0"/>
+              <a:t>/</a:t>
+            </a:r>
+            <a:r>
+              <a:rPr lang="en-US" altLang="ja-JP" dirty="0" err="1" smtClean="0"/>
+              <a:t>en</a:t>
+            </a:r>
+            <a:r>
+              <a:rPr lang="en-US" altLang="ja-JP" dirty="0" smtClean="0"/>
+              <a:t>/research/software/</a:t>
+            </a:r>
+            <a:r>
+              <a:rPr lang="en-US" altLang="ja-JP" dirty="0" err="1" smtClean="0"/>
+              <a:t>sindo</a:t>
+            </a:r>
+            <a:r>
+              <a:rPr lang="en-US" altLang="ja-JP" dirty="0" smtClean="0"/>
+              <a:t>/</a:t>
+            </a:r>
+            <a:r>
+              <a:rPr lang="en-US" altLang="ja-JP" dirty="0" err="1" smtClean="0"/>
+              <a:t>index.html</a:t>
+            </a:r>
+            <a:endParaRPr lang="en-US" altLang="ja-JP" dirty="0"/>
           </a:p>
         </p:txBody>
       </p:sp>
       <p:grpSp>
         <p:nvGrpSpPr>
-          <p:cNvPr id="4" name="図形グループ 3"/>
+          <p:cNvPr id="16" name="図形グループ 15"/>
           <p:cNvGrpSpPr/>
           <p:nvPr/>
         </p:nvGrpSpPr>
         <p:grpSpPr>
           <a:xfrm>
-            <a:off x="4875448" y="1615108"/>
-            <a:ext cx="3365969" cy="5136979"/>
-            <a:chOff x="4395001" y="1295125"/>
-            <a:chExt cx="3521169" cy="5373838"/>
+            <a:off x="5625296" y="1739640"/>
+            <a:ext cx="3023046" cy="4452816"/>
+            <a:chOff x="5393913" y="986805"/>
+            <a:chExt cx="3404900" cy="5015271"/>
           </a:xfrm>
         </p:grpSpPr>
         <p:pic>
           <p:nvPicPr>
-            <p:cNvPr id="5" name="図 4"/>
+            <p:cNvPr id="18" name="図 9"/>
             <p:cNvPicPr>
               <a:picLocks noChangeAspect="1"/>
             </p:cNvPicPr>
             <p:nvPr/>
           </p:nvPicPr>
-          <p:blipFill>
-            <a:blip r:embed="rId2">
+          <p:blipFill rotWithShape="1">
+            <a:blip r:embed="rId3">
               <a:extLst>
                 <a:ext uri="{28A0092B-C50C-407E-A947-70E740481C1C}">
                   <a14:useLocalDpi xmlns:a14="http://schemas.microsoft.com/office/drawing/2010/main" val="0"/>
                 </a:ext>
               </a:extLst>
             </a:blip>
-            <a:stretch>
-              <a:fillRect/>
-            </a:stretch>
+            <a:srcRect b="1168"/>
+            <a:stretch/>
           </p:blipFill>
-          <p:spPr>
+          <p:spPr bwMode="auto">
             <a:xfrm>
-              <a:off x="4395001" y="1295125"/>
-              <a:ext cx="3509493" cy="2104490"/>
+              <a:off x="5393913" y="986805"/>
+              <a:ext cx="3404900" cy="1268257"/>
             </a:xfrm>
             <a:prstGeom prst="rect">
               <a:avLst/>
             </a:prstGeom>
+            <a:noFill/>
+            <a:ln w="9525">
+              <a:solidFill>
+                <a:srgbClr val="000000"/>
+              </a:solidFill>
+              <a:miter lim="800000"/>
+              <a:headEnd/>
+              <a:tailEnd/>
+            </a:ln>
+            <a:extLst>
+              <a:ext uri="{909E8E84-426E-40DD-AFC4-6F175D3DCCD1}">
+                <a14:hiddenFill xmlns:a14="http://schemas.microsoft.com/office/drawing/2010/main">
+                  <a:solidFill>
+                    <a:srgbClr val="FFFFFF"/>
+                  </a:solidFill>
+                </a14:hiddenFill>
+              </a:ext>
+            </a:extLst>
+          </p:spPr>
+        </p:pic>
+        <p:cxnSp>
+          <p:nvCxnSpPr>
+            <p:cNvPr id="20" name="直線矢印コネクタ 19"/>
+            <p:cNvCxnSpPr/>
+            <p:nvPr/>
+          </p:nvCxnSpPr>
+          <p:spPr>
+            <a:xfrm>
+              <a:off x="5550185" y="1328758"/>
+              <a:ext cx="0" cy="1278485"/>
+            </a:xfrm>
+            <a:prstGeom prst="straightConnector1">
+              <a:avLst/>
+            </a:prstGeom>
+            <a:ln w="28575">
+              <a:solidFill>
+                <a:srgbClr val="00B050"/>
+              </a:solidFill>
+              <a:tailEnd type="triangle"/>
+            </a:ln>
+          </p:spPr>
+          <p:style>
+            <a:lnRef idx="1">
+              <a:schemeClr val="accent1"/>
+            </a:lnRef>
+            <a:fillRef idx="0">
+              <a:schemeClr val="accent1"/>
+            </a:fillRef>
+            <a:effectRef idx="0">
+              <a:schemeClr val="accent1"/>
+            </a:effectRef>
+            <a:fontRef idx="minor">
+              <a:schemeClr val="tx1"/>
+            </a:fontRef>
+          </p:style>
+        </p:cxnSp>
+        <p:sp>
+          <p:nvSpPr>
+            <p:cNvPr id="21" name="テキスト ボックス 20"/>
+            <p:cNvSpPr txBox="1"/>
+            <p:nvPr/>
+          </p:nvSpPr>
+          <p:spPr>
+            <a:xfrm>
+              <a:off x="5597499" y="1346311"/>
+              <a:ext cx="696024" cy="369332"/>
+            </a:xfrm>
+            <a:prstGeom prst="rect">
+              <a:avLst/>
+            </a:prstGeom>
+            <a:noFill/>
+          </p:spPr>
+          <p:txBody>
+            <a:bodyPr wrap="none" rtlCol="0">
+              <a:spAutoFit/>
+            </a:bodyPr>
+            <a:lstStyle/>
+            <a:p>
+              <a:r>
+                <a:rPr kumimoji="1" lang="en-US" altLang="ja-JP" dirty="0" smtClean="0"/>
+                <a:t>Open</a:t>
+              </a:r>
+              <a:endParaRPr kumimoji="1" lang="ja-JP" altLang="en-US" dirty="0"/>
+            </a:p>
+          </p:txBody>
+        </p:sp>
+        <p:pic>
+          <p:nvPicPr>
+            <p:cNvPr id="23" name="図 22"/>
+            <p:cNvPicPr>
+              <a:picLocks noChangeAspect="1"/>
+            </p:cNvPicPr>
+            <p:nvPr/>
+          </p:nvPicPr>
+          <p:blipFill rotWithShape="1">
+            <a:blip r:embed="rId4">
+              <a:extLst>
+                <a:ext uri="{28A0092B-C50C-407E-A947-70E740481C1C}">
+                  <a14:useLocalDpi xmlns:a14="http://schemas.microsoft.com/office/drawing/2010/main" val="0"/>
+                </a:ext>
+              </a:extLst>
+            </a:blip>
+            <a:srcRect l="9182" t="7774" r="8854" b="19884"/>
+            <a:stretch/>
+          </p:blipFill>
+          <p:spPr>
+            <a:xfrm>
+              <a:off x="5481037" y="2694129"/>
+              <a:ext cx="2379121" cy="1328104"/>
+            </a:xfrm>
+            <a:prstGeom prst="rect">
+              <a:avLst/>
+            </a:prstGeom>
+            <a:ln>
+              <a:solidFill>
+                <a:schemeClr val="accent1"/>
+              </a:solidFill>
+            </a:ln>
           </p:spPr>
         </p:pic>
         <p:sp>
           <p:nvSpPr>
-            <p:cNvPr id="6" name="正方形/長方形 5"/>
+            <p:cNvPr id="24" name="正方形/長方形 23"/>
             <p:cNvSpPr/>
             <p:nvPr/>
           </p:nvSpPr>
           <p:spPr>
             <a:xfrm>
-              <a:off x="4494758" y="2305053"/>
-              <a:ext cx="1251908" cy="194563"/>
+              <a:off x="5527220" y="3055732"/>
+              <a:ext cx="480188" cy="141777"/>
+            </a:xfrm>
+            <a:prstGeom prst="rect">
+              <a:avLst/>
+            </a:prstGeom>
+            <a:noFill/>
+            <a:ln w="28575">
+              <a:solidFill>
+                <a:srgbClr val="00B050"/>
+              </a:solidFill>
+              <a:prstDash val="sysDash"/>
+            </a:ln>
+          </p:spPr>
+          <p:style>
+            <a:lnRef idx="2">
+              <a:schemeClr val="accent1">
+                <a:shade val="50000"/>
+              </a:schemeClr>
+            </a:lnRef>
+            <a:fillRef idx="1">
+              <a:schemeClr val="accent1"/>
+            </a:fillRef>
+            <a:effectRef idx="0">
+              <a:schemeClr val="accent1"/>
+            </a:effectRef>
+            <a:fontRef idx="minor">
+              <a:schemeClr val="lt1"/>
+            </a:fontRef>
+          </p:style>
+          <p:txBody>
+            <a:bodyPr rtlCol="0" anchor="ctr"/>
+            <a:lstStyle/>
+            <a:p>
+              <a:pPr algn="ctr"/>
+              <a:endParaRPr kumimoji="1" lang="ja-JP" altLang="en-US"/>
+            </a:p>
+          </p:txBody>
+        </p:sp>
+        <p:cxnSp>
+          <p:nvCxnSpPr>
+            <p:cNvPr id="25" name="直線矢印コネクタ 24"/>
+            <p:cNvCxnSpPr/>
+            <p:nvPr/>
+          </p:nvCxnSpPr>
+          <p:spPr>
+            <a:xfrm>
+              <a:off x="7578899" y="3995652"/>
+              <a:ext cx="7181" cy="323779"/>
+            </a:xfrm>
+            <a:prstGeom prst="straightConnector1">
+              <a:avLst/>
+            </a:prstGeom>
+            <a:ln w="28575">
+              <a:solidFill>
+                <a:srgbClr val="00B050"/>
+              </a:solidFill>
+              <a:tailEnd type="triangle"/>
+            </a:ln>
+          </p:spPr>
+          <p:style>
+            <a:lnRef idx="1">
+              <a:schemeClr val="accent1"/>
+            </a:lnRef>
+            <a:fillRef idx="0">
+              <a:schemeClr val="accent1"/>
+            </a:fillRef>
+            <a:effectRef idx="0">
+              <a:schemeClr val="accent1"/>
+            </a:effectRef>
+            <a:fontRef idx="minor">
+              <a:schemeClr val="tx1"/>
+            </a:fontRef>
+          </p:style>
+        </p:cxnSp>
+        <p:sp>
+          <p:nvSpPr>
+            <p:cNvPr id="26" name="テキスト ボックス 25"/>
+            <p:cNvSpPr txBox="1"/>
+            <p:nvPr/>
+          </p:nvSpPr>
+          <p:spPr>
+            <a:xfrm>
+              <a:off x="5939447" y="3134127"/>
+              <a:ext cx="1094124" cy="258837"/>
+            </a:xfrm>
+            <a:prstGeom prst="rect">
+              <a:avLst/>
+            </a:prstGeom>
+            <a:noFill/>
+          </p:spPr>
+          <p:txBody>
+            <a:bodyPr wrap="none" rtlCol="0">
+              <a:spAutoFit/>
+            </a:bodyPr>
+            <a:lstStyle/>
+            <a:p>
+              <a:r>
+                <a:rPr kumimoji="1" lang="en-US" altLang="ja-JP" dirty="0" smtClean="0"/>
+                <a:t>click to choose</a:t>
+              </a:r>
+              <a:endParaRPr kumimoji="1" lang="ja-JP" altLang="en-US" dirty="0"/>
+            </a:p>
+          </p:txBody>
+        </p:sp>
+        <p:sp>
+          <p:nvSpPr>
+            <p:cNvPr id="27" name="正方形/長方形 26"/>
+            <p:cNvSpPr/>
+            <p:nvPr/>
+          </p:nvSpPr>
+          <p:spPr>
+            <a:xfrm>
+              <a:off x="7395430" y="3816722"/>
+              <a:ext cx="391620" cy="150819"/>
             </a:xfrm>
             <a:prstGeom prst="rect">
               <a:avLst/>
@@ -4462,17 +4556,1142 @@
         </p:sp>
         <p:pic>
           <p:nvPicPr>
-            <p:cNvPr id="7" name="図 6"/>
+            <p:cNvPr id="28" name="図 27"/>
+            <p:cNvPicPr>
+              <a:picLocks noChangeAspect="1"/>
+            </p:cNvPicPr>
+            <p:nvPr/>
+          </p:nvPicPr>
+          <p:blipFill rotWithShape="1">
+            <a:blip r:embed="rId5">
+              <a:extLst>
+                <a:ext uri="{28A0092B-C50C-407E-A947-70E740481C1C}">
+                  <a14:useLocalDpi xmlns:a14="http://schemas.microsoft.com/office/drawing/2010/main" val="0"/>
+                </a:ext>
+              </a:extLst>
+            </a:blip>
+            <a:srcRect l="9606" t="5208" r="9167" b="14212"/>
+            <a:stretch/>
+          </p:blipFill>
+          <p:spPr>
+            <a:xfrm>
+              <a:off x="6808162" y="4430320"/>
+              <a:ext cx="1584380" cy="1571756"/>
+            </a:xfrm>
+            <a:prstGeom prst="rect">
+              <a:avLst/>
+            </a:prstGeom>
+            <a:ln>
+              <a:solidFill>
+                <a:schemeClr val="accent1"/>
+              </a:solidFill>
+            </a:ln>
+          </p:spPr>
+        </p:pic>
+      </p:grpSp>
+    </p:spTree>
+    <p:extLst>
+      <p:ext uri="{BB962C8B-B14F-4D97-AF65-F5344CB8AC3E}">
+        <p14:creationId xmlns:p14="http://schemas.microsoft.com/office/powerpoint/2010/main" val="506715033"/>
+      </p:ext>
+    </p:extLst>
+  </p:cSld>
+  <p:clrMapOvr>
+    <a:masterClrMapping/>
+  </p:clrMapOvr>
+</p:sld>
+</file>
+
+<file path=ppt/slides/slide11.xml><?xml version="1.0" encoding="utf-8"?>
+<p:sld xmlns:a="http://schemas.openxmlformats.org/drawingml/2006/main" xmlns:r="http://schemas.openxmlformats.org/officeDocument/2006/relationships" xmlns:p="http://schemas.openxmlformats.org/presentationml/2006/main">
+  <p:cSld>
+    <p:spTree>
+      <p:nvGrpSpPr>
+        <p:cNvPr id="1" name=""/>
+        <p:cNvGrpSpPr/>
+        <p:nvPr/>
+      </p:nvGrpSpPr>
+      <p:grpSpPr>
+        <a:xfrm>
+          <a:off x="0" y="0"/>
+          <a:ext cx="0" cy="0"/>
+          <a:chOff x="0" y="0"/>
+          <a:chExt cx="0" cy="0"/>
+        </a:xfrm>
+      </p:grpSpPr>
+      <p:pic>
+        <p:nvPicPr>
+          <p:cNvPr id="13" name="図 9"/>
+          <p:cNvPicPr>
+            <a:picLocks noChangeAspect="1"/>
+          </p:cNvPicPr>
+          <p:nvPr/>
+        </p:nvPicPr>
+        <p:blipFill>
+          <a:blip r:embed="rId2">
+            <a:extLst>
+              <a:ext uri="{28A0092B-C50C-407E-A947-70E740481C1C}">
+                <a14:useLocalDpi xmlns:a14="http://schemas.microsoft.com/office/drawing/2010/main"/>
+              </a:ext>
+            </a:extLst>
+          </a:blip>
+          <a:srcRect/>
+          <a:stretch>
+            <a:fillRect/>
+          </a:stretch>
+        </p:blipFill>
+        <p:spPr bwMode="auto">
+          <a:xfrm>
+            <a:off x="5393913" y="418769"/>
+            <a:ext cx="3404900" cy="1283254"/>
+          </a:xfrm>
+          <a:prstGeom prst="rect">
+            <a:avLst/>
+          </a:prstGeom>
+          <a:noFill/>
+          <a:ln w="9525">
+            <a:solidFill>
+              <a:srgbClr val="000000"/>
+            </a:solidFill>
+            <a:miter lim="800000"/>
+            <a:headEnd/>
+            <a:tailEnd/>
+          </a:ln>
+          <a:extLst>
+            <a:ext uri="{909E8E84-426E-40DD-AFC4-6F175D3DCCD1}">
+              <a14:hiddenFill xmlns:a14="http://schemas.microsoft.com/office/drawing/2010/main">
+                <a:solidFill>
+                  <a:srgbClr val="FFFFFF"/>
+                </a:solidFill>
+              </a14:hiddenFill>
+            </a:ext>
+          </a:extLst>
+        </p:spPr>
+      </p:pic>
+      <p:cxnSp>
+        <p:nvCxnSpPr>
+          <p:cNvPr id="14" name="直線矢印コネクタ 13"/>
+          <p:cNvCxnSpPr/>
+          <p:nvPr/>
+        </p:nvCxnSpPr>
+        <p:spPr>
+          <a:xfrm>
+            <a:off x="6456635" y="781347"/>
+            <a:ext cx="0" cy="1278485"/>
+          </a:xfrm>
+          <a:prstGeom prst="straightConnector1">
+            <a:avLst/>
+          </a:prstGeom>
+          <a:ln w="28575">
+            <a:solidFill>
+              <a:srgbClr val="00B050"/>
+            </a:solidFill>
+            <a:tailEnd type="triangle"/>
+          </a:ln>
+        </p:spPr>
+        <p:style>
+          <a:lnRef idx="1">
+            <a:schemeClr val="accent1"/>
+          </a:lnRef>
+          <a:fillRef idx="0">
+            <a:schemeClr val="accent1"/>
+          </a:fillRef>
+          <a:effectRef idx="0">
+            <a:schemeClr val="accent1"/>
+          </a:effectRef>
+          <a:fontRef idx="minor">
+            <a:schemeClr val="tx1"/>
+          </a:fontRef>
+        </p:style>
+      </p:cxnSp>
+      <p:sp>
+        <p:nvSpPr>
+          <p:cNvPr id="15" name="テキスト ボックス 14"/>
+          <p:cNvSpPr txBox="1"/>
+          <p:nvPr/>
+        </p:nvSpPr>
+        <p:spPr>
+          <a:xfrm>
+            <a:off x="6454749" y="878288"/>
+            <a:ext cx="1904239" cy="369332"/>
+          </a:xfrm>
+          <a:prstGeom prst="rect">
+            <a:avLst/>
+          </a:prstGeom>
+          <a:noFill/>
+        </p:spPr>
+        <p:txBody>
+          <a:bodyPr wrap="none" rtlCol="0">
+            <a:spAutoFit/>
+          </a:bodyPr>
+          <a:lstStyle/>
+          <a:p>
+            <a:r>
+              <a:rPr lang="en-US" altLang="ja-JP" dirty="0" smtClean="0"/>
+              <a:t>Harmonic Analysis</a:t>
+            </a:r>
+            <a:endParaRPr kumimoji="1" lang="ja-JP" altLang="en-US" dirty="0"/>
+          </a:p>
+        </p:txBody>
+      </p:sp>
+      <p:sp>
+        <p:nvSpPr>
+          <p:cNvPr id="16" name="テキスト ボックス 15"/>
+          <p:cNvSpPr txBox="1"/>
+          <p:nvPr/>
+        </p:nvSpPr>
+        <p:spPr>
+          <a:xfrm>
+            <a:off x="225833" y="841421"/>
+            <a:ext cx="5077859" cy="5355312"/>
+          </a:xfrm>
+          <a:prstGeom prst="rect">
+            <a:avLst/>
+          </a:prstGeom>
+          <a:noFill/>
+        </p:spPr>
+        <p:txBody>
+          <a:bodyPr wrap="square" rtlCol="0">
+            <a:spAutoFit/>
+          </a:bodyPr>
+          <a:lstStyle/>
+          <a:p>
+            <a:r>
+              <a:rPr lang="en-US" altLang="ja-JP" dirty="0" smtClean="0"/>
+              <a:t>Finally, </a:t>
+            </a:r>
+            <a:r>
+              <a:rPr lang="en-US" altLang="ja-JP" dirty="0" err="1" smtClean="0"/>
+              <a:t>goto</a:t>
+            </a:r>
+            <a:r>
+              <a:rPr lang="en-US" altLang="ja-JP" dirty="0" smtClean="0"/>
+              <a:t> Tools -&gt; Harmonic Analysis. This should create a panel of “Normal modes”. </a:t>
+            </a:r>
+          </a:p>
+          <a:p>
+            <a:endParaRPr lang="en-US" altLang="ja-JP" dirty="0" smtClean="0"/>
+          </a:p>
+          <a:p>
+            <a:pPr lvl="1"/>
+            <a:r>
+              <a:rPr lang="en-US" altLang="ja-JP" dirty="0" smtClean="0"/>
+              <a:t>If </a:t>
+            </a:r>
+            <a:r>
+              <a:rPr lang="en-US" altLang="ja-JP" dirty="0"/>
+              <a:t>you don’t see </a:t>
+            </a:r>
+            <a:r>
+              <a:rPr lang="en-US" altLang="ja-JP" dirty="0" smtClean="0"/>
+              <a:t>this </a:t>
+            </a:r>
+            <a:r>
+              <a:rPr lang="en-US" altLang="ja-JP" dirty="0"/>
+              <a:t>panel, </a:t>
+            </a:r>
+            <a:r>
+              <a:rPr lang="en-US" altLang="ja-JP" dirty="0" smtClean="0"/>
+              <a:t>JAMA isn’t working. Check if the </a:t>
+            </a:r>
+            <a:r>
+              <a:rPr lang="en-US" altLang="ja-JP" dirty="0" err="1" smtClean="0"/>
+              <a:t>jarfile</a:t>
+            </a:r>
+            <a:r>
+              <a:rPr lang="en-US" altLang="ja-JP" dirty="0" smtClean="0"/>
+              <a:t> of JAMA is set correctly.</a:t>
+            </a:r>
+            <a:endParaRPr lang="en-US" altLang="ja-JP" dirty="0"/>
+          </a:p>
+          <a:p>
+            <a:endParaRPr lang="en-US" altLang="ja-JP" dirty="0" smtClean="0"/>
+          </a:p>
+          <a:p>
+            <a:r>
+              <a:rPr lang="en-US" altLang="ja-JP" dirty="0" smtClean="0"/>
+              <a:t>If the panel appears, you’re all set! Congratulations!</a:t>
+            </a:r>
+          </a:p>
+          <a:p>
+            <a:endParaRPr lang="en-US" altLang="ja-JP" dirty="0" smtClean="0"/>
+          </a:p>
+          <a:p>
+            <a:endParaRPr lang="en-US" altLang="ja-JP" dirty="0"/>
+          </a:p>
+          <a:p>
+            <a:r>
+              <a:rPr lang="en-US" altLang="ja-JP" dirty="0" smtClean="0"/>
+              <a:t>Check on ”show vibrational coordinates”, and choose a mode you want to see. Vibrational motion will be indicated by arrows. You can “Invert the arrows” by a check box, and change the magnitude using a slider. </a:t>
+            </a:r>
+          </a:p>
+          <a:p>
+            <a:endParaRPr lang="en-US" altLang="ja-JP" dirty="0"/>
+          </a:p>
+          <a:p>
+            <a:endParaRPr lang="en-US" altLang="ja-JP" dirty="0" smtClean="0"/>
+          </a:p>
+          <a:p>
+            <a:r>
+              <a:rPr lang="en-US" altLang="ja-JP" dirty="0" smtClean="0"/>
+              <a:t>Thanks for using </a:t>
+            </a:r>
+            <a:r>
+              <a:rPr lang="en-US" altLang="ja-JP" dirty="0" err="1" smtClean="0"/>
+              <a:t>JSindo</a:t>
+            </a:r>
+            <a:r>
+              <a:rPr lang="en-US" altLang="ja-JP" dirty="0" smtClean="0"/>
+              <a:t>!</a:t>
+            </a:r>
+          </a:p>
+          <a:p>
+            <a:r>
+              <a:rPr lang="en-US" altLang="ja-JP" dirty="0"/>
+              <a:t>Enjoy! </a:t>
+            </a:r>
+          </a:p>
+          <a:p>
+            <a:endParaRPr lang="en-US" altLang="ja-JP" dirty="0" smtClean="0"/>
+          </a:p>
+        </p:txBody>
+      </p:sp>
+      <p:pic>
+        <p:nvPicPr>
+          <p:cNvPr id="2" name="図 1"/>
+          <p:cNvPicPr>
+            <a:picLocks noChangeAspect="1"/>
+          </p:cNvPicPr>
+          <p:nvPr/>
+        </p:nvPicPr>
+        <p:blipFill rotWithShape="1">
+          <a:blip r:embed="rId3" cstate="print">
+            <a:extLst>
+              <a:ext uri="{28A0092B-C50C-407E-A947-70E740481C1C}">
+                <a14:useLocalDpi xmlns:a14="http://schemas.microsoft.com/office/drawing/2010/main"/>
+              </a:ext>
+            </a:extLst>
+          </a:blip>
+          <a:srcRect/>
+          <a:stretch/>
+        </p:blipFill>
+        <p:spPr>
+          <a:xfrm>
+            <a:off x="5657464" y="2078183"/>
+            <a:ext cx="2304788" cy="1371600"/>
+          </a:xfrm>
+          <a:prstGeom prst="rect">
+            <a:avLst/>
+          </a:prstGeom>
+          <a:ln>
+            <a:solidFill>
+              <a:schemeClr val="accent1"/>
+            </a:solidFill>
+          </a:ln>
+        </p:spPr>
+      </p:pic>
+      <p:pic>
+        <p:nvPicPr>
+          <p:cNvPr id="3" name="図 2"/>
+          <p:cNvPicPr>
+            <a:picLocks noChangeAspect="1"/>
+          </p:cNvPicPr>
+          <p:nvPr/>
+        </p:nvPicPr>
+        <p:blipFill rotWithShape="1">
+          <a:blip r:embed="rId4" cstate="print">
+            <a:extLst>
+              <a:ext uri="{28A0092B-C50C-407E-A947-70E740481C1C}">
+                <a14:useLocalDpi xmlns:a14="http://schemas.microsoft.com/office/drawing/2010/main"/>
+              </a:ext>
+            </a:extLst>
+          </a:blip>
+          <a:srcRect/>
+          <a:stretch/>
+        </p:blipFill>
+        <p:spPr>
+          <a:xfrm>
+            <a:off x="5479679" y="3713019"/>
+            <a:ext cx="2708357" cy="2701636"/>
+          </a:xfrm>
+          <a:prstGeom prst="rect">
+            <a:avLst/>
+          </a:prstGeom>
+          <a:ln>
+            <a:solidFill>
+              <a:schemeClr val="accent1"/>
+            </a:solidFill>
+          </a:ln>
+        </p:spPr>
+      </p:pic>
+      <p:sp>
+        <p:nvSpPr>
+          <p:cNvPr id="4" name="スライド番号プレースホルダー 3"/>
+          <p:cNvSpPr>
+            <a:spLocks noGrp="1"/>
+          </p:cNvSpPr>
+          <p:nvPr>
+            <p:ph type="sldNum" sz="quarter" idx="12"/>
+          </p:nvPr>
+        </p:nvSpPr>
+        <p:spPr/>
+        <p:txBody>
+          <a:bodyPr/>
+          <a:lstStyle/>
+          <a:p>
+            <a:fld id="{7D34BB6B-1E1A-9541-9560-488905BF54FF}" type="slidenum">
+              <a:rPr kumimoji="1" lang="ja-JP" altLang="en-US" smtClean="0"/>
+              <a:t>10</a:t>
+            </a:fld>
+            <a:endParaRPr kumimoji="1" lang="ja-JP" altLang="en-US"/>
+          </a:p>
+        </p:txBody>
+      </p:sp>
+    </p:spTree>
+    <p:extLst>
+      <p:ext uri="{BB962C8B-B14F-4D97-AF65-F5344CB8AC3E}">
+        <p14:creationId xmlns:p14="http://schemas.microsoft.com/office/powerpoint/2010/main" val="1416719639"/>
+      </p:ext>
+    </p:extLst>
+  </p:cSld>
+  <p:clrMapOvr>
+    <a:masterClrMapping/>
+  </p:clrMapOvr>
+  <p:timing>
+    <p:tnLst>
+      <p:par>
+        <p:cTn id="1" dur="indefinite" restart="never" nodeType="tmRoot"/>
+      </p:par>
+    </p:tnLst>
+  </p:timing>
+</p:sld>
+</file>
+
+<file path=ppt/slides/slide12.xml><?xml version="1.0" encoding="utf-8"?>
+<p:sld xmlns:a="http://schemas.openxmlformats.org/drawingml/2006/main" xmlns:r="http://schemas.openxmlformats.org/officeDocument/2006/relationships" xmlns:p="http://schemas.openxmlformats.org/presentationml/2006/main">
+  <p:cSld>
+    <p:spTree>
+      <p:nvGrpSpPr>
+        <p:cNvPr id="1" name=""/>
+        <p:cNvGrpSpPr/>
+        <p:nvPr/>
+      </p:nvGrpSpPr>
+      <p:grpSpPr>
+        <a:xfrm>
+          <a:off x="0" y="0"/>
+          <a:ext cx="0" cy="0"/>
+          <a:chOff x="0" y="0"/>
+          <a:chExt cx="0" cy="0"/>
+        </a:xfrm>
+      </p:grpSpPr>
+      <p:sp>
+        <p:nvSpPr>
+          <p:cNvPr id="3" name="タイトル 2"/>
+          <p:cNvSpPr>
+            <a:spLocks noGrp="1"/>
+          </p:cNvSpPr>
+          <p:nvPr>
+            <p:ph type="title"/>
+          </p:nvPr>
+        </p:nvSpPr>
+        <p:spPr/>
+        <p:txBody>
+          <a:bodyPr/>
+          <a:lstStyle/>
+          <a:p>
+            <a:r>
+              <a:rPr kumimoji="1" lang="en-US" altLang="ja-JP" dirty="0" smtClean="0"/>
+              <a:t>Appendix</a:t>
+            </a:r>
+            <a:endParaRPr kumimoji="1" lang="ja-JP" altLang="en-US" dirty="0"/>
+          </a:p>
+        </p:txBody>
+      </p:sp>
+      <p:sp>
+        <p:nvSpPr>
+          <p:cNvPr id="2" name="スライド番号プレースホルダー 1"/>
+          <p:cNvSpPr>
+            <a:spLocks noGrp="1"/>
+          </p:cNvSpPr>
+          <p:nvPr>
+            <p:ph type="sldNum" sz="quarter" idx="12"/>
+          </p:nvPr>
+        </p:nvSpPr>
+        <p:spPr/>
+        <p:txBody>
+          <a:bodyPr/>
+          <a:lstStyle/>
+          <a:p>
+            <a:fld id="{7D34BB6B-1E1A-9541-9560-488905BF54FF}" type="slidenum">
+              <a:rPr kumimoji="1" lang="ja-JP" altLang="en-US" smtClean="0"/>
+              <a:t>11</a:t>
+            </a:fld>
+            <a:endParaRPr kumimoji="1" lang="ja-JP" altLang="en-US"/>
+          </a:p>
+        </p:txBody>
+      </p:sp>
+      <p:sp>
+        <p:nvSpPr>
+          <p:cNvPr id="4" name="テキスト ボックス 7"/>
+          <p:cNvSpPr txBox="1"/>
+          <p:nvPr/>
+        </p:nvSpPr>
+        <p:spPr>
+          <a:xfrm>
+            <a:off x="542240" y="1741081"/>
+            <a:ext cx="8014724" cy="1477328"/>
+          </a:xfrm>
+          <a:prstGeom prst="rect">
+            <a:avLst/>
+          </a:prstGeom>
+          <a:noFill/>
+        </p:spPr>
+        <p:txBody>
+          <a:bodyPr wrap="square" rtlCol="0">
+            <a:spAutoFit/>
+          </a:bodyPr>
+          <a:lstStyle/>
+          <a:p>
+            <a:r>
+              <a:rPr lang="en-US" altLang="ja-JP" dirty="0" smtClean="0"/>
+              <a:t>Make sure you have installed JDK, not JRE, which let you use java from a command line. Type “java –version” in the terminal. If you get a version info, then you’re OK. If not, install JDK (see Chap. 1).</a:t>
+            </a:r>
+          </a:p>
+          <a:p>
+            <a:endParaRPr lang="en-US" altLang="ja-JP" dirty="0"/>
+          </a:p>
+          <a:p>
+            <a:r>
+              <a:rPr lang="en-US" altLang="ja-JP" dirty="0" smtClean="0"/>
+              <a:t>Then, you can start </a:t>
+            </a:r>
+            <a:r>
+              <a:rPr lang="en-US" altLang="ja-JP" dirty="0" err="1" smtClean="0"/>
+              <a:t>JSindo</a:t>
+            </a:r>
+            <a:r>
+              <a:rPr lang="en-US" altLang="ja-JP" dirty="0" smtClean="0"/>
+              <a:t> by</a:t>
+            </a:r>
+          </a:p>
+        </p:txBody>
+      </p:sp>
+      <p:sp>
+        <p:nvSpPr>
+          <p:cNvPr id="5" name="テキスト ボックス 3"/>
+          <p:cNvSpPr txBox="1"/>
+          <p:nvPr/>
+        </p:nvSpPr>
+        <p:spPr>
+          <a:xfrm>
+            <a:off x="300118" y="1200599"/>
+            <a:ext cx="4062009" cy="369332"/>
+          </a:xfrm>
+          <a:prstGeom prst="rect">
+            <a:avLst/>
+          </a:prstGeom>
+          <a:noFill/>
+          <a:ln>
+            <a:solidFill>
+              <a:srgbClr val="FFC000"/>
+            </a:solidFill>
+          </a:ln>
+        </p:spPr>
+        <p:txBody>
+          <a:bodyPr wrap="none" rtlCol="0">
+            <a:spAutoFit/>
+          </a:bodyPr>
+          <a:lstStyle/>
+          <a:p>
+            <a:r>
+              <a:rPr kumimoji="1" lang="en-US" altLang="ja-JP" dirty="0" smtClean="0"/>
+              <a:t>How to </a:t>
+            </a:r>
+            <a:r>
+              <a:rPr kumimoji="1" lang="en-US" altLang="ja-JP" dirty="0" smtClean="0"/>
+              <a:t>use </a:t>
+            </a:r>
+            <a:r>
+              <a:rPr kumimoji="1" lang="en-US" altLang="ja-JP" dirty="0" err="1" smtClean="0"/>
+              <a:t>JSindo</a:t>
+            </a:r>
+            <a:r>
+              <a:rPr kumimoji="1" lang="en-US" altLang="ja-JP" dirty="0" smtClean="0"/>
+              <a:t> from a command </a:t>
+            </a:r>
+            <a:r>
+              <a:rPr kumimoji="1" lang="en-US" altLang="ja-JP" dirty="0" smtClean="0"/>
+              <a:t>line.</a:t>
+            </a:r>
+            <a:endParaRPr kumimoji="1" lang="ja-JP" altLang="en-US" dirty="0"/>
+          </a:p>
+        </p:txBody>
+      </p:sp>
+      <p:sp>
+        <p:nvSpPr>
+          <p:cNvPr id="6" name="テキスト ボックス 13"/>
+          <p:cNvSpPr txBox="1"/>
+          <p:nvPr/>
+        </p:nvSpPr>
+        <p:spPr>
+          <a:xfrm>
+            <a:off x="1244416" y="3283430"/>
+            <a:ext cx="3903633" cy="276999"/>
+          </a:xfrm>
+          <a:prstGeom prst="rect">
+            <a:avLst/>
+          </a:prstGeom>
+          <a:noFill/>
+          <a:ln>
+            <a:solidFill>
+              <a:srgbClr val="00B050"/>
+            </a:solidFill>
+          </a:ln>
+        </p:spPr>
+        <p:txBody>
+          <a:bodyPr wrap="none" rtlCol="0">
+            <a:spAutoFit/>
+          </a:bodyPr>
+          <a:lstStyle/>
+          <a:p>
+            <a:r>
+              <a:rPr kumimoji="1" lang="en-US" altLang="ja-JP" sz="1200" dirty="0" smtClean="0">
+                <a:latin typeface="Courier" charset="0"/>
+                <a:ea typeface="Courier" charset="0"/>
+                <a:cs typeface="Courier" charset="0"/>
+              </a:rPr>
+              <a:t>&gt;java –</a:t>
+            </a:r>
+            <a:r>
+              <a:rPr kumimoji="1" lang="en-US" altLang="ja-JP" sz="1200" dirty="0" err="1" smtClean="0">
+                <a:latin typeface="Courier" charset="0"/>
+                <a:ea typeface="Courier" charset="0"/>
+                <a:cs typeface="Courier" charset="0"/>
+              </a:rPr>
+              <a:t>cp</a:t>
+            </a:r>
+            <a:r>
+              <a:rPr kumimoji="1" lang="en-US" altLang="ja-JP" sz="1200" dirty="0" smtClean="0">
+                <a:latin typeface="Courier" charset="0"/>
+                <a:ea typeface="Courier" charset="0"/>
+                <a:cs typeface="Courier" charset="0"/>
+              </a:rPr>
+              <a:t> /path/to/JSindo-4.0.jar </a:t>
+            </a:r>
+            <a:r>
+              <a:rPr kumimoji="1" lang="en-US" altLang="ja-JP" sz="1200" dirty="0" err="1" smtClean="0">
+                <a:latin typeface="Courier" charset="0"/>
+                <a:ea typeface="Courier" charset="0"/>
+                <a:cs typeface="Courier" charset="0"/>
+              </a:rPr>
+              <a:t>JSindo</a:t>
+            </a:r>
+            <a:endParaRPr kumimoji="1" lang="ja-JP" altLang="en-US" sz="1200" dirty="0">
+              <a:latin typeface="Courier" charset="0"/>
+              <a:ea typeface="Courier" charset="0"/>
+              <a:cs typeface="Courier" charset="0"/>
+            </a:endParaRPr>
+          </a:p>
+        </p:txBody>
+      </p:sp>
+      <p:sp>
+        <p:nvSpPr>
+          <p:cNvPr id="7" name="テキスト ボックス 6"/>
+          <p:cNvSpPr txBox="1"/>
+          <p:nvPr/>
+        </p:nvSpPr>
+        <p:spPr>
+          <a:xfrm>
+            <a:off x="1236107" y="4199370"/>
+            <a:ext cx="5205271" cy="276999"/>
+          </a:xfrm>
+          <a:prstGeom prst="rect">
+            <a:avLst/>
+          </a:prstGeom>
+          <a:noFill/>
+          <a:ln>
+            <a:solidFill>
+              <a:srgbClr val="00B050"/>
+            </a:solidFill>
+          </a:ln>
+        </p:spPr>
+        <p:txBody>
+          <a:bodyPr wrap="none" rtlCol="0">
+            <a:spAutoFit/>
+          </a:bodyPr>
+          <a:lstStyle/>
+          <a:p>
+            <a:r>
+              <a:rPr lang="en-US" altLang="ja-JP" sz="1200" dirty="0" smtClean="0">
+                <a:latin typeface="Courier" charset="0"/>
+                <a:ea typeface="Courier" charset="0"/>
+                <a:cs typeface="Courier" charset="0"/>
+              </a:rPr>
+              <a:t>alias </a:t>
+            </a:r>
+            <a:r>
+              <a:rPr lang="en-US" altLang="ja-JP" sz="1200" dirty="0" err="1" smtClean="0">
+                <a:latin typeface="Courier" charset="0"/>
+                <a:ea typeface="Courier" charset="0"/>
+                <a:cs typeface="Courier" charset="0"/>
+              </a:rPr>
+              <a:t>jsindo</a:t>
+            </a:r>
+            <a:r>
+              <a:rPr lang="en-US" altLang="ja-JP" sz="1200" dirty="0" smtClean="0">
+                <a:latin typeface="Courier" charset="0"/>
+                <a:ea typeface="Courier" charset="0"/>
+                <a:cs typeface="Courier" charset="0"/>
+              </a:rPr>
+              <a:t>=‘java –</a:t>
+            </a:r>
+            <a:r>
+              <a:rPr lang="en-US" altLang="ja-JP" sz="1200" dirty="0" err="1" smtClean="0">
+                <a:latin typeface="Courier" charset="0"/>
+                <a:ea typeface="Courier" charset="0"/>
+                <a:cs typeface="Courier" charset="0"/>
+              </a:rPr>
+              <a:t>cp</a:t>
+            </a:r>
+            <a:r>
+              <a:rPr lang="en-US" altLang="ja-JP" sz="1200" dirty="0" smtClean="0">
+                <a:latin typeface="Courier" charset="0"/>
+                <a:ea typeface="Courier" charset="0"/>
+                <a:cs typeface="Courier" charset="0"/>
+              </a:rPr>
+              <a:t> /path/to/JSindo-4.0.jar </a:t>
+            </a:r>
+            <a:r>
+              <a:rPr lang="en-US" altLang="ja-JP" sz="1200" dirty="0" err="1" smtClean="0">
+                <a:latin typeface="Courier" charset="0"/>
+                <a:ea typeface="Courier" charset="0"/>
+                <a:cs typeface="Courier" charset="0"/>
+              </a:rPr>
+              <a:t>JSindo</a:t>
+            </a:r>
+            <a:r>
+              <a:rPr lang="en-US" altLang="ja-JP" sz="1200" dirty="0" smtClean="0">
+                <a:latin typeface="Courier" charset="0"/>
+                <a:ea typeface="Courier" charset="0"/>
+                <a:cs typeface="Courier" charset="0"/>
+              </a:rPr>
+              <a:t>’</a:t>
+            </a:r>
+          </a:p>
+        </p:txBody>
+      </p:sp>
+      <p:sp>
+        <p:nvSpPr>
+          <p:cNvPr id="8" name="テキスト ボックス 7"/>
+          <p:cNvSpPr txBox="1"/>
+          <p:nvPr/>
+        </p:nvSpPr>
+        <p:spPr>
+          <a:xfrm>
+            <a:off x="1236107" y="5104468"/>
+            <a:ext cx="1393330" cy="461665"/>
+          </a:xfrm>
+          <a:prstGeom prst="rect">
+            <a:avLst/>
+          </a:prstGeom>
+          <a:noFill/>
+          <a:ln>
+            <a:solidFill>
+              <a:srgbClr val="00B050"/>
+            </a:solidFill>
+          </a:ln>
+        </p:spPr>
+        <p:txBody>
+          <a:bodyPr wrap="none" rtlCol="0">
+            <a:spAutoFit/>
+          </a:bodyPr>
+          <a:lstStyle/>
+          <a:p>
+            <a:r>
+              <a:rPr lang="en-US" altLang="ja-JP" sz="1200" dirty="0" smtClean="0">
+                <a:latin typeface="Courier" charset="0"/>
+                <a:ea typeface="Courier" charset="0"/>
+                <a:cs typeface="Courier" charset="0"/>
+              </a:rPr>
+              <a:t>&gt; . ~/.</a:t>
+            </a:r>
+            <a:r>
+              <a:rPr lang="en-US" altLang="ja-JP" sz="1200" dirty="0" err="1" smtClean="0">
+                <a:latin typeface="Courier" charset="0"/>
+                <a:ea typeface="Courier" charset="0"/>
+                <a:cs typeface="Courier" charset="0"/>
+              </a:rPr>
+              <a:t>bashrc</a:t>
+            </a:r>
+            <a:endParaRPr lang="en-US" altLang="ja-JP" sz="1200" dirty="0" smtClean="0">
+              <a:latin typeface="Courier" charset="0"/>
+              <a:ea typeface="Courier" charset="0"/>
+              <a:cs typeface="Courier" charset="0"/>
+            </a:endParaRPr>
+          </a:p>
+          <a:p>
+            <a:r>
+              <a:rPr lang="en-US" altLang="ja-JP" sz="1200" dirty="0" smtClean="0">
+                <a:latin typeface="Courier" charset="0"/>
+                <a:ea typeface="Courier" charset="0"/>
+                <a:cs typeface="Courier" charset="0"/>
+              </a:rPr>
+              <a:t>&gt; </a:t>
+            </a:r>
+            <a:r>
+              <a:rPr lang="en-US" altLang="ja-JP" sz="1200" dirty="0" err="1" smtClean="0">
+                <a:latin typeface="Courier" charset="0"/>
+                <a:ea typeface="Courier" charset="0"/>
+                <a:cs typeface="Courier" charset="0"/>
+              </a:rPr>
+              <a:t>jsindo</a:t>
+            </a:r>
+            <a:endParaRPr lang="en-US" altLang="ja-JP" sz="1200" dirty="0" smtClean="0">
+              <a:latin typeface="Courier" charset="0"/>
+              <a:ea typeface="Courier" charset="0"/>
+              <a:cs typeface="Courier" charset="0"/>
+            </a:endParaRPr>
+          </a:p>
+        </p:txBody>
+      </p:sp>
+      <p:sp>
+        <p:nvSpPr>
+          <p:cNvPr id="9" name="テキスト ボックス 8"/>
+          <p:cNvSpPr txBox="1"/>
+          <p:nvPr/>
+        </p:nvSpPr>
+        <p:spPr>
+          <a:xfrm>
+            <a:off x="558258" y="4660405"/>
+            <a:ext cx="7486322" cy="369332"/>
+          </a:xfrm>
+          <a:prstGeom prst="rect">
+            <a:avLst/>
+          </a:prstGeom>
+          <a:noFill/>
+        </p:spPr>
+        <p:txBody>
+          <a:bodyPr wrap="square" rtlCol="0">
+            <a:spAutoFit/>
+          </a:bodyPr>
+          <a:lstStyle/>
+          <a:p>
+            <a:r>
+              <a:rPr lang="en-US" altLang="ja-JP" dirty="0" smtClean="0"/>
+              <a:t>After source, you can invoke the program by typing “</a:t>
+            </a:r>
+            <a:r>
+              <a:rPr lang="en-US" altLang="ja-JP" dirty="0" err="1" smtClean="0"/>
+              <a:t>jsindo</a:t>
+            </a:r>
+            <a:r>
+              <a:rPr lang="en-US" altLang="ja-JP" dirty="0" smtClean="0"/>
+              <a:t>” in the command.</a:t>
+            </a:r>
+            <a:endParaRPr kumimoji="1" lang="ja-JP" altLang="en-US" dirty="0"/>
+          </a:p>
+        </p:txBody>
+      </p:sp>
+      <p:sp>
+        <p:nvSpPr>
+          <p:cNvPr id="10" name="テキスト ボックス 9"/>
+          <p:cNvSpPr txBox="1"/>
+          <p:nvPr/>
+        </p:nvSpPr>
+        <p:spPr>
+          <a:xfrm>
+            <a:off x="560114" y="3710609"/>
+            <a:ext cx="4756174" cy="369332"/>
+          </a:xfrm>
+          <a:prstGeom prst="rect">
+            <a:avLst/>
+          </a:prstGeom>
+          <a:noFill/>
+        </p:spPr>
+        <p:txBody>
+          <a:bodyPr wrap="none" rtlCol="0">
+            <a:spAutoFit/>
+          </a:bodyPr>
+          <a:lstStyle/>
+          <a:p>
+            <a:r>
+              <a:rPr kumimoji="1" lang="en-US" altLang="ja-JP" dirty="0" smtClean="0"/>
+              <a:t>You may add </a:t>
+            </a:r>
+            <a:r>
+              <a:rPr kumimoji="1" lang="en-US" altLang="ja-JP" smtClean="0"/>
+              <a:t>the following line </a:t>
+            </a:r>
+            <a:r>
+              <a:rPr kumimoji="1" lang="en-US" altLang="ja-JP" dirty="0" smtClean="0"/>
+              <a:t>in your ~/.</a:t>
+            </a:r>
+            <a:r>
+              <a:rPr kumimoji="1" lang="en-US" altLang="ja-JP" dirty="0" err="1" smtClean="0"/>
+              <a:t>bashrc</a:t>
+            </a:r>
+            <a:r>
+              <a:rPr kumimoji="1" lang="en-US" altLang="ja-JP" dirty="0" smtClean="0"/>
+              <a:t>,</a:t>
+            </a:r>
+            <a:endParaRPr kumimoji="1" lang="ja-JP" altLang="en-US" dirty="0"/>
+          </a:p>
+        </p:txBody>
+      </p:sp>
+    </p:spTree>
+    <p:extLst>
+      <p:ext uri="{BB962C8B-B14F-4D97-AF65-F5344CB8AC3E}">
+        <p14:creationId xmlns:p14="http://schemas.microsoft.com/office/powerpoint/2010/main" val="92426959"/>
+      </p:ext>
+    </p:extLst>
+  </p:cSld>
+  <p:clrMapOvr>
+    <a:masterClrMapping/>
+  </p:clrMapOvr>
+</p:sld>
+</file>
+
+<file path=ppt/slides/slide2.xml><?xml version="1.0" encoding="utf-8"?>
+<p:sld xmlns:a="http://schemas.openxmlformats.org/drawingml/2006/main" xmlns:r="http://schemas.openxmlformats.org/officeDocument/2006/relationships" xmlns:p="http://schemas.openxmlformats.org/presentationml/2006/main">
+  <p:cSld>
+    <p:spTree>
+      <p:nvGrpSpPr>
+        <p:cNvPr id="1" name=""/>
+        <p:cNvGrpSpPr/>
+        <p:nvPr/>
+      </p:nvGrpSpPr>
+      <p:grpSpPr>
+        <a:xfrm>
+          <a:off x="0" y="0"/>
+          <a:ext cx="0" cy="0"/>
+          <a:chOff x="0" y="0"/>
+          <a:chExt cx="0" cy="0"/>
+        </a:xfrm>
+      </p:grpSpPr>
+      <p:sp>
+        <p:nvSpPr>
+          <p:cNvPr id="2" name="タイトル 1"/>
+          <p:cNvSpPr>
+            <a:spLocks noGrp="1"/>
+          </p:cNvSpPr>
+          <p:nvPr>
+            <p:ph type="title"/>
+          </p:nvPr>
+        </p:nvSpPr>
+        <p:spPr/>
+        <p:txBody>
+          <a:bodyPr/>
+          <a:lstStyle/>
+          <a:p>
+            <a:r>
+              <a:rPr kumimoji="1" lang="en-US" altLang="ja-JP" dirty="0" smtClean="0"/>
+              <a:t>1. Install Java</a:t>
+            </a:r>
+            <a:endParaRPr kumimoji="1" lang="ja-JP" altLang="en-US" dirty="0"/>
+          </a:p>
+        </p:txBody>
+      </p:sp>
+      <p:sp>
+        <p:nvSpPr>
+          <p:cNvPr id="5" name="スライド番号プレースホルダー 4"/>
+          <p:cNvSpPr>
+            <a:spLocks noGrp="1"/>
+          </p:cNvSpPr>
+          <p:nvPr>
+            <p:ph type="sldNum" sz="quarter" idx="12"/>
+          </p:nvPr>
+        </p:nvSpPr>
+        <p:spPr/>
+        <p:txBody>
+          <a:bodyPr/>
+          <a:lstStyle/>
+          <a:p>
+            <a:fld id="{7D34BB6B-1E1A-9541-9560-488905BF54FF}" type="slidenum">
+              <a:rPr kumimoji="1" lang="ja-JP" altLang="en-US" smtClean="0"/>
+              <a:t>1</a:t>
+            </a:fld>
+            <a:endParaRPr kumimoji="1" lang="ja-JP" altLang="en-US"/>
+          </a:p>
+        </p:txBody>
+      </p:sp>
+      <p:sp>
+        <p:nvSpPr>
+          <p:cNvPr id="19" name="テキスト ボックス 18"/>
+          <p:cNvSpPr txBox="1"/>
+          <p:nvPr/>
+        </p:nvSpPr>
+        <p:spPr>
+          <a:xfrm>
+            <a:off x="368135" y="954744"/>
+            <a:ext cx="8573984" cy="369332"/>
+          </a:xfrm>
+          <a:prstGeom prst="rect">
+            <a:avLst/>
+          </a:prstGeom>
+          <a:noFill/>
+        </p:spPr>
+        <p:txBody>
+          <a:bodyPr wrap="square" rtlCol="0">
+            <a:spAutoFit/>
+          </a:bodyPr>
+          <a:lstStyle/>
+          <a:p>
+            <a:r>
+              <a:rPr kumimoji="1" lang="en-US" altLang="ja-JP" dirty="0" smtClean="0">
+                <a:solidFill>
+                  <a:srgbClr val="00B0F0"/>
+                </a:solidFill>
+              </a:rPr>
+              <a:t>STEP1</a:t>
+            </a:r>
+            <a:r>
+              <a:rPr kumimoji="1" lang="en-US" altLang="ja-JP" dirty="0" smtClean="0"/>
+              <a:t>: Let’s check if your Mac has Java installed or not, and </a:t>
+            </a:r>
+            <a:r>
+              <a:rPr lang="en-US" altLang="ja-JP" dirty="0" smtClean="0"/>
+              <a:t>the version of Java </a:t>
+            </a:r>
+            <a:r>
+              <a:rPr lang="en-US" altLang="ja-JP" smtClean="0"/>
+              <a:t>if you have. </a:t>
+            </a:r>
+            <a:endParaRPr kumimoji="1" lang="ja-JP" altLang="en-US" dirty="0"/>
+          </a:p>
+        </p:txBody>
+      </p:sp>
+      <p:sp>
+        <p:nvSpPr>
+          <p:cNvPr id="20" name="テキスト ボックス 18"/>
+          <p:cNvSpPr txBox="1"/>
+          <p:nvPr/>
+        </p:nvSpPr>
+        <p:spPr>
+          <a:xfrm>
+            <a:off x="736271" y="1568242"/>
+            <a:ext cx="3966358" cy="2308324"/>
+          </a:xfrm>
+          <a:prstGeom prst="rect">
+            <a:avLst/>
+          </a:prstGeom>
+          <a:noFill/>
+        </p:spPr>
+        <p:txBody>
+          <a:bodyPr wrap="square" rtlCol="0">
+            <a:spAutoFit/>
+          </a:bodyPr>
+          <a:lstStyle/>
+          <a:p>
+            <a:pPr algn="just"/>
+            <a:r>
+              <a:rPr lang="en-US" altLang="ja-JP" dirty="0" smtClean="0"/>
+              <a:t>Open the “System Preference”. </a:t>
+            </a:r>
+          </a:p>
+          <a:p>
+            <a:pPr marL="285750" indent="-285750" algn="just">
+              <a:buFont typeface="Arial" charset="0"/>
+              <a:buChar char="•"/>
+            </a:pPr>
+            <a:r>
+              <a:rPr lang="en-US" altLang="ja-JP" dirty="0" smtClean="0"/>
+              <a:t>If you don’t find an icon of Java, your Mac doesn’t have a Java yet. In this case, </a:t>
+            </a:r>
+            <a:r>
+              <a:rPr lang="en-US" altLang="ja-JP" dirty="0" err="1" smtClean="0"/>
+              <a:t>goto</a:t>
+            </a:r>
+            <a:r>
+              <a:rPr lang="en-US" altLang="ja-JP" dirty="0" smtClean="0"/>
+              <a:t> </a:t>
+            </a:r>
+            <a:r>
+              <a:rPr lang="en-US" altLang="ja-JP" dirty="0" smtClean="0">
+                <a:solidFill>
+                  <a:srgbClr val="00B0F0"/>
+                </a:solidFill>
+              </a:rPr>
+              <a:t>STEP2</a:t>
+            </a:r>
+            <a:r>
+              <a:rPr lang="en-US" altLang="ja-JP" dirty="0" smtClean="0"/>
+              <a:t>. </a:t>
+            </a:r>
+          </a:p>
+          <a:p>
+            <a:pPr lvl="1" algn="just"/>
+            <a:endParaRPr lang="en-US" altLang="ja-JP" dirty="0"/>
+          </a:p>
+          <a:p>
+            <a:pPr marL="285750" indent="-285750" algn="just">
+              <a:buFont typeface="Arial" charset="0"/>
+              <a:buChar char="•"/>
+            </a:pPr>
+            <a:r>
+              <a:rPr lang="en-US" altLang="ja-JP" dirty="0" smtClean="0"/>
+              <a:t>If you find the icon, click the icon to open Java Control Panel, where you can check the version of Java. </a:t>
+            </a:r>
+            <a:endParaRPr kumimoji="1" lang="ja-JP" altLang="en-US" dirty="0"/>
+          </a:p>
+        </p:txBody>
+      </p:sp>
+      <p:sp>
+        <p:nvSpPr>
+          <p:cNvPr id="25" name="TextBox 24"/>
+          <p:cNvSpPr txBox="1"/>
+          <p:nvPr/>
+        </p:nvSpPr>
+        <p:spPr>
+          <a:xfrm>
+            <a:off x="1015988" y="4100174"/>
+            <a:ext cx="7306377" cy="369332"/>
+          </a:xfrm>
+          <a:prstGeom prst="rect">
+            <a:avLst/>
+          </a:prstGeom>
+          <a:noFill/>
+        </p:spPr>
+        <p:txBody>
+          <a:bodyPr wrap="square" rtlCol="0">
+            <a:spAutoFit/>
+          </a:bodyPr>
+          <a:lstStyle/>
+          <a:p>
+            <a:r>
+              <a:rPr lang="en-US" dirty="0" smtClean="0"/>
+              <a:t>If your Java is Version 8, then you can skip the installation and go to Chap. 2. </a:t>
+            </a:r>
+            <a:endParaRPr lang="ja-JP" altLang="en-US" dirty="0"/>
+          </a:p>
+        </p:txBody>
+      </p:sp>
+      <p:grpSp>
+        <p:nvGrpSpPr>
+          <p:cNvPr id="6" name="Group 5"/>
+          <p:cNvGrpSpPr/>
+          <p:nvPr/>
+        </p:nvGrpSpPr>
+        <p:grpSpPr>
+          <a:xfrm>
+            <a:off x="2320028" y="4630992"/>
+            <a:ext cx="5370891" cy="1591563"/>
+            <a:chOff x="2320028" y="4630992"/>
+            <a:chExt cx="5370891" cy="1591563"/>
+          </a:xfrm>
+        </p:grpSpPr>
+        <p:pic>
+          <p:nvPicPr>
+            <p:cNvPr id="22" name="Picture 21"/>
             <p:cNvPicPr>
               <a:picLocks noChangeAspect="1"/>
             </p:cNvPicPr>
             <p:nvPr/>
           </p:nvPicPr>
           <p:blipFill>
-            <a:blip r:embed="rId3">
+            <a:blip r:embed="rId2" cstate="print">
               <a:extLst>
                 <a:ext uri="{28A0092B-C50C-407E-A947-70E740481C1C}">
-                  <a14:useLocalDpi xmlns:a14="http://schemas.microsoft.com/office/drawing/2010/main" val="0"/>
+                  <a14:useLocalDpi xmlns:a14="http://schemas.microsoft.com/office/drawing/2010/main"/>
                 </a:ext>
               </a:extLst>
             </a:blip>
@@ -4482,34 +5701,73 @@
           </p:blipFill>
           <p:spPr>
             <a:xfrm>
-              <a:off x="4427860" y="3636955"/>
-              <a:ext cx="3488310" cy="3032008"/>
+              <a:off x="2320028" y="4645262"/>
+              <a:ext cx="1474935" cy="1479910"/>
             </a:xfrm>
             <a:prstGeom prst="rect">
               <a:avLst/>
             </a:prstGeom>
+            <a:ln>
+              <a:solidFill>
+                <a:schemeClr val="tx1"/>
+              </a:solidFill>
+            </a:ln>
+          </p:spPr>
+        </p:pic>
+        <p:pic>
+          <p:nvPicPr>
+            <p:cNvPr id="23" name="Picture 22"/>
+            <p:cNvPicPr>
+              <a:picLocks noChangeAspect="1"/>
+            </p:cNvPicPr>
+            <p:nvPr/>
+          </p:nvPicPr>
+          <p:blipFill>
+            <a:blip r:embed="rId3" cstate="print">
+              <a:extLst>
+                <a:ext uri="{28A0092B-C50C-407E-A947-70E740481C1C}">
+                  <a14:useLocalDpi xmlns:a14="http://schemas.microsoft.com/office/drawing/2010/main"/>
+                </a:ext>
+              </a:extLst>
+            </a:blip>
+            <a:stretch>
+              <a:fillRect/>
+            </a:stretch>
+          </p:blipFill>
+          <p:spPr>
+            <a:xfrm>
+              <a:off x="4087295" y="4630992"/>
+              <a:ext cx="1491701" cy="1003799"/>
+            </a:xfrm>
+            <a:prstGeom prst="rect">
+              <a:avLst/>
+            </a:prstGeom>
+            <a:ln>
+              <a:solidFill>
+                <a:schemeClr val="tx1"/>
+              </a:solidFill>
+            </a:ln>
           </p:spPr>
         </p:pic>
         <p:sp>
           <p:nvSpPr>
-            <p:cNvPr id="8" name="正方形/長方形 7"/>
+            <p:cNvPr id="27" name="Rectangle 26"/>
             <p:cNvSpPr/>
             <p:nvPr/>
           </p:nvSpPr>
           <p:spPr>
             <a:xfrm>
-              <a:off x="4477400" y="6437559"/>
-              <a:ext cx="1251908" cy="194563"/>
+              <a:off x="3423782" y="4875811"/>
+              <a:ext cx="312758" cy="167549"/>
             </a:xfrm>
             <a:prstGeom prst="rect">
               <a:avLst/>
             </a:prstGeom>
             <a:noFill/>
-            <a:ln w="28575">
+            <a:ln w="19050">
               <a:solidFill>
-                <a:srgbClr val="00B050"/>
+                <a:srgbClr val="FF0000"/>
               </a:solidFill>
-              <a:prstDash val="sysDash"/>
             </a:ln>
           </p:spPr>
           <p:style>
@@ -4533,11 +5791,2176 @@
             <a:lstStyle/>
             <a:p>
               <a:pPr algn="ctr"/>
-              <a:endParaRPr kumimoji="1" lang="ja-JP" altLang="en-US"/>
+              <a:endParaRPr lang="en-US"/>
+            </a:p>
+          </p:txBody>
+        </p:sp>
+        <p:cxnSp>
+          <p:nvCxnSpPr>
+            <p:cNvPr id="29" name="Straight Arrow Connector 28"/>
+            <p:cNvCxnSpPr/>
+            <p:nvPr/>
+          </p:nvCxnSpPr>
+          <p:spPr>
+            <a:xfrm>
+              <a:off x="3741497" y="4957504"/>
+              <a:ext cx="332916" cy="0"/>
+            </a:xfrm>
+            <a:prstGeom prst="straightConnector1">
+              <a:avLst/>
+            </a:prstGeom>
+            <a:ln w="19050">
+              <a:solidFill>
+                <a:srgbClr val="FF0000"/>
+              </a:solidFill>
+              <a:tailEnd type="triangle"/>
+            </a:ln>
+          </p:spPr>
+          <p:style>
+            <a:lnRef idx="1">
+              <a:schemeClr val="accent1"/>
+            </a:lnRef>
+            <a:fillRef idx="0">
+              <a:schemeClr val="accent1"/>
+            </a:fillRef>
+            <a:effectRef idx="0">
+              <a:schemeClr val="accent1"/>
+            </a:effectRef>
+            <a:fontRef idx="minor">
+              <a:schemeClr val="tx1"/>
+            </a:fontRef>
+          </p:style>
+        </p:cxnSp>
+        <p:cxnSp>
+          <p:nvCxnSpPr>
+            <p:cNvPr id="31" name="Straight Arrow Connector 30"/>
+            <p:cNvCxnSpPr/>
+            <p:nvPr/>
+          </p:nvCxnSpPr>
+          <p:spPr>
+            <a:xfrm flipV="1">
+              <a:off x="4491112" y="5187664"/>
+              <a:ext cx="0" cy="694194"/>
+            </a:xfrm>
+            <a:prstGeom prst="straightConnector1">
+              <a:avLst/>
+            </a:prstGeom>
+            <a:ln>
+              <a:solidFill>
+                <a:schemeClr val="tx1"/>
+              </a:solidFill>
+              <a:tailEnd type="triangle"/>
+            </a:ln>
+          </p:spPr>
+          <p:style>
+            <a:lnRef idx="1">
+              <a:schemeClr val="accent1"/>
+            </a:lnRef>
+            <a:fillRef idx="0">
+              <a:schemeClr val="accent1"/>
+            </a:fillRef>
+            <a:effectRef idx="0">
+              <a:schemeClr val="accent1"/>
+            </a:effectRef>
+            <a:fontRef idx="minor">
+              <a:schemeClr val="tx1"/>
+            </a:fontRef>
+          </p:style>
+        </p:cxnSp>
+        <p:cxnSp>
+          <p:nvCxnSpPr>
+            <p:cNvPr id="33" name="Straight Connector 32"/>
+            <p:cNvCxnSpPr/>
+            <p:nvPr/>
+          </p:nvCxnSpPr>
+          <p:spPr>
+            <a:xfrm>
+              <a:off x="4127486" y="5154735"/>
+              <a:ext cx="990811" cy="0"/>
+            </a:xfrm>
+            <a:prstGeom prst="line">
+              <a:avLst/>
+            </a:prstGeom>
+            <a:ln>
+              <a:solidFill>
+                <a:schemeClr val="tx1"/>
+              </a:solidFill>
+            </a:ln>
+          </p:spPr>
+          <p:style>
+            <a:lnRef idx="1">
+              <a:schemeClr val="accent1"/>
+            </a:lnRef>
+            <a:fillRef idx="0">
+              <a:schemeClr val="accent1"/>
+            </a:fillRef>
+            <a:effectRef idx="0">
+              <a:schemeClr val="accent1"/>
+            </a:effectRef>
+            <a:fontRef idx="minor">
+              <a:schemeClr val="tx1"/>
+            </a:fontRef>
+          </p:style>
+        </p:cxnSp>
+        <p:sp>
+          <p:nvSpPr>
+            <p:cNvPr id="37" name="TextBox 36"/>
+            <p:cNvSpPr txBox="1"/>
+            <p:nvPr/>
+          </p:nvSpPr>
+          <p:spPr>
+            <a:xfrm>
+              <a:off x="4303710" y="5853223"/>
+              <a:ext cx="3387209" cy="369332"/>
+            </a:xfrm>
+            <a:prstGeom prst="rect">
+              <a:avLst/>
+            </a:prstGeom>
+            <a:noFill/>
+          </p:spPr>
+          <p:txBody>
+            <a:bodyPr wrap="none" rtlCol="0">
+              <a:spAutoFit/>
+            </a:bodyPr>
+            <a:lstStyle/>
+            <a:p>
+              <a:r>
+                <a:rPr lang="en-US" dirty="0" smtClean="0"/>
+                <a:t>Your Java is Version 8 Update 172!</a:t>
+              </a:r>
+              <a:endParaRPr lang="en-US" dirty="0"/>
             </a:p>
           </p:txBody>
         </p:sp>
       </p:grpSp>
+      <p:grpSp>
+        <p:nvGrpSpPr>
+          <p:cNvPr id="7" name="Group 6"/>
+          <p:cNvGrpSpPr/>
+          <p:nvPr/>
+        </p:nvGrpSpPr>
+        <p:grpSpPr>
+          <a:xfrm>
+            <a:off x="4700789" y="1592090"/>
+            <a:ext cx="3319639" cy="2244339"/>
+            <a:chOff x="4700789" y="1592090"/>
+            <a:chExt cx="3319639" cy="2244339"/>
+          </a:xfrm>
+        </p:grpSpPr>
+        <p:pic>
+          <p:nvPicPr>
+            <p:cNvPr id="3" name="Picture 2"/>
+            <p:cNvPicPr>
+              <a:picLocks noChangeAspect="1"/>
+            </p:cNvPicPr>
+            <p:nvPr/>
+          </p:nvPicPr>
+          <p:blipFill>
+            <a:blip r:embed="rId4" cstate="print">
+              <a:extLst>
+                <a:ext uri="{28A0092B-C50C-407E-A947-70E740481C1C}">
+                  <a14:useLocalDpi xmlns:a14="http://schemas.microsoft.com/office/drawing/2010/main"/>
+                </a:ext>
+              </a:extLst>
+            </a:blip>
+            <a:stretch>
+              <a:fillRect/>
+            </a:stretch>
+          </p:blipFill>
+          <p:spPr>
+            <a:xfrm>
+              <a:off x="5516258" y="1592090"/>
+              <a:ext cx="2504170" cy="2244339"/>
+            </a:xfrm>
+            <a:prstGeom prst="rect">
+              <a:avLst/>
+            </a:prstGeom>
+            <a:ln>
+              <a:solidFill>
+                <a:schemeClr val="tx1"/>
+              </a:solidFill>
+            </a:ln>
+          </p:spPr>
+        </p:pic>
+        <p:sp>
+          <p:nvSpPr>
+            <p:cNvPr id="4" name="Oval 3"/>
+            <p:cNvSpPr/>
+            <p:nvPr/>
+          </p:nvSpPr>
+          <p:spPr>
+            <a:xfrm>
+              <a:off x="6135405" y="3425022"/>
+              <a:ext cx="342159" cy="342159"/>
+            </a:xfrm>
+            <a:prstGeom prst="ellipse">
+              <a:avLst/>
+            </a:prstGeom>
+            <a:noFill/>
+            <a:ln w="19050">
+              <a:solidFill>
+                <a:srgbClr val="FF0000"/>
+              </a:solidFill>
+            </a:ln>
+          </p:spPr>
+          <p:style>
+            <a:lnRef idx="2">
+              <a:schemeClr val="accent1">
+                <a:shade val="50000"/>
+              </a:schemeClr>
+            </a:lnRef>
+            <a:fillRef idx="1">
+              <a:schemeClr val="accent1"/>
+            </a:fillRef>
+            <a:effectRef idx="0">
+              <a:schemeClr val="accent1"/>
+            </a:effectRef>
+            <a:fontRef idx="minor">
+              <a:schemeClr val="lt1"/>
+            </a:fontRef>
+          </p:style>
+          <p:txBody>
+            <a:bodyPr rtlCol="0" anchor="ctr"/>
+            <a:lstStyle/>
+            <a:p>
+              <a:pPr algn="ctr"/>
+              <a:endParaRPr lang="en-US"/>
+            </a:p>
+          </p:txBody>
+        </p:sp>
+        <p:cxnSp>
+          <p:nvCxnSpPr>
+            <p:cNvPr id="18" name="Straight Arrow Connector 17"/>
+            <p:cNvCxnSpPr/>
+            <p:nvPr/>
+          </p:nvCxnSpPr>
+          <p:spPr>
+            <a:xfrm>
+              <a:off x="4700789" y="3606084"/>
+              <a:ext cx="1352282" cy="0"/>
+            </a:xfrm>
+            <a:prstGeom prst="straightConnector1">
+              <a:avLst/>
+            </a:prstGeom>
+            <a:ln>
+              <a:solidFill>
+                <a:srgbClr val="FF0000"/>
+              </a:solidFill>
+              <a:tailEnd type="triangle"/>
+            </a:ln>
+          </p:spPr>
+          <p:style>
+            <a:lnRef idx="1">
+              <a:schemeClr val="accent1"/>
+            </a:lnRef>
+            <a:fillRef idx="0">
+              <a:schemeClr val="accent1"/>
+            </a:fillRef>
+            <a:effectRef idx="0">
+              <a:schemeClr val="accent1"/>
+            </a:effectRef>
+            <a:fontRef idx="minor">
+              <a:schemeClr val="tx1"/>
+            </a:fontRef>
+          </p:style>
+        </p:cxnSp>
+      </p:grpSp>
+    </p:spTree>
+    <p:extLst>
+      <p:ext uri="{BB962C8B-B14F-4D97-AF65-F5344CB8AC3E}">
+        <p14:creationId xmlns:p14="http://schemas.microsoft.com/office/powerpoint/2010/main" val="1313567085"/>
+      </p:ext>
+    </p:extLst>
+  </p:cSld>
+  <p:clrMapOvr>
+    <a:masterClrMapping/>
+  </p:clrMapOvr>
+</p:sld>
+</file>
+
+<file path=ppt/slides/slide3.xml><?xml version="1.0" encoding="utf-8"?>
+<p:sld xmlns:a="http://schemas.openxmlformats.org/drawingml/2006/main" xmlns:r="http://schemas.openxmlformats.org/officeDocument/2006/relationships" xmlns:p="http://schemas.openxmlformats.org/presentationml/2006/main">
+  <p:cSld>
+    <p:spTree>
+      <p:nvGrpSpPr>
+        <p:cNvPr id="1" name=""/>
+        <p:cNvGrpSpPr/>
+        <p:nvPr/>
+      </p:nvGrpSpPr>
+      <p:grpSpPr>
+        <a:xfrm>
+          <a:off x="0" y="0"/>
+          <a:ext cx="0" cy="0"/>
+          <a:chOff x="0" y="0"/>
+          <a:chExt cx="0" cy="0"/>
+        </a:xfrm>
+      </p:grpSpPr>
+      <p:sp>
+        <p:nvSpPr>
+          <p:cNvPr id="3" name="Slide Number Placeholder 2"/>
+          <p:cNvSpPr>
+            <a:spLocks noGrp="1"/>
+          </p:cNvSpPr>
+          <p:nvPr>
+            <p:ph type="sldNum" sz="quarter" idx="12"/>
+          </p:nvPr>
+        </p:nvSpPr>
+        <p:spPr/>
+        <p:txBody>
+          <a:bodyPr/>
+          <a:lstStyle/>
+          <a:p>
+            <a:fld id="{7D34BB6B-1E1A-9541-9560-488905BF54FF}" type="slidenum">
+              <a:rPr kumimoji="1" lang="ja-JP" altLang="en-US" smtClean="0"/>
+              <a:t>2</a:t>
+            </a:fld>
+            <a:endParaRPr kumimoji="1" lang="ja-JP" altLang="en-US"/>
+          </a:p>
+        </p:txBody>
+      </p:sp>
+      <p:sp>
+        <p:nvSpPr>
+          <p:cNvPr id="6" name="テキスト ボックス 5"/>
+          <p:cNvSpPr txBox="1"/>
+          <p:nvPr/>
+        </p:nvSpPr>
+        <p:spPr>
+          <a:xfrm>
+            <a:off x="1099935" y="4219851"/>
+            <a:ext cx="6869940" cy="646331"/>
+          </a:xfrm>
+          <a:prstGeom prst="rect">
+            <a:avLst/>
+          </a:prstGeom>
+          <a:noFill/>
+          <a:ln>
+            <a:solidFill>
+              <a:srgbClr val="00B050"/>
+            </a:solidFill>
+          </a:ln>
+        </p:spPr>
+        <p:txBody>
+          <a:bodyPr wrap="square" rtlCol="0">
+            <a:spAutoFit/>
+          </a:bodyPr>
+          <a:lstStyle/>
+          <a:p>
+            <a:r>
+              <a:rPr lang="en-US" altLang="ja-JP" sz="1200" dirty="0" smtClean="0">
+                <a:latin typeface="Courier" charset="0"/>
+                <a:ea typeface="Courier" charset="0"/>
+                <a:cs typeface="Courier" charset="0"/>
+              </a:rPr>
+              <a:t>&gt; </a:t>
+            </a:r>
+            <a:r>
+              <a:rPr lang="en-US" altLang="ja-JP" sz="1200" dirty="0" err="1" smtClean="0">
+                <a:latin typeface="Courier" charset="0"/>
+                <a:ea typeface="Courier" charset="0"/>
+                <a:cs typeface="Courier" charset="0"/>
+              </a:rPr>
+              <a:t>sudo</a:t>
+            </a:r>
+            <a:r>
+              <a:rPr lang="en-US" altLang="ja-JP" sz="1200" dirty="0" smtClean="0">
+                <a:latin typeface="Courier" charset="0"/>
+                <a:ea typeface="Courier" charset="0"/>
+                <a:cs typeface="Courier" charset="0"/>
+              </a:rPr>
+              <a:t> </a:t>
+            </a:r>
+            <a:r>
+              <a:rPr lang="en-US" altLang="ja-JP" sz="1200" dirty="0" err="1">
+                <a:latin typeface="Courier" charset="0"/>
+                <a:ea typeface="Courier" charset="0"/>
+                <a:cs typeface="Courier" charset="0"/>
+              </a:rPr>
+              <a:t>rm</a:t>
+            </a:r>
+            <a:r>
+              <a:rPr lang="en-US" altLang="ja-JP" sz="1200" dirty="0">
+                <a:latin typeface="Courier" charset="0"/>
+                <a:ea typeface="Courier" charset="0"/>
+                <a:cs typeface="Courier" charset="0"/>
+              </a:rPr>
+              <a:t> -</a:t>
+            </a:r>
+            <a:r>
+              <a:rPr lang="en-US" altLang="ja-JP" sz="1200" dirty="0" err="1">
+                <a:latin typeface="Courier" charset="0"/>
+                <a:ea typeface="Courier" charset="0"/>
+                <a:cs typeface="Courier" charset="0"/>
+              </a:rPr>
+              <a:t>rf</a:t>
+            </a:r>
+            <a:r>
+              <a:rPr lang="en-US" altLang="ja-JP" sz="1200" dirty="0">
+                <a:latin typeface="Courier" charset="0"/>
+                <a:ea typeface="Courier" charset="0"/>
+                <a:cs typeface="Courier" charset="0"/>
+              </a:rPr>
+              <a:t> /Library/Internet\ </a:t>
+            </a:r>
+            <a:r>
+              <a:rPr lang="en-US" altLang="ja-JP" sz="1200" dirty="0" smtClean="0">
+                <a:latin typeface="Courier" charset="0"/>
+                <a:ea typeface="Courier" charset="0"/>
+                <a:cs typeface="Courier" charset="0"/>
+              </a:rPr>
+              <a:t>Plug-Ins/</a:t>
+            </a:r>
+            <a:r>
+              <a:rPr lang="en-US" altLang="ja-JP" sz="1200" dirty="0" err="1" smtClean="0">
+                <a:latin typeface="Courier" charset="0"/>
+                <a:ea typeface="Courier" charset="0"/>
+                <a:cs typeface="Courier" charset="0"/>
+              </a:rPr>
+              <a:t>JavaAppletPlugin.plugin</a:t>
+            </a:r>
+            <a:endParaRPr lang="en-US" altLang="ja-JP" sz="1200" dirty="0" smtClean="0">
+              <a:latin typeface="Courier" charset="0"/>
+              <a:ea typeface="Courier" charset="0"/>
+              <a:cs typeface="Courier" charset="0"/>
+            </a:endParaRPr>
+          </a:p>
+          <a:p>
+            <a:r>
+              <a:rPr lang="en-US" altLang="ja-JP" sz="1200" dirty="0" smtClean="0">
+                <a:latin typeface="Courier" charset="0"/>
+                <a:ea typeface="Courier" charset="0"/>
+                <a:cs typeface="Courier" charset="0"/>
+              </a:rPr>
+              <a:t>&gt; </a:t>
+            </a:r>
+            <a:r>
+              <a:rPr lang="en-US" altLang="ja-JP" sz="1200" dirty="0" err="1" smtClean="0">
+                <a:latin typeface="Courier" charset="0"/>
+                <a:ea typeface="Courier" charset="0"/>
+                <a:cs typeface="Courier" charset="0"/>
+              </a:rPr>
+              <a:t>sudo</a:t>
+            </a:r>
+            <a:r>
+              <a:rPr lang="en-US" altLang="ja-JP" sz="1200" dirty="0" smtClean="0">
+                <a:latin typeface="Courier" charset="0"/>
+                <a:ea typeface="Courier" charset="0"/>
+                <a:cs typeface="Courier" charset="0"/>
+              </a:rPr>
+              <a:t> </a:t>
+            </a:r>
+            <a:r>
+              <a:rPr lang="en-US" altLang="ja-JP" sz="1200" dirty="0" err="1">
+                <a:latin typeface="Courier" charset="0"/>
+                <a:ea typeface="Courier" charset="0"/>
+                <a:cs typeface="Courier" charset="0"/>
+              </a:rPr>
+              <a:t>rm</a:t>
+            </a:r>
+            <a:r>
+              <a:rPr lang="en-US" altLang="ja-JP" sz="1200" dirty="0">
+                <a:latin typeface="Courier" charset="0"/>
+                <a:ea typeface="Courier" charset="0"/>
+                <a:cs typeface="Courier" charset="0"/>
+              </a:rPr>
+              <a:t> -</a:t>
+            </a:r>
+            <a:r>
+              <a:rPr lang="en-US" altLang="ja-JP" sz="1200" dirty="0" err="1" smtClean="0">
+                <a:latin typeface="Courier" charset="0"/>
+                <a:ea typeface="Courier" charset="0"/>
+                <a:cs typeface="Courier" charset="0"/>
+              </a:rPr>
+              <a:t>rf</a:t>
+            </a:r>
+            <a:r>
+              <a:rPr lang="en-US" altLang="ja-JP" sz="1200" dirty="0" smtClean="0">
+                <a:latin typeface="Courier" charset="0"/>
+                <a:ea typeface="Courier" charset="0"/>
+                <a:cs typeface="Courier" charset="0"/>
+              </a:rPr>
+              <a:t> </a:t>
+            </a:r>
+            <a:r>
+              <a:rPr lang="en-US" altLang="ja-JP" sz="1200" dirty="0">
+                <a:latin typeface="Courier" charset="0"/>
+                <a:ea typeface="Courier" charset="0"/>
+                <a:cs typeface="Courier" charset="0"/>
+              </a:rPr>
+              <a:t>/</a:t>
+            </a:r>
+            <a:r>
+              <a:rPr lang="en-US" altLang="ja-JP" sz="1200" dirty="0" smtClean="0">
+                <a:latin typeface="Courier" charset="0"/>
+                <a:ea typeface="Courier" charset="0"/>
+                <a:cs typeface="Courier" charset="0"/>
+              </a:rPr>
+              <a:t>Library/</a:t>
+            </a:r>
+            <a:r>
+              <a:rPr lang="en-US" altLang="ja-JP" sz="1200" dirty="0" err="1" smtClean="0">
+                <a:latin typeface="Courier" charset="0"/>
+                <a:ea typeface="Courier" charset="0"/>
+                <a:cs typeface="Courier" charset="0"/>
+              </a:rPr>
+              <a:t>PreferencePanes</a:t>
+            </a:r>
+            <a:r>
+              <a:rPr lang="en-US" altLang="ja-JP" sz="1200" dirty="0" smtClean="0">
+                <a:latin typeface="Courier" charset="0"/>
+                <a:ea typeface="Courier" charset="0"/>
+                <a:cs typeface="Courier" charset="0"/>
+              </a:rPr>
+              <a:t>/</a:t>
+            </a:r>
+            <a:r>
+              <a:rPr lang="en-US" altLang="ja-JP" sz="1200" dirty="0" err="1" smtClean="0">
+                <a:latin typeface="Courier" charset="0"/>
+                <a:ea typeface="Courier" charset="0"/>
+                <a:cs typeface="Courier" charset="0"/>
+              </a:rPr>
+              <a:t>JavaControlPanel.prefPane</a:t>
+            </a:r>
+            <a:endParaRPr lang="en-US" altLang="ja-JP" sz="1200" dirty="0" smtClean="0">
+              <a:latin typeface="Courier" charset="0"/>
+              <a:ea typeface="Courier" charset="0"/>
+              <a:cs typeface="Courier" charset="0"/>
+            </a:endParaRPr>
+          </a:p>
+          <a:p>
+            <a:r>
+              <a:rPr lang="en-US" altLang="ja-JP" sz="1200" dirty="0">
+                <a:latin typeface="Courier" charset="0"/>
+                <a:ea typeface="Courier" charset="0"/>
+                <a:cs typeface="Courier" charset="0"/>
+              </a:rPr>
+              <a:t>&gt; </a:t>
+            </a:r>
+            <a:r>
+              <a:rPr lang="en-US" altLang="ja-JP" sz="1200" dirty="0" err="1">
+                <a:latin typeface="Courier" charset="0"/>
+                <a:ea typeface="Courier" charset="0"/>
+                <a:cs typeface="Courier" charset="0"/>
+              </a:rPr>
+              <a:t>sudo</a:t>
+            </a:r>
+            <a:r>
+              <a:rPr lang="en-US" altLang="ja-JP" sz="1200" dirty="0">
+                <a:latin typeface="Courier" charset="0"/>
+                <a:ea typeface="Courier" charset="0"/>
+                <a:cs typeface="Courier" charset="0"/>
+              </a:rPr>
+              <a:t> </a:t>
+            </a:r>
+            <a:r>
+              <a:rPr lang="en-US" altLang="ja-JP" sz="1200" dirty="0" err="1">
+                <a:latin typeface="Courier" charset="0"/>
+                <a:ea typeface="Courier" charset="0"/>
+                <a:cs typeface="Courier" charset="0"/>
+              </a:rPr>
+              <a:t>rm</a:t>
+            </a:r>
+            <a:r>
+              <a:rPr lang="en-US" altLang="ja-JP" sz="1200" dirty="0">
+                <a:latin typeface="Courier" charset="0"/>
+                <a:ea typeface="Courier" charset="0"/>
+                <a:cs typeface="Courier" charset="0"/>
+              </a:rPr>
+              <a:t> -</a:t>
+            </a:r>
+            <a:r>
+              <a:rPr lang="en-US" altLang="ja-JP" sz="1200" dirty="0" err="1">
+                <a:latin typeface="Courier" charset="0"/>
+                <a:ea typeface="Courier" charset="0"/>
+                <a:cs typeface="Courier" charset="0"/>
+              </a:rPr>
+              <a:t>rf</a:t>
+            </a:r>
+            <a:r>
+              <a:rPr lang="en-US" altLang="ja-JP" sz="1200" dirty="0">
+                <a:latin typeface="Courier" charset="0"/>
+                <a:ea typeface="Courier" charset="0"/>
+                <a:cs typeface="Courier" charset="0"/>
+              </a:rPr>
+              <a:t> /Library/Java/</a:t>
+            </a:r>
+            <a:r>
+              <a:rPr lang="en-US" altLang="ja-JP" sz="1200" dirty="0" err="1">
+                <a:latin typeface="Courier" charset="0"/>
+                <a:ea typeface="Courier" charset="0"/>
+                <a:cs typeface="Courier" charset="0"/>
+              </a:rPr>
+              <a:t>JavaVirtualMachines</a:t>
+            </a:r>
+            <a:r>
+              <a:rPr lang="en-US" altLang="ja-JP" sz="1200" dirty="0">
+                <a:latin typeface="Courier" charset="0"/>
+                <a:ea typeface="Courier" charset="0"/>
+                <a:cs typeface="Courier" charset="0"/>
+              </a:rPr>
+              <a:t>/jdk-10.0.1.jdk</a:t>
+            </a:r>
+            <a:endParaRPr lang="en-US" altLang="ja-JP" sz="1200" dirty="0" smtClean="0">
+              <a:latin typeface="Courier" charset="0"/>
+              <a:ea typeface="Courier" charset="0"/>
+              <a:cs typeface="Courier" charset="0"/>
+            </a:endParaRPr>
+          </a:p>
+        </p:txBody>
+      </p:sp>
+      <p:sp>
+        <p:nvSpPr>
+          <p:cNvPr id="7" name="TextBox 6"/>
+          <p:cNvSpPr txBox="1"/>
+          <p:nvPr/>
+        </p:nvSpPr>
+        <p:spPr>
+          <a:xfrm>
+            <a:off x="1360999" y="5017521"/>
+            <a:ext cx="6371305" cy="800219"/>
+          </a:xfrm>
+          <a:prstGeom prst="rect">
+            <a:avLst/>
+          </a:prstGeom>
+          <a:noFill/>
+          <a:ln>
+            <a:solidFill>
+              <a:schemeClr val="tx1"/>
+            </a:solidFill>
+          </a:ln>
+        </p:spPr>
+        <p:txBody>
+          <a:bodyPr wrap="square" rtlCol="0">
+            <a:spAutoFit/>
+          </a:bodyPr>
+          <a:lstStyle/>
+          <a:p>
+            <a:r>
+              <a:rPr lang="en-US" sz="2800" dirty="0" smtClean="0">
+                <a:solidFill>
+                  <a:srgbClr val="FF0000"/>
+                </a:solidFill>
+              </a:rPr>
+              <a:t>WARNING</a:t>
+            </a:r>
+            <a:r>
+              <a:rPr lang="en-US" sz="2800" smtClean="0">
+                <a:solidFill>
+                  <a:srgbClr val="FF0000"/>
+                </a:solidFill>
+              </a:rPr>
+              <a:t>!</a:t>
+            </a:r>
+            <a:r>
+              <a:rPr lang="en-US" smtClean="0"/>
+              <a:t> </a:t>
+            </a:r>
+          </a:p>
+          <a:p>
+            <a:r>
+              <a:rPr lang="en-US" dirty="0" smtClean="0"/>
+              <a:t>Be sure to type the right folders. You cannot redo this command! </a:t>
+            </a:r>
+            <a:endParaRPr lang="en-US" dirty="0"/>
+          </a:p>
+        </p:txBody>
+      </p:sp>
+      <p:sp>
+        <p:nvSpPr>
+          <p:cNvPr id="8" name="TextBox 7"/>
+          <p:cNvSpPr txBox="1"/>
+          <p:nvPr/>
+        </p:nvSpPr>
+        <p:spPr>
+          <a:xfrm>
+            <a:off x="442451" y="368709"/>
+            <a:ext cx="7978878" cy="1200329"/>
+          </a:xfrm>
+          <a:prstGeom prst="rect">
+            <a:avLst/>
+          </a:prstGeom>
+          <a:noFill/>
+        </p:spPr>
+        <p:txBody>
+          <a:bodyPr wrap="square" rtlCol="0">
+            <a:spAutoFit/>
+          </a:bodyPr>
+          <a:lstStyle/>
+          <a:p>
+            <a:r>
+              <a:rPr lang="en-US" altLang="ja-JP" dirty="0"/>
+              <a:t>If your Java is a newer one (version 9 and later), it is unfortunately </a:t>
+            </a:r>
+            <a:r>
+              <a:rPr lang="en-US" altLang="ja-JP" dirty="0">
+                <a:solidFill>
+                  <a:srgbClr val="FF0000"/>
+                </a:solidFill>
+              </a:rPr>
+              <a:t>NOT</a:t>
+            </a:r>
+            <a:r>
+              <a:rPr lang="en-US" altLang="ja-JP" dirty="0"/>
+              <a:t> compatible with Java3D library, which </a:t>
+            </a:r>
+            <a:r>
+              <a:rPr lang="en-US" altLang="ja-JP" dirty="0" err="1"/>
+              <a:t>JSindo</a:t>
+            </a:r>
+            <a:r>
+              <a:rPr lang="en-US" altLang="ja-JP" dirty="0"/>
+              <a:t> use for visualization. </a:t>
+            </a:r>
+            <a:r>
+              <a:rPr lang="en-US" altLang="ja-JP" dirty="0" smtClean="0"/>
+              <a:t>In this case, uninstall Java and re-install version 8.</a:t>
+            </a:r>
+            <a:endParaRPr lang="ja-JP" altLang="en-US" dirty="0"/>
+          </a:p>
+          <a:p>
+            <a:endParaRPr lang="en-US" dirty="0"/>
+          </a:p>
+        </p:txBody>
+      </p:sp>
+      <p:grpSp>
+        <p:nvGrpSpPr>
+          <p:cNvPr id="2" name="Group 1"/>
+          <p:cNvGrpSpPr/>
+          <p:nvPr/>
+        </p:nvGrpSpPr>
+        <p:grpSpPr>
+          <a:xfrm>
+            <a:off x="1745474" y="1459088"/>
+            <a:ext cx="4933166" cy="1543345"/>
+            <a:chOff x="1745474" y="1459088"/>
+            <a:chExt cx="4933166" cy="1543345"/>
+          </a:xfrm>
+        </p:grpSpPr>
+        <p:pic>
+          <p:nvPicPr>
+            <p:cNvPr id="10" name="Picture 9"/>
+            <p:cNvPicPr>
+              <a:picLocks noChangeAspect="1"/>
+            </p:cNvPicPr>
+            <p:nvPr/>
+          </p:nvPicPr>
+          <p:blipFill>
+            <a:blip r:embed="rId2" cstate="print">
+              <a:extLst>
+                <a:ext uri="{28A0092B-C50C-407E-A947-70E740481C1C}">
+                  <a14:useLocalDpi xmlns:a14="http://schemas.microsoft.com/office/drawing/2010/main"/>
+                </a:ext>
+              </a:extLst>
+            </a:blip>
+            <a:stretch>
+              <a:fillRect/>
+            </a:stretch>
+          </p:blipFill>
+          <p:spPr>
+            <a:xfrm>
+              <a:off x="1745474" y="1459088"/>
+              <a:ext cx="3213100" cy="617170"/>
+            </a:xfrm>
+            <a:prstGeom prst="rect">
+              <a:avLst/>
+            </a:prstGeom>
+            <a:ln>
+              <a:solidFill>
+                <a:schemeClr val="tx1"/>
+              </a:solidFill>
+            </a:ln>
+          </p:spPr>
+        </p:pic>
+        <p:cxnSp>
+          <p:nvCxnSpPr>
+            <p:cNvPr id="11" name="Straight Arrow Connector 10"/>
+            <p:cNvCxnSpPr/>
+            <p:nvPr/>
+          </p:nvCxnSpPr>
+          <p:spPr>
+            <a:xfrm flipV="1">
+              <a:off x="2858253" y="1871385"/>
+              <a:ext cx="0" cy="778475"/>
+            </a:xfrm>
+            <a:prstGeom prst="straightConnector1">
+              <a:avLst/>
+            </a:prstGeom>
+            <a:ln>
+              <a:solidFill>
+                <a:schemeClr val="tx1"/>
+              </a:solidFill>
+              <a:tailEnd type="triangle"/>
+            </a:ln>
+          </p:spPr>
+          <p:style>
+            <a:lnRef idx="1">
+              <a:schemeClr val="accent1"/>
+            </a:lnRef>
+            <a:fillRef idx="0">
+              <a:schemeClr val="accent1"/>
+            </a:fillRef>
+            <a:effectRef idx="0">
+              <a:schemeClr val="accent1"/>
+            </a:effectRef>
+            <a:fontRef idx="minor">
+              <a:schemeClr val="tx1"/>
+            </a:fontRef>
+          </p:style>
+        </p:cxnSp>
+        <p:cxnSp>
+          <p:nvCxnSpPr>
+            <p:cNvPr id="12" name="Straight Connector 11"/>
+            <p:cNvCxnSpPr/>
+            <p:nvPr/>
+          </p:nvCxnSpPr>
+          <p:spPr>
+            <a:xfrm>
+              <a:off x="2450479" y="1834458"/>
+              <a:ext cx="586659" cy="0"/>
+            </a:xfrm>
+            <a:prstGeom prst="line">
+              <a:avLst/>
+            </a:prstGeom>
+            <a:ln>
+              <a:solidFill>
+                <a:schemeClr val="tx1"/>
+              </a:solidFill>
+            </a:ln>
+          </p:spPr>
+          <p:style>
+            <a:lnRef idx="1">
+              <a:schemeClr val="accent1"/>
+            </a:lnRef>
+            <a:fillRef idx="0">
+              <a:schemeClr val="accent1"/>
+            </a:fillRef>
+            <a:effectRef idx="0">
+              <a:schemeClr val="accent1"/>
+            </a:effectRef>
+            <a:fontRef idx="minor">
+              <a:schemeClr val="tx1"/>
+            </a:fontRef>
+          </p:style>
+        </p:cxnSp>
+        <p:sp>
+          <p:nvSpPr>
+            <p:cNvPr id="13" name="TextBox 12"/>
+            <p:cNvSpPr txBox="1"/>
+            <p:nvPr/>
+          </p:nvSpPr>
+          <p:spPr>
+            <a:xfrm>
+              <a:off x="2460754" y="2633101"/>
+              <a:ext cx="4217886" cy="369332"/>
+            </a:xfrm>
+            <a:prstGeom prst="rect">
+              <a:avLst/>
+            </a:prstGeom>
+            <a:noFill/>
+          </p:spPr>
+          <p:txBody>
+            <a:bodyPr wrap="none" rtlCol="0">
+              <a:spAutoFit/>
+            </a:bodyPr>
+            <a:lstStyle/>
+            <a:p>
+              <a:r>
+                <a:rPr lang="en-US" dirty="0" smtClean="0"/>
+                <a:t>Unfortunately, your Java is Version 10.0.1…</a:t>
+              </a:r>
+              <a:endParaRPr lang="en-US" dirty="0"/>
+            </a:p>
+          </p:txBody>
+        </p:sp>
+      </p:grpSp>
+      <p:sp>
+        <p:nvSpPr>
+          <p:cNvPr id="14" name="TextBox 13"/>
+          <p:cNvSpPr txBox="1"/>
+          <p:nvPr/>
+        </p:nvSpPr>
+        <p:spPr>
+          <a:xfrm>
+            <a:off x="457200" y="3439443"/>
+            <a:ext cx="8023123" cy="646331"/>
+          </a:xfrm>
+          <a:prstGeom prst="rect">
+            <a:avLst/>
+          </a:prstGeom>
+          <a:noFill/>
+        </p:spPr>
+        <p:txBody>
+          <a:bodyPr wrap="square" rtlCol="0">
+            <a:spAutoFit/>
+          </a:bodyPr>
+          <a:lstStyle/>
+          <a:p>
+            <a:r>
+              <a:rPr lang="en-US" dirty="0" smtClean="0"/>
+              <a:t>To uninstall Java (version 10), type the following commands to remove the folders. You will be prompted to enter an </a:t>
+            </a:r>
+            <a:r>
+              <a:rPr lang="en-US" dirty="0" err="1" smtClean="0"/>
+              <a:t>adimistrator</a:t>
+            </a:r>
+            <a:r>
+              <a:rPr lang="en-US" dirty="0" smtClean="0"/>
+              <a:t> password. </a:t>
+            </a:r>
+          </a:p>
+        </p:txBody>
+      </p:sp>
+    </p:spTree>
+    <p:extLst>
+      <p:ext uri="{BB962C8B-B14F-4D97-AF65-F5344CB8AC3E}">
+        <p14:creationId xmlns:p14="http://schemas.microsoft.com/office/powerpoint/2010/main" val="373700880"/>
+      </p:ext>
+    </p:extLst>
+  </p:cSld>
+  <p:clrMapOvr>
+    <a:masterClrMapping/>
+  </p:clrMapOvr>
+</p:sld>
+</file>
+
+<file path=ppt/slides/slide4.xml><?xml version="1.0" encoding="utf-8"?>
+<p:sld xmlns:a="http://schemas.openxmlformats.org/drawingml/2006/main" xmlns:r="http://schemas.openxmlformats.org/officeDocument/2006/relationships" xmlns:p="http://schemas.openxmlformats.org/presentationml/2006/main">
+  <p:cSld>
+    <p:spTree>
+      <p:nvGrpSpPr>
+        <p:cNvPr id="1" name=""/>
+        <p:cNvGrpSpPr/>
+        <p:nvPr/>
+      </p:nvGrpSpPr>
+      <p:grpSpPr>
+        <a:xfrm>
+          <a:off x="0" y="0"/>
+          <a:ext cx="0" cy="0"/>
+          <a:chOff x="0" y="0"/>
+          <a:chExt cx="0" cy="0"/>
+        </a:xfrm>
+      </p:grpSpPr>
+      <p:grpSp>
+        <p:nvGrpSpPr>
+          <p:cNvPr id="5" name="Group 4"/>
+          <p:cNvGrpSpPr/>
+          <p:nvPr/>
+        </p:nvGrpSpPr>
+        <p:grpSpPr>
+          <a:xfrm>
+            <a:off x="466418" y="1810606"/>
+            <a:ext cx="3711152" cy="4342486"/>
+            <a:chOff x="466418" y="1810606"/>
+            <a:chExt cx="3711152" cy="4342486"/>
+          </a:xfrm>
+        </p:grpSpPr>
+        <p:pic>
+          <p:nvPicPr>
+            <p:cNvPr id="8" name="Picture 7"/>
+            <p:cNvPicPr>
+              <a:picLocks noChangeAspect="1"/>
+            </p:cNvPicPr>
+            <p:nvPr/>
+          </p:nvPicPr>
+          <p:blipFill>
+            <a:blip r:embed="rId2" cstate="print">
+              <a:extLst>
+                <a:ext uri="{28A0092B-C50C-407E-A947-70E740481C1C}">
+                  <a14:useLocalDpi xmlns:a14="http://schemas.microsoft.com/office/drawing/2010/main"/>
+                </a:ext>
+              </a:extLst>
+            </a:blip>
+            <a:stretch>
+              <a:fillRect/>
+            </a:stretch>
+          </p:blipFill>
+          <p:spPr>
+            <a:xfrm>
+              <a:off x="466418" y="1810606"/>
+              <a:ext cx="3711152" cy="4342486"/>
+            </a:xfrm>
+            <a:prstGeom prst="rect">
+              <a:avLst/>
+            </a:prstGeom>
+            <a:ln>
+              <a:solidFill>
+                <a:schemeClr val="tx1"/>
+              </a:solidFill>
+            </a:ln>
+          </p:spPr>
+        </p:pic>
+        <p:sp>
+          <p:nvSpPr>
+            <p:cNvPr id="11" name="Rectangle 10"/>
+            <p:cNvSpPr/>
+            <p:nvPr/>
+          </p:nvSpPr>
+          <p:spPr>
+            <a:xfrm>
+              <a:off x="2805970" y="5150393"/>
+              <a:ext cx="545690" cy="324465"/>
+            </a:xfrm>
+            <a:prstGeom prst="rect">
+              <a:avLst/>
+            </a:prstGeom>
+            <a:noFill/>
+            <a:ln w="19050">
+              <a:solidFill>
+                <a:srgbClr val="FF0000"/>
+              </a:solidFill>
+            </a:ln>
+          </p:spPr>
+          <p:style>
+            <a:lnRef idx="2">
+              <a:schemeClr val="accent1">
+                <a:shade val="50000"/>
+              </a:schemeClr>
+            </a:lnRef>
+            <a:fillRef idx="1">
+              <a:schemeClr val="accent1"/>
+            </a:fillRef>
+            <a:effectRef idx="0">
+              <a:schemeClr val="accent1"/>
+            </a:effectRef>
+            <a:fontRef idx="minor">
+              <a:schemeClr val="lt1"/>
+            </a:fontRef>
+          </p:style>
+          <p:txBody>
+            <a:bodyPr rtlCol="0" anchor="ctr"/>
+            <a:lstStyle/>
+            <a:p>
+              <a:pPr algn="ctr"/>
+              <a:endParaRPr lang="en-US"/>
+            </a:p>
+          </p:txBody>
+        </p:sp>
+        <p:grpSp>
+          <p:nvGrpSpPr>
+            <p:cNvPr id="29" name="Group 28"/>
+            <p:cNvGrpSpPr/>
+            <p:nvPr/>
+          </p:nvGrpSpPr>
+          <p:grpSpPr>
+            <a:xfrm>
+              <a:off x="1346190" y="3219441"/>
+              <a:ext cx="1964053" cy="1617045"/>
+              <a:chOff x="1357162" y="3378467"/>
+              <a:chExt cx="1964053" cy="1617045"/>
+            </a:xfrm>
+          </p:grpSpPr>
+          <p:sp>
+            <p:nvSpPr>
+              <p:cNvPr id="17" name="Rectangle 16"/>
+              <p:cNvSpPr/>
+              <p:nvPr/>
+            </p:nvSpPr>
+            <p:spPr>
+              <a:xfrm>
+                <a:off x="1357162" y="3378467"/>
+                <a:ext cx="1963554" cy="1617045"/>
+              </a:xfrm>
+              <a:prstGeom prst="rect">
+                <a:avLst/>
+              </a:prstGeom>
+              <a:noFill/>
+              <a:ln>
+                <a:solidFill>
+                  <a:srgbClr val="FF0000"/>
+                </a:solidFill>
+              </a:ln>
+            </p:spPr>
+            <p:style>
+              <a:lnRef idx="2">
+                <a:schemeClr val="accent1">
+                  <a:shade val="50000"/>
+                </a:schemeClr>
+              </a:lnRef>
+              <a:fillRef idx="1">
+                <a:schemeClr val="accent1"/>
+              </a:fillRef>
+              <a:effectRef idx="0">
+                <a:schemeClr val="accent1"/>
+              </a:effectRef>
+              <a:fontRef idx="minor">
+                <a:schemeClr val="lt1"/>
+              </a:fontRef>
+            </p:style>
+            <p:txBody>
+              <a:bodyPr rtlCol="0" anchor="ctr"/>
+              <a:lstStyle/>
+              <a:p>
+                <a:pPr algn="ctr"/>
+                <a:endParaRPr lang="en-US"/>
+              </a:p>
+            </p:txBody>
+          </p:sp>
+          <p:cxnSp>
+            <p:nvCxnSpPr>
+              <p:cNvPr id="19" name="Straight Connector 18"/>
+              <p:cNvCxnSpPr/>
+              <p:nvPr/>
+            </p:nvCxnSpPr>
+            <p:spPr>
+              <a:xfrm>
+                <a:off x="1364493" y="3387544"/>
+                <a:ext cx="1956722" cy="1601384"/>
+              </a:xfrm>
+              <a:prstGeom prst="line">
+                <a:avLst/>
+              </a:prstGeom>
+              <a:ln w="19050">
+                <a:solidFill>
+                  <a:srgbClr val="FF0000"/>
+                </a:solidFill>
+              </a:ln>
+            </p:spPr>
+            <p:style>
+              <a:lnRef idx="1">
+                <a:schemeClr val="accent1"/>
+              </a:lnRef>
+              <a:fillRef idx="0">
+                <a:schemeClr val="accent1"/>
+              </a:fillRef>
+              <a:effectRef idx="0">
+                <a:schemeClr val="accent1"/>
+              </a:effectRef>
+              <a:fontRef idx="minor">
+                <a:schemeClr val="tx1"/>
+              </a:fontRef>
+            </p:style>
+          </p:cxnSp>
+          <p:cxnSp>
+            <p:nvCxnSpPr>
+              <p:cNvPr id="20" name="Straight Connector 19"/>
+              <p:cNvCxnSpPr/>
+              <p:nvPr/>
+            </p:nvCxnSpPr>
+            <p:spPr>
+              <a:xfrm flipV="1">
+                <a:off x="1359755" y="3387544"/>
+                <a:ext cx="1956722" cy="1606124"/>
+              </a:xfrm>
+              <a:prstGeom prst="line">
+                <a:avLst/>
+              </a:prstGeom>
+              <a:ln w="19050">
+                <a:solidFill>
+                  <a:srgbClr val="FF0000"/>
+                </a:solidFill>
+              </a:ln>
+            </p:spPr>
+            <p:style>
+              <a:lnRef idx="1">
+                <a:schemeClr val="accent1"/>
+              </a:lnRef>
+              <a:fillRef idx="0">
+                <a:schemeClr val="accent1"/>
+              </a:fillRef>
+              <a:effectRef idx="0">
+                <a:schemeClr val="accent1"/>
+              </a:effectRef>
+              <a:fontRef idx="minor">
+                <a:schemeClr val="tx1"/>
+              </a:fontRef>
+            </p:style>
+          </p:cxnSp>
+        </p:grpSp>
+        <p:sp>
+          <p:nvSpPr>
+            <p:cNvPr id="15" name="TextBox 14"/>
+            <p:cNvSpPr txBox="1"/>
+            <p:nvPr/>
+          </p:nvSpPr>
+          <p:spPr>
+            <a:xfrm>
+              <a:off x="1815514" y="3857161"/>
+              <a:ext cx="1055097" cy="369332"/>
+            </a:xfrm>
+            <a:prstGeom prst="rect">
+              <a:avLst/>
+            </a:prstGeom>
+            <a:solidFill>
+              <a:schemeClr val="bg1"/>
+            </a:solidFill>
+            <a:ln>
+              <a:solidFill>
+                <a:srgbClr val="FF0000"/>
+              </a:solidFill>
+            </a:ln>
+          </p:spPr>
+          <p:txBody>
+            <a:bodyPr wrap="none" rtlCol="0">
+              <a:spAutoFit/>
+            </a:bodyPr>
+            <a:lstStyle/>
+            <a:p>
+              <a:r>
+                <a:rPr lang="en-US" dirty="0" smtClean="0"/>
+                <a:t>Not this! </a:t>
+              </a:r>
+              <a:endParaRPr lang="en-US" dirty="0"/>
+            </a:p>
+          </p:txBody>
+        </p:sp>
+        <p:sp>
+          <p:nvSpPr>
+            <p:cNvPr id="30" name="TextBox 29"/>
+            <p:cNvSpPr txBox="1"/>
+            <p:nvPr/>
+          </p:nvSpPr>
+          <p:spPr>
+            <a:xfrm>
+              <a:off x="503141" y="5141861"/>
+              <a:ext cx="1139543" cy="369332"/>
+            </a:xfrm>
+            <a:prstGeom prst="rect">
+              <a:avLst/>
+            </a:prstGeom>
+            <a:noFill/>
+          </p:spPr>
+          <p:txBody>
+            <a:bodyPr wrap="none" rtlCol="0">
+              <a:spAutoFit/>
+            </a:bodyPr>
+            <a:lstStyle/>
+            <a:p>
+              <a:r>
+                <a:rPr lang="en-US" smtClean="0"/>
+                <a:t>Java SE 8u</a:t>
+              </a:r>
+              <a:endParaRPr lang="en-US"/>
+            </a:p>
+          </p:txBody>
+        </p:sp>
+        <p:cxnSp>
+          <p:nvCxnSpPr>
+            <p:cNvPr id="31" name="Straight Arrow Connector 30"/>
+            <p:cNvCxnSpPr/>
+            <p:nvPr/>
+          </p:nvCxnSpPr>
+          <p:spPr>
+            <a:xfrm flipV="1">
+              <a:off x="1118581" y="4971028"/>
+              <a:ext cx="228600" cy="194981"/>
+            </a:xfrm>
+            <a:prstGeom prst="straightConnector1">
+              <a:avLst/>
+            </a:prstGeom>
+            <a:ln>
+              <a:solidFill>
+                <a:schemeClr val="tx1"/>
+              </a:solidFill>
+              <a:tailEnd type="triangle"/>
+            </a:ln>
+          </p:spPr>
+          <p:style>
+            <a:lnRef idx="1">
+              <a:schemeClr val="accent1"/>
+            </a:lnRef>
+            <a:fillRef idx="0">
+              <a:schemeClr val="accent1"/>
+            </a:fillRef>
+            <a:effectRef idx="0">
+              <a:schemeClr val="accent1"/>
+            </a:effectRef>
+            <a:fontRef idx="minor">
+              <a:schemeClr val="tx1"/>
+            </a:fontRef>
+          </p:style>
+        </p:cxnSp>
+      </p:grpSp>
+      <p:sp>
+        <p:nvSpPr>
+          <p:cNvPr id="3" name="スライド番号プレースホルダー 2"/>
+          <p:cNvSpPr>
+            <a:spLocks noGrp="1"/>
+          </p:cNvSpPr>
+          <p:nvPr>
+            <p:ph type="sldNum" sz="quarter" idx="12"/>
+          </p:nvPr>
+        </p:nvSpPr>
+        <p:spPr/>
+        <p:txBody>
+          <a:bodyPr/>
+          <a:lstStyle/>
+          <a:p>
+            <a:fld id="{7D34BB6B-1E1A-9541-9560-488905BF54FF}" type="slidenum">
+              <a:rPr kumimoji="1" lang="ja-JP" altLang="en-US" smtClean="0"/>
+              <a:t>3</a:t>
+            </a:fld>
+            <a:endParaRPr kumimoji="1" lang="ja-JP" altLang="en-US" dirty="0"/>
+          </a:p>
+        </p:txBody>
+      </p:sp>
+      <p:sp>
+        <p:nvSpPr>
+          <p:cNvPr id="6" name="テキスト ボックス 17"/>
+          <p:cNvSpPr txBox="1"/>
+          <p:nvPr/>
+        </p:nvSpPr>
+        <p:spPr>
+          <a:xfrm>
+            <a:off x="388646" y="623682"/>
+            <a:ext cx="6714339" cy="369332"/>
+          </a:xfrm>
+          <a:prstGeom prst="rect">
+            <a:avLst/>
+          </a:prstGeom>
+          <a:noFill/>
+        </p:spPr>
+        <p:txBody>
+          <a:bodyPr wrap="none" rtlCol="0">
+            <a:spAutoFit/>
+          </a:bodyPr>
+          <a:lstStyle/>
+          <a:p>
+            <a:r>
+              <a:rPr lang="en-US" altLang="ja-JP" dirty="0"/>
+              <a:t>Search “Java SE download” in </a:t>
+            </a:r>
+            <a:r>
+              <a:rPr lang="en-US" altLang="ja-JP" dirty="0" smtClean="0"/>
+              <a:t>Google and </a:t>
+            </a:r>
+            <a:r>
+              <a:rPr lang="en-US" altLang="ja-JP" dirty="0" err="1" smtClean="0"/>
+              <a:t>goto</a:t>
+            </a:r>
+            <a:r>
+              <a:rPr lang="en-US" altLang="ja-JP" dirty="0"/>
+              <a:t> </a:t>
+            </a:r>
+            <a:r>
+              <a:rPr lang="en-US" altLang="ja-JP" dirty="0" smtClean="0"/>
+              <a:t>the following website. </a:t>
+            </a:r>
+          </a:p>
+        </p:txBody>
+      </p:sp>
+      <p:pic>
+        <p:nvPicPr>
+          <p:cNvPr id="7" name="Picture 6"/>
+          <p:cNvPicPr>
+            <a:picLocks noChangeAspect="1"/>
+          </p:cNvPicPr>
+          <p:nvPr/>
+        </p:nvPicPr>
+        <p:blipFill>
+          <a:blip r:embed="rId3" cstate="print">
+            <a:extLst>
+              <a:ext uri="{28A0092B-C50C-407E-A947-70E740481C1C}">
+                <a14:useLocalDpi xmlns:a14="http://schemas.microsoft.com/office/drawing/2010/main"/>
+              </a:ext>
+            </a:extLst>
+          </a:blip>
+          <a:stretch>
+            <a:fillRect/>
+          </a:stretch>
+        </p:blipFill>
+        <p:spPr>
+          <a:xfrm>
+            <a:off x="4726092" y="4479205"/>
+            <a:ext cx="1522068" cy="939909"/>
+          </a:xfrm>
+          <a:prstGeom prst="rect">
+            <a:avLst/>
+          </a:prstGeom>
+          <a:ln>
+            <a:solidFill>
+              <a:schemeClr val="tx1"/>
+            </a:solidFill>
+          </a:ln>
+        </p:spPr>
+      </p:pic>
+      <p:sp>
+        <p:nvSpPr>
+          <p:cNvPr id="10" name="TextBox 9"/>
+          <p:cNvSpPr txBox="1"/>
+          <p:nvPr/>
+        </p:nvSpPr>
+        <p:spPr>
+          <a:xfrm>
+            <a:off x="383458" y="253928"/>
+            <a:ext cx="2041713" cy="369332"/>
+          </a:xfrm>
+          <a:prstGeom prst="rect">
+            <a:avLst/>
+          </a:prstGeom>
+          <a:noFill/>
+        </p:spPr>
+        <p:txBody>
+          <a:bodyPr wrap="none" rtlCol="0">
+            <a:spAutoFit/>
+          </a:bodyPr>
+          <a:lstStyle/>
+          <a:p>
+            <a:r>
+              <a:rPr lang="en-US" dirty="0" smtClean="0">
+                <a:solidFill>
+                  <a:srgbClr val="00B0F0"/>
+                </a:solidFill>
+              </a:rPr>
+              <a:t>STEP2</a:t>
+            </a:r>
+            <a:r>
+              <a:rPr lang="en-US" dirty="0" smtClean="0"/>
+              <a:t>: Install Java8.</a:t>
+            </a:r>
+            <a:endParaRPr lang="en-US" dirty="0"/>
+          </a:p>
+        </p:txBody>
+      </p:sp>
+      <p:cxnSp>
+        <p:nvCxnSpPr>
+          <p:cNvPr id="13" name="Straight Arrow Connector 12"/>
+          <p:cNvCxnSpPr/>
+          <p:nvPr/>
+        </p:nvCxnSpPr>
+        <p:spPr>
+          <a:xfrm flipV="1">
+            <a:off x="3351660" y="3218355"/>
+            <a:ext cx="1209368" cy="1932038"/>
+          </a:xfrm>
+          <a:prstGeom prst="straightConnector1">
+            <a:avLst/>
+          </a:prstGeom>
+          <a:ln>
+            <a:solidFill>
+              <a:srgbClr val="FF0000"/>
+            </a:solidFill>
+            <a:tailEnd type="triangle"/>
+          </a:ln>
+        </p:spPr>
+        <p:style>
+          <a:lnRef idx="1">
+            <a:schemeClr val="accent1"/>
+          </a:lnRef>
+          <a:fillRef idx="0">
+            <a:schemeClr val="accent1"/>
+          </a:fillRef>
+          <a:effectRef idx="0">
+            <a:schemeClr val="accent1"/>
+          </a:effectRef>
+          <a:fontRef idx="minor">
+            <a:schemeClr val="tx1"/>
+          </a:fontRef>
+        </p:style>
+      </p:cxnSp>
+      <p:grpSp>
+        <p:nvGrpSpPr>
+          <p:cNvPr id="4" name="Group 3"/>
+          <p:cNvGrpSpPr/>
+          <p:nvPr/>
+        </p:nvGrpSpPr>
+        <p:grpSpPr>
+          <a:xfrm>
+            <a:off x="4699166" y="1836753"/>
+            <a:ext cx="3718661" cy="2019465"/>
+            <a:chOff x="4699166" y="1836753"/>
+            <a:chExt cx="3718661" cy="2019465"/>
+          </a:xfrm>
+        </p:grpSpPr>
+        <p:pic>
+          <p:nvPicPr>
+            <p:cNvPr id="9" name="Picture 8"/>
+            <p:cNvPicPr>
+              <a:picLocks noChangeAspect="1"/>
+            </p:cNvPicPr>
+            <p:nvPr/>
+          </p:nvPicPr>
+          <p:blipFill>
+            <a:blip r:embed="rId4" cstate="print">
+              <a:extLst>
+                <a:ext uri="{28A0092B-C50C-407E-A947-70E740481C1C}">
+                  <a14:useLocalDpi xmlns:a14="http://schemas.microsoft.com/office/drawing/2010/main"/>
+                </a:ext>
+              </a:extLst>
+            </a:blip>
+            <a:stretch>
+              <a:fillRect/>
+            </a:stretch>
+          </p:blipFill>
+          <p:spPr>
+            <a:xfrm>
+              <a:off x="4701711" y="1836753"/>
+              <a:ext cx="3716116" cy="2019465"/>
+            </a:xfrm>
+            <a:prstGeom prst="rect">
+              <a:avLst/>
+            </a:prstGeom>
+            <a:ln>
+              <a:solidFill>
+                <a:schemeClr val="tx1"/>
+              </a:solidFill>
+            </a:ln>
+          </p:spPr>
+        </p:pic>
+        <p:sp>
+          <p:nvSpPr>
+            <p:cNvPr id="34" name="Rectangle 33"/>
+            <p:cNvSpPr/>
+            <p:nvPr/>
+          </p:nvSpPr>
+          <p:spPr>
+            <a:xfrm>
+              <a:off x="4699166" y="3065732"/>
+              <a:ext cx="3635372" cy="121726"/>
+            </a:xfrm>
+            <a:prstGeom prst="rect">
+              <a:avLst/>
+            </a:prstGeom>
+            <a:noFill/>
+            <a:ln w="19050">
+              <a:solidFill>
+                <a:srgbClr val="FF0000"/>
+              </a:solidFill>
+            </a:ln>
+          </p:spPr>
+          <p:style>
+            <a:lnRef idx="2">
+              <a:schemeClr val="accent1">
+                <a:shade val="50000"/>
+              </a:schemeClr>
+            </a:lnRef>
+            <a:fillRef idx="1">
+              <a:schemeClr val="accent1"/>
+            </a:fillRef>
+            <a:effectRef idx="0">
+              <a:schemeClr val="accent1"/>
+            </a:effectRef>
+            <a:fontRef idx="minor">
+              <a:schemeClr val="lt1"/>
+            </a:fontRef>
+          </p:style>
+          <p:txBody>
+            <a:bodyPr rtlCol="0" anchor="ctr"/>
+            <a:lstStyle/>
+            <a:p>
+              <a:pPr algn="ctr"/>
+              <a:endParaRPr lang="en-US"/>
+            </a:p>
+          </p:txBody>
+        </p:sp>
+        <p:sp>
+          <p:nvSpPr>
+            <p:cNvPr id="35" name="Rectangle 34"/>
+            <p:cNvSpPr/>
+            <p:nvPr/>
+          </p:nvSpPr>
+          <p:spPr>
+            <a:xfrm>
+              <a:off x="5317352" y="2228605"/>
+              <a:ext cx="1304296" cy="180304"/>
+            </a:xfrm>
+            <a:prstGeom prst="rect">
+              <a:avLst/>
+            </a:prstGeom>
+            <a:noFill/>
+            <a:ln w="19050">
+              <a:solidFill>
+                <a:srgbClr val="FF0000"/>
+              </a:solidFill>
+            </a:ln>
+          </p:spPr>
+          <p:style>
+            <a:lnRef idx="2">
+              <a:schemeClr val="accent1">
+                <a:shade val="50000"/>
+              </a:schemeClr>
+            </a:lnRef>
+            <a:fillRef idx="1">
+              <a:schemeClr val="accent1"/>
+            </a:fillRef>
+            <a:effectRef idx="0">
+              <a:schemeClr val="accent1"/>
+            </a:effectRef>
+            <a:fontRef idx="minor">
+              <a:schemeClr val="lt1"/>
+            </a:fontRef>
+          </p:style>
+          <p:txBody>
+            <a:bodyPr rtlCol="0" anchor="ctr"/>
+            <a:lstStyle/>
+            <a:p>
+              <a:pPr algn="ctr"/>
+              <a:endParaRPr lang="en-US"/>
+            </a:p>
+          </p:txBody>
+        </p:sp>
+      </p:grpSp>
+      <p:cxnSp>
+        <p:nvCxnSpPr>
+          <p:cNvPr id="37" name="Straight Arrow Connector 36"/>
+          <p:cNvCxnSpPr/>
+          <p:nvPr/>
+        </p:nvCxnSpPr>
+        <p:spPr>
+          <a:xfrm>
+            <a:off x="5578459" y="1762539"/>
+            <a:ext cx="0" cy="414550"/>
+          </a:xfrm>
+          <a:prstGeom prst="straightConnector1">
+            <a:avLst/>
+          </a:prstGeom>
+          <a:ln>
+            <a:solidFill>
+              <a:schemeClr val="tx1"/>
+            </a:solidFill>
+            <a:tailEnd type="triangle"/>
+          </a:ln>
+        </p:spPr>
+        <p:style>
+          <a:lnRef idx="1">
+            <a:schemeClr val="accent1"/>
+          </a:lnRef>
+          <a:fillRef idx="0">
+            <a:schemeClr val="accent1"/>
+          </a:fillRef>
+          <a:effectRef idx="0">
+            <a:schemeClr val="accent1"/>
+          </a:effectRef>
+          <a:fontRef idx="minor">
+            <a:schemeClr val="tx1"/>
+          </a:fontRef>
+        </p:style>
+      </p:cxnSp>
+      <p:sp>
+        <p:nvSpPr>
+          <p:cNvPr id="40" name="TextBox 39"/>
+          <p:cNvSpPr txBox="1"/>
+          <p:nvPr/>
+        </p:nvSpPr>
+        <p:spPr>
+          <a:xfrm>
+            <a:off x="5215316" y="1415385"/>
+            <a:ext cx="804131" cy="369332"/>
+          </a:xfrm>
+          <a:prstGeom prst="rect">
+            <a:avLst/>
+          </a:prstGeom>
+          <a:noFill/>
+        </p:spPr>
+        <p:txBody>
+          <a:bodyPr wrap="none" rtlCol="0">
+            <a:spAutoFit/>
+          </a:bodyPr>
+          <a:lstStyle/>
+          <a:p>
+            <a:r>
+              <a:rPr lang="en-US" dirty="0" smtClean="0"/>
+              <a:t>accept</a:t>
+            </a:r>
+            <a:endParaRPr lang="en-US" dirty="0"/>
+          </a:p>
+        </p:txBody>
+      </p:sp>
+      <p:sp>
+        <p:nvSpPr>
+          <p:cNvPr id="44" name="TextBox 43"/>
+          <p:cNvSpPr txBox="1"/>
+          <p:nvPr/>
+        </p:nvSpPr>
+        <p:spPr>
+          <a:xfrm>
+            <a:off x="5035758" y="3923034"/>
+            <a:ext cx="3875676" cy="369332"/>
+          </a:xfrm>
+          <a:prstGeom prst="rect">
+            <a:avLst/>
+          </a:prstGeom>
+          <a:noFill/>
+        </p:spPr>
+        <p:txBody>
+          <a:bodyPr wrap="none" rtlCol="0">
+            <a:spAutoFit/>
+          </a:bodyPr>
+          <a:lstStyle/>
+          <a:p>
+            <a:r>
+              <a:rPr lang="en-US" dirty="0" smtClean="0"/>
+              <a:t>download and double click </a:t>
+            </a:r>
+            <a:r>
+              <a:rPr lang="en-US" dirty="0"/>
+              <a:t>the </a:t>
+            </a:r>
+            <a:r>
+              <a:rPr lang="en-US" dirty="0" err="1"/>
+              <a:t>dmg</a:t>
+            </a:r>
+            <a:r>
+              <a:rPr lang="en-US" dirty="0"/>
+              <a:t> file</a:t>
+            </a:r>
+          </a:p>
+        </p:txBody>
+      </p:sp>
+      <p:cxnSp>
+        <p:nvCxnSpPr>
+          <p:cNvPr id="46" name="Straight Arrow Connector 45"/>
+          <p:cNvCxnSpPr/>
+          <p:nvPr/>
+        </p:nvCxnSpPr>
+        <p:spPr>
+          <a:xfrm flipH="1">
+            <a:off x="5900430" y="5061957"/>
+            <a:ext cx="526993" cy="0"/>
+          </a:xfrm>
+          <a:prstGeom prst="straightConnector1">
+            <a:avLst/>
+          </a:prstGeom>
+          <a:ln>
+            <a:solidFill>
+              <a:schemeClr val="tx1"/>
+            </a:solidFill>
+            <a:tailEnd type="triangle"/>
+          </a:ln>
+        </p:spPr>
+        <p:style>
+          <a:lnRef idx="1">
+            <a:schemeClr val="accent1"/>
+          </a:lnRef>
+          <a:fillRef idx="0">
+            <a:schemeClr val="accent1"/>
+          </a:fillRef>
+          <a:effectRef idx="0">
+            <a:schemeClr val="accent1"/>
+          </a:effectRef>
+          <a:fontRef idx="minor">
+            <a:schemeClr val="tx1"/>
+          </a:fontRef>
+        </p:style>
+      </p:cxnSp>
+      <p:sp>
+        <p:nvSpPr>
+          <p:cNvPr id="48" name="TextBox 47"/>
+          <p:cNvSpPr txBox="1"/>
+          <p:nvPr/>
+        </p:nvSpPr>
+        <p:spPr>
+          <a:xfrm>
+            <a:off x="6478938" y="4386112"/>
+            <a:ext cx="2459865" cy="1754326"/>
+          </a:xfrm>
+          <a:prstGeom prst="rect">
+            <a:avLst/>
+          </a:prstGeom>
+          <a:noFill/>
+        </p:spPr>
+        <p:txBody>
+          <a:bodyPr wrap="square" rtlCol="0">
+            <a:spAutoFit/>
+          </a:bodyPr>
+          <a:lstStyle/>
+          <a:p>
+            <a:r>
+              <a:rPr lang="en-US" dirty="0" smtClean="0"/>
+              <a:t>Click here, follow the instruction, and you’re done.</a:t>
+            </a:r>
+          </a:p>
+          <a:p>
+            <a:r>
+              <a:rPr lang="en-US" dirty="0" smtClean="0"/>
+              <a:t>You may do STEP1 to double check you’ve got the right Java installed.</a:t>
+            </a:r>
+            <a:endParaRPr lang="en-US" dirty="0"/>
+          </a:p>
+        </p:txBody>
+      </p:sp>
+      <p:sp>
+        <p:nvSpPr>
+          <p:cNvPr id="2" name="TextBox 1"/>
+          <p:cNvSpPr txBox="1"/>
+          <p:nvPr/>
+        </p:nvSpPr>
+        <p:spPr>
+          <a:xfrm>
+            <a:off x="1172103" y="1004368"/>
+            <a:ext cx="6242286" cy="338554"/>
+          </a:xfrm>
+          <a:prstGeom prst="rect">
+            <a:avLst/>
+          </a:prstGeom>
+          <a:noFill/>
+        </p:spPr>
+        <p:txBody>
+          <a:bodyPr wrap="none" rtlCol="0">
+            <a:spAutoFit/>
+          </a:bodyPr>
+          <a:lstStyle/>
+          <a:p>
+            <a:r>
+              <a:rPr lang="en-US" altLang="ja-JP" sz="1600" dirty="0"/>
+              <a:t>http://</a:t>
+            </a:r>
+            <a:r>
+              <a:rPr lang="en-US" altLang="ja-JP" sz="1600" dirty="0" err="1" smtClean="0"/>
+              <a:t>www.oracle.com</a:t>
+            </a:r>
+            <a:r>
+              <a:rPr lang="en-US" altLang="ja-JP" sz="1600" dirty="0" smtClean="0"/>
+              <a:t>/</a:t>
+            </a:r>
+            <a:r>
+              <a:rPr lang="en-US" altLang="ja-JP" sz="1600" dirty="0" err="1" smtClean="0"/>
+              <a:t>technetwork</a:t>
+            </a:r>
+            <a:r>
+              <a:rPr lang="en-US" altLang="ja-JP" sz="1600" dirty="0" smtClean="0"/>
+              <a:t>/java/</a:t>
+            </a:r>
+            <a:r>
+              <a:rPr lang="en-US" altLang="ja-JP" sz="1600" dirty="0" err="1" smtClean="0"/>
+              <a:t>javase</a:t>
+            </a:r>
+            <a:r>
+              <a:rPr lang="en-US" altLang="ja-JP" sz="1600" dirty="0" smtClean="0"/>
+              <a:t>/downloads/</a:t>
+            </a:r>
+            <a:r>
+              <a:rPr lang="en-US" altLang="ja-JP" sz="1600" dirty="0" err="1" smtClean="0"/>
+              <a:t>index.html</a:t>
+            </a:r>
+            <a:endParaRPr lang="en-US" altLang="ja-JP" sz="1600" dirty="0"/>
+          </a:p>
+        </p:txBody>
+      </p:sp>
+      <p:sp>
+        <p:nvSpPr>
+          <p:cNvPr id="12" name="TextBox 11"/>
+          <p:cNvSpPr txBox="1"/>
+          <p:nvPr/>
+        </p:nvSpPr>
+        <p:spPr>
+          <a:xfrm>
+            <a:off x="627258" y="6193633"/>
+            <a:ext cx="5839803" cy="523220"/>
+          </a:xfrm>
+          <a:prstGeom prst="rect">
+            <a:avLst/>
+          </a:prstGeom>
+          <a:noFill/>
+        </p:spPr>
+        <p:txBody>
+          <a:bodyPr wrap="square" rtlCol="0">
+            <a:spAutoFit/>
+          </a:bodyPr>
+          <a:lstStyle/>
+          <a:p>
+            <a:r>
+              <a:rPr lang="en-US" sz="1400" dirty="0" smtClean="0"/>
+              <a:t>*) If you don’t have enough space, JRE is also OK. But, JDK is recommended since it let you use Java from a command line.</a:t>
+            </a:r>
+            <a:endParaRPr lang="en-US" sz="1400" dirty="0"/>
+          </a:p>
+        </p:txBody>
+      </p:sp>
+      <p:cxnSp>
+        <p:nvCxnSpPr>
+          <p:cNvPr id="32" name="Straight Arrow Connector 31"/>
+          <p:cNvCxnSpPr/>
+          <p:nvPr/>
+        </p:nvCxnSpPr>
+        <p:spPr>
+          <a:xfrm>
+            <a:off x="781172" y="1033670"/>
+            <a:ext cx="0" cy="719349"/>
+          </a:xfrm>
+          <a:prstGeom prst="straightConnector1">
+            <a:avLst/>
+          </a:prstGeom>
+          <a:ln>
+            <a:solidFill>
+              <a:schemeClr val="tx1"/>
+            </a:solidFill>
+            <a:tailEnd type="triangle"/>
+          </a:ln>
+        </p:spPr>
+        <p:style>
+          <a:lnRef idx="1">
+            <a:schemeClr val="accent1"/>
+          </a:lnRef>
+          <a:fillRef idx="0">
+            <a:schemeClr val="accent1"/>
+          </a:fillRef>
+          <a:effectRef idx="0">
+            <a:schemeClr val="accent1"/>
+          </a:effectRef>
+          <a:fontRef idx="minor">
+            <a:schemeClr val="tx1"/>
+          </a:fontRef>
+        </p:style>
+      </p:cxnSp>
+      <p:cxnSp>
+        <p:nvCxnSpPr>
+          <p:cNvPr id="33" name="Straight Arrow Connector 32"/>
+          <p:cNvCxnSpPr/>
+          <p:nvPr/>
+        </p:nvCxnSpPr>
+        <p:spPr>
+          <a:xfrm>
+            <a:off x="4982111" y="3207026"/>
+            <a:ext cx="0" cy="1169923"/>
+          </a:xfrm>
+          <a:prstGeom prst="straightConnector1">
+            <a:avLst/>
+          </a:prstGeom>
+          <a:ln>
+            <a:solidFill>
+              <a:srgbClr val="FF0000"/>
+            </a:solidFill>
+            <a:tailEnd type="triangle"/>
+          </a:ln>
+        </p:spPr>
+        <p:style>
+          <a:lnRef idx="1">
+            <a:schemeClr val="accent1"/>
+          </a:lnRef>
+          <a:fillRef idx="0">
+            <a:schemeClr val="accent1"/>
+          </a:fillRef>
+          <a:effectRef idx="0">
+            <a:schemeClr val="accent1"/>
+          </a:effectRef>
+          <a:fontRef idx="minor">
+            <a:schemeClr val="tx1"/>
+          </a:fontRef>
+        </p:style>
+      </p:cxnSp>
+    </p:spTree>
+    <p:extLst>
+      <p:ext uri="{BB962C8B-B14F-4D97-AF65-F5344CB8AC3E}">
+        <p14:creationId xmlns:p14="http://schemas.microsoft.com/office/powerpoint/2010/main" val="920227230"/>
+      </p:ext>
+    </p:extLst>
+  </p:cSld>
+  <p:clrMapOvr>
+    <a:masterClrMapping/>
+  </p:clrMapOvr>
+</p:sld>
+</file>
+
+<file path=ppt/slides/slide5.xml><?xml version="1.0" encoding="utf-8"?>
+<p:sld xmlns:a="http://schemas.openxmlformats.org/drawingml/2006/main" xmlns:r="http://schemas.openxmlformats.org/officeDocument/2006/relationships" xmlns:p="http://schemas.openxmlformats.org/presentationml/2006/main">
+  <p:cSld>
+    <p:spTree>
+      <p:nvGrpSpPr>
+        <p:cNvPr id="1" name=""/>
+        <p:cNvGrpSpPr/>
+        <p:nvPr/>
+      </p:nvGrpSpPr>
+      <p:grpSpPr>
+        <a:xfrm>
+          <a:off x="0" y="0"/>
+          <a:ext cx="0" cy="0"/>
+          <a:chOff x="0" y="0"/>
+          <a:chExt cx="0" cy="0"/>
+        </a:xfrm>
+      </p:grpSpPr>
+      <p:sp>
+        <p:nvSpPr>
+          <p:cNvPr id="2" name="タイトル 1"/>
+          <p:cNvSpPr>
+            <a:spLocks noGrp="1"/>
+          </p:cNvSpPr>
+          <p:nvPr>
+            <p:ph type="title"/>
+          </p:nvPr>
+        </p:nvSpPr>
+        <p:spPr/>
+        <p:txBody>
+          <a:bodyPr/>
+          <a:lstStyle/>
+          <a:p>
+            <a:r>
+              <a:rPr lang="en-US" altLang="ja-JP" dirty="0"/>
+              <a:t>2. </a:t>
+            </a:r>
+            <a:r>
+              <a:rPr lang="en-US" altLang="ja-JP" dirty="0" smtClean="0"/>
+              <a:t>Download Java3D</a:t>
+            </a:r>
+            <a:endParaRPr kumimoji="1" lang="ja-JP" altLang="en-US" dirty="0"/>
+          </a:p>
+        </p:txBody>
+      </p:sp>
+      <p:sp>
+        <p:nvSpPr>
+          <p:cNvPr id="3" name="スライド番号プレースホルダー 2"/>
+          <p:cNvSpPr>
+            <a:spLocks noGrp="1"/>
+          </p:cNvSpPr>
+          <p:nvPr>
+            <p:ph type="sldNum" sz="quarter" idx="12"/>
+          </p:nvPr>
+        </p:nvSpPr>
+        <p:spPr/>
+        <p:txBody>
+          <a:bodyPr/>
+          <a:lstStyle/>
+          <a:p>
+            <a:fld id="{7D34BB6B-1E1A-9541-9560-488905BF54FF}" type="slidenum">
+              <a:rPr kumimoji="1" lang="ja-JP" altLang="en-US" smtClean="0"/>
+              <a:t>4</a:t>
+            </a:fld>
+            <a:endParaRPr kumimoji="1" lang="ja-JP" altLang="en-US"/>
+          </a:p>
+        </p:txBody>
+      </p:sp>
+      <p:pic>
+        <p:nvPicPr>
+          <p:cNvPr id="5" name="図 4"/>
+          <p:cNvPicPr>
+            <a:picLocks noChangeAspect="1"/>
+          </p:cNvPicPr>
+          <p:nvPr/>
+        </p:nvPicPr>
+        <p:blipFill>
+          <a:blip r:embed="rId2" cstate="print">
+            <a:extLst>
+              <a:ext uri="{28A0092B-C50C-407E-A947-70E740481C1C}">
+                <a14:useLocalDpi xmlns:a14="http://schemas.microsoft.com/office/drawing/2010/main"/>
+              </a:ext>
+            </a:extLst>
+          </a:blip>
+          <a:stretch>
+            <a:fillRect/>
+          </a:stretch>
+        </p:blipFill>
+        <p:spPr>
+          <a:xfrm>
+            <a:off x="4875448" y="1615108"/>
+            <a:ext cx="3354808" cy="2011732"/>
+          </a:xfrm>
+          <a:prstGeom prst="rect">
+            <a:avLst/>
+          </a:prstGeom>
+        </p:spPr>
+      </p:pic>
+      <p:sp>
+        <p:nvSpPr>
+          <p:cNvPr id="6" name="正方形/長方形 5"/>
+          <p:cNvSpPr/>
+          <p:nvPr/>
+        </p:nvSpPr>
+        <p:spPr>
+          <a:xfrm>
+            <a:off x="4970808" y="2580522"/>
+            <a:ext cx="1196729" cy="185987"/>
+          </a:xfrm>
+          <a:prstGeom prst="rect">
+            <a:avLst/>
+          </a:prstGeom>
+          <a:noFill/>
+          <a:ln w="28575">
+            <a:solidFill>
+              <a:srgbClr val="00B050"/>
+            </a:solidFill>
+            <a:prstDash val="sysDash"/>
+          </a:ln>
+        </p:spPr>
+        <p:style>
+          <a:lnRef idx="2">
+            <a:schemeClr val="accent1">
+              <a:shade val="50000"/>
+            </a:schemeClr>
+          </a:lnRef>
+          <a:fillRef idx="1">
+            <a:schemeClr val="accent1"/>
+          </a:fillRef>
+          <a:effectRef idx="0">
+            <a:schemeClr val="accent1"/>
+          </a:effectRef>
+          <a:fontRef idx="minor">
+            <a:schemeClr val="lt1"/>
+          </a:fontRef>
+        </p:style>
+        <p:txBody>
+          <a:bodyPr rtlCol="0" anchor="ctr"/>
+          <a:lstStyle/>
+          <a:p>
+            <a:pPr algn="ctr"/>
+            <a:endParaRPr kumimoji="1" lang="ja-JP" altLang="en-US"/>
+          </a:p>
+        </p:txBody>
+      </p:sp>
+      <p:pic>
+        <p:nvPicPr>
+          <p:cNvPr id="7" name="図 6"/>
+          <p:cNvPicPr>
+            <a:picLocks noChangeAspect="1"/>
+          </p:cNvPicPr>
+          <p:nvPr/>
+        </p:nvPicPr>
+        <p:blipFill>
+          <a:blip r:embed="rId3" cstate="print">
+            <a:extLst>
+              <a:ext uri="{28A0092B-C50C-407E-A947-70E740481C1C}">
+                <a14:useLocalDpi xmlns:a14="http://schemas.microsoft.com/office/drawing/2010/main"/>
+              </a:ext>
+            </a:extLst>
+          </a:blip>
+          <a:stretch>
+            <a:fillRect/>
+          </a:stretch>
+        </p:blipFill>
+        <p:spPr>
+          <a:xfrm>
+            <a:off x="4906859" y="3853719"/>
+            <a:ext cx="3334558" cy="2898368"/>
+          </a:xfrm>
+          <a:prstGeom prst="rect">
+            <a:avLst/>
+          </a:prstGeom>
+        </p:spPr>
+      </p:pic>
+      <p:sp>
+        <p:nvSpPr>
+          <p:cNvPr id="8" name="正方形/長方形 7"/>
+          <p:cNvSpPr/>
+          <p:nvPr/>
+        </p:nvSpPr>
+        <p:spPr>
+          <a:xfrm>
+            <a:off x="4954215" y="6530882"/>
+            <a:ext cx="1196729" cy="185987"/>
+          </a:xfrm>
+          <a:prstGeom prst="rect">
+            <a:avLst/>
+          </a:prstGeom>
+          <a:noFill/>
+          <a:ln w="28575">
+            <a:solidFill>
+              <a:srgbClr val="00B050"/>
+            </a:solidFill>
+            <a:prstDash val="sysDash"/>
+          </a:ln>
+        </p:spPr>
+        <p:style>
+          <a:lnRef idx="2">
+            <a:schemeClr val="accent1">
+              <a:shade val="50000"/>
+            </a:schemeClr>
+          </a:lnRef>
+          <a:fillRef idx="1">
+            <a:schemeClr val="accent1"/>
+          </a:fillRef>
+          <a:effectRef idx="0">
+            <a:schemeClr val="accent1"/>
+          </a:effectRef>
+          <a:fontRef idx="minor">
+            <a:schemeClr val="lt1"/>
+          </a:fontRef>
+        </p:style>
+        <p:txBody>
+          <a:bodyPr rtlCol="0" anchor="ctr"/>
+          <a:lstStyle/>
+          <a:p>
+            <a:pPr algn="ctr"/>
+            <a:endParaRPr kumimoji="1" lang="ja-JP" altLang="en-US"/>
+          </a:p>
+        </p:txBody>
+      </p:sp>
       <p:sp>
         <p:nvSpPr>
           <p:cNvPr id="9" name="テキスト ボックス 8"/>
@@ -4601,10 +8024,10 @@
           <p:nvPr/>
         </p:nvPicPr>
         <p:blipFill>
-          <a:blip r:embed="rId4">
+          <a:blip r:embed="rId4" cstate="print">
             <a:extLst>
               <a:ext uri="{28A0092B-C50C-407E-A947-70E740481C1C}">
-                <a14:useLocalDpi xmlns:a14="http://schemas.microsoft.com/office/drawing/2010/main" val="0"/>
+                <a14:useLocalDpi xmlns:a14="http://schemas.microsoft.com/office/drawing/2010/main"/>
               </a:ext>
             </a:extLst>
           </a:blip>
@@ -4888,7 +8311,7 @@
 </p:sld>
 </file>
 
-<file path=ppt/slides/slide4.xml><?xml version="1.0" encoding="utf-8"?>
+<file path=ppt/slides/slide6.xml><?xml version="1.0" encoding="utf-8"?>
 <p:sld xmlns:a="http://schemas.openxmlformats.org/drawingml/2006/main" xmlns:r="http://schemas.openxmlformats.org/officeDocument/2006/relationships" xmlns:p="http://schemas.openxmlformats.org/presentationml/2006/main">
   <p:cSld>
     <p:spTree>
@@ -5352,10 +8775,10 @@
           <p:nvPr/>
         </p:nvPicPr>
         <p:blipFill>
-          <a:blip r:embed="rId5">
+          <a:blip r:embed="rId5" cstate="print">
             <a:extLst>
               <a:ext uri="{28A0092B-C50C-407E-A947-70E740481C1C}">
-                <a14:useLocalDpi xmlns:a14="http://schemas.microsoft.com/office/drawing/2010/main" val="0"/>
+                <a14:useLocalDpi xmlns:a14="http://schemas.microsoft.com/office/drawing/2010/main"/>
               </a:ext>
             </a:extLst>
           </a:blip>
@@ -5502,7 +8925,7 @@
           <a:p>
             <a:fld id="{7D34BB6B-1E1A-9541-9560-488905BF54FF}" type="slidenum">
               <a:rPr kumimoji="1" lang="ja-JP" altLang="en-US" smtClean="0"/>
-              <a:t>3</a:t>
+              <a:t>5</a:t>
             </a:fld>
             <a:endParaRPr kumimoji="1" lang="ja-JP" altLang="en-US" dirty="0"/>
           </a:p>
@@ -5512,877 +8935,6 @@
     <p:extLst>
       <p:ext uri="{BB962C8B-B14F-4D97-AF65-F5344CB8AC3E}">
         <p14:creationId xmlns:p14="http://schemas.microsoft.com/office/powerpoint/2010/main" val="680749785"/>
-      </p:ext>
-    </p:extLst>
-  </p:cSld>
-  <p:clrMapOvr>
-    <a:masterClrMapping/>
-  </p:clrMapOvr>
-</p:sld>
-</file>
-
-<file path=ppt/slides/slide5.xml><?xml version="1.0" encoding="utf-8"?>
-<p:sld xmlns:a="http://schemas.openxmlformats.org/drawingml/2006/main" xmlns:r="http://schemas.openxmlformats.org/officeDocument/2006/relationships" xmlns:p="http://schemas.openxmlformats.org/presentationml/2006/main">
-  <p:cSld>
-    <p:spTree>
-      <p:nvGrpSpPr>
-        <p:cNvPr id="1" name=""/>
-        <p:cNvGrpSpPr/>
-        <p:nvPr/>
-      </p:nvGrpSpPr>
-      <p:grpSpPr>
-        <a:xfrm>
-          <a:off x="0" y="0"/>
-          <a:ext cx="0" cy="0"/>
-          <a:chOff x="0" y="0"/>
-          <a:chExt cx="0" cy="0"/>
-        </a:xfrm>
-      </p:grpSpPr>
-      <p:sp>
-        <p:nvSpPr>
-          <p:cNvPr id="2" name="スライド番号プレースホルダー 1"/>
-          <p:cNvSpPr>
-            <a:spLocks noGrp="1"/>
-          </p:cNvSpPr>
-          <p:nvPr>
-            <p:ph type="sldNum" sz="quarter" idx="12"/>
-          </p:nvPr>
-        </p:nvSpPr>
-        <p:spPr/>
-        <p:txBody>
-          <a:bodyPr/>
-          <a:lstStyle/>
-          <a:p>
-            <a:fld id="{7D34BB6B-1E1A-9541-9560-488905BF54FF}" type="slidenum">
-              <a:rPr kumimoji="1" lang="ja-JP" altLang="en-US" smtClean="0"/>
-              <a:t>4</a:t>
-            </a:fld>
-            <a:endParaRPr kumimoji="1" lang="ja-JP" altLang="en-US" dirty="0"/>
-          </a:p>
-        </p:txBody>
-      </p:sp>
-      <p:sp>
-        <p:nvSpPr>
-          <p:cNvPr id="5" name="テキスト ボックス 4"/>
-          <p:cNvSpPr txBox="1"/>
-          <p:nvPr/>
-        </p:nvSpPr>
-        <p:spPr>
-          <a:xfrm>
-            <a:off x="570176" y="945533"/>
-            <a:ext cx="8229440" cy="646331"/>
-          </a:xfrm>
-          <a:prstGeom prst="rect">
-            <a:avLst/>
-          </a:prstGeom>
-          <a:noFill/>
-        </p:spPr>
-        <p:txBody>
-          <a:bodyPr wrap="square" rtlCol="0">
-            <a:spAutoFit/>
-          </a:bodyPr>
-          <a:lstStyle/>
-          <a:p>
-            <a:r>
-              <a:rPr kumimoji="1" lang="en-US" altLang="ja-JP" dirty="0" smtClean="0"/>
-              <a:t>You will find jar files </a:t>
-            </a:r>
-            <a:r>
-              <a:rPr lang="en-US" altLang="ja-JP" dirty="0" smtClean="0"/>
-              <a:t>in </a:t>
-            </a:r>
-            <a:r>
-              <a:rPr lang="en-US" altLang="ja-JP" dirty="0" err="1" smtClean="0"/>
-              <a:t>jogamp</a:t>
-            </a:r>
-            <a:r>
-              <a:rPr lang="en-US" altLang="ja-JP" dirty="0" smtClean="0"/>
-              <a:t>-all-platforms/jar and in jogamp-java3d. The following jar files are needed for </a:t>
-            </a:r>
-            <a:r>
-              <a:rPr lang="en-US" altLang="ja-JP" dirty="0" err="1" smtClean="0"/>
-              <a:t>JSindo</a:t>
-            </a:r>
-            <a:r>
-              <a:rPr lang="en-US" altLang="ja-JP" dirty="0" smtClean="0"/>
-              <a:t>:</a:t>
-            </a:r>
-            <a:endParaRPr kumimoji="1" lang="ja-JP" altLang="en-US" dirty="0"/>
-          </a:p>
-        </p:txBody>
-      </p:sp>
-      <p:sp>
-        <p:nvSpPr>
-          <p:cNvPr id="6" name="テキスト ボックス 5"/>
-          <p:cNvSpPr txBox="1"/>
-          <p:nvPr/>
-        </p:nvSpPr>
-        <p:spPr>
-          <a:xfrm>
-            <a:off x="1145904" y="1800732"/>
-            <a:ext cx="4575274" cy="1200329"/>
-          </a:xfrm>
-          <a:prstGeom prst="rect">
-            <a:avLst/>
-          </a:prstGeom>
-          <a:noFill/>
-          <a:ln>
-            <a:solidFill>
-              <a:srgbClr val="00B050"/>
-            </a:solidFill>
-          </a:ln>
-        </p:spPr>
-        <p:txBody>
-          <a:bodyPr wrap="square" rtlCol="0">
-            <a:spAutoFit/>
-          </a:bodyPr>
-          <a:lstStyle/>
-          <a:p>
-            <a:r>
-              <a:rPr lang="en-US" altLang="ja-JP" sz="1200" dirty="0" err="1" smtClean="0">
-                <a:latin typeface="Courier" charset="0"/>
-                <a:ea typeface="Courier" charset="0"/>
-                <a:cs typeface="Courier" charset="0"/>
-              </a:rPr>
-              <a:t>jogamp</a:t>
-            </a:r>
-            <a:r>
-              <a:rPr lang="en-US" altLang="ja-JP" sz="1200" dirty="0" smtClean="0">
-                <a:latin typeface="Courier" charset="0"/>
-                <a:ea typeface="Courier" charset="0"/>
-                <a:cs typeface="Courier" charset="0"/>
-              </a:rPr>
-              <a:t>-all-platforms/jar/</a:t>
-            </a:r>
-          </a:p>
-          <a:p>
-            <a:pPr lvl="1"/>
-            <a:r>
-              <a:rPr lang="en-US" altLang="ja-JP" sz="1200" dirty="0" err="1" smtClean="0">
-                <a:latin typeface="Courier" charset="0"/>
-                <a:ea typeface="Courier" charset="0"/>
-                <a:cs typeface="Courier" charset="0"/>
-              </a:rPr>
-              <a:t>gluegen-rt.jar</a:t>
-            </a:r>
-            <a:endParaRPr lang="en-US" altLang="ja-JP" sz="1200" dirty="0" smtClean="0">
-              <a:latin typeface="Courier" charset="0"/>
-              <a:ea typeface="Courier" charset="0"/>
-              <a:cs typeface="Courier" charset="0"/>
-            </a:endParaRPr>
-          </a:p>
-          <a:p>
-            <a:pPr lvl="1"/>
-            <a:r>
-              <a:rPr lang="en-US" altLang="ja-JP" sz="1200" dirty="0" err="1" smtClean="0">
-                <a:latin typeface="Courier" charset="0"/>
-                <a:ea typeface="Courier" charset="0"/>
-                <a:cs typeface="Courier" charset="0"/>
-              </a:rPr>
-              <a:t>gluegen.jar</a:t>
-            </a:r>
-            <a:endParaRPr lang="en-US" altLang="ja-JP" sz="1200" dirty="0" smtClean="0">
-              <a:latin typeface="Courier" charset="0"/>
-              <a:ea typeface="Courier" charset="0"/>
-              <a:cs typeface="Courier" charset="0"/>
-            </a:endParaRPr>
-          </a:p>
-          <a:p>
-            <a:pPr lvl="1"/>
-            <a:r>
-              <a:rPr lang="en-US" altLang="ja-JP" sz="1200" dirty="0" err="1" smtClean="0">
-                <a:latin typeface="Courier" charset="0"/>
-                <a:ea typeface="Courier" charset="0"/>
-                <a:cs typeface="Courier" charset="0"/>
-              </a:rPr>
-              <a:t>gluegen</a:t>
-            </a:r>
-            <a:r>
-              <a:rPr lang="en-US" altLang="ja-JP" sz="1200" dirty="0" smtClean="0">
-                <a:latin typeface="Courier" charset="0"/>
-                <a:ea typeface="Courier" charset="0"/>
-                <a:cs typeface="Courier" charset="0"/>
-              </a:rPr>
-              <a:t>-</a:t>
-            </a:r>
-            <a:r>
-              <a:rPr lang="en-US" altLang="ja-JP" sz="1200" dirty="0" err="1" smtClean="0">
-                <a:latin typeface="Courier" charset="0"/>
-                <a:ea typeface="Courier" charset="0"/>
-                <a:cs typeface="Courier" charset="0"/>
-              </a:rPr>
-              <a:t>rt</a:t>
-            </a:r>
-            <a:r>
-              <a:rPr lang="en-US" altLang="ja-JP" sz="1200" dirty="0" smtClean="0">
-                <a:latin typeface="Courier" charset="0"/>
-                <a:ea typeface="Courier" charset="0"/>
-                <a:cs typeface="Courier" charset="0"/>
-              </a:rPr>
-              <a:t>-natives-</a:t>
-            </a:r>
-            <a:r>
-              <a:rPr lang="en-US" altLang="ja-JP" sz="1200" dirty="0" err="1" smtClean="0">
-                <a:solidFill>
-                  <a:srgbClr val="FF0000"/>
-                </a:solidFill>
-                <a:latin typeface="Courier" charset="0"/>
-                <a:ea typeface="Courier" charset="0"/>
-                <a:cs typeface="Courier" charset="0"/>
-              </a:rPr>
-              <a:t>macosx</a:t>
-            </a:r>
-            <a:r>
-              <a:rPr lang="en-US" altLang="ja-JP" sz="1200" dirty="0" smtClean="0">
-                <a:solidFill>
-                  <a:srgbClr val="FF0000"/>
-                </a:solidFill>
-                <a:latin typeface="Courier" charset="0"/>
-                <a:ea typeface="Courier" charset="0"/>
-                <a:cs typeface="Courier" charset="0"/>
-              </a:rPr>
-              <a:t>-</a:t>
-            </a:r>
-            <a:r>
-              <a:rPr lang="en-US" altLang="ja-JP" sz="1200" dirty="0" err="1" smtClean="0">
-                <a:solidFill>
-                  <a:srgbClr val="FF0000"/>
-                </a:solidFill>
-                <a:latin typeface="Courier" charset="0"/>
-                <a:ea typeface="Courier" charset="0"/>
-                <a:cs typeface="Courier" charset="0"/>
-              </a:rPr>
-              <a:t>universal</a:t>
-            </a:r>
-            <a:r>
-              <a:rPr lang="en-US" altLang="ja-JP" sz="1200" dirty="0" err="1" smtClean="0">
-                <a:latin typeface="Courier" charset="0"/>
-                <a:ea typeface="Courier" charset="0"/>
-                <a:cs typeface="Courier" charset="0"/>
-              </a:rPr>
-              <a:t>.jar</a:t>
-            </a:r>
-            <a:r>
-              <a:rPr lang="en-US" altLang="ja-JP" sz="1200" dirty="0" smtClean="0">
-                <a:latin typeface="Courier" charset="0"/>
-                <a:ea typeface="Courier" charset="0"/>
-                <a:cs typeface="Courier" charset="0"/>
-              </a:rPr>
-              <a:t> </a:t>
-            </a:r>
-          </a:p>
-          <a:p>
-            <a:pPr lvl="1"/>
-            <a:r>
-              <a:rPr lang="en-US" altLang="ja-JP" sz="1200" dirty="0" err="1" smtClean="0">
-                <a:latin typeface="Courier" charset="0"/>
-                <a:ea typeface="Courier" charset="0"/>
-                <a:cs typeface="Courier" charset="0"/>
-              </a:rPr>
-              <a:t>jogl-all.jar</a:t>
-            </a:r>
-            <a:endParaRPr lang="en-US" altLang="ja-JP" sz="1200" dirty="0" smtClean="0">
-              <a:latin typeface="Courier" charset="0"/>
-              <a:ea typeface="Courier" charset="0"/>
-              <a:cs typeface="Courier" charset="0"/>
-            </a:endParaRPr>
-          </a:p>
-          <a:p>
-            <a:pPr lvl="1"/>
-            <a:r>
-              <a:rPr lang="en-US" altLang="ja-JP" sz="1200" dirty="0" err="1" smtClean="0">
-                <a:latin typeface="Courier" charset="0"/>
-                <a:ea typeface="Courier" charset="0"/>
-                <a:cs typeface="Courier" charset="0"/>
-              </a:rPr>
-              <a:t>jogl</a:t>
-            </a:r>
-            <a:r>
-              <a:rPr lang="en-US" altLang="ja-JP" sz="1200" dirty="0" smtClean="0">
-                <a:latin typeface="Courier" charset="0"/>
-                <a:ea typeface="Courier" charset="0"/>
-                <a:cs typeface="Courier" charset="0"/>
-              </a:rPr>
-              <a:t>-all-natives-</a:t>
-            </a:r>
-            <a:r>
-              <a:rPr lang="en-US" altLang="ja-JP" sz="1200" dirty="0" err="1">
-                <a:solidFill>
-                  <a:srgbClr val="FF0000"/>
-                </a:solidFill>
-                <a:latin typeface="Courier" charset="0"/>
-                <a:ea typeface="Courier" charset="0"/>
-                <a:cs typeface="Courier" charset="0"/>
-              </a:rPr>
-              <a:t>macosx</a:t>
-            </a:r>
-            <a:r>
-              <a:rPr lang="en-US" altLang="ja-JP" sz="1200" dirty="0">
-                <a:solidFill>
-                  <a:srgbClr val="FF0000"/>
-                </a:solidFill>
-                <a:latin typeface="Courier" charset="0"/>
-                <a:ea typeface="Courier" charset="0"/>
-                <a:cs typeface="Courier" charset="0"/>
-              </a:rPr>
-              <a:t>-</a:t>
-            </a:r>
-            <a:r>
-              <a:rPr lang="en-US" altLang="ja-JP" sz="1200" dirty="0" err="1">
-                <a:solidFill>
-                  <a:srgbClr val="FF0000"/>
-                </a:solidFill>
-                <a:latin typeface="Courier" charset="0"/>
-                <a:ea typeface="Courier" charset="0"/>
-                <a:cs typeface="Courier" charset="0"/>
-              </a:rPr>
-              <a:t>universal</a:t>
-            </a:r>
-            <a:r>
-              <a:rPr lang="en-US" altLang="ja-JP" sz="1200" dirty="0" err="1" smtClean="0">
-                <a:latin typeface="Courier" charset="0"/>
-                <a:ea typeface="Courier" charset="0"/>
-                <a:cs typeface="Courier" charset="0"/>
-              </a:rPr>
-              <a:t>.jar</a:t>
-            </a:r>
-            <a:endParaRPr lang="en-US" altLang="ja-JP" sz="1200" dirty="0" smtClean="0">
-              <a:latin typeface="Courier" charset="0"/>
-              <a:ea typeface="Courier" charset="0"/>
-              <a:cs typeface="Courier" charset="0"/>
-            </a:endParaRPr>
-          </a:p>
-        </p:txBody>
-      </p:sp>
-      <p:sp>
-        <p:nvSpPr>
-          <p:cNvPr id="11" name="テキスト ボックス 10"/>
-          <p:cNvSpPr txBox="1"/>
-          <p:nvPr/>
-        </p:nvSpPr>
-        <p:spPr>
-          <a:xfrm>
-            <a:off x="6424487" y="1801214"/>
-            <a:ext cx="1928681" cy="830997"/>
-          </a:xfrm>
-          <a:prstGeom prst="rect">
-            <a:avLst/>
-          </a:prstGeom>
-          <a:noFill/>
-          <a:ln>
-            <a:solidFill>
-              <a:srgbClr val="00B050"/>
-            </a:solidFill>
-          </a:ln>
-        </p:spPr>
-        <p:txBody>
-          <a:bodyPr wrap="square" rtlCol="0">
-            <a:spAutoFit/>
-          </a:bodyPr>
-          <a:lstStyle/>
-          <a:p>
-            <a:r>
-              <a:rPr lang="en-US" altLang="ja-JP" sz="1200" dirty="0" smtClean="0">
-                <a:latin typeface="Courier" charset="0"/>
-                <a:ea typeface="Courier" charset="0"/>
-                <a:cs typeface="Courier" charset="0"/>
-              </a:rPr>
-              <a:t>jogamp-java3d/</a:t>
-            </a:r>
-          </a:p>
-          <a:p>
-            <a:pPr lvl="1"/>
-            <a:r>
-              <a:rPr lang="en-US" altLang="ja-JP" sz="1200" dirty="0" smtClean="0">
-                <a:latin typeface="Courier" charset="0"/>
-                <a:ea typeface="Courier" charset="0"/>
-                <a:cs typeface="Courier" charset="0"/>
-              </a:rPr>
-              <a:t>j3dcore.jar</a:t>
-            </a:r>
-          </a:p>
-          <a:p>
-            <a:pPr lvl="1"/>
-            <a:r>
-              <a:rPr lang="en-US" altLang="ja-JP" sz="1200" dirty="0" smtClean="0">
-                <a:latin typeface="Courier" charset="0"/>
-                <a:ea typeface="Courier" charset="0"/>
-                <a:cs typeface="Courier" charset="0"/>
-              </a:rPr>
-              <a:t>j3dutils.jar</a:t>
-            </a:r>
-          </a:p>
-          <a:p>
-            <a:pPr lvl="1"/>
-            <a:r>
-              <a:rPr lang="en-US" altLang="ja-JP" sz="1200" dirty="0" err="1">
-                <a:latin typeface="Courier" charset="0"/>
-                <a:ea typeface="Courier" charset="0"/>
-                <a:cs typeface="Courier" charset="0"/>
-              </a:rPr>
-              <a:t>vecmath.jar</a:t>
-            </a:r>
-            <a:endParaRPr lang="en-US" altLang="ja-JP" sz="1200" dirty="0" smtClean="0">
-              <a:latin typeface="Courier" charset="0"/>
-              <a:ea typeface="Courier" charset="0"/>
-              <a:cs typeface="Courier" charset="0"/>
-            </a:endParaRPr>
-          </a:p>
-        </p:txBody>
-      </p:sp>
-    </p:spTree>
-    <p:extLst>
-      <p:ext uri="{BB962C8B-B14F-4D97-AF65-F5344CB8AC3E}">
-        <p14:creationId xmlns:p14="http://schemas.microsoft.com/office/powerpoint/2010/main" val="199451598"/>
-      </p:ext>
-    </p:extLst>
-  </p:cSld>
-  <p:clrMapOvr>
-    <a:masterClrMapping/>
-  </p:clrMapOvr>
-</p:sld>
-</file>
-
-<file path=ppt/slides/slide6.xml><?xml version="1.0" encoding="utf-8"?>
-<p:sld xmlns:a="http://schemas.openxmlformats.org/drawingml/2006/main" xmlns:r="http://schemas.openxmlformats.org/officeDocument/2006/relationships" xmlns:p="http://schemas.openxmlformats.org/presentationml/2006/main">
-  <p:cSld>
-    <p:spTree>
-      <p:nvGrpSpPr>
-        <p:cNvPr id="1" name=""/>
-        <p:cNvGrpSpPr/>
-        <p:nvPr/>
-      </p:nvGrpSpPr>
-      <p:grpSpPr>
-        <a:xfrm>
-          <a:off x="0" y="0"/>
-          <a:ext cx="0" cy="0"/>
-          <a:chOff x="0" y="0"/>
-          <a:chExt cx="0" cy="0"/>
-        </a:xfrm>
-      </p:grpSpPr>
-      <p:sp>
-        <p:nvSpPr>
-          <p:cNvPr id="2" name="タイトル 1"/>
-          <p:cNvSpPr>
-            <a:spLocks noGrp="1"/>
-          </p:cNvSpPr>
-          <p:nvPr>
-            <p:ph type="title"/>
-          </p:nvPr>
-        </p:nvSpPr>
-        <p:spPr/>
-        <p:txBody>
-          <a:bodyPr/>
-          <a:lstStyle/>
-          <a:p>
-            <a:r>
-              <a:rPr kumimoji="1" lang="en-US" altLang="ja-JP" dirty="0" smtClean="0"/>
-              <a:t>3. Download JAMA</a:t>
-            </a:r>
-            <a:endParaRPr kumimoji="1" lang="ja-JP" altLang="en-US" dirty="0"/>
-          </a:p>
-        </p:txBody>
-      </p:sp>
-      <p:sp>
-        <p:nvSpPr>
-          <p:cNvPr id="3" name="テキスト ボックス 2"/>
-          <p:cNvSpPr txBox="1"/>
-          <p:nvPr/>
-        </p:nvSpPr>
-        <p:spPr>
-          <a:xfrm>
-            <a:off x="1417320" y="1662142"/>
-            <a:ext cx="4155240" cy="369332"/>
-          </a:xfrm>
-          <a:prstGeom prst="rect">
-            <a:avLst/>
-          </a:prstGeom>
-          <a:noFill/>
-        </p:spPr>
-        <p:txBody>
-          <a:bodyPr wrap="none" rtlCol="0">
-            <a:spAutoFit/>
-          </a:bodyPr>
-          <a:lstStyle/>
-          <a:p>
-            <a:r>
-              <a:rPr lang="en-US" altLang="ja-JP" dirty="0"/>
-              <a:t>https://</a:t>
-            </a:r>
-            <a:r>
-              <a:rPr lang="en-US" altLang="ja-JP" dirty="0" err="1"/>
-              <a:t>math.nist.gov</a:t>
-            </a:r>
-            <a:r>
-              <a:rPr lang="en-US" altLang="ja-JP" dirty="0"/>
-              <a:t>/</a:t>
-            </a:r>
-            <a:r>
-              <a:rPr lang="en-US" altLang="ja-JP" dirty="0" err="1"/>
-              <a:t>javanumerics</a:t>
-            </a:r>
-            <a:r>
-              <a:rPr lang="en-US" altLang="ja-JP" dirty="0"/>
-              <a:t>/</a:t>
-            </a:r>
-            <a:r>
-              <a:rPr lang="en-US" altLang="ja-JP" dirty="0" err="1"/>
-              <a:t>jama</a:t>
-            </a:r>
-            <a:r>
-              <a:rPr lang="en-US" altLang="ja-JP" dirty="0"/>
-              <a:t>/</a:t>
-            </a:r>
-            <a:endParaRPr kumimoji="1" lang="ja-JP" altLang="en-US" dirty="0"/>
-          </a:p>
-        </p:txBody>
-      </p:sp>
-      <p:sp>
-        <p:nvSpPr>
-          <p:cNvPr id="4" name="テキスト ボックス 3"/>
-          <p:cNvSpPr txBox="1"/>
-          <p:nvPr/>
-        </p:nvSpPr>
-        <p:spPr>
-          <a:xfrm>
-            <a:off x="754381" y="1065462"/>
-            <a:ext cx="8218170" cy="646331"/>
-          </a:xfrm>
-          <a:prstGeom prst="rect">
-            <a:avLst/>
-          </a:prstGeom>
-          <a:noFill/>
-        </p:spPr>
-        <p:txBody>
-          <a:bodyPr wrap="square" rtlCol="0">
-            <a:spAutoFit/>
-          </a:bodyPr>
-          <a:lstStyle/>
-          <a:p>
-            <a:r>
-              <a:rPr kumimoji="1" lang="en-US" altLang="ja-JP" dirty="0" smtClean="0"/>
-              <a:t>JAMA is  a linear algebra library for JAVA. We use it for matrix </a:t>
-            </a:r>
-            <a:r>
-              <a:rPr kumimoji="1" lang="en-US" altLang="ja-JP" dirty="0" err="1" smtClean="0"/>
-              <a:t>maltiplications</a:t>
-            </a:r>
-            <a:r>
-              <a:rPr kumimoji="1" lang="en-US" altLang="ja-JP" dirty="0" smtClean="0"/>
-              <a:t>, diagonalization, and so on. It can be downloaded from, </a:t>
-            </a:r>
-            <a:endParaRPr kumimoji="1" lang="ja-JP" altLang="en-US" dirty="0"/>
-          </a:p>
-        </p:txBody>
-      </p:sp>
-      <p:pic>
-        <p:nvPicPr>
-          <p:cNvPr id="5" name="図 4"/>
-          <p:cNvPicPr>
-            <a:picLocks noChangeAspect="1"/>
-          </p:cNvPicPr>
-          <p:nvPr/>
-        </p:nvPicPr>
-        <p:blipFill>
-          <a:blip r:embed="rId2">
-            <a:extLst>
-              <a:ext uri="{28A0092B-C50C-407E-A947-70E740481C1C}">
-                <a14:useLocalDpi xmlns:a14="http://schemas.microsoft.com/office/drawing/2010/main" val="0"/>
-              </a:ext>
-            </a:extLst>
-          </a:blip>
-          <a:stretch>
-            <a:fillRect/>
-          </a:stretch>
-        </p:blipFill>
-        <p:spPr>
-          <a:xfrm>
-            <a:off x="1508760" y="2112291"/>
-            <a:ext cx="5460451" cy="2147195"/>
-          </a:xfrm>
-          <a:prstGeom prst="rect">
-            <a:avLst/>
-          </a:prstGeom>
-        </p:spPr>
-      </p:pic>
-      <p:pic>
-        <p:nvPicPr>
-          <p:cNvPr id="6" name="図 5"/>
-          <p:cNvPicPr>
-            <a:picLocks noChangeAspect="1"/>
-          </p:cNvPicPr>
-          <p:nvPr/>
-        </p:nvPicPr>
-        <p:blipFill>
-          <a:blip r:embed="rId3">
-            <a:extLst>
-              <a:ext uri="{28A0092B-C50C-407E-A947-70E740481C1C}">
-                <a14:useLocalDpi xmlns:a14="http://schemas.microsoft.com/office/drawing/2010/main" val="0"/>
-              </a:ext>
-            </a:extLst>
-          </a:blip>
-          <a:stretch>
-            <a:fillRect/>
-          </a:stretch>
-        </p:blipFill>
-        <p:spPr>
-          <a:xfrm>
-            <a:off x="1570992" y="4735341"/>
-            <a:ext cx="3169539" cy="1480312"/>
-          </a:xfrm>
-          <a:prstGeom prst="rect">
-            <a:avLst/>
-          </a:prstGeom>
-        </p:spPr>
-      </p:pic>
-      <p:sp>
-        <p:nvSpPr>
-          <p:cNvPr id="7" name="テキスト ボックス 6"/>
-          <p:cNvSpPr txBox="1"/>
-          <p:nvPr/>
-        </p:nvSpPr>
-        <p:spPr>
-          <a:xfrm rot="5400000">
-            <a:off x="1671267" y="4306703"/>
-            <a:ext cx="343364" cy="369332"/>
-          </a:xfrm>
-          <a:prstGeom prst="rect">
-            <a:avLst/>
-          </a:prstGeom>
-          <a:noFill/>
-        </p:spPr>
-        <p:txBody>
-          <a:bodyPr wrap="none" rtlCol="0">
-            <a:spAutoFit/>
-          </a:bodyPr>
-          <a:lstStyle/>
-          <a:p>
-            <a:r>
-              <a:rPr kumimoji="1" lang="en-US" altLang="ja-JP" smtClean="0"/>
-              <a:t>…</a:t>
-            </a:r>
-            <a:endParaRPr kumimoji="1" lang="ja-JP" altLang="en-US" dirty="0"/>
-          </a:p>
-        </p:txBody>
-      </p:sp>
-      <p:cxnSp>
-        <p:nvCxnSpPr>
-          <p:cNvPr id="8" name="直線矢印コネクタ 7"/>
-          <p:cNvCxnSpPr/>
-          <p:nvPr/>
-        </p:nvCxnSpPr>
-        <p:spPr>
-          <a:xfrm flipH="1">
-            <a:off x="2002658" y="4325574"/>
-            <a:ext cx="2" cy="379141"/>
-          </a:xfrm>
-          <a:prstGeom prst="straightConnector1">
-            <a:avLst/>
-          </a:prstGeom>
-          <a:ln w="28575">
-            <a:solidFill>
-              <a:srgbClr val="00B050"/>
-            </a:solidFill>
-            <a:tailEnd type="triangle"/>
-          </a:ln>
-        </p:spPr>
-        <p:style>
-          <a:lnRef idx="1">
-            <a:schemeClr val="accent1"/>
-          </a:lnRef>
-          <a:fillRef idx="0">
-            <a:schemeClr val="accent1"/>
-          </a:fillRef>
-          <a:effectRef idx="0">
-            <a:schemeClr val="accent1"/>
-          </a:effectRef>
-          <a:fontRef idx="minor">
-            <a:schemeClr val="tx1"/>
-          </a:fontRef>
-        </p:style>
-      </p:cxnSp>
-      <p:sp>
-        <p:nvSpPr>
-          <p:cNvPr id="9" name="テキスト ボックス 8"/>
-          <p:cNvSpPr txBox="1"/>
-          <p:nvPr/>
-        </p:nvSpPr>
-        <p:spPr>
-          <a:xfrm>
-            <a:off x="2029349" y="4322502"/>
-            <a:ext cx="1275093" cy="369332"/>
-          </a:xfrm>
-          <a:prstGeom prst="rect">
-            <a:avLst/>
-          </a:prstGeom>
-          <a:noFill/>
-        </p:spPr>
-        <p:txBody>
-          <a:bodyPr wrap="none" rtlCol="0">
-            <a:spAutoFit/>
-          </a:bodyPr>
-          <a:lstStyle/>
-          <a:p>
-            <a:r>
-              <a:rPr kumimoji="1" lang="en-US" altLang="ja-JP" smtClean="0"/>
-              <a:t>Scroll </a:t>
-            </a:r>
-            <a:r>
-              <a:rPr kumimoji="1" lang="en-US" altLang="ja-JP" dirty="0" smtClean="0"/>
-              <a:t>down</a:t>
-            </a:r>
-            <a:endParaRPr kumimoji="1" lang="ja-JP" altLang="en-US" dirty="0"/>
-          </a:p>
-        </p:txBody>
-      </p:sp>
-      <p:sp>
-        <p:nvSpPr>
-          <p:cNvPr id="10" name="正方形/長方形 9"/>
-          <p:cNvSpPr/>
-          <p:nvPr/>
-        </p:nvSpPr>
-        <p:spPr>
-          <a:xfrm>
-            <a:off x="2180765" y="5812577"/>
-            <a:ext cx="894944" cy="194563"/>
-          </a:xfrm>
-          <a:prstGeom prst="rect">
-            <a:avLst/>
-          </a:prstGeom>
-          <a:noFill/>
-          <a:ln w="28575">
-            <a:solidFill>
-              <a:srgbClr val="00B050"/>
-            </a:solidFill>
-            <a:prstDash val="sysDash"/>
-          </a:ln>
-        </p:spPr>
-        <p:style>
-          <a:lnRef idx="2">
-            <a:schemeClr val="accent1">
-              <a:shade val="50000"/>
-            </a:schemeClr>
-          </a:lnRef>
-          <a:fillRef idx="1">
-            <a:schemeClr val="accent1"/>
-          </a:fillRef>
-          <a:effectRef idx="0">
-            <a:schemeClr val="accent1"/>
-          </a:effectRef>
-          <a:fontRef idx="minor">
-            <a:schemeClr val="lt1"/>
-          </a:fontRef>
-        </p:style>
-        <p:txBody>
-          <a:bodyPr rtlCol="0" anchor="ctr"/>
-          <a:lstStyle/>
-          <a:p>
-            <a:pPr algn="ctr"/>
-            <a:endParaRPr kumimoji="1" lang="ja-JP" altLang="en-US"/>
-          </a:p>
-        </p:txBody>
-      </p:sp>
-      <p:sp>
-        <p:nvSpPr>
-          <p:cNvPr id="11" name="テキスト ボックス 10"/>
-          <p:cNvSpPr txBox="1"/>
-          <p:nvPr/>
-        </p:nvSpPr>
-        <p:spPr>
-          <a:xfrm>
-            <a:off x="4228785" y="5679919"/>
-            <a:ext cx="3281155" cy="369332"/>
-          </a:xfrm>
-          <a:prstGeom prst="rect">
-            <a:avLst/>
-          </a:prstGeom>
-          <a:noFill/>
-        </p:spPr>
-        <p:txBody>
-          <a:bodyPr wrap="none" rtlCol="0">
-            <a:spAutoFit/>
-          </a:bodyPr>
-          <a:lstStyle/>
-          <a:p>
-            <a:r>
-              <a:rPr kumimoji="1" lang="en-US" altLang="ja-JP" dirty="0" smtClean="0"/>
-              <a:t>click here and download a </a:t>
-            </a:r>
-            <a:r>
-              <a:rPr kumimoji="1" lang="en-US" altLang="ja-JP" dirty="0" err="1" smtClean="0"/>
-              <a:t>jarfile</a:t>
-            </a:r>
-            <a:r>
-              <a:rPr kumimoji="1" lang="en-US" altLang="ja-JP" dirty="0" smtClean="0"/>
-              <a:t>.</a:t>
-            </a:r>
-            <a:endParaRPr kumimoji="1" lang="ja-JP" altLang="en-US" dirty="0"/>
-          </a:p>
-        </p:txBody>
-      </p:sp>
-      <p:cxnSp>
-        <p:nvCxnSpPr>
-          <p:cNvPr id="12" name="直線矢印コネクタ 11"/>
-          <p:cNvCxnSpPr/>
-          <p:nvPr/>
-        </p:nvCxnSpPr>
-        <p:spPr>
-          <a:xfrm flipV="1">
-            <a:off x="3143770" y="5894293"/>
-            <a:ext cx="1080607" cy="3142"/>
-          </a:xfrm>
-          <a:prstGeom prst="straightConnector1">
-            <a:avLst/>
-          </a:prstGeom>
-          <a:ln w="28575">
-            <a:solidFill>
-              <a:srgbClr val="00B050"/>
-            </a:solidFill>
-            <a:tailEnd type="triangle"/>
-          </a:ln>
-        </p:spPr>
-        <p:style>
-          <a:lnRef idx="1">
-            <a:schemeClr val="accent1"/>
-          </a:lnRef>
-          <a:fillRef idx="0">
-            <a:schemeClr val="accent1"/>
-          </a:fillRef>
-          <a:effectRef idx="0">
-            <a:schemeClr val="accent1"/>
-          </a:effectRef>
-          <a:fontRef idx="minor">
-            <a:schemeClr val="tx1"/>
-          </a:fontRef>
-        </p:style>
-      </p:cxnSp>
-      <p:sp>
-        <p:nvSpPr>
-          <p:cNvPr id="13" name="スライド番号プレースホルダー 12"/>
-          <p:cNvSpPr>
-            <a:spLocks noGrp="1"/>
-          </p:cNvSpPr>
-          <p:nvPr>
-            <p:ph type="sldNum" sz="quarter" idx="12"/>
-          </p:nvPr>
-        </p:nvSpPr>
-        <p:spPr/>
-        <p:txBody>
-          <a:bodyPr/>
-          <a:lstStyle/>
-          <a:p>
-            <a:fld id="{7D34BB6B-1E1A-9541-9560-488905BF54FF}" type="slidenum">
-              <a:rPr kumimoji="1" lang="ja-JP" altLang="en-US" smtClean="0"/>
-              <a:t>5</a:t>
-            </a:fld>
-            <a:endParaRPr kumimoji="1" lang="ja-JP" altLang="en-US"/>
-          </a:p>
-        </p:txBody>
-      </p:sp>
-    </p:spTree>
-    <p:extLst>
-      <p:ext uri="{BB962C8B-B14F-4D97-AF65-F5344CB8AC3E}">
-        <p14:creationId xmlns:p14="http://schemas.microsoft.com/office/powerpoint/2010/main" val="1442719388"/>
       </p:ext>
     </p:extLst>
   </p:cSld>
@@ -6411,29 +8963,6 @@
       </p:grpSpPr>
       <p:sp>
         <p:nvSpPr>
-          <p:cNvPr id="8" name="タイトル 7"/>
-          <p:cNvSpPr>
-            <a:spLocks noGrp="1"/>
-          </p:cNvSpPr>
-          <p:nvPr>
-            <p:ph type="title"/>
-          </p:nvPr>
-        </p:nvSpPr>
-        <p:spPr/>
-        <p:txBody>
-          <a:bodyPr/>
-          <a:lstStyle/>
-          <a:p>
-            <a:r>
-              <a:rPr lang="en-US" altLang="ja-JP" dirty="0"/>
-              <a:t>4. Install jar files</a:t>
-            </a:r>
-            <a:endParaRPr kumimoji="1" lang="ja-JP" altLang="en-US" dirty="0"/>
-          </a:p>
-        </p:txBody>
-      </p:sp>
-      <p:sp>
-        <p:nvSpPr>
           <p:cNvPr id="2" name="スライド番号プレースホルダー 1"/>
           <p:cNvSpPr>
             <a:spLocks noGrp="1"/>
@@ -6451,20 +8980,20 @@
               <a:rPr kumimoji="1" lang="ja-JP" altLang="en-US" smtClean="0"/>
               <a:t>6</a:t>
             </a:fld>
-            <a:endParaRPr kumimoji="1" lang="ja-JP" altLang="en-US"/>
-          </a:p>
-        </p:txBody>
-      </p:sp>
-      <p:sp>
-        <p:nvSpPr>
-          <p:cNvPr id="4" name="テキスト ボックス 3"/>
+            <a:endParaRPr kumimoji="1" lang="ja-JP" altLang="en-US" dirty="0"/>
+          </a:p>
+        </p:txBody>
+      </p:sp>
+      <p:sp>
+        <p:nvSpPr>
+          <p:cNvPr id="5" name="テキスト ボックス 4"/>
           <p:cNvSpPr txBox="1"/>
           <p:nvPr/>
         </p:nvSpPr>
         <p:spPr>
           <a:xfrm>
-            <a:off x="653143" y="1008451"/>
-            <a:ext cx="7749452" cy="1200329"/>
+            <a:off x="570176" y="945533"/>
+            <a:ext cx="8229440" cy="646331"/>
           </a:xfrm>
           <a:prstGeom prst="rect">
             <a:avLst/>
@@ -6478,87 +9007,33 @@
           <a:lstStyle/>
           <a:p>
             <a:r>
+              <a:rPr kumimoji="1" lang="en-US" altLang="ja-JP" dirty="0" smtClean="0"/>
+              <a:t>You will find jar files </a:t>
+            </a:r>
+            <a:r>
               <a:rPr lang="en-US" altLang="ja-JP" dirty="0" smtClean="0"/>
-              <a:t>The easiest way of install is to copy </a:t>
-            </a:r>
-            <a:r>
-              <a:rPr lang="en-US" altLang="ja-JP" dirty="0"/>
-              <a:t>the jar files to an extension </a:t>
+              <a:t>in </a:t>
+            </a:r>
+            <a:r>
+              <a:rPr lang="en-US" altLang="ja-JP" dirty="0" err="1" smtClean="0"/>
+              <a:t>jogamp</a:t>
             </a:r>
             <a:r>
               <a:rPr lang="en-US" altLang="ja-JP" dirty="0" smtClean="0"/>
-              <a:t>folder, which is set to ~/Library/Java/Extensions. Click Go menu of finder with </a:t>
-            </a:r>
-            <a:r>
-              <a:rPr lang="en-US" altLang="ja-JP" u="sng" dirty="0" err="1" smtClean="0"/>
-              <a:t>opion</a:t>
-            </a:r>
-            <a:r>
-              <a:rPr lang="en-US" altLang="ja-JP" u="sng" dirty="0" smtClean="0"/>
-              <a:t> key pressed</a:t>
+              <a:t>-all-platforms/jar and in jogamp-java3d. The following jar files are needed for </a:t>
+            </a:r>
+            <a:r>
+              <a:rPr lang="en-US" altLang="ja-JP" dirty="0" err="1" smtClean="0"/>
+              <a:t>JSindo</a:t>
             </a:r>
             <a:r>
               <a:rPr lang="en-US" altLang="ja-JP" dirty="0" smtClean="0"/>
-              <a:t> (~/Library is hidden) and choose Library</a:t>
-            </a:r>
-            <a:r>
-              <a:rPr lang="en-US" altLang="ja-JP" dirty="0"/>
-              <a:t>. Create </a:t>
-            </a:r>
-            <a:r>
-              <a:rPr lang="en-US" altLang="ja-JP" dirty="0" smtClean="0"/>
-              <a:t>the </a:t>
-            </a:r>
-            <a:r>
-              <a:rPr lang="en-US" altLang="ja-JP" dirty="0"/>
-              <a:t>folder if you don‘t have it </a:t>
-            </a:r>
-            <a:r>
-              <a:rPr lang="en-US" altLang="ja-JP" dirty="0" smtClean="0"/>
-              <a:t>yet, then </a:t>
-            </a:r>
-            <a:r>
-              <a:rPr lang="en-US" altLang="ja-JP" dirty="0"/>
-              <a:t>copy the jar files in this </a:t>
-            </a:r>
-            <a:r>
-              <a:rPr lang="en-US" altLang="ja-JP" dirty="0" smtClean="0"/>
-              <a:t>folder.</a:t>
-            </a:r>
-            <a:endParaRPr lang="ja-JP" altLang="en-US" dirty="0"/>
-          </a:p>
-        </p:txBody>
-      </p:sp>
-      <p:pic>
-        <p:nvPicPr>
-          <p:cNvPr id="5" name="図 4"/>
-          <p:cNvPicPr>
-            <a:picLocks noChangeAspect="1"/>
-          </p:cNvPicPr>
-          <p:nvPr/>
-        </p:nvPicPr>
-        <p:blipFill>
-          <a:blip r:embed="rId2">
-            <a:extLst>
-              <a:ext uri="{28A0092B-C50C-407E-A947-70E740481C1C}">
-                <a14:useLocalDpi xmlns:a14="http://schemas.microsoft.com/office/drawing/2010/main" val="0"/>
-              </a:ext>
-            </a:extLst>
-          </a:blip>
-          <a:stretch>
-            <a:fillRect/>
-          </a:stretch>
-        </p:blipFill>
-        <p:spPr>
-          <a:xfrm>
-            <a:off x="897999" y="2483707"/>
-            <a:ext cx="7344476" cy="3264985"/>
-          </a:xfrm>
-          <a:prstGeom prst="rect">
-            <a:avLst/>
-          </a:prstGeom>
-        </p:spPr>
-      </p:pic>
+              <a:t>:</a:t>
+            </a:r>
+            <a:endParaRPr kumimoji="1" lang="ja-JP" altLang="en-US" dirty="0"/>
+          </a:p>
+        </p:txBody>
+      </p:sp>
       <p:sp>
         <p:nvSpPr>
           <p:cNvPr id="6" name="テキスト ボックス 5"/>
@@ -6567,68 +9042,321 @@
         </p:nvSpPr>
         <p:spPr>
           <a:xfrm>
-            <a:off x="2409568" y="5671751"/>
-            <a:ext cx="828560" cy="369332"/>
+            <a:off x="1145904" y="1800732"/>
+            <a:ext cx="4575274" cy="1200329"/>
           </a:xfrm>
           <a:prstGeom prst="rect">
             <a:avLst/>
           </a:prstGeom>
           <a:noFill/>
-        </p:spPr>
-        <p:txBody>
-          <a:bodyPr wrap="none" rtlCol="0">
-            <a:spAutoFit/>
-          </a:bodyPr>
-          <a:lstStyle/>
-          <a:p>
-            <a:r>
-              <a:rPr kumimoji="1" lang="en-US" altLang="ja-JP" smtClean="0"/>
-              <a:t>Library</a:t>
-            </a:r>
-            <a:endParaRPr kumimoji="1" lang="ja-JP" altLang="en-US" dirty="0"/>
-          </a:p>
-        </p:txBody>
-      </p:sp>
-      <p:cxnSp>
-        <p:nvCxnSpPr>
-          <p:cNvPr id="7" name="直線矢印コネクタ 6"/>
-          <p:cNvCxnSpPr/>
-          <p:nvPr/>
-        </p:nvCxnSpPr>
-        <p:spPr>
-          <a:xfrm flipH="1" flipV="1">
-            <a:off x="2757818" y="5271301"/>
-            <a:ext cx="1117" cy="432078"/>
-          </a:xfrm>
-          <a:prstGeom prst="straightConnector1">
-            <a:avLst/>
-          </a:prstGeom>
-          <a:ln w="28575">
+          <a:ln>
             <a:solidFill>
               <a:srgbClr val="00B050"/>
             </a:solidFill>
-            <a:tailEnd type="triangle"/>
           </a:ln>
         </p:spPr>
-        <p:style>
-          <a:lnRef idx="1">
-            <a:schemeClr val="accent1"/>
-          </a:lnRef>
-          <a:fillRef idx="0">
-            <a:schemeClr val="accent1"/>
-          </a:fillRef>
-          <a:effectRef idx="0">
-            <a:schemeClr val="accent1"/>
-          </a:effectRef>
-          <a:fontRef idx="minor">
-            <a:schemeClr val="tx1"/>
-          </a:fontRef>
-        </p:style>
-      </p:cxnSp>
+        <p:txBody>
+          <a:bodyPr wrap="square" rtlCol="0">
+            <a:spAutoFit/>
+          </a:bodyPr>
+          <a:lstStyle/>
+          <a:p>
+            <a:r>
+              <a:rPr lang="en-US" altLang="ja-JP" sz="1200" dirty="0" err="1" smtClean="0">
+                <a:latin typeface="Courier" charset="0"/>
+                <a:ea typeface="Courier" charset="0"/>
+                <a:cs typeface="Courier" charset="0"/>
+              </a:rPr>
+              <a:t>jogamp</a:t>
+            </a:r>
+            <a:r>
+              <a:rPr lang="en-US" altLang="ja-JP" sz="1200" dirty="0" smtClean="0">
+                <a:latin typeface="Courier" charset="0"/>
+                <a:ea typeface="Courier" charset="0"/>
+                <a:cs typeface="Courier" charset="0"/>
+              </a:rPr>
+              <a:t>-all-platforms/jar/</a:t>
+            </a:r>
+          </a:p>
+          <a:p>
+            <a:pPr lvl="1"/>
+            <a:r>
+              <a:rPr lang="en-US" altLang="ja-JP" sz="1200" dirty="0" err="1" smtClean="0">
+                <a:latin typeface="Courier" charset="0"/>
+                <a:ea typeface="Courier" charset="0"/>
+                <a:cs typeface="Courier" charset="0"/>
+              </a:rPr>
+              <a:t>gluegen-rt.jar</a:t>
+            </a:r>
+            <a:endParaRPr lang="en-US" altLang="ja-JP" sz="1200" dirty="0" smtClean="0">
+              <a:latin typeface="Courier" charset="0"/>
+              <a:ea typeface="Courier" charset="0"/>
+              <a:cs typeface="Courier" charset="0"/>
+            </a:endParaRPr>
+          </a:p>
+          <a:p>
+            <a:pPr lvl="1"/>
+            <a:r>
+              <a:rPr lang="en-US" altLang="ja-JP" sz="1200" dirty="0" err="1" smtClean="0">
+                <a:latin typeface="Courier" charset="0"/>
+                <a:ea typeface="Courier" charset="0"/>
+                <a:cs typeface="Courier" charset="0"/>
+              </a:rPr>
+              <a:t>gluegen.jar</a:t>
+            </a:r>
+            <a:endParaRPr lang="en-US" altLang="ja-JP" sz="1200" dirty="0" smtClean="0">
+              <a:latin typeface="Courier" charset="0"/>
+              <a:ea typeface="Courier" charset="0"/>
+              <a:cs typeface="Courier" charset="0"/>
+            </a:endParaRPr>
+          </a:p>
+          <a:p>
+            <a:pPr lvl="1"/>
+            <a:r>
+              <a:rPr lang="en-US" altLang="ja-JP" sz="1200" dirty="0" err="1" smtClean="0">
+                <a:latin typeface="Courier" charset="0"/>
+                <a:ea typeface="Courier" charset="0"/>
+                <a:cs typeface="Courier" charset="0"/>
+              </a:rPr>
+              <a:t>gluegen</a:t>
+            </a:r>
+            <a:r>
+              <a:rPr lang="en-US" altLang="ja-JP" sz="1200" dirty="0" smtClean="0">
+                <a:latin typeface="Courier" charset="0"/>
+                <a:ea typeface="Courier" charset="0"/>
+                <a:cs typeface="Courier" charset="0"/>
+              </a:rPr>
+              <a:t>-</a:t>
+            </a:r>
+            <a:r>
+              <a:rPr lang="en-US" altLang="ja-JP" sz="1200" dirty="0" err="1" smtClean="0">
+                <a:latin typeface="Courier" charset="0"/>
+                <a:ea typeface="Courier" charset="0"/>
+                <a:cs typeface="Courier" charset="0"/>
+              </a:rPr>
+              <a:t>rt</a:t>
+            </a:r>
+            <a:r>
+              <a:rPr lang="en-US" altLang="ja-JP" sz="1200" dirty="0" smtClean="0">
+                <a:latin typeface="Courier" charset="0"/>
+                <a:ea typeface="Courier" charset="0"/>
+                <a:cs typeface="Courier" charset="0"/>
+              </a:rPr>
+              <a:t>-natives-</a:t>
+            </a:r>
+            <a:r>
+              <a:rPr lang="en-US" altLang="ja-JP" sz="1200" dirty="0" err="1" smtClean="0">
+                <a:solidFill>
+                  <a:srgbClr val="FF0000"/>
+                </a:solidFill>
+                <a:latin typeface="Courier" charset="0"/>
+                <a:ea typeface="Courier" charset="0"/>
+                <a:cs typeface="Courier" charset="0"/>
+              </a:rPr>
+              <a:t>macosx</a:t>
+            </a:r>
+            <a:r>
+              <a:rPr lang="en-US" altLang="ja-JP" sz="1200" dirty="0" smtClean="0">
+                <a:solidFill>
+                  <a:srgbClr val="FF0000"/>
+                </a:solidFill>
+                <a:latin typeface="Courier" charset="0"/>
+                <a:ea typeface="Courier" charset="0"/>
+                <a:cs typeface="Courier" charset="0"/>
+              </a:rPr>
+              <a:t>-</a:t>
+            </a:r>
+            <a:r>
+              <a:rPr lang="en-US" altLang="ja-JP" sz="1200" dirty="0" err="1" smtClean="0">
+                <a:solidFill>
+                  <a:srgbClr val="FF0000"/>
+                </a:solidFill>
+                <a:latin typeface="Courier" charset="0"/>
+                <a:ea typeface="Courier" charset="0"/>
+                <a:cs typeface="Courier" charset="0"/>
+              </a:rPr>
+              <a:t>universal</a:t>
+            </a:r>
+            <a:r>
+              <a:rPr lang="en-US" altLang="ja-JP" sz="1200" dirty="0" err="1" smtClean="0">
+                <a:latin typeface="Courier" charset="0"/>
+                <a:ea typeface="Courier" charset="0"/>
+                <a:cs typeface="Courier" charset="0"/>
+              </a:rPr>
+              <a:t>.jar</a:t>
+            </a:r>
+            <a:r>
+              <a:rPr lang="en-US" altLang="ja-JP" sz="1200" dirty="0" smtClean="0">
+                <a:latin typeface="Courier" charset="0"/>
+                <a:ea typeface="Courier" charset="0"/>
+                <a:cs typeface="Courier" charset="0"/>
+              </a:rPr>
+              <a:t> </a:t>
+            </a:r>
+          </a:p>
+          <a:p>
+            <a:pPr lvl="1"/>
+            <a:r>
+              <a:rPr lang="en-US" altLang="ja-JP" sz="1200" dirty="0" err="1" smtClean="0">
+                <a:latin typeface="Courier" charset="0"/>
+                <a:ea typeface="Courier" charset="0"/>
+                <a:cs typeface="Courier" charset="0"/>
+              </a:rPr>
+              <a:t>jogl-all.jar</a:t>
+            </a:r>
+            <a:endParaRPr lang="en-US" altLang="ja-JP" sz="1200" dirty="0" smtClean="0">
+              <a:latin typeface="Courier" charset="0"/>
+              <a:ea typeface="Courier" charset="0"/>
+              <a:cs typeface="Courier" charset="0"/>
+            </a:endParaRPr>
+          </a:p>
+          <a:p>
+            <a:pPr lvl="1"/>
+            <a:r>
+              <a:rPr lang="en-US" altLang="ja-JP" sz="1200" dirty="0" err="1" smtClean="0">
+                <a:latin typeface="Courier" charset="0"/>
+                <a:ea typeface="Courier" charset="0"/>
+                <a:cs typeface="Courier" charset="0"/>
+              </a:rPr>
+              <a:t>jogl</a:t>
+            </a:r>
+            <a:r>
+              <a:rPr lang="en-US" altLang="ja-JP" sz="1200" dirty="0" smtClean="0">
+                <a:latin typeface="Courier" charset="0"/>
+                <a:ea typeface="Courier" charset="0"/>
+                <a:cs typeface="Courier" charset="0"/>
+              </a:rPr>
+              <a:t>-all-natives-</a:t>
+            </a:r>
+            <a:r>
+              <a:rPr lang="en-US" altLang="ja-JP" sz="1200" dirty="0" err="1">
+                <a:solidFill>
+                  <a:srgbClr val="FF0000"/>
+                </a:solidFill>
+                <a:latin typeface="Courier" charset="0"/>
+                <a:ea typeface="Courier" charset="0"/>
+                <a:cs typeface="Courier" charset="0"/>
+              </a:rPr>
+              <a:t>macosx</a:t>
+            </a:r>
+            <a:r>
+              <a:rPr lang="en-US" altLang="ja-JP" sz="1200" dirty="0">
+                <a:solidFill>
+                  <a:srgbClr val="FF0000"/>
+                </a:solidFill>
+                <a:latin typeface="Courier" charset="0"/>
+                <a:ea typeface="Courier" charset="0"/>
+                <a:cs typeface="Courier" charset="0"/>
+              </a:rPr>
+              <a:t>-</a:t>
+            </a:r>
+            <a:r>
+              <a:rPr lang="en-US" altLang="ja-JP" sz="1200" dirty="0" err="1">
+                <a:solidFill>
+                  <a:srgbClr val="FF0000"/>
+                </a:solidFill>
+                <a:latin typeface="Courier" charset="0"/>
+                <a:ea typeface="Courier" charset="0"/>
+                <a:cs typeface="Courier" charset="0"/>
+              </a:rPr>
+              <a:t>universal</a:t>
+            </a:r>
+            <a:r>
+              <a:rPr lang="en-US" altLang="ja-JP" sz="1200" dirty="0" err="1" smtClean="0">
+                <a:latin typeface="Courier" charset="0"/>
+                <a:ea typeface="Courier" charset="0"/>
+                <a:cs typeface="Courier" charset="0"/>
+              </a:rPr>
+              <a:t>.jar</a:t>
+            </a:r>
+            <a:endParaRPr lang="en-US" altLang="ja-JP" sz="1200" dirty="0" smtClean="0">
+              <a:latin typeface="Courier" charset="0"/>
+              <a:ea typeface="Courier" charset="0"/>
+              <a:cs typeface="Courier" charset="0"/>
+            </a:endParaRPr>
+          </a:p>
+        </p:txBody>
+      </p:sp>
+      <p:sp>
+        <p:nvSpPr>
+          <p:cNvPr id="11" name="テキスト ボックス 10"/>
+          <p:cNvSpPr txBox="1"/>
+          <p:nvPr/>
+        </p:nvSpPr>
+        <p:spPr>
+          <a:xfrm>
+            <a:off x="6424487" y="1801214"/>
+            <a:ext cx="1928681" cy="830997"/>
+          </a:xfrm>
+          <a:prstGeom prst="rect">
+            <a:avLst/>
+          </a:prstGeom>
+          <a:noFill/>
+          <a:ln>
+            <a:solidFill>
+              <a:srgbClr val="00B050"/>
+            </a:solidFill>
+          </a:ln>
+        </p:spPr>
+        <p:txBody>
+          <a:bodyPr wrap="square" rtlCol="0">
+            <a:spAutoFit/>
+          </a:bodyPr>
+          <a:lstStyle/>
+          <a:p>
+            <a:r>
+              <a:rPr lang="en-US" altLang="ja-JP" sz="1200" dirty="0" smtClean="0">
+                <a:latin typeface="Courier" charset="0"/>
+                <a:ea typeface="Courier" charset="0"/>
+                <a:cs typeface="Courier" charset="0"/>
+              </a:rPr>
+              <a:t>jogamp-java3d/</a:t>
+            </a:r>
+          </a:p>
+          <a:p>
+            <a:pPr lvl="1"/>
+            <a:r>
+              <a:rPr lang="en-US" altLang="ja-JP" sz="1200" dirty="0" smtClean="0">
+                <a:latin typeface="Courier" charset="0"/>
+                <a:ea typeface="Courier" charset="0"/>
+                <a:cs typeface="Courier" charset="0"/>
+              </a:rPr>
+              <a:t>j3dcore.jar</a:t>
+            </a:r>
+          </a:p>
+          <a:p>
+            <a:pPr lvl="1"/>
+            <a:r>
+              <a:rPr lang="en-US" altLang="ja-JP" sz="1200" dirty="0" smtClean="0">
+                <a:latin typeface="Courier" charset="0"/>
+                <a:ea typeface="Courier" charset="0"/>
+                <a:cs typeface="Courier" charset="0"/>
+              </a:rPr>
+              <a:t>j3dutils.jar</a:t>
+            </a:r>
+          </a:p>
+          <a:p>
+            <a:pPr lvl="1"/>
+            <a:r>
+              <a:rPr lang="en-US" altLang="ja-JP" sz="1200" dirty="0" err="1">
+                <a:latin typeface="Courier" charset="0"/>
+                <a:ea typeface="Courier" charset="0"/>
+                <a:cs typeface="Courier" charset="0"/>
+              </a:rPr>
+              <a:t>vecmath.jar</a:t>
+            </a:r>
+            <a:endParaRPr lang="en-US" altLang="ja-JP" sz="1200" dirty="0" smtClean="0">
+              <a:latin typeface="Courier" charset="0"/>
+              <a:ea typeface="Courier" charset="0"/>
+              <a:cs typeface="Courier" charset="0"/>
+            </a:endParaRPr>
+          </a:p>
+        </p:txBody>
+      </p:sp>
     </p:spTree>
     <p:extLst>
       <p:ext uri="{BB962C8B-B14F-4D97-AF65-F5344CB8AC3E}">
-        <p14:creationId xmlns:p14="http://schemas.microsoft.com/office/powerpoint/2010/main" val="755465908"/>
+        <p14:creationId xmlns:p14="http://schemas.microsoft.com/office/powerpoint/2010/main" val="199451598"/>
       </p:ext>
     </p:extLst>
   </p:cSld>
@@ -6671,16 +9399,100 @@
           <a:lstStyle/>
           <a:p>
             <a:r>
+              <a:rPr kumimoji="1" lang="en-US" altLang="ja-JP" dirty="0" smtClean="0"/>
+              <a:t>3. Download JAMA</a:t>
+            </a:r>
+            <a:endParaRPr kumimoji="1" lang="ja-JP" altLang="en-US" dirty="0"/>
+          </a:p>
+        </p:txBody>
+      </p:sp>
+      <p:sp>
+        <p:nvSpPr>
+          <p:cNvPr id="3" name="テキスト ボックス 2"/>
+          <p:cNvSpPr txBox="1"/>
+          <p:nvPr/>
+        </p:nvSpPr>
+        <p:spPr>
+          <a:xfrm>
+            <a:off x="1417320" y="1662142"/>
+            <a:ext cx="4155240" cy="369332"/>
+          </a:xfrm>
+          <a:prstGeom prst="rect">
+            <a:avLst/>
+          </a:prstGeom>
+          <a:noFill/>
+        </p:spPr>
+        <p:txBody>
+          <a:bodyPr wrap="none" rtlCol="0">
+            <a:spAutoFit/>
+          </a:bodyPr>
+          <a:lstStyle/>
+          <a:p>
+            <a:r>
               <a:rPr lang="en-US" altLang="ja-JP" dirty="0"/>
-              <a:t>5</a:t>
-            </a:r>
+              <a:t>https://</a:t>
+            </a:r>
+            <a:r>
+              <a:rPr lang="en-US" altLang="ja-JP" dirty="0" err="1"/>
+              <a:t>math.nist.gov</a:t>
+            </a:r>
+            <a:r>
+              <a:rPr lang="en-US" altLang="ja-JP" dirty="0"/>
+              <a:t>/</a:t>
+            </a:r>
+            <a:r>
+              <a:rPr lang="en-US" altLang="ja-JP" dirty="0" err="1"/>
+              <a:t>javanumerics</a:t>
+            </a:r>
+            <a:r>
+              <a:rPr lang="en-US" altLang="ja-JP" dirty="0"/>
+              <a:t>/</a:t>
+            </a:r>
+            <a:r>
+              <a:rPr lang="en-US" altLang="ja-JP" dirty="0" err="1"/>
+              <a:t>jama</a:t>
+            </a:r>
+            <a:r>
+              <a:rPr lang="en-US" altLang="ja-JP" dirty="0"/>
+              <a:t>/</a:t>
+            </a:r>
+            <a:endParaRPr kumimoji="1" lang="ja-JP" altLang="en-US" dirty="0"/>
+          </a:p>
+        </p:txBody>
+      </p:sp>
+      <p:sp>
+        <p:nvSpPr>
+          <p:cNvPr id="4" name="テキスト ボックス 3"/>
+          <p:cNvSpPr txBox="1"/>
+          <p:nvPr/>
+        </p:nvSpPr>
+        <p:spPr>
+          <a:xfrm>
+            <a:off x="754381" y="1065462"/>
+            <a:ext cx="8218170" cy="646331"/>
+          </a:xfrm>
+          <a:prstGeom prst="rect">
+            <a:avLst/>
+          </a:prstGeom>
+          <a:noFill/>
+        </p:spPr>
+        <p:txBody>
+          <a:bodyPr wrap="square" rtlCol="0">
+            <a:spAutoFit/>
+          </a:bodyPr>
+          <a:lstStyle/>
+          <a:p>
             <a:r>
               <a:rPr kumimoji="1" lang="en-US" altLang="ja-JP" dirty="0" smtClean="0"/>
-              <a:t>. Test </a:t>
-            </a:r>
-            <a:r>
-              <a:rPr kumimoji="1" lang="en-US" altLang="ja-JP" dirty="0" err="1" smtClean="0"/>
-              <a:t>JSindo</a:t>
+              <a:t>JAMA is  a linear algebra library for JAVA. We use it for </a:t>
+            </a:r>
+            <a:r>
+              <a:rPr kumimoji="1" lang="en-US" altLang="ja-JP" smtClean="0"/>
+              <a:t>matrix multiplications</a:t>
+            </a:r>
+            <a:r>
+              <a:rPr kumimoji="1" lang="en-US" altLang="ja-JP" dirty="0" smtClean="0"/>
+              <a:t>, diagonalization, and so on. It can be downloaded from, </a:t>
             </a:r>
             <a:endParaRPr kumimoji="1" lang="ja-JP" altLang="en-US" dirty="0"/>
           </a:p>
@@ -6688,176 +9500,104 @@
       </p:sp>
       <p:pic>
         <p:nvPicPr>
-          <p:cNvPr id="3" name="図 9"/>
+          <p:cNvPr id="5" name="図 4"/>
           <p:cNvPicPr>
             <a:picLocks noChangeAspect="1"/>
           </p:cNvPicPr>
           <p:nvPr/>
         </p:nvPicPr>
-        <p:blipFill rotWithShape="1">
-          <a:blip r:embed="rId3">
+        <p:blipFill>
+          <a:blip r:embed="rId2" cstate="print">
             <a:extLst>
               <a:ext uri="{28A0092B-C50C-407E-A947-70E740481C1C}">
-                <a14:useLocalDpi xmlns:a14="http://schemas.microsoft.com/office/drawing/2010/main" val="0"/>
+                <a14:useLocalDpi xmlns:a14="http://schemas.microsoft.com/office/drawing/2010/main"/>
               </a:ext>
             </a:extLst>
           </a:blip>
-          <a:srcRect b="1168"/>
-          <a:stretch/>
+          <a:stretch>
+            <a:fillRect/>
+          </a:stretch>
         </p:blipFill>
-        <p:spPr bwMode="auto">
-          <a:xfrm>
-            <a:off x="5393913" y="986805"/>
-            <a:ext cx="3404900" cy="1268257"/>
+        <p:spPr>
+          <a:xfrm>
+            <a:off x="1508760" y="2112291"/>
+            <a:ext cx="5460451" cy="2147195"/>
+          </a:xfrm>
+          <a:prstGeom prst="rect">
+            <a:avLst/>
+          </a:prstGeom>
+        </p:spPr>
+      </p:pic>
+      <p:pic>
+        <p:nvPicPr>
+          <p:cNvPr id="6" name="図 5"/>
+          <p:cNvPicPr>
+            <a:picLocks noChangeAspect="1"/>
+          </p:cNvPicPr>
+          <p:nvPr/>
+        </p:nvPicPr>
+        <p:blipFill>
+          <a:blip r:embed="rId3" cstate="print">
+            <a:extLst>
+              <a:ext uri="{28A0092B-C50C-407E-A947-70E740481C1C}">
+                <a14:useLocalDpi xmlns:a14="http://schemas.microsoft.com/office/drawing/2010/main"/>
+              </a:ext>
+            </a:extLst>
+          </a:blip>
+          <a:stretch>
+            <a:fillRect/>
+          </a:stretch>
+        </p:blipFill>
+        <p:spPr>
+          <a:xfrm>
+            <a:off x="1570992" y="4735341"/>
+            <a:ext cx="3169539" cy="1480312"/>
+          </a:xfrm>
+          <a:prstGeom prst="rect">
+            <a:avLst/>
+          </a:prstGeom>
+        </p:spPr>
+      </p:pic>
+      <p:sp>
+        <p:nvSpPr>
+          <p:cNvPr id="7" name="テキスト ボックス 6"/>
+          <p:cNvSpPr txBox="1"/>
+          <p:nvPr/>
+        </p:nvSpPr>
+        <p:spPr>
+          <a:xfrm rot="5400000">
+            <a:off x="1671267" y="4306703"/>
+            <a:ext cx="343364" cy="369332"/>
           </a:xfrm>
           <a:prstGeom prst="rect">
             <a:avLst/>
           </a:prstGeom>
           <a:noFill/>
-          <a:ln w="9525">
-            <a:solidFill>
-              <a:srgbClr val="000000"/>
-            </a:solidFill>
-            <a:miter lim="800000"/>
-            <a:headEnd/>
-            <a:tailEnd/>
-          </a:ln>
-          <a:extLst>
-            <a:ext uri="{909E8E84-426E-40DD-AFC4-6F175D3DCCD1}">
-              <a14:hiddenFill xmlns:a14="http://schemas.microsoft.com/office/drawing/2010/main">
-                <a:solidFill>
-                  <a:srgbClr val="FFFFFF"/>
-                </a:solidFill>
-              </a14:hiddenFill>
-            </a:ext>
-          </a:extLst>
-        </p:spPr>
-      </p:pic>
-      <p:sp>
-        <p:nvSpPr>
-          <p:cNvPr id="4" name="テキスト ボックス 3"/>
-          <p:cNvSpPr txBox="1"/>
-          <p:nvPr/>
-        </p:nvSpPr>
-        <p:spPr>
-          <a:xfrm>
-            <a:off x="322815" y="1229348"/>
-            <a:ext cx="5077859" cy="4801314"/>
-          </a:xfrm>
-          <a:prstGeom prst="rect">
-            <a:avLst/>
-          </a:prstGeom>
-          <a:noFill/>
-        </p:spPr>
-        <p:txBody>
-          <a:bodyPr wrap="square" rtlCol="0">
+        </p:spPr>
+        <p:txBody>
+          <a:bodyPr wrap="none" rtlCol="0">
             <a:spAutoFit/>
           </a:bodyPr>
           <a:lstStyle/>
           <a:p>
             <a:r>
-              <a:rPr lang="en-US" altLang="ja-JP" dirty="0" smtClean="0"/>
-              <a:t>Now, double click JSindo-4.0.jar.  You should see a control panel of </a:t>
-            </a:r>
-            <a:r>
-              <a:rPr lang="en-US" altLang="ja-JP" dirty="0" err="1" smtClean="0"/>
-              <a:t>JSindo</a:t>
-            </a:r>
-            <a:r>
-              <a:rPr lang="en-US" altLang="ja-JP" dirty="0" smtClean="0"/>
-              <a:t>.</a:t>
-            </a:r>
-          </a:p>
-          <a:p>
-            <a:endParaRPr lang="en-US" altLang="ja-JP" dirty="0" smtClean="0"/>
-          </a:p>
-          <a:p>
-            <a:pPr lvl="1"/>
-            <a:r>
-              <a:rPr lang="en-US" altLang="ja-JP" dirty="0" smtClean="0"/>
-              <a:t>If </a:t>
-            </a:r>
-            <a:r>
-              <a:rPr lang="en-US" altLang="ja-JP" dirty="0"/>
-              <a:t>you don’t see </a:t>
-            </a:r>
-            <a:r>
-              <a:rPr lang="en-US" altLang="ja-JP" dirty="0" smtClean="0"/>
-              <a:t>the </a:t>
-            </a:r>
-            <a:r>
-              <a:rPr lang="en-US" altLang="ja-JP" dirty="0"/>
-              <a:t>panel, review the installation of </a:t>
-            </a:r>
-            <a:r>
-              <a:rPr lang="en-US" altLang="ja-JP" dirty="0" smtClean="0"/>
-              <a:t>Java. </a:t>
-            </a:r>
-          </a:p>
-          <a:p>
-            <a:endParaRPr lang="en-US" altLang="ja-JP" dirty="0" smtClean="0"/>
-          </a:p>
-          <a:p>
-            <a:r>
-              <a:rPr lang="en-US" altLang="ja-JP" dirty="0" smtClean="0"/>
-              <a:t>Let’s open “sample/h2co.minfo”, </a:t>
-            </a:r>
-            <a:r>
-              <a:rPr lang="en-US" altLang="ja-JP" dirty="0"/>
-              <a:t>which comes with this </a:t>
-            </a:r>
-            <a:r>
-              <a:rPr lang="en-US" altLang="ja-JP" dirty="0" smtClean="0"/>
-              <a:t>document. It contains data of formaldehyde.</a:t>
-            </a:r>
-          </a:p>
-          <a:p>
-            <a:endParaRPr lang="en-US" altLang="ja-JP" dirty="0"/>
-          </a:p>
-          <a:p>
-            <a:r>
-              <a:rPr lang="en-US" altLang="ja-JP" dirty="0" smtClean="0"/>
-              <a:t>Click, File -&gt; Open, choose </a:t>
-            </a:r>
-            <a:r>
-              <a:rPr lang="en-US" altLang="ja-JP" dirty="0"/>
-              <a:t>“h2co.minfo</a:t>
-            </a:r>
-            <a:r>
-              <a:rPr lang="en-US" altLang="ja-JP" dirty="0" smtClean="0"/>
-              <a:t>”, and click Open. If you see formaldehyde, you’re done with the first step!</a:t>
-            </a:r>
-          </a:p>
-          <a:p>
-            <a:endParaRPr lang="en-US" altLang="ja-JP" dirty="0" smtClean="0"/>
-          </a:p>
-          <a:p>
-            <a:pPr lvl="1"/>
-            <a:r>
-              <a:rPr lang="en-US" altLang="ja-JP" dirty="0" smtClean="0"/>
-              <a:t>If this step fails, it is highly likely that Java3D has a problem. Double check if the </a:t>
-            </a:r>
-            <a:r>
-              <a:rPr lang="en-US" altLang="ja-JP" dirty="0" err="1" smtClean="0"/>
-              <a:t>jarfiles</a:t>
-            </a:r>
-            <a:r>
-              <a:rPr lang="en-US" altLang="ja-JP" dirty="0" smtClean="0"/>
-              <a:t> are copied to the right extension folder or set to CLASSPATH.</a:t>
-            </a:r>
+              <a:rPr kumimoji="1" lang="en-US" altLang="ja-JP" smtClean="0"/>
+              <a:t>…</a:t>
+            </a:r>
+            <a:endParaRPr kumimoji="1" lang="ja-JP" altLang="en-US" dirty="0"/>
           </a:p>
         </p:txBody>
       </p:sp>
       <p:cxnSp>
         <p:nvCxnSpPr>
-          <p:cNvPr id="12" name="直線矢印コネクタ 11"/>
+          <p:cNvPr id="8" name="直線矢印コネクタ 7"/>
           <p:cNvCxnSpPr/>
           <p:nvPr/>
         </p:nvCxnSpPr>
         <p:spPr>
-          <a:xfrm>
-            <a:off x="5550185" y="1328758"/>
-            <a:ext cx="0" cy="1278485"/>
+          <a:xfrm flipH="1">
+            <a:off x="2002658" y="4325574"/>
+            <a:ext cx="2" cy="379141"/>
           </a:xfrm>
           <a:prstGeom prst="straightConnector1">
             <a:avLst/>
@@ -6886,14 +9626,14 @@
       </p:cxnSp>
       <p:sp>
         <p:nvSpPr>
-          <p:cNvPr id="13" name="テキスト ボックス 12"/>
+          <p:cNvPr id="9" name="テキスト ボックス 8"/>
           <p:cNvSpPr txBox="1"/>
           <p:nvPr/>
         </p:nvSpPr>
         <p:spPr>
           <a:xfrm>
-            <a:off x="5597499" y="1346311"/>
-            <a:ext cx="696024" cy="369332"/>
+            <a:off x="2029349" y="4322502"/>
+            <a:ext cx="1275093" cy="369332"/>
           </a:xfrm>
           <a:prstGeom prst="rect">
             <a:avLst/>
@@ -6907,57 +9647,27 @@
           <a:lstStyle/>
           <a:p>
             <a:r>
+              <a:rPr kumimoji="1" lang="en-US" altLang="ja-JP" smtClean="0"/>
+              <a:t>Scroll </a:t>
+            </a:r>
+            <a:r>
               <a:rPr kumimoji="1" lang="en-US" altLang="ja-JP" dirty="0" smtClean="0"/>
-              <a:t>Open</a:t>
+              <a:t>down</a:t>
             </a:r>
             <a:endParaRPr kumimoji="1" lang="ja-JP" altLang="en-US" dirty="0"/>
           </a:p>
         </p:txBody>
       </p:sp>
-      <p:pic>
-        <p:nvPicPr>
-          <p:cNvPr id="9" name="図 8"/>
-          <p:cNvPicPr>
-            <a:picLocks noChangeAspect="1"/>
-          </p:cNvPicPr>
-          <p:nvPr/>
-        </p:nvPicPr>
-        <p:blipFill rotWithShape="1">
-          <a:blip r:embed="rId4">
-            <a:extLst>
-              <a:ext uri="{28A0092B-C50C-407E-A947-70E740481C1C}">
-                <a14:useLocalDpi xmlns:a14="http://schemas.microsoft.com/office/drawing/2010/main" val="0"/>
-              </a:ext>
-            </a:extLst>
-          </a:blip>
-          <a:srcRect l="9182" t="7774" r="8854" b="19884"/>
-          <a:stretch/>
-        </p:blipFill>
-        <p:spPr>
-          <a:xfrm>
-            <a:off x="5481037" y="2694129"/>
-            <a:ext cx="2379121" cy="1328104"/>
-          </a:xfrm>
-          <a:prstGeom prst="rect">
-            <a:avLst/>
-          </a:prstGeom>
-          <a:ln>
-            <a:solidFill>
-              <a:schemeClr val="accent1"/>
-            </a:solidFill>
-          </a:ln>
-        </p:spPr>
-      </p:pic>
-      <p:sp>
-        <p:nvSpPr>
-          <p:cNvPr id="15" name="正方形/長方形 14"/>
+      <p:sp>
+        <p:nvSpPr>
+          <p:cNvPr id="10" name="正方形/長方形 9"/>
           <p:cNvSpPr/>
           <p:nvPr/>
         </p:nvSpPr>
         <p:spPr>
           <a:xfrm>
-            <a:off x="5527220" y="3055732"/>
-            <a:ext cx="480188" cy="141777"/>
+            <a:off x="2180765" y="5812577"/>
+            <a:ext cx="894944" cy="194563"/>
           </a:xfrm>
           <a:prstGeom prst="rect">
             <a:avLst/>
@@ -6995,16 +9705,54 @@
           </a:p>
         </p:txBody>
       </p:sp>
+      <p:sp>
+        <p:nvSpPr>
+          <p:cNvPr id="11" name="テキスト ボックス 10"/>
+          <p:cNvSpPr txBox="1"/>
+          <p:nvPr/>
+        </p:nvSpPr>
+        <p:spPr>
+          <a:xfrm>
+            <a:off x="4228785" y="5679919"/>
+            <a:ext cx="3281155" cy="369332"/>
+          </a:xfrm>
+          <a:prstGeom prst="rect">
+            <a:avLst/>
+          </a:prstGeom>
+          <a:noFill/>
+        </p:spPr>
+        <p:txBody>
+          <a:bodyPr wrap="none" rtlCol="0">
+            <a:spAutoFit/>
+          </a:bodyPr>
+          <a:lstStyle/>
+          <a:p>
+            <a:r>
+              <a:rPr kumimoji="1" lang="en-US" altLang="ja-JP" dirty="0" smtClean="0"/>
+              <a:t>click here and download a </a:t>
+            </a:r>
+            <a:r>
+              <a:rPr kumimoji="1" lang="en-US" altLang="ja-JP" dirty="0" err="1" smtClean="0"/>
+              <a:t>jarfile</a:t>
+            </a:r>
+            <a:r>
+              <a:rPr kumimoji="1" lang="en-US" altLang="ja-JP" dirty="0" smtClean="0"/>
+              <a:t>.</a:t>
+            </a:r>
+            <a:endParaRPr kumimoji="1" lang="ja-JP" altLang="en-US" dirty="0"/>
+          </a:p>
+        </p:txBody>
+      </p:sp>
       <p:cxnSp>
         <p:nvCxnSpPr>
-          <p:cNvPr id="17" name="直線矢印コネクタ 16"/>
+          <p:cNvPr id="12" name="直線矢印コネクタ 11"/>
           <p:cNvCxnSpPr/>
           <p:nvPr/>
         </p:nvCxnSpPr>
         <p:spPr>
-          <a:xfrm>
-            <a:off x="7578899" y="3995652"/>
-            <a:ext cx="7181" cy="323779"/>
+          <a:xfrm flipV="1">
+            <a:off x="3143770" y="5894293"/>
+            <a:ext cx="1080607" cy="3142"/>
           </a:xfrm>
           <a:prstGeom prst="straightConnector1">
             <a:avLst/>
@@ -7033,118 +9781,7 @@
       </p:cxnSp>
       <p:sp>
         <p:nvSpPr>
-          <p:cNvPr id="19" name="テキスト ボックス 18"/>
-          <p:cNvSpPr txBox="1"/>
-          <p:nvPr/>
-        </p:nvSpPr>
-        <p:spPr>
-          <a:xfrm>
-            <a:off x="5939447" y="3134127"/>
-            <a:ext cx="1094124" cy="258837"/>
-          </a:xfrm>
-          <a:prstGeom prst="rect">
-            <a:avLst/>
-          </a:prstGeom>
-          <a:noFill/>
-        </p:spPr>
-        <p:txBody>
-          <a:bodyPr wrap="none" rtlCol="0">
-            <a:spAutoFit/>
-          </a:bodyPr>
-          <a:lstStyle/>
-          <a:p>
-            <a:r>
-              <a:rPr kumimoji="1" lang="en-US" altLang="ja-JP" dirty="0" smtClean="0"/>
-              <a:t>click to choose</a:t>
-            </a:r>
-            <a:endParaRPr kumimoji="1" lang="ja-JP" altLang="en-US" dirty="0"/>
-          </a:p>
-        </p:txBody>
-      </p:sp>
-      <p:sp>
-        <p:nvSpPr>
-          <p:cNvPr id="22" name="正方形/長方形 21"/>
-          <p:cNvSpPr/>
-          <p:nvPr/>
-        </p:nvSpPr>
-        <p:spPr>
-          <a:xfrm>
-            <a:off x="7395430" y="3816722"/>
-            <a:ext cx="391620" cy="150819"/>
-          </a:xfrm>
-          <a:prstGeom prst="rect">
-            <a:avLst/>
-          </a:prstGeom>
-          <a:noFill/>
-          <a:ln w="28575">
-            <a:solidFill>
-              <a:srgbClr val="00B050"/>
-            </a:solidFill>
-            <a:prstDash val="sysDash"/>
-          </a:ln>
-        </p:spPr>
-        <p:style>
-          <a:lnRef idx="2">
-            <a:schemeClr val="accent1">
-              <a:shade val="50000"/>
-            </a:schemeClr>
-          </a:lnRef>
-          <a:fillRef idx="1">
-            <a:schemeClr val="accent1"/>
-          </a:fillRef>
-          <a:effectRef idx="0">
-            <a:schemeClr val="accent1"/>
-          </a:effectRef>
-          <a:fontRef idx="minor">
-            <a:schemeClr val="lt1"/>
-          </a:fontRef>
-        </p:style>
-        <p:txBody>
-          <a:bodyPr rtlCol="0" anchor="ctr"/>
-          <a:lstStyle/>
-          <a:p>
-            <a:pPr algn="ctr"/>
-            <a:endParaRPr kumimoji="1" lang="ja-JP" altLang="en-US"/>
-          </a:p>
-        </p:txBody>
-      </p:sp>
-      <p:pic>
-        <p:nvPicPr>
-          <p:cNvPr id="5" name="図 4"/>
-          <p:cNvPicPr>
-            <a:picLocks noChangeAspect="1"/>
-          </p:cNvPicPr>
-          <p:nvPr/>
-        </p:nvPicPr>
-        <p:blipFill rotWithShape="1">
-          <a:blip r:embed="rId5">
-            <a:extLst>
-              <a:ext uri="{28A0092B-C50C-407E-A947-70E740481C1C}">
-                <a14:useLocalDpi xmlns:a14="http://schemas.microsoft.com/office/drawing/2010/main" val="0"/>
-              </a:ext>
-            </a:extLst>
-          </a:blip>
-          <a:srcRect l="9606" t="5208" r="9167" b="14212"/>
-          <a:stretch/>
-        </p:blipFill>
-        <p:spPr>
-          <a:xfrm>
-            <a:off x="6586537" y="4430320"/>
-            <a:ext cx="1943099" cy="1927617"/>
-          </a:xfrm>
-          <a:prstGeom prst="rect">
-            <a:avLst/>
-          </a:prstGeom>
-          <a:ln>
-            <a:solidFill>
-              <a:schemeClr val="accent1"/>
-            </a:solidFill>
-          </a:ln>
-        </p:spPr>
-      </p:pic>
-      <p:sp>
-        <p:nvSpPr>
-          <p:cNvPr id="6" name="スライド番号プレースホルダー 5"/>
+          <p:cNvPr id="13" name="スライド番号プレースホルダー 12"/>
           <p:cNvSpPr>
             <a:spLocks noGrp="1"/>
           </p:cNvSpPr>
@@ -7168,7 +9805,7 @@
     </p:spTree>
     <p:extLst>
       <p:ext uri="{BB962C8B-B14F-4D97-AF65-F5344CB8AC3E}">
-        <p14:creationId xmlns:p14="http://schemas.microsoft.com/office/powerpoint/2010/main" val="506715033"/>
+        <p14:creationId xmlns:p14="http://schemas.microsoft.com/office/powerpoint/2010/main" val="1442719388"/>
       </p:ext>
     </p:extLst>
   </p:cSld>
@@ -7195,65 +9832,200 @@
           <a:chExt cx="0" cy="0"/>
         </a:xfrm>
       </p:grpSpPr>
+      <p:sp>
+        <p:nvSpPr>
+          <p:cNvPr id="8" name="タイトル 7"/>
+          <p:cNvSpPr>
+            <a:spLocks noGrp="1"/>
+          </p:cNvSpPr>
+          <p:nvPr>
+            <p:ph type="title"/>
+          </p:nvPr>
+        </p:nvSpPr>
+        <p:spPr/>
+        <p:txBody>
+          <a:bodyPr/>
+          <a:lstStyle/>
+          <a:p>
+            <a:r>
+              <a:rPr lang="en-US" altLang="ja-JP" dirty="0"/>
+              <a:t>4. </a:t>
+            </a:r>
+            <a:r>
+              <a:rPr lang="en-US" altLang="ja-JP" dirty="0" smtClean="0"/>
+              <a:t>Copy </a:t>
+            </a:r>
+            <a:r>
+              <a:rPr lang="en-US" altLang="ja-JP" dirty="0"/>
+              <a:t>jar files</a:t>
+            </a:r>
+            <a:endParaRPr kumimoji="1" lang="ja-JP" altLang="en-US" dirty="0"/>
+          </a:p>
+        </p:txBody>
+      </p:sp>
+      <p:sp>
+        <p:nvSpPr>
+          <p:cNvPr id="2" name="スライド番号プレースホルダー 1"/>
+          <p:cNvSpPr>
+            <a:spLocks noGrp="1"/>
+          </p:cNvSpPr>
+          <p:nvPr>
+            <p:ph type="sldNum" sz="quarter" idx="12"/>
+          </p:nvPr>
+        </p:nvSpPr>
+        <p:spPr/>
+        <p:txBody>
+          <a:bodyPr/>
+          <a:lstStyle/>
+          <a:p>
+            <a:fld id="{7D34BB6B-1E1A-9541-9560-488905BF54FF}" type="slidenum">
+              <a:rPr kumimoji="1" lang="ja-JP" altLang="en-US" smtClean="0"/>
+              <a:t>8</a:t>
+            </a:fld>
+            <a:endParaRPr kumimoji="1" lang="ja-JP" altLang="en-US"/>
+          </a:p>
+        </p:txBody>
+      </p:sp>
+      <p:sp>
+        <p:nvSpPr>
+          <p:cNvPr id="4" name="テキスト ボックス 3"/>
+          <p:cNvSpPr txBox="1"/>
+          <p:nvPr/>
+        </p:nvSpPr>
+        <p:spPr>
+          <a:xfrm>
+            <a:off x="653143" y="1008451"/>
+            <a:ext cx="7749452" cy="1200329"/>
+          </a:xfrm>
+          <a:prstGeom prst="rect">
+            <a:avLst/>
+          </a:prstGeom>
+          <a:noFill/>
+        </p:spPr>
+        <p:txBody>
+          <a:bodyPr wrap="square" rtlCol="0">
+            <a:spAutoFit/>
+          </a:bodyPr>
+          <a:lstStyle/>
+          <a:p>
+            <a:r>
+              <a:rPr lang="en-US" altLang="ja-JP" dirty="0" smtClean="0"/>
+              <a:t>Copy </a:t>
+            </a:r>
+            <a:r>
+              <a:rPr lang="en-US" altLang="ja-JP" dirty="0"/>
+              <a:t>the jar files to an extension </a:t>
+            </a:r>
+            <a:r>
+              <a:rPr lang="en-US" altLang="ja-JP" dirty="0" smtClean="0"/>
+              <a:t>folder, which is set to ~/Library/Java/Extensions. Click Go menu of finder with </a:t>
+            </a:r>
+            <a:r>
+              <a:rPr lang="en-US" altLang="ja-JP" u="sng" dirty="0" smtClean="0"/>
+              <a:t>option key pressed</a:t>
+            </a:r>
+            <a:r>
+              <a:rPr lang="en-US" altLang="ja-JP" dirty="0" smtClean="0"/>
+              <a:t> (~/Library is hidden) and choose Library</a:t>
+            </a:r>
+            <a:r>
+              <a:rPr lang="en-US" altLang="ja-JP" dirty="0"/>
+              <a:t>. Create </a:t>
+            </a:r>
+            <a:r>
+              <a:rPr lang="en-US" altLang="ja-JP" dirty="0" smtClean="0"/>
+              <a:t>the </a:t>
+            </a:r>
+            <a:r>
+              <a:rPr lang="en-US" altLang="ja-JP" dirty="0"/>
+              <a:t>folder if you don‘t have it </a:t>
+            </a:r>
+            <a:r>
+              <a:rPr lang="en-US" altLang="ja-JP" dirty="0" smtClean="0"/>
+              <a:t>yet, then </a:t>
+            </a:r>
+            <a:r>
+              <a:rPr lang="en-US" altLang="ja-JP" dirty="0"/>
+              <a:t>copy the jar files in this </a:t>
+            </a:r>
+            <a:r>
+              <a:rPr lang="en-US" altLang="ja-JP" dirty="0" smtClean="0"/>
+              <a:t>folder.</a:t>
+            </a:r>
+            <a:endParaRPr lang="ja-JP" altLang="en-US" dirty="0"/>
+          </a:p>
+        </p:txBody>
+      </p:sp>
       <p:pic>
         <p:nvPicPr>
-          <p:cNvPr id="13" name="図 9"/>
+          <p:cNvPr id="5" name="図 4"/>
           <p:cNvPicPr>
             <a:picLocks noChangeAspect="1"/>
           </p:cNvPicPr>
           <p:nvPr/>
         </p:nvPicPr>
         <p:blipFill>
-          <a:blip r:embed="rId2">
+          <a:blip r:embed="rId2" cstate="print">
             <a:extLst>
               <a:ext uri="{28A0092B-C50C-407E-A947-70E740481C1C}">
-                <a14:useLocalDpi xmlns:a14="http://schemas.microsoft.com/office/drawing/2010/main" val="0"/>
+                <a14:useLocalDpi xmlns:a14="http://schemas.microsoft.com/office/drawing/2010/main"/>
               </a:ext>
             </a:extLst>
           </a:blip>
-          <a:srcRect/>
           <a:stretch>
             <a:fillRect/>
           </a:stretch>
         </p:blipFill>
-        <p:spPr bwMode="auto">
-          <a:xfrm>
-            <a:off x="5393913" y="418769"/>
-            <a:ext cx="3404900" cy="1283254"/>
+        <p:spPr>
+          <a:xfrm>
+            <a:off x="897999" y="2483707"/>
+            <a:ext cx="7344476" cy="3264985"/>
+          </a:xfrm>
+          <a:prstGeom prst="rect">
+            <a:avLst/>
+          </a:prstGeom>
+        </p:spPr>
+      </p:pic>
+      <p:sp>
+        <p:nvSpPr>
+          <p:cNvPr id="6" name="テキスト ボックス 5"/>
+          <p:cNvSpPr txBox="1"/>
+          <p:nvPr/>
+        </p:nvSpPr>
+        <p:spPr>
+          <a:xfrm>
+            <a:off x="2409568" y="5671751"/>
+            <a:ext cx="828560" cy="369332"/>
           </a:xfrm>
           <a:prstGeom prst="rect">
             <a:avLst/>
           </a:prstGeom>
           <a:noFill/>
-          <a:ln w="9525">
-            <a:solidFill>
-              <a:srgbClr val="000000"/>
-            </a:solidFill>
-            <a:miter lim="800000"/>
-            <a:headEnd/>
-            <a:tailEnd/>
-          </a:ln>
-          <a:extLst>
-            <a:ext uri="{909E8E84-426E-40DD-AFC4-6F175D3DCCD1}">
-              <a14:hiddenFill xmlns:a14="http://schemas.microsoft.com/office/drawing/2010/main">
-                <a:solidFill>
-                  <a:srgbClr val="FFFFFF"/>
-                </a:solidFill>
-              </a14:hiddenFill>
-            </a:ext>
-          </a:extLst>
-        </p:spPr>
-      </p:pic>
+        </p:spPr>
+        <p:txBody>
+          <a:bodyPr wrap="none" rtlCol="0">
+            <a:spAutoFit/>
+          </a:bodyPr>
+          <a:lstStyle/>
+          <a:p>
+            <a:r>
+              <a:rPr kumimoji="1" lang="en-US" altLang="ja-JP" smtClean="0"/>
+              <a:t>Library</a:t>
+            </a:r>
+            <a:endParaRPr kumimoji="1" lang="ja-JP" altLang="en-US" dirty="0"/>
+          </a:p>
+        </p:txBody>
+      </p:sp>
       <p:cxnSp>
         <p:nvCxnSpPr>
-          <p:cNvPr id="14" name="直線矢印コネクタ 13"/>
+          <p:cNvPr id="7" name="直線矢印コネクタ 6"/>
           <p:cNvCxnSpPr/>
           <p:nvPr/>
         </p:nvCxnSpPr>
         <p:spPr>
-          <a:xfrm>
-            <a:off x="6456635" y="781347"/>
-            <a:ext cx="0" cy="1278485"/>
+          <a:xfrm flipH="1" flipV="1">
+            <a:off x="2757818" y="5271301"/>
+            <a:ext cx="1117" cy="432078"/>
           </a:xfrm>
           <a:prstGeom prst="straightConnector1">
             <a:avLst/>
@@ -7280,274 +10052,16 @@
           </a:fontRef>
         </p:style>
       </p:cxnSp>
-      <p:sp>
-        <p:nvSpPr>
-          <p:cNvPr id="15" name="テキスト ボックス 14"/>
-          <p:cNvSpPr txBox="1"/>
-          <p:nvPr/>
-        </p:nvSpPr>
-        <p:spPr>
-          <a:xfrm>
-            <a:off x="6454749" y="878288"/>
-            <a:ext cx="1904239" cy="369332"/>
-          </a:xfrm>
-          <a:prstGeom prst="rect">
-            <a:avLst/>
-          </a:prstGeom>
-          <a:noFill/>
-        </p:spPr>
-        <p:txBody>
-          <a:bodyPr wrap="none" rtlCol="0">
-            <a:spAutoFit/>
-          </a:bodyPr>
-          <a:lstStyle/>
-          <a:p>
-            <a:r>
-              <a:rPr lang="en-US" altLang="ja-JP" dirty="0" smtClean="0"/>
-              <a:t>Harmonic Analysis</a:t>
-            </a:r>
-            <a:endParaRPr kumimoji="1" lang="ja-JP" altLang="en-US" dirty="0"/>
-          </a:p>
-        </p:txBody>
-      </p:sp>
-      <p:sp>
-        <p:nvSpPr>
-          <p:cNvPr id="16" name="テキスト ボックス 15"/>
-          <p:cNvSpPr txBox="1"/>
-          <p:nvPr/>
-        </p:nvSpPr>
-        <p:spPr>
-          <a:xfrm>
-            <a:off x="225833" y="841421"/>
-            <a:ext cx="5077859" cy="5355312"/>
-          </a:xfrm>
-          <a:prstGeom prst="rect">
-            <a:avLst/>
-          </a:prstGeom>
-          <a:noFill/>
-        </p:spPr>
-        <p:txBody>
-          <a:bodyPr wrap="square" rtlCol="0">
-            <a:spAutoFit/>
-          </a:bodyPr>
-          <a:lstStyle/>
-          <a:p>
-            <a:r>
-              <a:rPr lang="en-US" altLang="ja-JP" dirty="0" smtClean="0"/>
-              <a:t>Finally, </a:t>
-            </a:r>
-            <a:r>
-              <a:rPr lang="en-US" altLang="ja-JP" dirty="0" err="1" smtClean="0"/>
-              <a:t>goto</a:t>
-            </a:r>
-            <a:r>
-              <a:rPr lang="en-US" altLang="ja-JP" dirty="0" smtClean="0"/>
-              <a:t> Tools -&gt; Harmonic Analysis. This should create a panel of “Normal modes”. </a:t>
-            </a:r>
-          </a:p>
-          <a:p>
-            <a:endParaRPr lang="en-US" altLang="ja-JP" dirty="0" smtClean="0"/>
-          </a:p>
-          <a:p>
-            <a:pPr lvl="1"/>
-            <a:r>
-              <a:rPr lang="en-US" altLang="ja-JP" dirty="0" smtClean="0"/>
-              <a:t>If </a:t>
-            </a:r>
-            <a:r>
-              <a:rPr lang="en-US" altLang="ja-JP" dirty="0"/>
-              <a:t>you don’t see </a:t>
-            </a:r>
-            <a:r>
-              <a:rPr lang="en-US" altLang="ja-JP" dirty="0" smtClean="0"/>
-              <a:t>this </a:t>
-            </a:r>
-            <a:r>
-              <a:rPr lang="en-US" altLang="ja-JP" dirty="0"/>
-              <a:t>panel, </a:t>
-            </a:r>
-            <a:r>
-              <a:rPr lang="en-US" altLang="ja-JP" dirty="0" smtClean="0"/>
-              <a:t>JAMA isn’t working. Check if the </a:t>
-            </a:r>
-            <a:r>
-              <a:rPr lang="en-US" altLang="ja-JP" dirty="0" err="1" smtClean="0"/>
-              <a:t>jarfile</a:t>
-            </a:r>
-            <a:r>
-              <a:rPr lang="en-US" altLang="ja-JP" dirty="0" smtClean="0"/>
-              <a:t> of JAMA is set correctly.</a:t>
-            </a:r>
-            <a:endParaRPr lang="en-US" altLang="ja-JP" dirty="0"/>
-          </a:p>
-          <a:p>
-            <a:endParaRPr lang="en-US" altLang="ja-JP" dirty="0" smtClean="0"/>
-          </a:p>
-          <a:p>
-            <a:r>
-              <a:rPr lang="en-US" altLang="ja-JP" dirty="0" smtClean="0"/>
-              <a:t>If the panel appears, you’re all set! </a:t>
-            </a:r>
-            <a:r>
-              <a:rPr lang="en-US" altLang="ja-JP" dirty="0" err="1" smtClean="0"/>
-              <a:t>Congradulations</a:t>
-            </a:r>
-            <a:r>
-              <a:rPr lang="en-US" altLang="ja-JP" dirty="0" smtClean="0"/>
-              <a:t>!</a:t>
-            </a:r>
-          </a:p>
-          <a:p>
-            <a:endParaRPr lang="en-US" altLang="ja-JP" dirty="0" smtClean="0"/>
-          </a:p>
-          <a:p>
-            <a:endParaRPr lang="en-US" altLang="ja-JP" dirty="0"/>
-          </a:p>
-          <a:p>
-            <a:r>
-              <a:rPr lang="en-US" altLang="ja-JP" dirty="0" smtClean="0"/>
-              <a:t>Check on ”show vibrational coordinates”, and choose a mode you want to see. Vibrational motion will be indicated by arrows. You can “Invert the arrows” by a check box, and change the magnitude using a slider. </a:t>
-            </a:r>
-          </a:p>
-          <a:p>
-            <a:endParaRPr lang="en-US" altLang="ja-JP" dirty="0"/>
-          </a:p>
-          <a:p>
-            <a:endParaRPr lang="en-US" altLang="ja-JP" dirty="0" smtClean="0"/>
-          </a:p>
-          <a:p>
-            <a:r>
-              <a:rPr lang="en-US" altLang="ja-JP" dirty="0" smtClean="0"/>
-              <a:t>Thanks for using </a:t>
-            </a:r>
-            <a:r>
-              <a:rPr lang="en-US" altLang="ja-JP" dirty="0" err="1" smtClean="0"/>
-              <a:t>JSindo</a:t>
-            </a:r>
-            <a:r>
-              <a:rPr lang="en-US" altLang="ja-JP" dirty="0" smtClean="0"/>
-              <a:t>!</a:t>
-            </a:r>
-          </a:p>
-          <a:p>
-            <a:r>
-              <a:rPr lang="en-US" altLang="ja-JP" dirty="0"/>
-              <a:t>Enjoy! </a:t>
-            </a:r>
-          </a:p>
-          <a:p>
-            <a:endParaRPr lang="en-US" altLang="ja-JP" dirty="0" smtClean="0"/>
-          </a:p>
-        </p:txBody>
-      </p:sp>
-      <p:pic>
-        <p:nvPicPr>
-          <p:cNvPr id="2" name="図 1"/>
-          <p:cNvPicPr>
-            <a:picLocks noChangeAspect="1"/>
-          </p:cNvPicPr>
-          <p:nvPr/>
-        </p:nvPicPr>
-        <p:blipFill rotWithShape="1">
-          <a:blip r:embed="rId3">
-            <a:extLst>
-              <a:ext uri="{28A0092B-C50C-407E-A947-70E740481C1C}">
-                <a14:useLocalDpi xmlns:a14="http://schemas.microsoft.com/office/drawing/2010/main" val="0"/>
-              </a:ext>
-            </a:extLst>
-          </a:blip>
-          <a:srcRect l="10796" t="9038" r="10796" b="22506"/>
-          <a:stretch/>
-        </p:blipFill>
-        <p:spPr>
-          <a:xfrm>
-            <a:off x="5657464" y="2078183"/>
-            <a:ext cx="2304788" cy="1371600"/>
-          </a:xfrm>
-          <a:prstGeom prst="rect">
-            <a:avLst/>
-          </a:prstGeom>
-          <a:ln>
-            <a:solidFill>
-              <a:schemeClr val="accent1"/>
-            </a:solidFill>
-          </a:ln>
-        </p:spPr>
-      </p:pic>
-      <p:pic>
-        <p:nvPicPr>
-          <p:cNvPr id="3" name="図 2"/>
-          <p:cNvPicPr>
-            <a:picLocks noChangeAspect="1"/>
-          </p:cNvPicPr>
-          <p:nvPr/>
-        </p:nvPicPr>
-        <p:blipFill rotWithShape="1">
-          <a:blip r:embed="rId4">
-            <a:extLst>
-              <a:ext uri="{28A0092B-C50C-407E-A947-70E740481C1C}">
-                <a14:useLocalDpi xmlns:a14="http://schemas.microsoft.com/office/drawing/2010/main" val="0"/>
-              </a:ext>
-            </a:extLst>
-          </a:blip>
-          <a:srcRect l="9394" t="5052" r="9192" b="13737"/>
-          <a:stretch/>
-        </p:blipFill>
-        <p:spPr>
-          <a:xfrm>
-            <a:off x="5479679" y="3713019"/>
-            <a:ext cx="2708357" cy="2701636"/>
-          </a:xfrm>
-          <a:prstGeom prst="rect">
-            <a:avLst/>
-          </a:prstGeom>
-          <a:ln>
-            <a:solidFill>
-              <a:schemeClr val="accent1"/>
-            </a:solidFill>
-          </a:ln>
-        </p:spPr>
-      </p:pic>
-      <p:sp>
-        <p:nvSpPr>
-          <p:cNvPr id="4" name="スライド番号プレースホルダー 3"/>
-          <p:cNvSpPr>
-            <a:spLocks noGrp="1"/>
-          </p:cNvSpPr>
-          <p:nvPr>
-            <p:ph type="sldNum" sz="quarter" idx="12"/>
-          </p:nvPr>
-        </p:nvSpPr>
-        <p:spPr/>
-        <p:txBody>
-          <a:bodyPr/>
-          <a:lstStyle/>
-          <a:p>
-            <a:fld id="{7D34BB6B-1E1A-9541-9560-488905BF54FF}" type="slidenum">
-              <a:rPr kumimoji="1" lang="ja-JP" altLang="en-US" smtClean="0"/>
-              <a:t>8</a:t>
-            </a:fld>
-            <a:endParaRPr kumimoji="1" lang="ja-JP" altLang="en-US"/>
-          </a:p>
-        </p:txBody>
-      </p:sp>
     </p:spTree>
     <p:extLst>
       <p:ext uri="{BB962C8B-B14F-4D97-AF65-F5344CB8AC3E}">
-        <p14:creationId xmlns:p14="http://schemas.microsoft.com/office/powerpoint/2010/main" val="1416719639"/>
+        <p14:creationId xmlns:p14="http://schemas.microsoft.com/office/powerpoint/2010/main" val="755465908"/>
       </p:ext>
     </p:extLst>
   </p:cSld>
   <p:clrMapOvr>
     <a:masterClrMapping/>
   </p:clrMapOvr>
-  <p:timing>
-    <p:tnLst>
-      <p:par>
-        <p:cTn id="1" dur="indefinite" restart="never" nodeType="tmRoot"/>
-      </p:par>
-    </p:tnLst>
-  </p:timing>
 </p:sld>
 </file>
 

--- a/doc/JSindo/install_mac.pptx
+++ b/doc/JSindo/install_mac.pptx
@@ -12,7 +12,7 @@
     <p:sldId id="287" r:id="rId3"/>
     <p:sldId id="308" r:id="rId4"/>
     <p:sldId id="307" r:id="rId5"/>
-    <p:sldId id="288" r:id="rId6"/>
+    <p:sldId id="310" r:id="rId6"/>
     <p:sldId id="273" r:id="rId7"/>
     <p:sldId id="295" r:id="rId8"/>
     <p:sldId id="298" r:id="rId9"/>
@@ -219,7 +219,7 @@
           <a:p>
             <a:fld id="{BB0F0136-69B4-D44B-9FED-4928016A3512}" type="datetimeFigureOut">
               <a:rPr kumimoji="1" lang="ja-JP" altLang="en-US" smtClean="0"/>
-              <a:t>2018/6/13</a:t>
+              <a:t>2018/9/20</a:t>
             </a:fld>
             <a:endParaRPr kumimoji="1" lang="ja-JP" altLang="en-US"/>
           </a:p>
@@ -818,7 +818,7 @@
           <a:p>
             <a:fld id="{8F1A2EAE-8A19-6140-AB90-FBA793328AFC}" type="datetime1">
               <a:rPr kumimoji="1" lang="ja-JP" altLang="en-US" smtClean="0"/>
-              <a:t>2018/6/13</a:t>
+              <a:t>2018/9/20</a:t>
             </a:fld>
             <a:endParaRPr kumimoji="1" lang="ja-JP" altLang="en-US"/>
           </a:p>
@@ -1015,7 +1015,7 @@
           <a:p>
             <a:fld id="{5032F6CD-D8C5-EA47-935C-33C61990A9AF}" type="datetime1">
               <a:rPr kumimoji="1" lang="ja-JP" altLang="en-US" smtClean="0"/>
-              <a:t>2018/6/13</a:t>
+              <a:t>2018/9/20</a:t>
             </a:fld>
             <a:endParaRPr kumimoji="1" lang="ja-JP" altLang="en-US"/>
           </a:p>
@@ -1222,7 +1222,7 @@
           <a:p>
             <a:fld id="{7432CAB7-B1D1-C842-BB27-1789136EF085}" type="datetime1">
               <a:rPr kumimoji="1" lang="ja-JP" altLang="en-US" smtClean="0"/>
-              <a:t>2018/6/13</a:t>
+              <a:t>2018/9/20</a:t>
             </a:fld>
             <a:endParaRPr kumimoji="1" lang="ja-JP" altLang="en-US"/>
           </a:p>
@@ -1419,7 +1419,7 @@
           <a:p>
             <a:fld id="{59F606A1-BF80-4F40-AD73-3A1303D72015}" type="datetime1">
               <a:rPr kumimoji="1" lang="ja-JP" altLang="en-US" smtClean="0"/>
-              <a:t>2018/6/13</a:t>
+              <a:t>2018/9/20</a:t>
             </a:fld>
             <a:endParaRPr kumimoji="1" lang="ja-JP" altLang="en-US"/>
           </a:p>
@@ -1658,7 +1658,7 @@
           <a:p>
             <a:fld id="{201370A8-86D7-DE4D-BAB6-D17D5C3BEC5A}" type="datetime1">
               <a:rPr kumimoji="1" lang="ja-JP" altLang="en-US" smtClean="0"/>
-              <a:t>2018/6/13</a:t>
+              <a:t>2018/9/20</a:t>
             </a:fld>
             <a:endParaRPr kumimoji="1" lang="ja-JP" altLang="en-US"/>
           </a:p>
@@ -1949,7 +1949,7 @@
           <a:p>
             <a:fld id="{2F8DFF1A-26F6-734D-81A6-596D27E77CDE}" type="datetime1">
               <a:rPr kumimoji="1" lang="ja-JP" altLang="en-US" smtClean="0"/>
-              <a:t>2018/6/13</a:t>
+              <a:t>2018/9/20</a:t>
             </a:fld>
             <a:endParaRPr kumimoji="1" lang="ja-JP" altLang="en-US"/>
           </a:p>
@@ -2375,7 +2375,7 @@
           <a:p>
             <a:fld id="{DA4D6ED2-2E77-3346-9932-196F8E0DDE9D}" type="datetime1">
               <a:rPr kumimoji="1" lang="ja-JP" altLang="en-US" smtClean="0"/>
-              <a:t>2018/6/13</a:t>
+              <a:t>2018/9/20</a:t>
             </a:fld>
             <a:endParaRPr kumimoji="1" lang="ja-JP" altLang="en-US"/>
           </a:p>
@@ -2488,7 +2488,7 @@
           <a:p>
             <a:fld id="{E0D62E53-0DE6-954C-A642-97CC889F03F2}" type="datetime1">
               <a:rPr kumimoji="1" lang="ja-JP" altLang="en-US" smtClean="0"/>
-              <a:t>2018/6/13</a:t>
+              <a:t>2018/9/20</a:t>
             </a:fld>
             <a:endParaRPr kumimoji="1" lang="ja-JP" altLang="en-US"/>
           </a:p>
@@ -2578,7 +2578,7 @@
           <a:p>
             <a:fld id="{4C76B436-8A19-1A40-8CF4-6DE75F461D19}" type="datetime1">
               <a:rPr kumimoji="1" lang="ja-JP" altLang="en-US" smtClean="0"/>
-              <a:t>2018/6/13</a:t>
+              <a:t>2018/9/20</a:t>
             </a:fld>
             <a:endParaRPr kumimoji="1" lang="ja-JP" altLang="en-US"/>
           </a:p>
@@ -2882,7 +2882,7 @@
           <a:p>
             <a:fld id="{50F977A8-A6EB-6544-A402-5123A38A5E0F}" type="datetime1">
               <a:rPr kumimoji="1" lang="ja-JP" altLang="en-US" smtClean="0"/>
-              <a:t>2018/6/13</a:t>
+              <a:t>2018/9/20</a:t>
             </a:fld>
             <a:endParaRPr kumimoji="1" lang="ja-JP" altLang="en-US"/>
           </a:p>
@@ -3134,7 +3134,7 @@
           <a:p>
             <a:fld id="{AC63A33F-D5AB-5D4B-9CED-7FFE32473911}" type="datetime1">
               <a:rPr kumimoji="1" lang="ja-JP" altLang="en-US" smtClean="0"/>
-              <a:t>2018/6/13</a:t>
+              <a:t>2018/9/20</a:t>
             </a:fld>
             <a:endParaRPr kumimoji="1" lang="ja-JP" altLang="en-US"/>
           </a:p>
@@ -3374,7 +3374,7 @@
           <a:p>
             <a:fld id="{533D1301-D078-CF4D-9B69-E985276E2D1F}" type="datetime1">
               <a:rPr kumimoji="1" lang="ja-JP" altLang="en-US" smtClean="0"/>
-              <a:t>2018/6/13</a:t>
+              <a:t>2018/9/20</a:t>
             </a:fld>
             <a:endParaRPr kumimoji="1" lang="ja-JP" altLang="en-US"/>
           </a:p>
@@ -3865,8 +3865,8 @@
           <a:p>
             <a:pPr algn="ctr"/>
             <a:r>
-              <a:rPr kumimoji="1" lang="en-US" altLang="ja-JP" dirty="0" smtClean="0"/>
-              <a:t>2018/06/01</a:t>
+              <a:rPr kumimoji="1" lang="en-US" altLang="ja-JP" smtClean="0"/>
+              <a:t>2018/09/20</a:t>
             </a:r>
             <a:endParaRPr kumimoji="1" lang="ja-JP" altLang="en-US" dirty="0"/>
           </a:p>
@@ -5105,11 +5105,7 @@
           <a:p>
             <a:r>
               <a:rPr kumimoji="1" lang="en-US" altLang="ja-JP" dirty="0" smtClean="0"/>
-              <a:t>How to </a:t>
-            </a:r>
-            <a:r>
-              <a:rPr kumimoji="1" lang="en-US" altLang="ja-JP" dirty="0" smtClean="0"/>
-              <a:t>use </a:t>
+              <a:t>How to use </a:t>
             </a:r>
             <a:r>
               <a:rPr kumimoji="1" lang="en-US" altLang="ja-JP" dirty="0" err="1" smtClean="0"/>
@@ -5117,11 +5113,7 @@
             </a:r>
             <a:r>
               <a:rPr kumimoji="1" lang="en-US" altLang="ja-JP" dirty="0" smtClean="0"/>
-              <a:t> from a command </a:t>
-            </a:r>
-            <a:r>
-              <a:rPr kumimoji="1" lang="en-US" altLang="ja-JP" dirty="0" smtClean="0"/>
-              <a:t>line.</a:t>
+              <a:t> from a command line.</a:t>
             </a:r>
             <a:endParaRPr kumimoji="1" lang="ja-JP" altLang="en-US" dirty="0"/>
           </a:p>
@@ -7757,6 +7749,36 @@
           <a:chExt cx="0" cy="0"/>
         </a:xfrm>
       </p:grpSpPr>
+      <p:pic>
+        <p:nvPicPr>
+          <p:cNvPr id="19" name="図 18"/>
+          <p:cNvPicPr>
+            <a:picLocks noChangeAspect="1"/>
+          </p:cNvPicPr>
+          <p:nvPr/>
+        </p:nvPicPr>
+        <p:blipFill>
+          <a:blip r:embed="rId2">
+            <a:extLst>
+              <a:ext uri="{28A0092B-C50C-407E-A947-70E740481C1C}">
+                <a14:useLocalDpi xmlns:a14="http://schemas.microsoft.com/office/drawing/2010/main" val="0"/>
+              </a:ext>
+            </a:extLst>
+          </a:blip>
+          <a:stretch>
+            <a:fillRect/>
+          </a:stretch>
+        </p:blipFill>
+        <p:spPr>
+          <a:xfrm>
+            <a:off x="4282021" y="1645002"/>
+            <a:ext cx="4608063" cy="3277093"/>
+          </a:xfrm>
+          <a:prstGeom prst="rect">
+            <a:avLst/>
+          </a:prstGeom>
+        </p:spPr>
+      </p:pic>
       <p:sp>
         <p:nvSpPr>
           <p:cNvPr id="2" name="タイトル 1"/>
@@ -7778,7 +7800,11 @@
             </a:r>
             <a:r>
               <a:rPr lang="en-US" altLang="ja-JP" dirty="0" smtClean="0"/>
-              <a:t>Download Java3D</a:t>
+              <a:t>Download </a:t>
+            </a:r>
+            <a:r>
+              <a:rPr lang="en-US" altLang="ja-JP" dirty="0"/>
+              <a:t>Java3D</a:t>
             </a:r>
             <a:endParaRPr kumimoji="1" lang="ja-JP" altLang="en-US" dirty="0"/>
           </a:p>
@@ -7807,36 +7833,6 @@
           </a:p>
         </p:txBody>
       </p:sp>
-      <p:pic>
-        <p:nvPicPr>
-          <p:cNvPr id="5" name="図 4"/>
-          <p:cNvPicPr>
-            <a:picLocks noChangeAspect="1"/>
-          </p:cNvPicPr>
-          <p:nvPr/>
-        </p:nvPicPr>
-        <p:blipFill>
-          <a:blip r:embed="rId2" cstate="print">
-            <a:extLst>
-              <a:ext uri="{28A0092B-C50C-407E-A947-70E740481C1C}">
-                <a14:useLocalDpi xmlns:a14="http://schemas.microsoft.com/office/drawing/2010/main"/>
-              </a:ext>
-            </a:extLst>
-          </a:blip>
-          <a:stretch>
-            <a:fillRect/>
-          </a:stretch>
-        </p:blipFill>
-        <p:spPr>
-          <a:xfrm>
-            <a:off x="4875448" y="1615108"/>
-            <a:ext cx="3354808" cy="2011732"/>
-          </a:xfrm>
-          <a:prstGeom prst="rect">
-            <a:avLst/>
-          </a:prstGeom>
-        </p:spPr>
-      </p:pic>
       <p:sp>
         <p:nvSpPr>
           <p:cNvPr id="6" name="正方形/長方形 5"/>
@@ -7845,8 +7841,8 @@
         </p:nvSpPr>
         <p:spPr>
           <a:xfrm>
-            <a:off x="4970808" y="2580522"/>
-            <a:ext cx="1196729" cy="185987"/>
+            <a:off x="4288973" y="3769553"/>
+            <a:ext cx="1268800" cy="198824"/>
           </a:xfrm>
           <a:prstGeom prst="rect">
             <a:avLst/>
@@ -7884,19 +7880,73 @@
           </a:p>
         </p:txBody>
       </p:sp>
+      <p:sp>
+        <p:nvSpPr>
+          <p:cNvPr id="9" name="テキスト ボックス 8"/>
+          <p:cNvSpPr txBox="1"/>
+          <p:nvPr/>
+        </p:nvSpPr>
+        <p:spPr>
+          <a:xfrm>
+            <a:off x="820948" y="836915"/>
+            <a:ext cx="7681784" cy="646331"/>
+          </a:xfrm>
+          <a:prstGeom prst="rect">
+            <a:avLst/>
+          </a:prstGeom>
+          <a:noFill/>
+        </p:spPr>
+        <p:txBody>
+          <a:bodyPr wrap="square" rtlCol="0">
+            <a:spAutoFit/>
+          </a:bodyPr>
+          <a:lstStyle/>
+          <a:p>
+            <a:r>
+              <a:rPr lang="en-US" altLang="ja-JP" dirty="0" err="1" smtClean="0"/>
+              <a:t>JSindo</a:t>
+            </a:r>
+            <a:r>
+              <a:rPr lang="en-US" altLang="ja-JP" dirty="0" smtClean="0"/>
+              <a:t> uses Java3D for visualization. A stable version, 1.6.0, is available from </a:t>
+            </a:r>
+            <a:r>
+              <a:rPr lang="en-US" altLang="ja-JP" dirty="0" err="1" smtClean="0"/>
+              <a:t>JogAmp</a:t>
+            </a:r>
+            <a:r>
+              <a:rPr lang="en-US" altLang="ja-JP" dirty="0" smtClean="0"/>
+              <a:t>. </a:t>
+            </a:r>
+            <a:r>
+              <a:rPr lang="en-US" altLang="ja-JP" dirty="0" err="1" smtClean="0"/>
+              <a:t>Goto</a:t>
+            </a:r>
+            <a:r>
+              <a:rPr lang="en-US" altLang="ja-JP" dirty="0" smtClean="0"/>
+              <a:t> http://</a:t>
+            </a:r>
+            <a:r>
+              <a:rPr lang="en-US" altLang="ja-JP" dirty="0" err="1" smtClean="0"/>
+              <a:t>jogamp.org</a:t>
+            </a:r>
+            <a:endParaRPr kumimoji="1" lang="ja-JP" altLang="en-US" dirty="0"/>
+          </a:p>
+        </p:txBody>
+      </p:sp>
       <p:pic>
         <p:nvPicPr>
-          <p:cNvPr id="7" name="図 6"/>
+          <p:cNvPr id="10" name="図 9"/>
           <p:cNvPicPr>
             <a:picLocks noChangeAspect="1"/>
           </p:cNvPicPr>
           <p:nvPr/>
         </p:nvPicPr>
         <p:blipFill>
-          <a:blip r:embed="rId3" cstate="print">
+          <a:blip r:embed="rId3">
             <a:extLst>
               <a:ext uri="{28A0092B-C50C-407E-A947-70E740481C1C}">
-                <a14:useLocalDpi xmlns:a14="http://schemas.microsoft.com/office/drawing/2010/main"/>
+                <a14:useLocalDpi xmlns:a14="http://schemas.microsoft.com/office/drawing/2010/main" val="0"/>
               </a:ext>
             </a:extLst>
           </a:blip>
@@ -7906,24 +7956,60 @@
         </p:blipFill>
         <p:spPr>
           <a:xfrm>
-            <a:off x="4906859" y="3853719"/>
-            <a:ext cx="3334558" cy="2898368"/>
+            <a:off x="712187" y="1673772"/>
+            <a:ext cx="3224666" cy="2796046"/>
           </a:xfrm>
           <a:prstGeom prst="rect">
             <a:avLst/>
           </a:prstGeom>
         </p:spPr>
       </p:pic>
-      <p:sp>
-        <p:nvSpPr>
-          <p:cNvPr id="8" name="正方形/長方形 7"/>
+      <p:cxnSp>
+        <p:nvCxnSpPr>
+          <p:cNvPr id="11" name="直線矢印コネクタ 10"/>
+          <p:cNvCxnSpPr/>
+          <p:nvPr/>
+        </p:nvCxnSpPr>
+        <p:spPr>
+          <a:xfrm>
+            <a:off x="2973525" y="3605319"/>
+            <a:ext cx="1192886" cy="0"/>
+          </a:xfrm>
+          <a:prstGeom prst="straightConnector1">
+            <a:avLst/>
+          </a:prstGeom>
+          <a:ln w="28575">
+            <a:solidFill>
+              <a:srgbClr val="00B050"/>
+            </a:solidFill>
+            <a:tailEnd type="triangle"/>
+          </a:ln>
+        </p:spPr>
+        <p:style>
+          <a:lnRef idx="1">
+            <a:schemeClr val="accent1"/>
+          </a:lnRef>
+          <a:fillRef idx="0">
+            <a:schemeClr val="accent1"/>
+          </a:fillRef>
+          <a:effectRef idx="0">
+            <a:schemeClr val="accent1"/>
+          </a:effectRef>
+          <a:fontRef idx="minor">
+            <a:schemeClr val="tx1"/>
+          </a:fontRef>
+        </p:style>
+      </p:cxnSp>
+      <p:sp>
+        <p:nvSpPr>
+          <p:cNvPr id="12" name="正方形/長方形 11"/>
           <p:cNvSpPr/>
           <p:nvPr/>
         </p:nvSpPr>
         <p:spPr>
           <a:xfrm>
-            <a:off x="4954215" y="6530882"/>
-            <a:ext cx="1196729" cy="185987"/>
+            <a:off x="2810564" y="3536111"/>
+            <a:ext cx="157655" cy="142574"/>
           </a:xfrm>
           <a:prstGeom prst="rect">
             <a:avLst/>
@@ -7963,14 +8049,14 @@
       </p:sp>
       <p:sp>
         <p:nvSpPr>
-          <p:cNvPr id="9" name="テキスト ボックス 8"/>
+          <p:cNvPr id="13" name="テキスト ボックス 12"/>
           <p:cNvSpPr txBox="1"/>
           <p:nvPr/>
         </p:nvSpPr>
         <p:spPr>
           <a:xfrm>
-            <a:off x="820948" y="836915"/>
-            <a:ext cx="7681784" cy="646331"/>
+            <a:off x="3142914" y="3692457"/>
+            <a:ext cx="1072922" cy="369332"/>
           </a:xfrm>
           <a:prstGeom prst="rect">
             <a:avLst/>
@@ -7978,85 +8064,29 @@
           <a:noFill/>
         </p:spPr>
         <p:txBody>
-          <a:bodyPr wrap="square" rtlCol="0">
+          <a:bodyPr wrap="none" rtlCol="0">
             <a:spAutoFit/>
           </a:bodyPr>
           <a:lstStyle/>
           <a:p>
             <a:r>
-              <a:rPr lang="en-US" altLang="ja-JP" dirty="0" err="1" smtClean="0"/>
-              <a:t>JSindo</a:t>
-            </a:r>
-            <a:r>
-              <a:rPr lang="en-US" altLang="ja-JP" dirty="0" smtClean="0"/>
-              <a:t> uses Java3D for visualization. A stable version, 1.6.0, is available from </a:t>
-            </a:r>
-            <a:r>
-              <a:rPr lang="en-US" altLang="ja-JP" dirty="0" err="1" smtClean="0"/>
-              <a:t>JogAmp</a:t>
-            </a:r>
-            <a:r>
-              <a:rPr lang="en-US" altLang="ja-JP" dirty="0" smtClean="0"/>
-              <a:t>. </a:t>
-            </a:r>
-            <a:r>
-              <a:rPr lang="en-US" altLang="ja-JP" dirty="0" err="1" smtClean="0"/>
-              <a:t>Goto</a:t>
-            </a:r>
-            <a:r>
-              <a:rPr lang="en-US" altLang="ja-JP" dirty="0" smtClean="0"/>
-              <a:t> http://</a:t>
-            </a:r>
-            <a:r>
-              <a:rPr lang="en-US" altLang="ja-JP" dirty="0" err="1" smtClean="0"/>
-              <a:t>jogamp.org</a:t>
+              <a:rPr kumimoji="1" lang="en-US" altLang="ja-JP" smtClean="0"/>
+              <a:t>click here</a:t>
             </a:r>
             <a:endParaRPr kumimoji="1" lang="ja-JP" altLang="en-US" dirty="0"/>
           </a:p>
         </p:txBody>
       </p:sp>
-      <p:pic>
-        <p:nvPicPr>
-          <p:cNvPr id="10" name="図 9"/>
-          <p:cNvPicPr>
-            <a:picLocks noChangeAspect="1"/>
-          </p:cNvPicPr>
-          <p:nvPr/>
-        </p:nvPicPr>
-        <p:blipFill>
-          <a:blip r:embed="rId4" cstate="print">
-            <a:extLst>
-              <a:ext uri="{28A0092B-C50C-407E-A947-70E740481C1C}">
-                <a14:useLocalDpi xmlns:a14="http://schemas.microsoft.com/office/drawing/2010/main"/>
-              </a:ext>
-            </a:extLst>
-          </a:blip>
-          <a:stretch>
-            <a:fillRect/>
-          </a:stretch>
-        </p:blipFill>
-        <p:spPr>
-          <a:xfrm>
-            <a:off x="925099" y="1566195"/>
-            <a:ext cx="3224666" cy="2796046"/>
-          </a:xfrm>
-          <a:prstGeom prst="rect">
-            <a:avLst/>
-          </a:prstGeom>
-        </p:spPr>
-      </p:pic>
       <p:cxnSp>
         <p:nvCxnSpPr>
-          <p:cNvPr id="11" name="直線矢印コネクタ 10"/>
-          <p:cNvCxnSpPr>
-            <a:endCxn id="5" idx="1"/>
-          </p:cNvCxnSpPr>
+          <p:cNvPr id="15" name="直線矢印コネクタ 14"/>
+          <p:cNvCxnSpPr/>
           <p:nvPr/>
         </p:nvCxnSpPr>
         <p:spPr>
           <a:xfrm flipV="1">
-            <a:off x="1698171" y="2620974"/>
-            <a:ext cx="3177277" cy="395358"/>
+            <a:off x="5351929" y="4042850"/>
+            <a:ext cx="1441" cy="946009"/>
           </a:xfrm>
           <a:prstGeom prst="straightConnector1">
             <a:avLst/>
@@ -8085,66 +8115,19 @@
       </p:cxnSp>
       <p:sp>
         <p:nvSpPr>
-          <p:cNvPr id="12" name="正方形/長方形 11"/>
-          <p:cNvSpPr/>
+          <p:cNvPr id="16" name="テキスト ボックス 15"/>
+          <p:cNvSpPr txBox="1"/>
           <p:nvPr/>
         </p:nvSpPr>
         <p:spPr>
           <a:xfrm>
-            <a:off x="1138493" y="2962541"/>
-            <a:ext cx="546443" cy="142574"/>
+            <a:off x="4811067" y="4968682"/>
+            <a:ext cx="2470035" cy="646331"/>
           </a:xfrm>
           <a:prstGeom prst="rect">
             <a:avLst/>
           </a:prstGeom>
           <a:noFill/>
-          <a:ln w="28575">
-            <a:solidFill>
-              <a:srgbClr val="00B050"/>
-            </a:solidFill>
-            <a:prstDash val="sysDash"/>
-          </a:ln>
-        </p:spPr>
-        <p:style>
-          <a:lnRef idx="2">
-            <a:schemeClr val="accent1">
-              <a:shade val="50000"/>
-            </a:schemeClr>
-          </a:lnRef>
-          <a:fillRef idx="1">
-            <a:schemeClr val="accent1"/>
-          </a:fillRef>
-          <a:effectRef idx="0">
-            <a:schemeClr val="accent1"/>
-          </a:effectRef>
-          <a:fontRef idx="minor">
-            <a:schemeClr val="lt1"/>
-          </a:fontRef>
-        </p:style>
-        <p:txBody>
-          <a:bodyPr rtlCol="0" anchor="ctr"/>
-          <a:lstStyle/>
-          <a:p>
-            <a:pPr algn="ctr"/>
-            <a:endParaRPr kumimoji="1" lang="ja-JP" altLang="en-US"/>
-          </a:p>
-        </p:txBody>
-      </p:sp>
-      <p:sp>
-        <p:nvSpPr>
-          <p:cNvPr id="13" name="テキスト ボックス 12"/>
-          <p:cNvSpPr txBox="1"/>
-          <p:nvPr/>
-        </p:nvSpPr>
-        <p:spPr>
-          <a:xfrm>
-            <a:off x="1709906" y="2608219"/>
-            <a:ext cx="1072922" cy="369332"/>
-          </a:xfrm>
-          <a:prstGeom prst="rect">
-            <a:avLst/>
-          </a:prstGeom>
-          <a:noFill/>
         </p:spPr>
         <p:txBody>
           <a:bodyPr wrap="none" rtlCol="0">
@@ -8153,102 +8136,6 @@
           <a:lstStyle/>
           <a:p>
             <a:r>
-              <a:rPr kumimoji="1" lang="en-US" altLang="ja-JP" smtClean="0"/>
-              <a:t>click here</a:t>
-            </a:r>
-            <a:endParaRPr kumimoji="1" lang="ja-JP" altLang="en-US" dirty="0"/>
-          </a:p>
-        </p:txBody>
-      </p:sp>
-      <p:sp>
-        <p:nvSpPr>
-          <p:cNvPr id="14" name="テキスト ボックス 13"/>
-          <p:cNvSpPr txBox="1"/>
-          <p:nvPr/>
-        </p:nvSpPr>
-        <p:spPr>
-          <a:xfrm>
-            <a:off x="5624144" y="2169935"/>
-            <a:ext cx="1072922" cy="369332"/>
-          </a:xfrm>
-          <a:prstGeom prst="rect">
-            <a:avLst/>
-          </a:prstGeom>
-          <a:noFill/>
-        </p:spPr>
-        <p:txBody>
-          <a:bodyPr wrap="none" rtlCol="0">
-            <a:spAutoFit/>
-          </a:bodyPr>
-          <a:lstStyle/>
-          <a:p>
-            <a:r>
-              <a:rPr kumimoji="1" lang="en-US" altLang="ja-JP" dirty="0" smtClean="0"/>
-              <a:t>click here</a:t>
-            </a:r>
-            <a:endParaRPr kumimoji="1" lang="ja-JP" altLang="en-US" dirty="0"/>
-          </a:p>
-        </p:txBody>
-      </p:sp>
-      <p:cxnSp>
-        <p:nvCxnSpPr>
-          <p:cNvPr id="15" name="直線矢印コネクタ 14"/>
-          <p:cNvCxnSpPr/>
-          <p:nvPr/>
-        </p:nvCxnSpPr>
-        <p:spPr>
-          <a:xfrm>
-            <a:off x="4261615" y="6319271"/>
-            <a:ext cx="580767" cy="291966"/>
-          </a:xfrm>
-          <a:prstGeom prst="straightConnector1">
-            <a:avLst/>
-          </a:prstGeom>
-          <a:ln w="28575">
-            <a:solidFill>
-              <a:srgbClr val="00B050"/>
-            </a:solidFill>
-            <a:tailEnd type="triangle"/>
-          </a:ln>
-        </p:spPr>
-        <p:style>
-          <a:lnRef idx="1">
-            <a:schemeClr val="accent1"/>
-          </a:lnRef>
-          <a:fillRef idx="0">
-            <a:schemeClr val="accent1"/>
-          </a:fillRef>
-          <a:effectRef idx="0">
-            <a:schemeClr val="accent1"/>
-          </a:effectRef>
-          <a:fontRef idx="minor">
-            <a:schemeClr val="tx1"/>
-          </a:fontRef>
-        </p:style>
-      </p:cxnSp>
-      <p:sp>
-        <p:nvSpPr>
-          <p:cNvPr id="16" name="テキスト ボックス 15"/>
-          <p:cNvSpPr txBox="1"/>
-          <p:nvPr/>
-        </p:nvSpPr>
-        <p:spPr>
-          <a:xfrm>
-            <a:off x="1906502" y="5735164"/>
-            <a:ext cx="2470035" cy="646331"/>
-          </a:xfrm>
-          <a:prstGeom prst="rect">
-            <a:avLst/>
-          </a:prstGeom>
-          <a:noFill/>
-        </p:spPr>
-        <p:txBody>
-          <a:bodyPr wrap="none" rtlCol="0">
-            <a:spAutoFit/>
-          </a:bodyPr>
-          <a:lstStyle/>
-          <a:p>
-            <a:r>
               <a:rPr kumimoji="1" lang="en-US" altLang="ja-JP" dirty="0" smtClean="0"/>
               <a:t>click here and download</a:t>
             </a:r>
@@ -8262,46 +8149,10 @@
           </a:p>
         </p:txBody>
       </p:sp>
-      <p:cxnSp>
-        <p:nvCxnSpPr>
-          <p:cNvPr id="17" name="直線矢印コネクタ 16"/>
-          <p:cNvCxnSpPr/>
-          <p:nvPr/>
-        </p:nvCxnSpPr>
-        <p:spPr>
-          <a:xfrm flipH="1">
-            <a:off x="5521370" y="2699160"/>
-            <a:ext cx="509" cy="950418"/>
-          </a:xfrm>
-          <a:prstGeom prst="straightConnector1">
-            <a:avLst/>
-          </a:prstGeom>
-          <a:ln w="28575">
-            <a:solidFill>
-              <a:srgbClr val="00B050"/>
-            </a:solidFill>
-            <a:tailEnd type="triangle"/>
-          </a:ln>
-        </p:spPr>
-        <p:style>
-          <a:lnRef idx="1">
-            <a:schemeClr val="accent1"/>
-          </a:lnRef>
-          <a:fillRef idx="0">
-            <a:schemeClr val="accent1"/>
-          </a:fillRef>
-          <a:effectRef idx="0">
-            <a:schemeClr val="accent1"/>
-          </a:effectRef>
-          <a:fontRef idx="minor">
-            <a:schemeClr val="tx1"/>
-          </a:fontRef>
-        </p:style>
-      </p:cxnSp>
     </p:spTree>
     <p:extLst>
       <p:ext uri="{BB962C8B-B14F-4D97-AF65-F5344CB8AC3E}">
-        <p14:creationId xmlns:p14="http://schemas.microsoft.com/office/powerpoint/2010/main" val="990106435"/>
+        <p14:creationId xmlns:p14="http://schemas.microsoft.com/office/powerpoint/2010/main" val="2046005976"/>
       </p:ext>
     </p:extLst>
   </p:cSld>

--- a/doc/JSindo/install_mac.pptx
+++ b/doc/JSindo/install_mac.pptx
@@ -219,7 +219,7 @@
           <a:p>
             <a:fld id="{BB0F0136-69B4-D44B-9FED-4928016A3512}" type="datetimeFigureOut">
               <a:rPr kumimoji="1" lang="ja-JP" altLang="en-US" smtClean="0"/>
-              <a:t>2018/9/20</a:t>
+              <a:t>2019/5/3</a:t>
             </a:fld>
             <a:endParaRPr kumimoji="1" lang="ja-JP" altLang="en-US"/>
           </a:p>
@@ -283,70 +283,69 @@
           <a:p>
             <a:pPr lvl="0"/>
             <a:r>
-              <a:rPr kumimoji="1" lang="ja-JP" altLang="en-US" smtClean="0"/>
+              <a:rPr kumimoji="1" lang="ja-JP" altLang="en-US"/>
               <a:t>マスター テキストの書式設定</a:t>
             </a:r>
           </a:p>
           <a:p>
             <a:pPr lvl="1"/>
             <a:r>
-              <a:rPr kumimoji="1" lang="ja-JP" altLang="en-US" smtClean="0"/>
+              <a:rPr kumimoji="1" lang="ja-JP" altLang="en-US"/>
               <a:t>第 </a:t>
             </a:r>
             <a:r>
-              <a:rPr kumimoji="1" lang="en-US" altLang="ja-JP" smtClean="0"/>
+              <a:rPr kumimoji="1" lang="en-US" altLang="ja-JP"/>
               <a:t>2 </a:t>
             </a:r>
             <a:r>
-              <a:rPr kumimoji="1" lang="ja-JP" altLang="en-US" smtClean="0"/>
+              <a:rPr kumimoji="1" lang="ja-JP" altLang="en-US"/>
               <a:t>レベル</a:t>
             </a:r>
           </a:p>
           <a:p>
             <a:pPr lvl="2"/>
             <a:r>
-              <a:rPr kumimoji="1" lang="ja-JP" altLang="en-US" smtClean="0"/>
+              <a:rPr kumimoji="1" lang="ja-JP" altLang="en-US"/>
               <a:t>第 </a:t>
             </a:r>
             <a:r>
-              <a:rPr kumimoji="1" lang="en-US" altLang="ja-JP" smtClean="0"/>
+              <a:rPr kumimoji="1" lang="en-US" altLang="ja-JP"/>
               <a:t>3 </a:t>
             </a:r>
             <a:r>
-              <a:rPr kumimoji="1" lang="ja-JP" altLang="en-US" smtClean="0"/>
+              <a:rPr kumimoji="1" lang="ja-JP" altLang="en-US"/>
               <a:t>レベル</a:t>
             </a:r>
           </a:p>
           <a:p>
             <a:pPr lvl="3"/>
             <a:r>
-              <a:rPr kumimoji="1" lang="ja-JP" altLang="en-US" smtClean="0"/>
+              <a:rPr kumimoji="1" lang="ja-JP" altLang="en-US"/>
               <a:t>第 </a:t>
             </a:r>
             <a:r>
-              <a:rPr kumimoji="1" lang="en-US" altLang="ja-JP" smtClean="0"/>
+              <a:rPr kumimoji="1" lang="en-US" altLang="ja-JP"/>
               <a:t>4 </a:t>
             </a:r>
             <a:r>
-              <a:rPr kumimoji="1" lang="ja-JP" altLang="en-US" smtClean="0"/>
+              <a:rPr kumimoji="1" lang="ja-JP" altLang="en-US"/>
               <a:t>レベル</a:t>
             </a:r>
           </a:p>
           <a:p>
             <a:pPr lvl="4"/>
             <a:r>
-              <a:rPr kumimoji="1" lang="ja-JP" altLang="en-US" smtClean="0"/>
+              <a:rPr kumimoji="1" lang="ja-JP" altLang="en-US"/>
               <a:t>第 </a:t>
             </a:r>
             <a:r>
-              <a:rPr kumimoji="1" lang="en-US" altLang="ja-JP" smtClean="0"/>
+              <a:rPr kumimoji="1" lang="en-US" altLang="ja-JP"/>
               <a:t>5 </a:t>
             </a:r>
             <a:r>
-              <a:rPr kumimoji="1" lang="ja-JP" altLang="en-US" smtClean="0"/>
+              <a:rPr kumimoji="1" lang="ja-JP" altLang="en-US"/>
               <a:t>レベル</a:t>
             </a:r>
-            <a:endParaRPr kumimoji="1" lang="ja-JP" altLang="en-US"/>
           </a:p>
         </p:txBody>
       </p:sp>
@@ -729,7 +728,7 @@
           </a:lstStyle>
           <a:p>
             <a:r>
-              <a:rPr lang="ja-JP" altLang="en-US" smtClean="0"/>
+              <a:rPr lang="ja-JP" altLang="en-US"/>
               <a:t>マスター タイトルの書式設定</a:t>
             </a:r>
             <a:endParaRPr lang="en-US" dirty="0"/>
@@ -794,7 +793,7 @@
           </a:lstStyle>
           <a:p>
             <a:r>
-              <a:rPr lang="ja-JP" altLang="en-US" smtClean="0"/>
+              <a:rPr lang="ja-JP" altLang="en-US"/>
               <a:t>マスター サブタイトルの書式設定</a:t>
             </a:r>
             <a:endParaRPr lang="en-US" dirty="0"/>
@@ -818,7 +817,7 @@
           <a:p>
             <a:fld id="{8F1A2EAE-8A19-6140-AB90-FBA793328AFC}" type="datetime1">
               <a:rPr kumimoji="1" lang="ja-JP" altLang="en-US" smtClean="0"/>
-              <a:t>2018/9/20</a:t>
+              <a:t>2019/5/3</a:t>
             </a:fld>
             <a:endParaRPr kumimoji="1" lang="ja-JP" altLang="en-US"/>
           </a:p>
@@ -907,7 +906,7 @@
           <a:lstStyle/>
           <a:p>
             <a:r>
-              <a:rPr lang="ja-JP" altLang="en-US" smtClean="0"/>
+              <a:rPr lang="ja-JP" altLang="en-US"/>
               <a:t>マスター タイトルの書式設定</a:t>
             </a:r>
             <a:endParaRPr lang="en-US" dirty="0"/>
@@ -931,67 +930,67 @@
           <a:p>
             <a:pPr lvl="0"/>
             <a:r>
-              <a:rPr lang="ja-JP" altLang="en-US" smtClean="0"/>
+              <a:rPr lang="ja-JP" altLang="en-US"/>
               <a:t>マスター テキストの書式設定</a:t>
             </a:r>
           </a:p>
           <a:p>
             <a:pPr lvl="1"/>
             <a:r>
-              <a:rPr lang="ja-JP" altLang="en-US" smtClean="0"/>
+              <a:rPr lang="ja-JP" altLang="en-US"/>
               <a:t>第 </a:t>
             </a:r>
             <a:r>
-              <a:rPr lang="en-US" altLang="ja-JP" smtClean="0"/>
+              <a:rPr lang="en-US" altLang="ja-JP"/>
               <a:t>2 </a:t>
             </a:r>
             <a:r>
-              <a:rPr lang="ja-JP" altLang="en-US" smtClean="0"/>
+              <a:rPr lang="ja-JP" altLang="en-US"/>
               <a:t>レベル</a:t>
             </a:r>
           </a:p>
           <a:p>
             <a:pPr lvl="2"/>
             <a:r>
-              <a:rPr lang="ja-JP" altLang="en-US" smtClean="0"/>
+              <a:rPr lang="ja-JP" altLang="en-US"/>
               <a:t>第 </a:t>
             </a:r>
             <a:r>
-              <a:rPr lang="en-US" altLang="ja-JP" smtClean="0"/>
+              <a:rPr lang="en-US" altLang="ja-JP"/>
               <a:t>3 </a:t>
             </a:r>
             <a:r>
-              <a:rPr lang="ja-JP" altLang="en-US" smtClean="0"/>
+              <a:rPr lang="ja-JP" altLang="en-US"/>
               <a:t>レベル</a:t>
             </a:r>
           </a:p>
           <a:p>
             <a:pPr lvl="3"/>
             <a:r>
-              <a:rPr lang="ja-JP" altLang="en-US" smtClean="0"/>
+              <a:rPr lang="ja-JP" altLang="en-US"/>
               <a:t>第 </a:t>
             </a:r>
             <a:r>
-              <a:rPr lang="en-US" altLang="ja-JP" smtClean="0"/>
+              <a:rPr lang="en-US" altLang="ja-JP"/>
               <a:t>4 </a:t>
             </a:r>
             <a:r>
-              <a:rPr lang="ja-JP" altLang="en-US" smtClean="0"/>
+              <a:rPr lang="ja-JP" altLang="en-US"/>
               <a:t>レベル</a:t>
             </a:r>
           </a:p>
           <a:p>
             <a:pPr lvl="4"/>
             <a:r>
-              <a:rPr lang="ja-JP" altLang="en-US" smtClean="0"/>
+              <a:rPr lang="ja-JP" altLang="en-US"/>
               <a:t>第 </a:t>
             </a:r>
             <a:r>
-              <a:rPr lang="en-US" altLang="ja-JP" smtClean="0"/>
+              <a:rPr lang="en-US" altLang="ja-JP"/>
               <a:t>5 </a:t>
             </a:r>
             <a:r>
-              <a:rPr lang="ja-JP" altLang="en-US" smtClean="0"/>
+              <a:rPr lang="ja-JP" altLang="en-US"/>
               <a:t>レベル</a:t>
             </a:r>
             <a:endParaRPr lang="en-US" dirty="0"/>
@@ -1015,7 +1014,7 @@
           <a:p>
             <a:fld id="{5032F6CD-D8C5-EA47-935C-33C61990A9AF}" type="datetime1">
               <a:rPr kumimoji="1" lang="ja-JP" altLang="en-US" smtClean="0"/>
-              <a:t>2018/9/20</a:t>
+              <a:t>2019/5/3</a:t>
             </a:fld>
             <a:endParaRPr kumimoji="1" lang="ja-JP" altLang="en-US"/>
           </a:p>
@@ -1109,7 +1108,7 @@
           <a:lstStyle/>
           <a:p>
             <a:r>
-              <a:rPr lang="ja-JP" altLang="en-US" smtClean="0"/>
+              <a:rPr lang="ja-JP" altLang="en-US"/>
               <a:t>マスター タイトルの書式設定</a:t>
             </a:r>
             <a:endParaRPr lang="en-US" dirty="0"/>
@@ -1138,67 +1137,67 @@
           <a:p>
             <a:pPr lvl="0"/>
             <a:r>
-              <a:rPr lang="ja-JP" altLang="en-US" smtClean="0"/>
+              <a:rPr lang="ja-JP" altLang="en-US"/>
               <a:t>マスター テキストの書式設定</a:t>
             </a:r>
           </a:p>
           <a:p>
             <a:pPr lvl="1"/>
             <a:r>
-              <a:rPr lang="ja-JP" altLang="en-US" smtClean="0"/>
+              <a:rPr lang="ja-JP" altLang="en-US"/>
               <a:t>第 </a:t>
             </a:r>
             <a:r>
-              <a:rPr lang="en-US" altLang="ja-JP" smtClean="0"/>
+              <a:rPr lang="en-US" altLang="ja-JP"/>
               <a:t>2 </a:t>
             </a:r>
             <a:r>
-              <a:rPr lang="ja-JP" altLang="en-US" smtClean="0"/>
+              <a:rPr lang="ja-JP" altLang="en-US"/>
               <a:t>レベル</a:t>
             </a:r>
           </a:p>
           <a:p>
             <a:pPr lvl="2"/>
             <a:r>
-              <a:rPr lang="ja-JP" altLang="en-US" smtClean="0"/>
+              <a:rPr lang="ja-JP" altLang="en-US"/>
               <a:t>第 </a:t>
             </a:r>
             <a:r>
-              <a:rPr lang="en-US" altLang="ja-JP" smtClean="0"/>
+              <a:rPr lang="en-US" altLang="ja-JP"/>
               <a:t>3 </a:t>
             </a:r>
             <a:r>
-              <a:rPr lang="ja-JP" altLang="en-US" smtClean="0"/>
+              <a:rPr lang="ja-JP" altLang="en-US"/>
               <a:t>レベル</a:t>
             </a:r>
           </a:p>
           <a:p>
             <a:pPr lvl="3"/>
             <a:r>
-              <a:rPr lang="ja-JP" altLang="en-US" smtClean="0"/>
+              <a:rPr lang="ja-JP" altLang="en-US"/>
               <a:t>第 </a:t>
             </a:r>
             <a:r>
-              <a:rPr lang="en-US" altLang="ja-JP" smtClean="0"/>
+              <a:rPr lang="en-US" altLang="ja-JP"/>
               <a:t>4 </a:t>
             </a:r>
             <a:r>
-              <a:rPr lang="ja-JP" altLang="en-US" smtClean="0"/>
+              <a:rPr lang="ja-JP" altLang="en-US"/>
               <a:t>レベル</a:t>
             </a:r>
           </a:p>
           <a:p>
             <a:pPr lvl="4"/>
             <a:r>
-              <a:rPr lang="ja-JP" altLang="en-US" smtClean="0"/>
+              <a:rPr lang="ja-JP" altLang="en-US"/>
               <a:t>第 </a:t>
             </a:r>
             <a:r>
-              <a:rPr lang="en-US" altLang="ja-JP" smtClean="0"/>
+              <a:rPr lang="en-US" altLang="ja-JP"/>
               <a:t>5 </a:t>
             </a:r>
             <a:r>
-              <a:rPr lang="ja-JP" altLang="en-US" smtClean="0"/>
+              <a:rPr lang="ja-JP" altLang="en-US"/>
               <a:t>レベル</a:t>
             </a:r>
             <a:endParaRPr lang="en-US" dirty="0"/>
@@ -1222,7 +1221,7 @@
           <a:p>
             <a:fld id="{7432CAB7-B1D1-C842-BB27-1789136EF085}" type="datetime1">
               <a:rPr kumimoji="1" lang="ja-JP" altLang="en-US" smtClean="0"/>
-              <a:t>2018/9/20</a:t>
+              <a:t>2019/5/3</a:t>
             </a:fld>
             <a:endParaRPr kumimoji="1" lang="ja-JP" altLang="en-US"/>
           </a:p>
@@ -1311,7 +1310,7 @@
           <a:lstStyle/>
           <a:p>
             <a:r>
-              <a:rPr lang="ja-JP" altLang="en-US" smtClean="0"/>
+              <a:rPr lang="ja-JP" altLang="en-US"/>
               <a:t>マスター タイトルの書式設定</a:t>
             </a:r>
             <a:endParaRPr lang="en-US" dirty="0"/>
@@ -1335,67 +1334,67 @@
           <a:p>
             <a:pPr lvl="0"/>
             <a:r>
-              <a:rPr lang="ja-JP" altLang="en-US" smtClean="0"/>
+              <a:rPr lang="ja-JP" altLang="en-US"/>
               <a:t>マスター テキストの書式設定</a:t>
             </a:r>
           </a:p>
           <a:p>
             <a:pPr lvl="1"/>
             <a:r>
-              <a:rPr lang="ja-JP" altLang="en-US" smtClean="0"/>
+              <a:rPr lang="ja-JP" altLang="en-US"/>
               <a:t>第 </a:t>
             </a:r>
             <a:r>
-              <a:rPr lang="en-US" altLang="ja-JP" smtClean="0"/>
+              <a:rPr lang="en-US" altLang="ja-JP"/>
               <a:t>2 </a:t>
             </a:r>
             <a:r>
-              <a:rPr lang="ja-JP" altLang="en-US" smtClean="0"/>
+              <a:rPr lang="ja-JP" altLang="en-US"/>
               <a:t>レベル</a:t>
             </a:r>
           </a:p>
           <a:p>
             <a:pPr lvl="2"/>
             <a:r>
-              <a:rPr lang="ja-JP" altLang="en-US" smtClean="0"/>
+              <a:rPr lang="ja-JP" altLang="en-US"/>
               <a:t>第 </a:t>
             </a:r>
             <a:r>
-              <a:rPr lang="en-US" altLang="ja-JP" smtClean="0"/>
+              <a:rPr lang="en-US" altLang="ja-JP"/>
               <a:t>3 </a:t>
             </a:r>
             <a:r>
-              <a:rPr lang="ja-JP" altLang="en-US" smtClean="0"/>
+              <a:rPr lang="ja-JP" altLang="en-US"/>
               <a:t>レベル</a:t>
             </a:r>
           </a:p>
           <a:p>
             <a:pPr lvl="3"/>
             <a:r>
-              <a:rPr lang="ja-JP" altLang="en-US" smtClean="0"/>
+              <a:rPr lang="ja-JP" altLang="en-US"/>
               <a:t>第 </a:t>
             </a:r>
             <a:r>
-              <a:rPr lang="en-US" altLang="ja-JP" smtClean="0"/>
+              <a:rPr lang="en-US" altLang="ja-JP"/>
               <a:t>4 </a:t>
             </a:r>
             <a:r>
-              <a:rPr lang="ja-JP" altLang="en-US" smtClean="0"/>
+              <a:rPr lang="ja-JP" altLang="en-US"/>
               <a:t>レベル</a:t>
             </a:r>
           </a:p>
           <a:p>
             <a:pPr lvl="4"/>
             <a:r>
-              <a:rPr lang="ja-JP" altLang="en-US" smtClean="0"/>
+              <a:rPr lang="ja-JP" altLang="en-US"/>
               <a:t>第 </a:t>
             </a:r>
             <a:r>
-              <a:rPr lang="en-US" altLang="ja-JP" smtClean="0"/>
+              <a:rPr lang="en-US" altLang="ja-JP"/>
               <a:t>5 </a:t>
             </a:r>
             <a:r>
-              <a:rPr lang="ja-JP" altLang="en-US" smtClean="0"/>
+              <a:rPr lang="ja-JP" altLang="en-US"/>
               <a:t>レベル</a:t>
             </a:r>
             <a:endParaRPr lang="en-US" dirty="0"/>
@@ -1419,7 +1418,7 @@
           <a:p>
             <a:fld id="{59F606A1-BF80-4F40-AD73-3A1303D72015}" type="datetime1">
               <a:rPr kumimoji="1" lang="ja-JP" altLang="en-US" smtClean="0"/>
-              <a:t>2018/9/20</a:t>
+              <a:t>2019/5/3</a:t>
             </a:fld>
             <a:endParaRPr kumimoji="1" lang="ja-JP" altLang="en-US"/>
           </a:p>
@@ -1517,7 +1516,7 @@
           </a:lstStyle>
           <a:p>
             <a:r>
-              <a:rPr lang="ja-JP" altLang="en-US" smtClean="0"/>
+              <a:rPr lang="ja-JP" altLang="en-US"/>
               <a:t>マスター タイトルの書式設定</a:t>
             </a:r>
             <a:endParaRPr lang="en-US" dirty="0"/>
@@ -1635,7 +1634,7 @@
           <a:p>
             <a:pPr lvl="0"/>
             <a:r>
-              <a:rPr lang="ja-JP" altLang="en-US" smtClean="0"/>
+              <a:rPr lang="ja-JP" altLang="en-US"/>
               <a:t>マスター テキストの書式設定</a:t>
             </a:r>
           </a:p>
@@ -1658,7 +1657,7 @@
           <a:p>
             <a:fld id="{201370A8-86D7-DE4D-BAB6-D17D5C3BEC5A}" type="datetime1">
               <a:rPr kumimoji="1" lang="ja-JP" altLang="en-US" smtClean="0"/>
-              <a:t>2018/9/20</a:t>
+              <a:t>2019/5/3</a:t>
             </a:fld>
             <a:endParaRPr kumimoji="1" lang="ja-JP" altLang="en-US"/>
           </a:p>
@@ -1747,7 +1746,7 @@
           <a:lstStyle/>
           <a:p>
             <a:r>
-              <a:rPr lang="ja-JP" altLang="en-US" smtClean="0"/>
+              <a:rPr lang="ja-JP" altLang="en-US"/>
               <a:t>マスター タイトルの書式設定</a:t>
             </a:r>
             <a:endParaRPr lang="en-US" dirty="0"/>
@@ -1776,67 +1775,67 @@
           <a:p>
             <a:pPr lvl="0"/>
             <a:r>
-              <a:rPr lang="ja-JP" altLang="en-US" smtClean="0"/>
+              <a:rPr lang="ja-JP" altLang="en-US"/>
               <a:t>マスター テキストの書式設定</a:t>
             </a:r>
           </a:p>
           <a:p>
             <a:pPr lvl="1"/>
             <a:r>
-              <a:rPr lang="ja-JP" altLang="en-US" smtClean="0"/>
+              <a:rPr lang="ja-JP" altLang="en-US"/>
               <a:t>第 </a:t>
             </a:r>
             <a:r>
-              <a:rPr lang="en-US" altLang="ja-JP" smtClean="0"/>
+              <a:rPr lang="en-US" altLang="ja-JP"/>
               <a:t>2 </a:t>
             </a:r>
             <a:r>
-              <a:rPr lang="ja-JP" altLang="en-US" smtClean="0"/>
+              <a:rPr lang="ja-JP" altLang="en-US"/>
               <a:t>レベル</a:t>
             </a:r>
           </a:p>
           <a:p>
             <a:pPr lvl="2"/>
             <a:r>
-              <a:rPr lang="ja-JP" altLang="en-US" smtClean="0"/>
+              <a:rPr lang="ja-JP" altLang="en-US"/>
               <a:t>第 </a:t>
             </a:r>
             <a:r>
-              <a:rPr lang="en-US" altLang="ja-JP" smtClean="0"/>
+              <a:rPr lang="en-US" altLang="ja-JP"/>
               <a:t>3 </a:t>
             </a:r>
             <a:r>
-              <a:rPr lang="ja-JP" altLang="en-US" smtClean="0"/>
+              <a:rPr lang="ja-JP" altLang="en-US"/>
               <a:t>レベル</a:t>
             </a:r>
           </a:p>
           <a:p>
             <a:pPr lvl="3"/>
             <a:r>
-              <a:rPr lang="ja-JP" altLang="en-US" smtClean="0"/>
+              <a:rPr lang="ja-JP" altLang="en-US"/>
               <a:t>第 </a:t>
             </a:r>
             <a:r>
-              <a:rPr lang="en-US" altLang="ja-JP" smtClean="0"/>
+              <a:rPr lang="en-US" altLang="ja-JP"/>
               <a:t>4 </a:t>
             </a:r>
             <a:r>
-              <a:rPr lang="ja-JP" altLang="en-US" smtClean="0"/>
+              <a:rPr lang="ja-JP" altLang="en-US"/>
               <a:t>レベル</a:t>
             </a:r>
           </a:p>
           <a:p>
             <a:pPr lvl="4"/>
             <a:r>
-              <a:rPr lang="ja-JP" altLang="en-US" smtClean="0"/>
+              <a:rPr lang="ja-JP" altLang="en-US"/>
               <a:t>第 </a:t>
             </a:r>
             <a:r>
-              <a:rPr lang="en-US" altLang="ja-JP" smtClean="0"/>
+              <a:rPr lang="en-US" altLang="ja-JP"/>
               <a:t>5 </a:t>
             </a:r>
             <a:r>
-              <a:rPr lang="ja-JP" altLang="en-US" smtClean="0"/>
+              <a:rPr lang="ja-JP" altLang="en-US"/>
               <a:t>レベル</a:t>
             </a:r>
             <a:endParaRPr lang="en-US" dirty="0"/>
@@ -1865,67 +1864,67 @@
           <a:p>
             <a:pPr lvl="0"/>
             <a:r>
-              <a:rPr lang="ja-JP" altLang="en-US" smtClean="0"/>
+              <a:rPr lang="ja-JP" altLang="en-US"/>
               <a:t>マスター テキストの書式設定</a:t>
             </a:r>
           </a:p>
           <a:p>
             <a:pPr lvl="1"/>
             <a:r>
-              <a:rPr lang="ja-JP" altLang="en-US" smtClean="0"/>
+              <a:rPr lang="ja-JP" altLang="en-US"/>
               <a:t>第 </a:t>
             </a:r>
             <a:r>
-              <a:rPr lang="en-US" altLang="ja-JP" smtClean="0"/>
+              <a:rPr lang="en-US" altLang="ja-JP"/>
               <a:t>2 </a:t>
             </a:r>
             <a:r>
-              <a:rPr lang="ja-JP" altLang="en-US" smtClean="0"/>
+              <a:rPr lang="ja-JP" altLang="en-US"/>
               <a:t>レベル</a:t>
             </a:r>
           </a:p>
           <a:p>
             <a:pPr lvl="2"/>
             <a:r>
-              <a:rPr lang="ja-JP" altLang="en-US" smtClean="0"/>
+              <a:rPr lang="ja-JP" altLang="en-US"/>
               <a:t>第 </a:t>
             </a:r>
             <a:r>
-              <a:rPr lang="en-US" altLang="ja-JP" smtClean="0"/>
+              <a:rPr lang="en-US" altLang="ja-JP"/>
               <a:t>3 </a:t>
             </a:r>
             <a:r>
-              <a:rPr lang="ja-JP" altLang="en-US" smtClean="0"/>
+              <a:rPr lang="ja-JP" altLang="en-US"/>
               <a:t>レベル</a:t>
             </a:r>
           </a:p>
           <a:p>
             <a:pPr lvl="3"/>
             <a:r>
-              <a:rPr lang="ja-JP" altLang="en-US" smtClean="0"/>
+              <a:rPr lang="ja-JP" altLang="en-US"/>
               <a:t>第 </a:t>
             </a:r>
             <a:r>
-              <a:rPr lang="en-US" altLang="ja-JP" smtClean="0"/>
+              <a:rPr lang="en-US" altLang="ja-JP"/>
               <a:t>4 </a:t>
             </a:r>
             <a:r>
-              <a:rPr lang="ja-JP" altLang="en-US" smtClean="0"/>
+              <a:rPr lang="ja-JP" altLang="en-US"/>
               <a:t>レベル</a:t>
             </a:r>
           </a:p>
           <a:p>
             <a:pPr lvl="4"/>
             <a:r>
-              <a:rPr lang="ja-JP" altLang="en-US" smtClean="0"/>
+              <a:rPr lang="ja-JP" altLang="en-US"/>
               <a:t>第 </a:t>
             </a:r>
             <a:r>
-              <a:rPr lang="en-US" altLang="ja-JP" smtClean="0"/>
+              <a:rPr lang="en-US" altLang="ja-JP"/>
               <a:t>5 </a:t>
             </a:r>
             <a:r>
-              <a:rPr lang="ja-JP" altLang="en-US" smtClean="0"/>
+              <a:rPr lang="ja-JP" altLang="en-US"/>
               <a:t>レベル</a:t>
             </a:r>
             <a:endParaRPr lang="en-US" dirty="0"/>
@@ -1949,7 +1948,7 @@
           <a:p>
             <a:fld id="{2F8DFF1A-26F6-734D-81A6-596D27E77CDE}" type="datetime1">
               <a:rPr kumimoji="1" lang="ja-JP" altLang="en-US" smtClean="0"/>
-              <a:t>2018/9/20</a:t>
+              <a:t>2019/5/3</a:t>
             </a:fld>
             <a:endParaRPr kumimoji="1" lang="ja-JP" altLang="en-US"/>
           </a:p>
@@ -2043,7 +2042,7 @@
           <a:lstStyle/>
           <a:p>
             <a:r>
-              <a:rPr lang="ja-JP" altLang="en-US" smtClean="0"/>
+              <a:rPr lang="ja-JP" altLang="en-US"/>
               <a:t>マスター タイトルの書式設定</a:t>
             </a:r>
             <a:endParaRPr lang="en-US" dirty="0"/>
@@ -2109,7 +2108,7 @@
           <a:p>
             <a:pPr lvl="0"/>
             <a:r>
-              <a:rPr lang="ja-JP" altLang="en-US" smtClean="0"/>
+              <a:rPr lang="ja-JP" altLang="en-US"/>
               <a:t>マスター テキストの書式設定</a:t>
             </a:r>
           </a:p>
@@ -2137,67 +2136,67 @@
           <a:p>
             <a:pPr lvl="0"/>
             <a:r>
-              <a:rPr lang="ja-JP" altLang="en-US" smtClean="0"/>
+              <a:rPr lang="ja-JP" altLang="en-US"/>
               <a:t>マスター テキストの書式設定</a:t>
             </a:r>
           </a:p>
           <a:p>
             <a:pPr lvl="1"/>
             <a:r>
-              <a:rPr lang="ja-JP" altLang="en-US" smtClean="0"/>
+              <a:rPr lang="ja-JP" altLang="en-US"/>
               <a:t>第 </a:t>
             </a:r>
             <a:r>
-              <a:rPr lang="en-US" altLang="ja-JP" smtClean="0"/>
+              <a:rPr lang="en-US" altLang="ja-JP"/>
               <a:t>2 </a:t>
             </a:r>
             <a:r>
-              <a:rPr lang="ja-JP" altLang="en-US" smtClean="0"/>
+              <a:rPr lang="ja-JP" altLang="en-US"/>
               <a:t>レベル</a:t>
             </a:r>
           </a:p>
           <a:p>
             <a:pPr lvl="2"/>
             <a:r>
-              <a:rPr lang="ja-JP" altLang="en-US" smtClean="0"/>
+              <a:rPr lang="ja-JP" altLang="en-US"/>
               <a:t>第 </a:t>
             </a:r>
             <a:r>
-              <a:rPr lang="en-US" altLang="ja-JP" smtClean="0"/>
+              <a:rPr lang="en-US" altLang="ja-JP"/>
               <a:t>3 </a:t>
             </a:r>
             <a:r>
-              <a:rPr lang="ja-JP" altLang="en-US" smtClean="0"/>
+              <a:rPr lang="ja-JP" altLang="en-US"/>
               <a:t>レベル</a:t>
             </a:r>
           </a:p>
           <a:p>
             <a:pPr lvl="3"/>
             <a:r>
-              <a:rPr lang="ja-JP" altLang="en-US" smtClean="0"/>
+              <a:rPr lang="ja-JP" altLang="en-US"/>
               <a:t>第 </a:t>
             </a:r>
             <a:r>
-              <a:rPr lang="en-US" altLang="ja-JP" smtClean="0"/>
+              <a:rPr lang="en-US" altLang="ja-JP"/>
               <a:t>4 </a:t>
             </a:r>
             <a:r>
-              <a:rPr lang="ja-JP" altLang="en-US" smtClean="0"/>
+              <a:rPr lang="ja-JP" altLang="en-US"/>
               <a:t>レベル</a:t>
             </a:r>
           </a:p>
           <a:p>
             <a:pPr lvl="4"/>
             <a:r>
-              <a:rPr lang="ja-JP" altLang="en-US" smtClean="0"/>
+              <a:rPr lang="ja-JP" altLang="en-US"/>
               <a:t>第 </a:t>
             </a:r>
             <a:r>
-              <a:rPr lang="en-US" altLang="ja-JP" smtClean="0"/>
+              <a:rPr lang="en-US" altLang="ja-JP"/>
               <a:t>5 </a:t>
             </a:r>
             <a:r>
-              <a:rPr lang="ja-JP" altLang="en-US" smtClean="0"/>
+              <a:rPr lang="ja-JP" altLang="en-US"/>
               <a:t>レベル</a:t>
             </a:r>
             <a:endParaRPr lang="en-US" dirty="0"/>
@@ -2263,7 +2262,7 @@
           <a:p>
             <a:pPr lvl="0"/>
             <a:r>
-              <a:rPr lang="ja-JP" altLang="en-US" smtClean="0"/>
+              <a:rPr lang="ja-JP" altLang="en-US"/>
               <a:t>マスター テキストの書式設定</a:t>
             </a:r>
           </a:p>
@@ -2291,67 +2290,67 @@
           <a:p>
             <a:pPr lvl="0"/>
             <a:r>
-              <a:rPr lang="ja-JP" altLang="en-US" smtClean="0"/>
+              <a:rPr lang="ja-JP" altLang="en-US"/>
               <a:t>マスター テキストの書式設定</a:t>
             </a:r>
           </a:p>
           <a:p>
             <a:pPr lvl="1"/>
             <a:r>
-              <a:rPr lang="ja-JP" altLang="en-US" smtClean="0"/>
+              <a:rPr lang="ja-JP" altLang="en-US"/>
               <a:t>第 </a:t>
             </a:r>
             <a:r>
-              <a:rPr lang="en-US" altLang="ja-JP" smtClean="0"/>
+              <a:rPr lang="en-US" altLang="ja-JP"/>
               <a:t>2 </a:t>
             </a:r>
             <a:r>
-              <a:rPr lang="ja-JP" altLang="en-US" smtClean="0"/>
+              <a:rPr lang="ja-JP" altLang="en-US"/>
               <a:t>レベル</a:t>
             </a:r>
           </a:p>
           <a:p>
             <a:pPr lvl="2"/>
             <a:r>
-              <a:rPr lang="ja-JP" altLang="en-US" smtClean="0"/>
+              <a:rPr lang="ja-JP" altLang="en-US"/>
               <a:t>第 </a:t>
             </a:r>
             <a:r>
-              <a:rPr lang="en-US" altLang="ja-JP" smtClean="0"/>
+              <a:rPr lang="en-US" altLang="ja-JP"/>
               <a:t>3 </a:t>
             </a:r>
             <a:r>
-              <a:rPr lang="ja-JP" altLang="en-US" smtClean="0"/>
+              <a:rPr lang="ja-JP" altLang="en-US"/>
               <a:t>レベル</a:t>
             </a:r>
           </a:p>
           <a:p>
             <a:pPr lvl="3"/>
             <a:r>
-              <a:rPr lang="ja-JP" altLang="en-US" smtClean="0"/>
+              <a:rPr lang="ja-JP" altLang="en-US"/>
               <a:t>第 </a:t>
             </a:r>
             <a:r>
-              <a:rPr lang="en-US" altLang="ja-JP" smtClean="0"/>
+              <a:rPr lang="en-US" altLang="ja-JP"/>
               <a:t>4 </a:t>
             </a:r>
             <a:r>
-              <a:rPr lang="ja-JP" altLang="en-US" smtClean="0"/>
+              <a:rPr lang="ja-JP" altLang="en-US"/>
               <a:t>レベル</a:t>
             </a:r>
           </a:p>
           <a:p>
             <a:pPr lvl="4"/>
             <a:r>
-              <a:rPr lang="ja-JP" altLang="en-US" smtClean="0"/>
+              <a:rPr lang="ja-JP" altLang="en-US"/>
               <a:t>第 </a:t>
             </a:r>
             <a:r>
-              <a:rPr lang="en-US" altLang="ja-JP" smtClean="0"/>
+              <a:rPr lang="en-US" altLang="ja-JP"/>
               <a:t>5 </a:t>
             </a:r>
             <a:r>
-              <a:rPr lang="ja-JP" altLang="en-US" smtClean="0"/>
+              <a:rPr lang="ja-JP" altLang="en-US"/>
               <a:t>レベル</a:t>
             </a:r>
             <a:endParaRPr lang="en-US" dirty="0"/>
@@ -2375,7 +2374,7 @@
           <a:p>
             <a:fld id="{DA4D6ED2-2E77-3346-9932-196F8E0DDE9D}" type="datetime1">
               <a:rPr kumimoji="1" lang="ja-JP" altLang="en-US" smtClean="0"/>
-              <a:t>2018/9/20</a:t>
+              <a:t>2019/5/3</a:t>
             </a:fld>
             <a:endParaRPr kumimoji="1" lang="ja-JP" altLang="en-US"/>
           </a:p>
@@ -2464,7 +2463,7 @@
           <a:lstStyle/>
           <a:p>
             <a:r>
-              <a:rPr lang="ja-JP" altLang="en-US" smtClean="0"/>
+              <a:rPr lang="ja-JP" altLang="en-US"/>
               <a:t>マスター タイトルの書式設定</a:t>
             </a:r>
             <a:endParaRPr lang="en-US" dirty="0"/>
@@ -2488,7 +2487,7 @@
           <a:p>
             <a:fld id="{E0D62E53-0DE6-954C-A642-97CC889F03F2}" type="datetime1">
               <a:rPr kumimoji="1" lang="ja-JP" altLang="en-US" smtClean="0"/>
-              <a:t>2018/9/20</a:t>
+              <a:t>2019/5/3</a:t>
             </a:fld>
             <a:endParaRPr kumimoji="1" lang="ja-JP" altLang="en-US"/>
           </a:p>
@@ -2578,7 +2577,7 @@
           <a:p>
             <a:fld id="{4C76B436-8A19-1A40-8CF4-6DE75F461D19}" type="datetime1">
               <a:rPr kumimoji="1" lang="ja-JP" altLang="en-US" smtClean="0"/>
-              <a:t>2018/9/20</a:t>
+              <a:t>2019/5/3</a:t>
             </a:fld>
             <a:endParaRPr kumimoji="1" lang="ja-JP" altLang="en-US"/>
           </a:p>
@@ -2676,7 +2675,7 @@
           </a:lstStyle>
           <a:p>
             <a:r>
-              <a:rPr lang="ja-JP" altLang="en-US" smtClean="0"/>
+              <a:rPr lang="ja-JP" altLang="en-US"/>
               <a:t>マスター タイトルの書式設定</a:t>
             </a:r>
             <a:endParaRPr lang="en-US" dirty="0"/>
@@ -2733,67 +2732,67 @@
           <a:p>
             <a:pPr lvl="0"/>
             <a:r>
-              <a:rPr lang="ja-JP" altLang="en-US" smtClean="0"/>
+              <a:rPr lang="ja-JP" altLang="en-US"/>
               <a:t>マスター テキストの書式設定</a:t>
             </a:r>
           </a:p>
           <a:p>
             <a:pPr lvl="1"/>
             <a:r>
-              <a:rPr lang="ja-JP" altLang="en-US" smtClean="0"/>
+              <a:rPr lang="ja-JP" altLang="en-US"/>
               <a:t>第 </a:t>
             </a:r>
             <a:r>
-              <a:rPr lang="en-US" altLang="ja-JP" smtClean="0"/>
+              <a:rPr lang="en-US" altLang="ja-JP"/>
               <a:t>2 </a:t>
             </a:r>
             <a:r>
-              <a:rPr lang="ja-JP" altLang="en-US" smtClean="0"/>
+              <a:rPr lang="ja-JP" altLang="en-US"/>
               <a:t>レベル</a:t>
             </a:r>
           </a:p>
           <a:p>
             <a:pPr lvl="2"/>
             <a:r>
-              <a:rPr lang="ja-JP" altLang="en-US" smtClean="0"/>
+              <a:rPr lang="ja-JP" altLang="en-US"/>
               <a:t>第 </a:t>
             </a:r>
             <a:r>
-              <a:rPr lang="en-US" altLang="ja-JP" smtClean="0"/>
+              <a:rPr lang="en-US" altLang="ja-JP"/>
               <a:t>3 </a:t>
             </a:r>
             <a:r>
-              <a:rPr lang="ja-JP" altLang="en-US" smtClean="0"/>
+              <a:rPr lang="ja-JP" altLang="en-US"/>
               <a:t>レベル</a:t>
             </a:r>
           </a:p>
           <a:p>
             <a:pPr lvl="3"/>
             <a:r>
-              <a:rPr lang="ja-JP" altLang="en-US" smtClean="0"/>
+              <a:rPr lang="ja-JP" altLang="en-US"/>
               <a:t>第 </a:t>
             </a:r>
             <a:r>
-              <a:rPr lang="en-US" altLang="ja-JP" smtClean="0"/>
+              <a:rPr lang="en-US" altLang="ja-JP"/>
               <a:t>4 </a:t>
             </a:r>
             <a:r>
-              <a:rPr lang="ja-JP" altLang="en-US" smtClean="0"/>
+              <a:rPr lang="ja-JP" altLang="en-US"/>
               <a:t>レベル</a:t>
             </a:r>
           </a:p>
           <a:p>
             <a:pPr lvl="4"/>
             <a:r>
-              <a:rPr lang="ja-JP" altLang="en-US" smtClean="0"/>
+              <a:rPr lang="ja-JP" altLang="en-US"/>
               <a:t>第 </a:t>
             </a:r>
             <a:r>
-              <a:rPr lang="en-US" altLang="ja-JP" smtClean="0"/>
+              <a:rPr lang="en-US" altLang="ja-JP"/>
               <a:t>5 </a:t>
             </a:r>
             <a:r>
-              <a:rPr lang="ja-JP" altLang="en-US" smtClean="0"/>
+              <a:rPr lang="ja-JP" altLang="en-US"/>
               <a:t>レベル</a:t>
             </a:r>
             <a:endParaRPr lang="en-US" dirty="0"/>
@@ -2859,7 +2858,7 @@
           <a:p>
             <a:pPr lvl="0"/>
             <a:r>
-              <a:rPr lang="ja-JP" altLang="en-US" smtClean="0"/>
+              <a:rPr lang="ja-JP" altLang="en-US"/>
               <a:t>マスター テキストの書式設定</a:t>
             </a:r>
           </a:p>
@@ -2882,7 +2881,7 @@
           <a:p>
             <a:fld id="{50F977A8-A6EB-6544-A402-5123A38A5E0F}" type="datetime1">
               <a:rPr kumimoji="1" lang="ja-JP" altLang="en-US" smtClean="0"/>
-              <a:t>2018/9/20</a:t>
+              <a:t>2019/5/3</a:t>
             </a:fld>
             <a:endParaRPr kumimoji="1" lang="ja-JP" altLang="en-US"/>
           </a:p>
@@ -2980,7 +2979,7 @@
           </a:lstStyle>
           <a:p>
             <a:r>
-              <a:rPr lang="ja-JP" altLang="en-US" smtClean="0"/>
+              <a:rPr lang="ja-JP" altLang="en-US"/>
               <a:t>マスター タイトルの書式設定</a:t>
             </a:r>
             <a:endParaRPr lang="en-US" dirty="0"/>
@@ -3045,7 +3044,7 @@
           </a:lstStyle>
           <a:p>
             <a:r>
-              <a:rPr lang="ja-JP" altLang="en-US" smtClean="0"/>
+              <a:rPr lang="ja-JP" altLang="en-US"/>
               <a:t>プレースホルダーまでドラッグするかアイコンをクリックして図を追加</a:t>
             </a:r>
             <a:endParaRPr lang="en-US" dirty="0"/>
@@ -3111,7 +3110,7 @@
           <a:p>
             <a:pPr lvl="0"/>
             <a:r>
-              <a:rPr lang="ja-JP" altLang="en-US" smtClean="0"/>
+              <a:rPr lang="ja-JP" altLang="en-US"/>
               <a:t>マスター テキストの書式設定</a:t>
             </a:r>
           </a:p>
@@ -3134,7 +3133,7 @@
           <a:p>
             <a:fld id="{AC63A33F-D5AB-5D4B-9CED-7FFE32473911}" type="datetime1">
               <a:rPr kumimoji="1" lang="ja-JP" altLang="en-US" smtClean="0"/>
-              <a:t>2018/9/20</a:t>
+              <a:t>2019/5/3</a:t>
             </a:fld>
             <a:endParaRPr kumimoji="1" lang="ja-JP" altLang="en-US"/>
           </a:p>
@@ -3238,7 +3237,7 @@
           <a:lstStyle/>
           <a:p>
             <a:r>
-              <a:rPr lang="ja-JP" altLang="en-US" smtClean="0"/>
+              <a:rPr lang="ja-JP" altLang="en-US"/>
               <a:t>マスター タイトルの書式設定</a:t>
             </a:r>
             <a:endParaRPr lang="en-US" dirty="0"/>
@@ -3272,67 +3271,67 @@
           <a:p>
             <a:pPr lvl="0"/>
             <a:r>
-              <a:rPr lang="ja-JP" altLang="en-US" smtClean="0"/>
+              <a:rPr lang="ja-JP" altLang="en-US"/>
               <a:t>マスター テキストの書式設定</a:t>
             </a:r>
           </a:p>
           <a:p>
             <a:pPr lvl="1"/>
             <a:r>
-              <a:rPr lang="ja-JP" altLang="en-US" smtClean="0"/>
+              <a:rPr lang="ja-JP" altLang="en-US"/>
               <a:t>第 </a:t>
             </a:r>
             <a:r>
-              <a:rPr lang="en-US" altLang="ja-JP" smtClean="0"/>
+              <a:rPr lang="en-US" altLang="ja-JP"/>
               <a:t>2 </a:t>
             </a:r>
             <a:r>
-              <a:rPr lang="ja-JP" altLang="en-US" smtClean="0"/>
+              <a:rPr lang="ja-JP" altLang="en-US"/>
               <a:t>レベル</a:t>
             </a:r>
           </a:p>
           <a:p>
             <a:pPr lvl="2"/>
             <a:r>
-              <a:rPr lang="ja-JP" altLang="en-US" smtClean="0"/>
+              <a:rPr lang="ja-JP" altLang="en-US"/>
               <a:t>第 </a:t>
             </a:r>
             <a:r>
-              <a:rPr lang="en-US" altLang="ja-JP" smtClean="0"/>
+              <a:rPr lang="en-US" altLang="ja-JP"/>
               <a:t>3 </a:t>
             </a:r>
             <a:r>
-              <a:rPr lang="ja-JP" altLang="en-US" smtClean="0"/>
+              <a:rPr lang="ja-JP" altLang="en-US"/>
               <a:t>レベル</a:t>
             </a:r>
           </a:p>
           <a:p>
             <a:pPr lvl="3"/>
             <a:r>
-              <a:rPr lang="ja-JP" altLang="en-US" smtClean="0"/>
+              <a:rPr lang="ja-JP" altLang="en-US"/>
               <a:t>第 </a:t>
             </a:r>
             <a:r>
-              <a:rPr lang="en-US" altLang="ja-JP" smtClean="0"/>
+              <a:rPr lang="en-US" altLang="ja-JP"/>
               <a:t>4 </a:t>
             </a:r>
             <a:r>
-              <a:rPr lang="ja-JP" altLang="en-US" smtClean="0"/>
+              <a:rPr lang="ja-JP" altLang="en-US"/>
               <a:t>レベル</a:t>
             </a:r>
           </a:p>
           <a:p>
             <a:pPr lvl="4"/>
             <a:r>
-              <a:rPr lang="ja-JP" altLang="en-US" smtClean="0"/>
+              <a:rPr lang="ja-JP" altLang="en-US"/>
               <a:t>第 </a:t>
             </a:r>
             <a:r>
-              <a:rPr lang="en-US" altLang="ja-JP" smtClean="0"/>
+              <a:rPr lang="en-US" altLang="ja-JP"/>
               <a:t>5 </a:t>
             </a:r>
             <a:r>
-              <a:rPr lang="ja-JP" altLang="en-US" smtClean="0"/>
+              <a:rPr lang="ja-JP" altLang="en-US"/>
               <a:t>レベル</a:t>
             </a:r>
             <a:endParaRPr lang="en-US" dirty="0"/>
@@ -3374,7 +3373,7 @@
           <a:p>
             <a:fld id="{533D1301-D078-CF4D-9B69-E985276E2D1F}" type="datetime1">
               <a:rPr kumimoji="1" lang="ja-JP" altLang="en-US" smtClean="0"/>
-              <a:t>2018/9/20</a:t>
+              <a:t>2019/5/3</a:t>
             </a:fld>
             <a:endParaRPr kumimoji="1" lang="ja-JP" altLang="en-US"/>
           </a:p>
@@ -3804,19 +3803,19 @@
           <a:p>
             <a:pPr algn="ctr"/>
             <a:r>
-              <a:rPr kumimoji="1" lang="en-US" altLang="ja-JP" sz="4400" dirty="0" smtClean="0"/>
+              <a:rPr kumimoji="1" lang="en-US" altLang="ja-JP" sz="4400" dirty="0"/>
               <a:t>How to Install </a:t>
             </a:r>
             <a:r>
-              <a:rPr kumimoji="1" lang="en-US" altLang="ja-JP" sz="4400" dirty="0" err="1" smtClean="0"/>
+              <a:rPr kumimoji="1" lang="en-US" altLang="ja-JP" sz="4400" dirty="0" err="1"/>
               <a:t>JSindo</a:t>
             </a:r>
-            <a:endParaRPr kumimoji="1" lang="en-US" altLang="ja-JP" sz="4400" dirty="0" smtClean="0"/>
+            <a:endParaRPr kumimoji="1" lang="en-US" altLang="ja-JP" sz="4400" dirty="0"/>
           </a:p>
           <a:p>
             <a:pPr algn="ctr"/>
             <a:r>
-              <a:rPr lang="en-US" altLang="ja-JP" sz="4400" dirty="0" smtClean="0"/>
+              <a:rPr lang="en-US" altLang="ja-JP" sz="4400" dirty="0"/>
               <a:t>for Mac</a:t>
             </a:r>
             <a:endParaRPr kumimoji="1" lang="ja-JP" altLang="en-US" sz="4400" dirty="0"/>
@@ -3831,8 +3830,8 @@
         </p:nvSpPr>
         <p:spPr>
           <a:xfrm>
-            <a:off x="2409225" y="4020685"/>
-            <a:ext cx="4070923" cy="1200329"/>
+            <a:off x="2397782" y="4020685"/>
+            <a:ext cx="4093813" cy="1200329"/>
           </a:xfrm>
           <a:prstGeom prst="rect">
             <a:avLst/>
@@ -3847,15 +3846,15 @@
           <a:p>
             <a:pPr algn="ctr"/>
             <a:r>
-              <a:rPr lang="en-US" altLang="ja-JP" dirty="0" smtClean="0"/>
+              <a:rPr lang="en-US" altLang="ja-JP" dirty="0"/>
               <a:t>Theoretical Molecular Science Laboratory</a:t>
             </a:r>
           </a:p>
           <a:p>
             <a:pPr algn="ctr"/>
             <a:r>
-              <a:rPr kumimoji="1" lang="en-US" altLang="ja-JP" dirty="0" smtClean="0"/>
-              <a:t>RIKEN Pioneering Research Cluster</a:t>
+              <a:rPr kumimoji="1" lang="en-US" altLang="ja-JP" dirty="0"/>
+              <a:t>RIKEN Cluster for Pioneering Research</a:t>
             </a:r>
           </a:p>
           <a:p>
@@ -3865,8 +3864,8 @@
           <a:p>
             <a:pPr algn="ctr"/>
             <a:r>
-              <a:rPr kumimoji="1" lang="en-US" altLang="ja-JP" smtClean="0"/>
-              <a:t>2018/09/20</a:t>
+              <a:rPr kumimoji="1" lang="en-US" altLang="ja-JP" dirty="0"/>
+              <a:t>2019/05/14</a:t>
             </a:r>
             <a:endParaRPr kumimoji="1" lang="ja-JP" altLang="en-US" dirty="0"/>
           </a:p>
@@ -3896,17 +3895,17 @@
           <a:p>
             <a:pPr algn="ctr"/>
             <a:r>
-              <a:rPr kumimoji="1" lang="en-US" altLang="ja-JP" dirty="0" smtClean="0"/>
+              <a:rPr kumimoji="1" lang="en-US" altLang="ja-JP" dirty="0"/>
               <a:t>Kiyoshi Yagi</a:t>
             </a:r>
           </a:p>
           <a:p>
             <a:pPr algn="ctr"/>
             <a:r>
-              <a:rPr kumimoji="1" lang="en-US" altLang="ja-JP" dirty="0" err="1" smtClean="0"/>
+              <a:rPr kumimoji="1" lang="en-US" altLang="ja-JP" dirty="0" err="1"/>
               <a:t>kiyoshi.yagi@riken.jp</a:t>
             </a:r>
-            <a:endParaRPr kumimoji="1" lang="en-US" altLang="ja-JP" dirty="0" smtClean="0"/>
+            <a:endParaRPr kumimoji="1" lang="en-US" altLang="ja-JP" dirty="0"/>
           </a:p>
         </p:txBody>
       </p:sp>
@@ -3960,11 +3959,11 @@
               <a:t>5</a:t>
             </a:r>
             <a:r>
-              <a:rPr kumimoji="1" lang="en-US" altLang="ja-JP" dirty="0" smtClean="0"/>
+              <a:rPr kumimoji="1" lang="en-US" altLang="ja-JP" dirty="0"/>
               <a:t>. Download and test </a:t>
             </a:r>
             <a:r>
-              <a:rPr kumimoji="1" lang="en-US" altLang="ja-JP" dirty="0" err="1" smtClean="0"/>
+              <a:rPr kumimoji="1" lang="en-US" altLang="ja-JP" dirty="0" err="1"/>
               <a:t>JSindo</a:t>
             </a:r>
             <a:endParaRPr kumimoji="1" lang="ja-JP" altLang="en-US" dirty="0"/>
@@ -3979,8 +3978,8 @@
         </p:nvSpPr>
         <p:spPr>
           <a:xfrm>
-            <a:off x="322815" y="2019111"/>
-            <a:ext cx="5077859" cy="3970318"/>
+            <a:off x="322815" y="1867733"/>
+            <a:ext cx="5077859" cy="4247317"/>
           </a:xfrm>
           <a:prstGeom prst="rect">
             <a:avLst/>
@@ -3994,59 +3993,42 @@
           <a:lstStyle/>
           <a:p>
             <a:r>
-              <a:rPr lang="en-US" altLang="ja-JP" dirty="0" smtClean="0"/>
-              <a:t>Now, double click JSindo-4.0.jar.  You should see a control panel of </a:t>
-            </a:r>
-            <a:r>
-              <a:rPr lang="en-US" altLang="ja-JP" dirty="0" err="1" smtClean="0"/>
+              <a:rPr lang="en-US" altLang="ja-JP" dirty="0"/>
+              <a:t>Double click to unzip the file. Then, find sindo-4.0/jar/JSindo-4.0.jar. Double click the jar file, and you should see a control panel of </a:t>
+            </a:r>
+            <a:r>
+              <a:rPr lang="en-US" altLang="ja-JP" dirty="0" err="1"/>
               <a:t>JSindo</a:t>
             </a:r>
             <a:r>
-              <a:rPr lang="en-US" altLang="ja-JP" dirty="0" smtClean="0"/>
-              <a:t>. If </a:t>
-            </a:r>
-            <a:r>
               <a:rPr lang="en-US" altLang="ja-JP" dirty="0"/>
-              <a:t>you don’t see </a:t>
-            </a:r>
-            <a:r>
-              <a:rPr lang="en-US" altLang="ja-JP" dirty="0" smtClean="0"/>
-              <a:t>the </a:t>
-            </a:r>
+              <a:t>. If you don’t see the panel, review the installation of Java. </a:t>
+            </a:r>
+          </a:p>
+          <a:p>
+            <a:endParaRPr lang="en-US" altLang="ja-JP" dirty="0"/>
+          </a:p>
+          <a:p>
             <a:r>
               <a:rPr lang="en-US" altLang="ja-JP" dirty="0"/>
-              <a:t>panel, review the installation of </a:t>
-            </a:r>
-            <a:r>
-              <a:rPr lang="en-US" altLang="ja-JP" dirty="0" smtClean="0"/>
-              <a:t>Java. </a:t>
-            </a:r>
-          </a:p>
-          <a:p>
-            <a:endParaRPr lang="en-US" altLang="ja-JP" dirty="0" smtClean="0"/>
-          </a:p>
-          <a:p>
+              <a:t>Let’s test the program. Sample files are included in sindo-4.0/doc/</a:t>
+            </a:r>
+            <a:r>
+              <a:rPr lang="en-US" altLang="ja-JP" dirty="0" err="1"/>
+              <a:t>JSindo</a:t>
+            </a:r>
             <a:r>
               <a:rPr lang="en-US" altLang="ja-JP" dirty="0"/>
-              <a:t>Let’s open “sample/h2co.minfo” included in </a:t>
+              <a:t>/</a:t>
             </a:r>
             <a:r>
               <a:rPr lang="en-US" altLang="ja-JP" dirty="0" err="1"/>
-              <a:t>sample.zip</a:t>
+              <a:t>sample_JSindo</a:t>
             </a:r>
             <a:r>
               <a:rPr lang="en-US" altLang="ja-JP" dirty="0"/>
-              <a:t>. Double click </a:t>
-            </a:r>
-            <a:r>
-              <a:rPr lang="en-US" altLang="ja-JP" dirty="0" err="1"/>
-              <a:t>sample.zip</a:t>
-            </a:r>
-            <a:r>
-              <a:rPr lang="en-US" altLang="ja-JP" dirty="0"/>
-              <a:t> to unzip the file.</a:t>
-            </a:r>
-            <a:endParaRPr lang="en-US" altLang="ja-JP" dirty="0" smtClean="0"/>
+              <a:t>.</a:t>
+            </a:r>
           </a:p>
           <a:p>
             <a:endParaRPr lang="en-US" altLang="ja-JP" dirty="0"/>
@@ -4062,23 +4044,11 @@
             </a:r>
             <a:r>
               <a:rPr lang="en-US" altLang="ja-JP" dirty="0"/>
-              <a:t> control panel, </a:t>
-            </a:r>
-            <a:r>
-              <a:rPr lang="en-US" altLang="ja-JP" dirty="0" smtClean="0"/>
-              <a:t>click File -&gt; Open, choose </a:t>
-            </a:r>
-            <a:r>
-              <a:rPr lang="en-US" altLang="ja-JP" dirty="0"/>
-              <a:t>“h2co.minfo</a:t>
-            </a:r>
-            <a:r>
-              <a:rPr lang="en-US" altLang="ja-JP" dirty="0" smtClean="0"/>
-              <a:t>”, and click Open. If you see formaldehyde, you’re done with the first step!</a:t>
-            </a:r>
-          </a:p>
-          <a:p>
-            <a:endParaRPr lang="en-US" altLang="ja-JP" dirty="0" smtClean="0"/>
+              <a:t> control panel, click File -&gt; Open, choose “h2co.minfo”, and click Open. If you see formaldehyde, you’re done with the first step!</a:t>
+            </a:r>
+          </a:p>
+          <a:p>
+            <a:endParaRPr lang="en-US" altLang="ja-JP" dirty="0"/>
           </a:p>
           <a:p>
             <a:r>
@@ -4090,12 +4060,8 @@
               <a:t>JogAmp</a:t>
             </a:r>
             <a:r>
-              <a:rPr lang="en-US" altLang="ja-JP" dirty="0" smtClean="0"/>
-              <a:t>/ Java3D </a:t>
-            </a:r>
-            <a:r>
               <a:rPr lang="en-US" altLang="ja-JP" dirty="0"/>
-              <a:t>has a problem. Double check if the right </a:t>
+              <a:t>/ Java3D has a problem. Double check if the right </a:t>
             </a:r>
             <a:r>
               <a:rPr lang="en-US" altLang="ja-JP" dirty="0" err="1"/>
@@ -4103,21 +4069,8 @@
             </a:r>
             <a:r>
               <a:rPr lang="en-US" altLang="ja-JP" dirty="0"/>
-              <a:t> </a:t>
-            </a:r>
-            <a:r>
-              <a:rPr lang="en-US" altLang="ja-JP" dirty="0" smtClean="0"/>
-              <a:t>are </a:t>
-            </a:r>
-            <a:r>
-              <a:rPr lang="en-US" altLang="ja-JP" dirty="0"/>
-              <a:t>located in the folder</a:t>
-            </a:r>
-            <a:r>
-              <a:rPr lang="en-US" altLang="ja-JP" dirty="0" smtClean="0"/>
-              <a:t>.</a:t>
-            </a:r>
-            <a:endParaRPr lang="en-US" altLang="ja-JP" dirty="0"/>
+              <a:t> are located in the folder.</a:t>
+            </a:r>
           </a:p>
         </p:txBody>
       </p:sp>
@@ -4167,24 +4120,8 @@
           <a:lstStyle/>
           <a:p>
             <a:r>
-              <a:rPr lang="en-US" altLang="ja-JP" dirty="0" smtClean="0"/>
-              <a:t>Download JSindo-4.x.jar and </a:t>
-            </a:r>
-            <a:r>
-              <a:rPr lang="en-US" altLang="ja-JP" dirty="0" err="1" smtClean="0"/>
-              <a:t>sample.zip</a:t>
-            </a:r>
-            <a:r>
-              <a:rPr lang="en-US" altLang="ja-JP" dirty="0" smtClean="0"/>
-              <a:t> (or </a:t>
-            </a:r>
-            <a:r>
-              <a:rPr lang="en-US" altLang="ja-JP" dirty="0" err="1" smtClean="0"/>
-              <a:t>sample.tar.gz</a:t>
-            </a:r>
-            <a:r>
-              <a:rPr lang="en-US" altLang="ja-JP" dirty="0" smtClean="0"/>
-              <a:t>) from our website:</a:t>
+              <a:rPr lang="en-US" altLang="ja-JP" dirty="0"/>
+              <a:t>Download sindo-4.0.zip from our website:</a:t>
             </a:r>
           </a:p>
           <a:p>
@@ -4194,39 +4131,39 @@
               <a:t>http://</a:t>
             </a:r>
             <a:r>
-              <a:rPr lang="en-US" altLang="ja-JP" dirty="0" err="1" smtClean="0"/>
+              <a:rPr lang="en-US" altLang="ja-JP" dirty="0" err="1"/>
               <a:t>www.riken.jp</a:t>
             </a:r>
             <a:r>
-              <a:rPr lang="en-US" altLang="ja-JP" dirty="0" smtClean="0"/>
+              <a:rPr lang="en-US" altLang="ja-JP" dirty="0"/>
               <a:t>/TMS2012/</a:t>
             </a:r>
             <a:r>
-              <a:rPr lang="en-US" altLang="ja-JP" dirty="0" err="1" smtClean="0"/>
+              <a:rPr lang="en-US" altLang="ja-JP" dirty="0" err="1"/>
               <a:t>tms</a:t>
             </a:r>
             <a:r>
-              <a:rPr lang="en-US" altLang="ja-JP" dirty="0" smtClean="0"/>
+              <a:rPr lang="en-US" altLang="ja-JP" dirty="0"/>
               <a:t>/</a:t>
             </a:r>
             <a:r>
-              <a:rPr lang="en-US" altLang="ja-JP" dirty="0" err="1" smtClean="0"/>
+              <a:rPr lang="en-US" altLang="ja-JP" dirty="0" err="1"/>
               <a:t>en</a:t>
             </a:r>
             <a:r>
-              <a:rPr lang="en-US" altLang="ja-JP" dirty="0" smtClean="0"/>
+              <a:rPr lang="en-US" altLang="ja-JP" dirty="0"/>
               <a:t>/research/software/</a:t>
             </a:r>
             <a:r>
-              <a:rPr lang="en-US" altLang="ja-JP" dirty="0" err="1" smtClean="0"/>
+              <a:rPr lang="en-US" altLang="ja-JP" dirty="0" err="1"/>
               <a:t>sindo</a:t>
             </a:r>
             <a:r>
-              <a:rPr lang="en-US" altLang="ja-JP" dirty="0" smtClean="0"/>
+              <a:rPr lang="en-US" altLang="ja-JP" dirty="0"/>
               <a:t>/</a:t>
             </a:r>
             <a:r>
-              <a:rPr lang="en-US" altLang="ja-JP" dirty="0" err="1" smtClean="0"/>
+              <a:rPr lang="en-US" altLang="ja-JP" dirty="0" err="1"/>
               <a:t>index.html</a:t>
             </a:r>
             <a:endParaRPr lang="en-US" altLang="ja-JP" dirty="0"/>
@@ -4241,7 +4178,7 @@
         </p:nvGrpSpPr>
         <p:grpSpPr>
           <a:xfrm>
-            <a:off x="5625296" y="1739640"/>
+            <a:off x="5625296" y="1939665"/>
             <a:ext cx="3023046" cy="4452816"/>
             <a:chOff x="5393913" y="986805"/>
             <a:chExt cx="3404900" cy="5015271"/>
@@ -4353,7 +4290,7 @@
             <a:lstStyle/>
             <a:p>
               <a:r>
-                <a:rPr kumimoji="1" lang="en-US" altLang="ja-JP" dirty="0" smtClean="0"/>
+                <a:rPr kumimoji="1" lang="en-US" altLang="ja-JP" dirty="0"/>
                 <a:t>Open</a:t>
               </a:r>
               <a:endParaRPr kumimoji="1" lang="ja-JP" altLang="en-US" dirty="0"/>
@@ -4500,7 +4437,7 @@
             <a:lstStyle/>
             <a:p>
               <a:r>
-                <a:rPr kumimoji="1" lang="en-US" altLang="ja-JP" dirty="0" smtClean="0"/>
+                <a:rPr kumimoji="1" lang="en-US" altLang="ja-JP" dirty="0"/>
                 <a:t>click to choose</a:t>
               </a:r>
               <a:endParaRPr kumimoji="1" lang="ja-JP" altLang="en-US" dirty="0"/>
@@ -4727,7 +4664,7 @@
           <a:lstStyle/>
           <a:p>
             <a:r>
-              <a:rPr lang="en-US" altLang="ja-JP" dirty="0" smtClean="0"/>
+              <a:rPr lang="en-US" altLang="ja-JP" dirty="0"/>
               <a:t>Harmonic Analysis</a:t>
             </a:r>
             <a:endParaRPr kumimoji="1" lang="ja-JP" altLang="en-US" dirty="0"/>
@@ -4757,71 +4694,54 @@
           <a:lstStyle/>
           <a:p>
             <a:r>
-              <a:rPr lang="en-US" altLang="ja-JP" dirty="0" smtClean="0"/>
+              <a:rPr lang="en-US" altLang="ja-JP" dirty="0"/>
               <a:t>Finally, </a:t>
             </a:r>
             <a:r>
-              <a:rPr lang="en-US" altLang="ja-JP" dirty="0" err="1" smtClean="0"/>
+              <a:rPr lang="en-US" altLang="ja-JP" dirty="0" err="1"/>
               <a:t>goto</a:t>
             </a:r>
             <a:r>
-              <a:rPr lang="en-US" altLang="ja-JP" dirty="0" smtClean="0"/>
+              <a:rPr lang="en-US" altLang="ja-JP" dirty="0"/>
               <a:t> Tools -&gt; Harmonic Analysis. This should create a panel of “Normal modes”. </a:t>
             </a:r>
           </a:p>
           <a:p>
-            <a:endParaRPr lang="en-US" altLang="ja-JP" dirty="0" smtClean="0"/>
+            <a:endParaRPr lang="en-US" altLang="ja-JP" dirty="0"/>
           </a:p>
           <a:p>
             <a:pPr lvl="1"/>
             <a:r>
-              <a:rPr lang="en-US" altLang="ja-JP" dirty="0" smtClean="0"/>
-              <a:t>If </a:t>
-            </a:r>
-            <a:r>
               <a:rPr lang="en-US" altLang="ja-JP" dirty="0"/>
-              <a:t>you don’t see </a:t>
-            </a:r>
-            <a:r>
-              <a:rPr lang="en-US" altLang="ja-JP" dirty="0" smtClean="0"/>
-              <a:t>this </a:t>
+              <a:t>If you don’t see this panel, JAMA isn’t working. Check if the </a:t>
+            </a:r>
+            <a:r>
+              <a:rPr lang="en-US" altLang="ja-JP" dirty="0" err="1"/>
+              <a:t>jarfile</a:t>
             </a:r>
             <a:r>
               <a:rPr lang="en-US" altLang="ja-JP" dirty="0"/>
-              <a:t>panel, </a:t>
-            </a:r>
-            <a:r>
-              <a:rPr lang="en-US" altLang="ja-JP" dirty="0" smtClean="0"/>
-              <a:t>JAMA isn’t working. Check if the </a:t>
-            </a:r>
-            <a:r>
-              <a:rPr lang="en-US" altLang="ja-JP" dirty="0" err="1" smtClean="0"/>
-              <a:t>jarfile</a:t>
-            </a:r>
-            <a:r>
-              <a:rPr lang="en-US" altLang="ja-JP" dirty="0" smtClean="0"/>
               <a:t> of JAMA is set correctly.</a:t>
             </a:r>
+          </a:p>
+          <a:p>
             <a:endParaRPr lang="en-US" altLang="ja-JP" dirty="0"/>
           </a:p>
           <a:p>
-            <a:endParaRPr lang="en-US" altLang="ja-JP" dirty="0" smtClean="0"/>
-          </a:p>
-          <a:p>
-            <a:r>
-              <a:rPr lang="en-US" altLang="ja-JP" dirty="0" smtClean="0"/>
+            <a:r>
+              <a:rPr lang="en-US" altLang="ja-JP" dirty="0"/>
               <a:t>If the panel appears, you’re all set! Congratulations!</a:t>
             </a:r>
           </a:p>
           <a:p>
-            <a:endParaRPr lang="en-US" altLang="ja-JP" dirty="0" smtClean="0"/>
-          </a:p>
-          <a:p>
             <a:endParaRPr lang="en-US" altLang="ja-JP" dirty="0"/>
           </a:p>
           <a:p>
-            <a:r>
-              <a:rPr lang="en-US" altLang="ja-JP" dirty="0" smtClean="0"/>
+            <a:endParaRPr lang="en-US" altLang="ja-JP" dirty="0"/>
+          </a:p>
+          <a:p>
+            <a:r>
+              <a:rPr lang="en-US" altLang="ja-JP" dirty="0"/>
               <a:t>Check on ”show vibrational coordinates”, and choose a mode you want to see. Vibrational motion will be indicated by arrows. You can “Invert the arrows” by a check box, and change the magnitude using a slider. </a:t>
             </a:r>
           </a:p>
@@ -4829,19 +4749,19 @@
             <a:endParaRPr lang="en-US" altLang="ja-JP" dirty="0"/>
           </a:p>
           <a:p>
-            <a:endParaRPr lang="en-US" altLang="ja-JP" dirty="0" smtClean="0"/>
-          </a:p>
-          <a:p>
-            <a:r>
-              <a:rPr lang="en-US" altLang="ja-JP" dirty="0" smtClean="0"/>
+            <a:endParaRPr lang="en-US" altLang="ja-JP" dirty="0"/>
+          </a:p>
+          <a:p>
+            <a:r>
+              <a:rPr lang="en-US" altLang="ja-JP" dirty="0"/>
               <a:t>Thanks for using </a:t>
             </a:r>
             <a:r>
-              <a:rPr lang="en-US" altLang="ja-JP" dirty="0" err="1" smtClean="0"/>
+              <a:rPr lang="en-US" altLang="ja-JP" dirty="0" err="1"/>
               <a:t>JSindo</a:t>
             </a:r>
             <a:r>
-              <a:rPr lang="en-US" altLang="ja-JP" dirty="0" smtClean="0"/>
+              <a:rPr lang="en-US" altLang="ja-JP" dirty="0"/>
               <a:t>!</a:t>
             </a:r>
           </a:p>
@@ -4852,7 +4772,7 @@
             </a:r>
           </a:p>
           <a:p>
-            <a:endParaRPr lang="en-US" altLang="ja-JP" dirty="0" smtClean="0"/>
+            <a:endParaRPr lang="en-US" altLang="ja-JP" dirty="0"/>
           </a:p>
         </p:txBody>
       </p:sp>
@@ -4957,13 +4877,6 @@
   <p:clrMapOvr>
     <a:masterClrMapping/>
   </p:clrMapOvr>
-  <p:timing>
-    <p:tnLst>
-      <p:par>
-        <p:cTn id="1" dur="indefinite" restart="never" nodeType="tmRoot"/>
-      </p:par>
-    </p:tnLst>
-  </p:timing>
 </p:sld>
 </file>
 
@@ -5000,7 +4913,7 @@
           <a:lstStyle/>
           <a:p>
             <a:r>
-              <a:rPr kumimoji="1" lang="en-US" altLang="ja-JP" dirty="0" smtClean="0"/>
+              <a:rPr kumimoji="1" lang="en-US" altLang="ja-JP" dirty="0"/>
               <a:t>Appendix</a:t>
             </a:r>
             <a:endParaRPr kumimoji="1" lang="ja-JP" altLang="en-US" dirty="0"/>
@@ -5053,7 +4966,7 @@
           <a:lstStyle/>
           <a:p>
             <a:r>
-              <a:rPr lang="en-US" altLang="ja-JP" dirty="0" smtClean="0"/>
+              <a:rPr lang="en-US" altLang="ja-JP" dirty="0"/>
               <a:t>Make sure you have installed JDK, not JRE, which let you use java from a command line. Type “java –version” in the terminal. If you get a version info, then you’re OK. If not, install JDK (see Chap. 1).</a:t>
             </a:r>
           </a:p>
@@ -5062,15 +4975,15 @@
           </a:p>
           <a:p>
             <a:r>
-              <a:rPr lang="en-US" altLang="ja-JP" dirty="0" smtClean="0"/>
+              <a:rPr lang="en-US" altLang="ja-JP" dirty="0"/>
               <a:t>Then, you can start </a:t>
             </a:r>
             <a:r>
-              <a:rPr lang="en-US" altLang="ja-JP" dirty="0" err="1" smtClean="0"/>
+              <a:rPr lang="en-US" altLang="ja-JP" dirty="0" err="1"/>
               <a:t>JSindo</a:t>
             </a:r>
             <a:r>
-              <a:rPr lang="en-US" altLang="ja-JP" dirty="0" smtClean="0"/>
+              <a:rPr lang="en-US" altLang="ja-JP" dirty="0"/>
               <a:t> by</a:t>
             </a:r>
           </a:p>
@@ -5104,15 +5017,15 @@
           <a:lstStyle/>
           <a:p>
             <a:r>
-              <a:rPr kumimoji="1" lang="en-US" altLang="ja-JP" dirty="0" smtClean="0"/>
+              <a:rPr kumimoji="1" lang="en-US" altLang="ja-JP" dirty="0"/>
               <a:t>How to use </a:t>
             </a:r>
             <a:r>
-              <a:rPr kumimoji="1" lang="en-US" altLang="ja-JP" dirty="0" err="1" smtClean="0"/>
+              <a:rPr kumimoji="1" lang="en-US" altLang="ja-JP" dirty="0" err="1"/>
               <a:t>JSindo</a:t>
             </a:r>
             <a:r>
-              <a:rPr kumimoji="1" lang="en-US" altLang="ja-JP" dirty="0" smtClean="0"/>
+              <a:rPr kumimoji="1" lang="en-US" altLang="ja-JP" dirty="0"/>
               <a:t> from a command line.</a:t>
             </a:r>
             <a:endParaRPr kumimoji="1" lang="ja-JP" altLang="en-US" dirty="0"/>
@@ -5128,7 +5041,7 @@
         <p:spPr>
           <a:xfrm>
             <a:off x="1244416" y="3283430"/>
-            <a:ext cx="3903633" cy="276999"/>
+            <a:ext cx="5205271" cy="276999"/>
           </a:xfrm>
           <a:prstGeom prst="rect">
             <a:avLst/>
@@ -5147,7 +5060,7 @@
           <a:lstStyle/>
           <a:p>
             <a:r>
-              <a:rPr kumimoji="1" lang="en-US" altLang="ja-JP" sz="1200" dirty="0" smtClean="0">
+              <a:rPr kumimoji="1" lang="en-US" altLang="ja-JP" sz="1200" dirty="0">
                 <a:latin typeface="Courier" charset="0"/>
                 <a:ea typeface="Courier" charset="0"/>
                 <a:cs typeface="Courier" charset="0"/>
@@ -5155,7 +5068,7 @@
               <a:t>&gt;java –</a:t>
             </a:r>
             <a:r>
-              <a:rPr kumimoji="1" lang="en-US" altLang="ja-JP" sz="1200" dirty="0" err="1" smtClean="0">
+              <a:rPr kumimoji="1" lang="en-US" altLang="ja-JP" sz="1200" dirty="0" err="1">
                 <a:latin typeface="Courier" charset="0"/>
                 <a:ea typeface="Courier" charset="0"/>
                 <a:cs typeface="Courier" charset="0"/>
@@ -5163,15 +5076,15 @@
               <a:t>cp</a:t>
             </a:r>
             <a:r>
-              <a:rPr kumimoji="1" lang="en-US" altLang="ja-JP" sz="1200" dirty="0" smtClean="0">
+              <a:rPr kumimoji="1" lang="en-US" altLang="ja-JP" sz="1200" dirty="0">
                 <a:latin typeface="Courier" charset="0"/>
                 <a:ea typeface="Courier" charset="0"/>
                 <a:cs typeface="Courier" charset="0"/>
               </a:rPr>
-              <a:t> /path/to/JSindo-4.0.jar </a:t>
-            </a:r>
-            <a:r>
-              <a:rPr kumimoji="1" lang="en-US" altLang="ja-JP" sz="1200" dirty="0" err="1" smtClean="0">
+              <a:t> /path/to/sindo-4.0/jar/JSindo-4.0.jar </a:t>
+            </a:r>
+            <a:r>
+              <a:rPr kumimoji="1" lang="en-US" altLang="ja-JP" sz="1200" dirty="0" err="1">
                 <a:latin typeface="Courier" charset="0"/>
                 <a:ea typeface="Courier" charset="0"/>
                 <a:cs typeface="Courier" charset="0"/>
@@ -5195,7 +5108,7 @@
         <p:spPr>
           <a:xfrm>
             <a:off x="1236107" y="4199370"/>
-            <a:ext cx="5205271" cy="276999"/>
+            <a:ext cx="6692858" cy="276999"/>
           </a:xfrm>
           <a:prstGeom prst="rect">
             <a:avLst/>
@@ -5214,7 +5127,7 @@
           <a:lstStyle/>
           <a:p>
             <a:r>
-              <a:rPr lang="en-US" altLang="ja-JP" sz="1200" dirty="0" smtClean="0">
+              <a:rPr lang="en-US" altLang="ja-JP" sz="1200" dirty="0">
                 <a:latin typeface="Courier" charset="0"/>
                 <a:ea typeface="Courier" charset="0"/>
                 <a:cs typeface="Courier" charset="0"/>
@@ -5222,7 +5135,7 @@
               <a:t>alias </a:t>
             </a:r>
             <a:r>
-              <a:rPr lang="en-US" altLang="ja-JP" sz="1200" dirty="0" err="1" smtClean="0">
+              <a:rPr lang="en-US" altLang="ja-JP" sz="1200" dirty="0" err="1">
                 <a:latin typeface="Courier" charset="0"/>
                 <a:ea typeface="Courier" charset="0"/>
                 <a:cs typeface="Courier" charset="0"/>
@@ -5230,7 +5143,7 @@
               <a:t>jsindo</a:t>
             </a:r>
             <a:r>
-              <a:rPr lang="en-US" altLang="ja-JP" sz="1200" dirty="0" smtClean="0">
+              <a:rPr lang="en-US" altLang="ja-JP" sz="1200" dirty="0">
                 <a:latin typeface="Courier" charset="0"/>
                 <a:ea typeface="Courier" charset="0"/>
                 <a:cs typeface="Courier" charset="0"/>
@@ -5238,7 +5151,7 @@
               <a:t>=‘java –</a:t>
             </a:r>
             <a:r>
-              <a:rPr lang="en-US" altLang="ja-JP" sz="1200" dirty="0" err="1" smtClean="0">
+              <a:rPr lang="en-US" altLang="ja-JP" sz="1200" dirty="0" err="1">
                 <a:latin typeface="Courier" charset="0"/>
                 <a:ea typeface="Courier" charset="0"/>
                 <a:cs typeface="Courier" charset="0"/>
@@ -5246,15 +5159,15 @@
               <a:t>cp</a:t>
             </a:r>
             <a:r>
-              <a:rPr lang="en-US" altLang="ja-JP" sz="1200" dirty="0" smtClean="0">
+              <a:rPr lang="en-US" altLang="ja-JP" sz="1200" dirty="0">
                 <a:latin typeface="Courier" charset="0"/>
                 <a:ea typeface="Courier" charset="0"/>
                 <a:cs typeface="Courier" charset="0"/>
               </a:rPr>
-              <a:t> /path/to/JSindo-4.0.jar </a:t>
-            </a:r>
-            <a:r>
-              <a:rPr lang="en-US" altLang="ja-JP" sz="1200" dirty="0" err="1" smtClean="0">
+              <a:t> /path/to/ sindo-4.0/jar/JSindo-4.0.jar </a:t>
+            </a:r>
+            <a:r>
+              <a:rPr lang="en-US" altLang="ja-JP" sz="1200" dirty="0" err="1">
                 <a:latin typeface="Courier" charset="0"/>
                 <a:ea typeface="Courier" charset="0"/>
                 <a:cs typeface="Courier" charset="0"/>
@@ -5262,7 +5175,7 @@
               <a:t>JSindo</a:t>
             </a:r>
             <a:r>
-              <a:rPr lang="en-US" altLang="ja-JP" sz="1200" dirty="0" smtClean="0">
+              <a:rPr lang="en-US" altLang="ja-JP" sz="1200" dirty="0">
                 <a:latin typeface="Courier" charset="0"/>
                 <a:ea typeface="Courier" charset="0"/>
                 <a:cs typeface="Courier" charset="0"/>
@@ -5300,7 +5213,7 @@
           <a:lstStyle/>
           <a:p>
             <a:r>
-              <a:rPr lang="en-US" altLang="ja-JP" sz="1200" dirty="0" smtClean="0">
+              <a:rPr lang="en-US" altLang="ja-JP" sz="1200" dirty="0">
                 <a:latin typeface="Courier" charset="0"/>
                 <a:ea typeface="Courier" charset="0"/>
                 <a:cs typeface="Courier" charset="0"/>
@@ -5308,14 +5221,14 @@
               <a:t>&gt; . ~/.</a:t>
             </a:r>
             <a:r>
-              <a:rPr lang="en-US" altLang="ja-JP" sz="1200" dirty="0" err="1" smtClean="0">
+              <a:rPr lang="en-US" altLang="ja-JP" sz="1200" dirty="0" err="1">
                 <a:latin typeface="Courier" charset="0"/>
                 <a:ea typeface="Courier" charset="0"/>
                 <a:cs typeface="Courier" charset="0"/>
               </a:rPr>
               <a:t>bashrc</a:t>
             </a:r>
-            <a:endParaRPr lang="en-US" altLang="ja-JP" sz="1200" dirty="0" smtClean="0">
+            <a:endParaRPr lang="en-US" altLang="ja-JP" sz="1200" dirty="0">
               <a:latin typeface="Courier" charset="0"/>
               <a:ea typeface="Courier" charset="0"/>
               <a:cs typeface="Courier" charset="0"/>
@@ -5323,7 +5236,7 @@
           </a:p>
           <a:p>
             <a:r>
-              <a:rPr lang="en-US" altLang="ja-JP" sz="1200" dirty="0" smtClean="0">
+              <a:rPr lang="en-US" altLang="ja-JP" sz="1200" dirty="0">
                 <a:latin typeface="Courier" charset="0"/>
                 <a:ea typeface="Courier" charset="0"/>
                 <a:cs typeface="Courier" charset="0"/>
@@ -5331,14 +5244,14 @@
               <a:t>&gt; </a:t>
             </a:r>
             <a:r>
-              <a:rPr lang="en-US" altLang="ja-JP" sz="1200" dirty="0" err="1" smtClean="0">
+              <a:rPr lang="en-US" altLang="ja-JP" sz="1200" dirty="0" err="1">
                 <a:latin typeface="Courier" charset="0"/>
                 <a:ea typeface="Courier" charset="0"/>
                 <a:cs typeface="Courier" charset="0"/>
               </a:rPr>
               <a:t>jsindo</a:t>
             </a:r>
-            <a:endParaRPr lang="en-US" altLang="ja-JP" sz="1200" dirty="0" smtClean="0">
+            <a:endParaRPr lang="en-US" altLang="ja-JP" sz="1200" dirty="0">
               <a:latin typeface="Courier" charset="0"/>
               <a:ea typeface="Courier" charset="0"/>
               <a:cs typeface="Courier" charset="0"/>
@@ -5369,15 +5282,15 @@
           <a:lstStyle/>
           <a:p>
             <a:r>
-              <a:rPr lang="en-US" altLang="ja-JP" dirty="0" smtClean="0"/>
+              <a:rPr lang="en-US" altLang="ja-JP" dirty="0"/>
               <a:t>After source, you can invoke the program by typing “</a:t>
             </a:r>
             <a:r>
-              <a:rPr lang="en-US" altLang="ja-JP" dirty="0" err="1" smtClean="0"/>
+              <a:rPr lang="en-US" altLang="ja-JP" dirty="0" err="1"/>
               <a:t>jsindo</a:t>
             </a:r>
             <a:r>
-              <a:rPr lang="en-US" altLang="ja-JP" dirty="0" smtClean="0"/>
+              <a:rPr lang="en-US" altLang="ja-JP" dirty="0"/>
               <a:t>” in the command.</a:t>
             </a:r>
             <a:endParaRPr kumimoji="1" lang="ja-JP" altLang="en-US" dirty="0"/>
@@ -5407,23 +5320,23 @@
           <a:lstStyle/>
           <a:p>
             <a:r>
-              <a:rPr kumimoji="1" lang="en-US" altLang="ja-JP" dirty="0" smtClean="0"/>
+              <a:rPr kumimoji="1" lang="en-US" altLang="ja-JP" dirty="0"/>
               <a:t>You may add </a:t>
             </a:r>
             <a:r>
-              <a:rPr kumimoji="1" lang="en-US" altLang="ja-JP" smtClean="0"/>
+              <a:rPr kumimoji="1" lang="en-US" altLang="ja-JP"/>
               <a:t>the following line </a:t>
             </a:r>
             <a:r>
-              <a:rPr kumimoji="1" lang="en-US" altLang="ja-JP" dirty="0" smtClean="0"/>
+              <a:rPr kumimoji="1" lang="en-US" altLang="ja-JP" dirty="0"/>
               <a:t>in your ~/.</a:t>
             </a:r>
             <a:r>
-              <a:rPr kumimoji="1" lang="en-US" altLang="ja-JP" dirty="0" err="1" smtClean="0"/>
+              <a:rPr kumimoji="1" lang="en-US" altLang="ja-JP" dirty="0" err="1"/>
               <a:t>bashrc</a:t>
             </a:r>
             <a:r>
-              <a:rPr kumimoji="1" lang="en-US" altLang="ja-JP" dirty="0" smtClean="0"/>
+              <a:rPr kumimoji="1" lang="en-US" altLang="ja-JP" dirty="0"/>
               <a:t>,</a:t>
             </a:r>
             <a:endParaRPr kumimoji="1" lang="ja-JP" altLang="en-US" dirty="0"/>
@@ -5476,7 +5389,7 @@
           <a:lstStyle/>
           <a:p>
             <a:r>
-              <a:rPr kumimoji="1" lang="en-US" altLang="ja-JP" dirty="0" smtClean="0"/>
+              <a:rPr kumimoji="1" lang="en-US" altLang="ja-JP" dirty="0"/>
               <a:t>1. Install Java</a:t>
             </a:r>
             <a:endParaRPr kumimoji="1" lang="ja-JP" altLang="en-US" dirty="0"/>
@@ -5529,7 +5442,7 @@
           <a:lstStyle/>
           <a:p>
             <a:r>
-              <a:rPr kumimoji="1" lang="en-US" altLang="ja-JP" dirty="0" smtClean="0">
+              <a:rPr kumimoji="1" lang="en-US" altLang="ja-JP" dirty="0">
                 <a:solidFill>
                   <a:srgbClr val="00B0F0"/>
                 </a:solidFill>
@@ -5537,15 +5450,15 @@
               <a:t>STEP1</a:t>
             </a:r>
             <a:r>
-              <a:rPr kumimoji="1" lang="en-US" altLang="ja-JP" dirty="0" smtClean="0"/>
+              <a:rPr kumimoji="1" lang="en-US" altLang="ja-JP" dirty="0"/>
               <a:t>: Let’s check if your Mac has Java installed or not, and </a:t>
             </a:r>
             <a:r>
-              <a:rPr lang="en-US" altLang="ja-JP" dirty="0" smtClean="0"/>
+              <a:rPr lang="en-US" altLang="ja-JP" dirty="0"/>
               <a:t>the version of Java </a:t>
             </a:r>
             <a:r>
-              <a:rPr lang="en-US" altLang="ja-JP" smtClean="0"/>
+              <a:rPr lang="en-US" altLang="ja-JP"/>
               <a:t>if you have. </a:t>
             </a:r>
             <a:endParaRPr kumimoji="1" lang="ja-JP" altLang="en-US" dirty="0"/>
@@ -5576,7 +5489,7 @@
           <a:p>
             <a:pPr algn="just"/>
             <a:r>
-              <a:rPr lang="en-US" altLang="ja-JP" dirty="0" smtClean="0"/>
+              <a:rPr lang="en-US" altLang="ja-JP" dirty="0"/>
               <a:t>Open the “System Preference”. </a:t>
             </a:r>
           </a:p>
@@ -5586,19 +5499,19 @@
               <a:buChar char="•"/>
             </a:pPr>
             <a:r>
-              <a:rPr lang="en-US" altLang="ja-JP" dirty="0" smtClean="0"/>
+              <a:rPr lang="en-US" altLang="ja-JP" dirty="0"/>
               <a:t>If you don’t find an icon of Java, your Mac doesn’t have a Java yet. In this case, </a:t>
             </a:r>
             <a:r>
-              <a:rPr lang="en-US" altLang="ja-JP" dirty="0" err="1" smtClean="0"/>
+              <a:rPr lang="en-US" altLang="ja-JP" dirty="0" err="1"/>
               <a:t>goto</a:t>
             </a:r>
             <a:r>
-              <a:rPr lang="en-US" altLang="ja-JP" dirty="0" smtClean="0"/>
+              <a:rPr lang="en-US" altLang="ja-JP" dirty="0"/>
               <a:t> </a:t>
             </a:r>
             <a:r>
-              <a:rPr lang="en-US" altLang="ja-JP" dirty="0" smtClean="0">
+              <a:rPr lang="en-US" altLang="ja-JP" dirty="0">
                 <a:solidFill>
                   <a:srgbClr val="00B0F0"/>
                 </a:solidFill>
@@ -5606,7 +5519,7 @@
               <a:t>STEP2</a:t>
             </a:r>
             <a:r>
-              <a:rPr lang="en-US" altLang="ja-JP" dirty="0" smtClean="0"/>
+              <a:rPr lang="en-US" altLang="ja-JP" dirty="0"/>
               <a:t>. </a:t>
             </a:r>
           </a:p>
@@ -5620,7 +5533,7 @@
               <a:buChar char="•"/>
             </a:pPr>
             <a:r>
-              <a:rPr lang="en-US" altLang="ja-JP" dirty="0" smtClean="0"/>
+              <a:rPr lang="en-US" altLang="ja-JP" dirty="0"/>
               <a:t>If you find the icon, click the icon to open Java Control Panel, where you can check the version of Java. </a:t>
             </a:r>
             <a:endParaRPr kumimoji="1" lang="ja-JP" altLang="en-US" dirty="0"/>
@@ -5650,7 +5563,7 @@
           <a:lstStyle/>
           <a:p>
             <a:r>
-              <a:rPr lang="en-US" dirty="0" smtClean="0"/>
+              <a:rPr lang="en-US" dirty="0"/>
               <a:t>If your Java is Version 8, then you can skip the installation and go to Chap. 2. </a:t>
             </a:r>
             <a:endParaRPr lang="ja-JP" altLang="en-US" dirty="0"/>
@@ -5917,10 +5830,9 @@
             <a:lstStyle/>
             <a:p>
               <a:r>
-                <a:rPr lang="en-US" dirty="0" smtClean="0"/>
+                <a:rPr lang="en-US" dirty="0"/>
                 <a:t>Your Java is Version 8 Update 172!</a:t>
               </a:r>
-              <a:endParaRPr lang="en-US" dirty="0"/>
             </a:p>
           </p:txBody>
         </p:sp>
@@ -6138,7 +6050,7 @@
           <a:lstStyle/>
           <a:p>
             <a:r>
-              <a:rPr lang="en-US" altLang="ja-JP" sz="1200" dirty="0" smtClean="0">
+              <a:rPr lang="en-US" altLang="ja-JP" sz="1200" dirty="0">
                 <a:latin typeface="Courier" charset="0"/>
                 <a:ea typeface="Courier" charset="0"/>
                 <a:cs typeface="Courier" charset="0"/>
@@ -6146,7 +6058,7 @@
               <a:t>&gt; </a:t>
             </a:r>
             <a:r>
-              <a:rPr lang="en-US" altLang="ja-JP" sz="1200" dirty="0" err="1" smtClean="0">
+              <a:rPr lang="en-US" altLang="ja-JP" sz="1200" dirty="0" err="1">
                 <a:latin typeface="Courier" charset="0"/>
                 <a:ea typeface="Courier" charset="0"/>
                 <a:cs typeface="Courier" charset="0"/>
@@ -6154,7 +6066,7 @@
               <a:t>sudo</a:t>
             </a:r>
             <a:r>
-              <a:rPr lang="en-US" altLang="ja-JP" sz="1200" dirty="0" smtClean="0">
+              <a:rPr lang="en-US" altLang="ja-JP" sz="1200" dirty="0">
                 <a:latin typeface="Courier" charset="0"/>
                 <a:ea typeface="Courier" charset="0"/>
                 <a:cs typeface="Courier" charset="0"/>
@@ -6191,25 +6103,17 @@
                 <a:ea typeface="Courier" charset="0"/>
                 <a:cs typeface="Courier" charset="0"/>
               </a:rPr>
-              <a:t> /Library/Internet\ </a:t>
-            </a:r>
-            <a:r>
-              <a:rPr lang="en-US" altLang="ja-JP" sz="1200" dirty="0" smtClean="0">
-                <a:latin typeface="Courier" charset="0"/>
-                <a:ea typeface="Courier" charset="0"/>
-                <a:cs typeface="Courier" charset="0"/>
-              </a:rPr>
-              <a:t>Plug-Ins/</a:t>
-            </a:r>
-            <a:r>
-              <a:rPr lang="en-US" altLang="ja-JP" sz="1200" dirty="0" err="1" smtClean="0">
+              <a:t> /Library/Internet\ Plug-Ins/</a:t>
+            </a:r>
+            <a:r>
+              <a:rPr lang="en-US" altLang="ja-JP" sz="1200" dirty="0" err="1">
                 <a:latin typeface="Courier" charset="0"/>
                 <a:ea typeface="Courier" charset="0"/>
                 <a:cs typeface="Courier" charset="0"/>
               </a:rPr>
               <a:t>JavaAppletPlugin.plugin</a:t>
             </a:r>
-            <a:endParaRPr lang="en-US" altLang="ja-JP" sz="1200" dirty="0" smtClean="0">
+            <a:endParaRPr lang="en-US" altLang="ja-JP" sz="1200" dirty="0">
               <a:latin typeface="Courier" charset="0"/>
               <a:ea typeface="Courier" charset="0"/>
               <a:cs typeface="Courier" charset="0"/>
@@ -6217,7 +6121,7 @@
           </a:p>
           <a:p>
             <a:r>
-              <a:rPr lang="en-US" altLang="ja-JP" sz="1200" dirty="0" smtClean="0">
+              <a:rPr lang="en-US" altLang="ja-JP" sz="1200" dirty="0">
                 <a:latin typeface="Courier" charset="0"/>
                 <a:ea typeface="Courier" charset="0"/>
                 <a:cs typeface="Courier" charset="0"/>
@@ -6225,7 +6129,7 @@
               <a:t>&gt; </a:t>
             </a:r>
             <a:r>
-              <a:rPr lang="en-US" altLang="ja-JP" sz="1200" dirty="0" err="1" smtClean="0">
+              <a:rPr lang="en-US" altLang="ja-JP" sz="1200" dirty="0" err="1">
                 <a:latin typeface="Courier" charset="0"/>
                 <a:ea typeface="Courier" charset="0"/>
                 <a:cs typeface="Courier" charset="0"/>
@@ -6233,7 +6137,7 @@
               <a:t>sudo</a:t>
             </a:r>
             <a:r>
-              <a:rPr lang="en-US" altLang="ja-JP" sz="1200" dirty="0" smtClean="0">
+              <a:rPr lang="en-US" altLang="ja-JP" sz="1200" dirty="0">
                 <a:latin typeface="Courier" charset="0"/>
                 <a:ea typeface="Courier" charset="0"/>
                 <a:cs typeface="Courier" charset="0"/>
@@ -6257,7 +6161,7 @@
               <a:t> -</a:t>
             </a:r>
             <a:r>
-              <a:rPr lang="en-US" altLang="ja-JP" sz="1200" dirty="0" err="1" smtClean="0">
+              <a:rPr lang="en-US" altLang="ja-JP" sz="1200" dirty="0" err="1">
                 <a:latin typeface="Courier" charset="0"/>
                 <a:ea typeface="Courier" charset="0"/>
                 <a:cs typeface="Courier" charset="0"/>
@@ -6265,12 +6169,20 @@
               <a:t>rf</a:t>
             </a:r>
             <a:r>
-              <a:rPr lang="en-US" altLang="ja-JP" sz="1200" dirty="0" smtClean="0">
+              <a:rPr lang="en-US" altLang="ja-JP" sz="1200" dirty="0">
                 <a:latin typeface="Courier" charset="0"/>
                 <a:ea typeface="Courier" charset="0"/>
                 <a:cs typeface="Courier" charset="0"/>
               </a:rPr>
-              <a:t> </a:t>
+              <a:t> /Library/</a:t>
+            </a:r>
+            <a:r>
+              <a:rPr lang="en-US" altLang="ja-JP" sz="1200" dirty="0" err="1">
+                <a:latin typeface="Courier" charset="0"/>
+                <a:ea typeface="Courier" charset="0"/>
+                <a:cs typeface="Courier" charset="0"/>
+              </a:rPr>
+              <a:t>PreferencePanes</a:t>
             </a:r>
             <a:r>
               <a:rPr lang="en-US" altLang="ja-JP" sz="1200" dirty="0">
@@ -6281,38 +6193,14 @@
               <a:t>/</a:t>
             </a:r>
             <a:r>
-              <a:rPr lang="en-US" altLang="ja-JP" sz="1200" dirty="0" smtClean="0">
-                <a:latin typeface="Courier" charset="0"/>
-                <a:ea typeface="Courier" charset="0"/>
-                <a:cs typeface="Courier" charset="0"/>
-              </a:rPr>
-              <a:t>Library/</a:t>
-            </a:r>
-            <a:r>
-              <a:rPr lang="en-US" altLang="ja-JP" sz="1200" dirty="0" err="1" smtClean="0">
-                <a:latin typeface="Courier" charset="0"/>
-                <a:ea typeface="Courier" charset="0"/>
-                <a:cs typeface="Courier" charset="0"/>
-              </a:rPr>
-              <a:t>PreferencePanes</a:t>
-            </a:r>
-            <a:r>
-              <a:rPr lang="en-US" altLang="ja-JP" sz="1200" dirty="0" smtClean="0">
-                <a:latin typeface="Courier" charset="0"/>
-                <a:ea typeface="Courier" charset="0"/>
-                <a:cs typeface="Courier" charset="0"/>
-              </a:rPr>
-              <a:t>/</a:t>
-            </a:r>
-            <a:r>
-              <a:rPr lang="en-US" altLang="ja-JP" sz="1200" dirty="0" err="1" smtClean="0">
+              <a:rPr lang="en-US" altLang="ja-JP" sz="1200" dirty="0" err="1">
                 <a:latin typeface="Courier" charset="0"/>
                 <a:ea typeface="Courier" charset="0"/>
                 <a:cs typeface="Courier" charset="0"/>
               </a:rPr>
               <a:t>JavaControlPanel.prefPane</a:t>
             </a:r>
-            <a:endParaRPr lang="en-US" altLang="ja-JP" sz="1200" dirty="0" smtClean="0">
+            <a:endParaRPr lang="en-US" altLang="ja-JP" sz="1200" dirty="0">
               <a:latin typeface="Courier" charset="0"/>
               <a:ea typeface="Courier" charset="0"/>
               <a:cs typeface="Courier" charset="0"/>
@@ -6391,11 +6279,6 @@
               </a:rPr>
               <a:t>/jdk-10.0.1.jdk</a:t>
             </a:r>
-            <a:endParaRPr lang="en-US" altLang="ja-JP" sz="1200" dirty="0" smtClean="0">
-              <a:latin typeface="Courier" charset="0"/>
-              <a:ea typeface="Courier" charset="0"/>
-              <a:cs typeface="Courier" charset="0"/>
-            </a:endParaRPr>
           </a:p>
         </p:txBody>
       </p:sp>
@@ -6427,7 +6310,7 @@
           <a:lstStyle/>
           <a:p>
             <a:r>
-              <a:rPr lang="en-US" sz="2800" dirty="0" smtClean="0">
+              <a:rPr lang="en-US" sz="2800" dirty="0">
                 <a:solidFill>
                   <a:srgbClr val="FF0000"/>
                 </a:solidFill>
@@ -6435,7 +6318,7 @@
               <a:t>WARNING</a:t>
             </a:r>
             <a:r>
-              <a:rPr lang="en-US" sz="2800" smtClean="0">
+              <a:rPr lang="en-US" sz="2800">
                 <a:solidFill>
                   <a:srgbClr val="FF0000"/>
                 </a:solidFill>
@@ -6443,16 +6326,15 @@
               <a:t>!</a:t>
             </a:r>
             <a:r>
-              <a:rPr lang="en-US" smtClean="0"/>
+              <a:rPr lang="en-US"/>
               <a:t> </a:t>
             </a:r>
           </a:p>
           <a:p>
             <a:r>
-              <a:rPr lang="en-US" dirty="0" smtClean="0"/>
+              <a:rPr lang="en-US" dirty="0"/>
               <a:t>Be sure to type the right folders. You cannot redo this command! </a:t>
             </a:r>
-            <a:endParaRPr lang="en-US" dirty="0"/>
           </a:p>
         </p:txBody>
       </p:sp>
@@ -6500,11 +6382,7 @@
             </a:r>
             <a:r>
               <a:rPr lang="en-US" altLang="ja-JP" dirty="0"/>
-              <a:t> use for visualization. </a:t>
-            </a:r>
-            <a:r>
-              <a:rPr lang="en-US" altLang="ja-JP" dirty="0" smtClean="0"/>
-              <a:t>In this case, uninstall Java and re-install version 8.</a:t>
+              <a:t> use for visualization. In this case, uninstall Java and re-install version 8.</a:t>
             </a:r>
             <a:endParaRPr lang="ja-JP" altLang="en-US" dirty="0"/>
           </a:p>
@@ -6656,10 +6534,9 @@
             <a:lstStyle/>
             <a:p>
               <a:r>
-                <a:rPr lang="en-US" dirty="0" smtClean="0"/>
+                <a:rPr lang="en-US" dirty="0"/>
                 <a:t>Unfortunately, your Java is Version 10.0.1…</a:t>
               </a:r>
-              <a:endParaRPr lang="en-US" dirty="0"/>
             </a:p>
           </p:txBody>
         </p:sp>
@@ -6687,15 +6564,15 @@
           <a:lstStyle/>
           <a:p>
             <a:r>
-              <a:rPr lang="en-US" dirty="0" smtClean="0"/>
+              <a:rPr lang="en-US" dirty="0"/>
               <a:t>To uninstall Java (version 10), type the following commands to remove the folders. You will be prompted to enter an </a:t>
             </a:r>
             <a:r>
-              <a:rPr lang="en-US" dirty="0" err="1" smtClean="0"/>
+              <a:rPr lang="en-US" dirty="0" err="1"/>
               <a:t>adimistrator</a:t>
             </a:r>
             <a:r>
-              <a:rPr lang="en-US" dirty="0" smtClean="0"/>
+              <a:rPr lang="en-US" dirty="0"/>
               <a:t> password. </a:t>
             </a:r>
           </a:p>
@@ -6987,10 +6864,9 @@
             <a:lstStyle/>
             <a:p>
               <a:r>
-                <a:rPr lang="en-US" dirty="0" smtClean="0"/>
+                <a:rPr lang="en-US" dirty="0"/>
                 <a:t>Not this! </a:t>
               </a:r>
-              <a:endParaRPr lang="en-US" dirty="0"/>
             </a:p>
           </p:txBody>
         </p:sp>
@@ -7017,10 +6893,9 @@
             <a:lstStyle/>
             <a:p>
               <a:r>
-                <a:rPr lang="en-US" smtClean="0"/>
+                <a:rPr lang="en-US"/>
                 <a:t>Java SE 8u</a:t>
               </a:r>
-              <a:endParaRPr lang="en-US"/>
             </a:p>
           </p:txBody>
         </p:sp>
@@ -7108,23 +6983,15 @@
           <a:p>
             <a:r>
               <a:rPr lang="en-US" altLang="ja-JP" dirty="0"/>
-              <a:t>Search “Java SE download” in </a:t>
-            </a:r>
-            <a:r>
-              <a:rPr lang="en-US" altLang="ja-JP" dirty="0" smtClean="0"/>
-              <a:t>Google and </a:t>
-            </a:r>
-            <a:r>
-              <a:rPr lang="en-US" altLang="ja-JP" dirty="0" err="1" smtClean="0"/>
+              <a:t>Search “Java SE download” in Google and </a:t>
+            </a:r>
+            <a:r>
+              <a:rPr lang="en-US" altLang="ja-JP" dirty="0" err="1"/>
               <a:t>goto</a:t>
             </a:r>
             <a:r>
               <a:rPr lang="en-US" altLang="ja-JP" dirty="0"/>
-              <a:t> </a:t>
-            </a:r>
-            <a:r>
-              <a:rPr lang="en-US" altLang="ja-JP" dirty="0" smtClean="0"/>
-              <a:t>the following website. </a:t>
+              <a:t> the following website. </a:t>
             </a:r>
           </a:p>
         </p:txBody>
@@ -7187,7 +7054,7 @@
           <a:lstStyle/>
           <a:p>
             <a:r>
-              <a:rPr lang="en-US" dirty="0" smtClean="0">
+              <a:rPr lang="en-US" dirty="0">
                 <a:solidFill>
                   <a:srgbClr val="00B0F0"/>
                 </a:solidFill>
@@ -7195,10 +7062,9 @@
               <a:t>STEP2</a:t>
             </a:r>
             <a:r>
-              <a:rPr lang="en-US" dirty="0" smtClean="0"/>
+              <a:rPr lang="en-US" dirty="0"/>
               <a:t>: Install Java8.</a:t>
             </a:r>
-            <a:endParaRPr lang="en-US" dirty="0"/>
           </a:p>
         </p:txBody>
       </p:sp>
@@ -7439,10 +7305,9 @@
           <a:lstStyle/>
           <a:p>
             <a:r>
-              <a:rPr lang="en-US" dirty="0" smtClean="0"/>
+              <a:rPr lang="en-US" dirty="0"/>
               <a:t>accept</a:t>
             </a:r>
-            <a:endParaRPr lang="en-US" dirty="0"/>
           </a:p>
         </p:txBody>
       </p:sp>
@@ -7469,12 +7334,8 @@
           <a:lstStyle/>
           <a:p>
             <a:r>
-              <a:rPr lang="en-US" dirty="0" smtClean="0"/>
-              <a:t>download and double click </a:t>
-            </a:r>
-            <a:r>
               <a:rPr lang="en-US" dirty="0"/>
-              <a:t>the </a:t>
+              <a:t>download and double click the </a:t>
             </a:r>
             <a:r>
               <a:rPr lang="en-US" dirty="0" err="1"/>
@@ -7546,16 +7407,15 @@
           <a:lstStyle/>
           <a:p>
             <a:r>
-              <a:rPr lang="en-US" dirty="0" smtClean="0"/>
+              <a:rPr lang="en-US" dirty="0"/>
               <a:t>Click here, follow the instruction, and you’re done.</a:t>
             </a:r>
           </a:p>
           <a:p>
             <a:r>
-              <a:rPr lang="en-US" dirty="0" smtClean="0"/>
+              <a:rPr lang="en-US" dirty="0"/>
               <a:t>You may do STEP1 to double check you’ve got the right Java installed.</a:t>
             </a:r>
-            <a:endParaRPr lang="en-US" dirty="0"/>
           </a:p>
         </p:txBody>
       </p:sp>
@@ -7586,31 +7446,31 @@
               <a:t>http://</a:t>
             </a:r>
             <a:r>
-              <a:rPr lang="en-US" altLang="ja-JP" sz="1600" dirty="0" err="1" smtClean="0"/>
+              <a:rPr lang="en-US" altLang="ja-JP" sz="1600" dirty="0" err="1"/>
               <a:t>www.oracle.com</a:t>
             </a:r>
             <a:r>
-              <a:rPr lang="en-US" altLang="ja-JP" sz="1600" dirty="0" smtClean="0"/>
+              <a:rPr lang="en-US" altLang="ja-JP" sz="1600" dirty="0"/>
               <a:t>/</a:t>
             </a:r>
             <a:r>
-              <a:rPr lang="en-US" altLang="ja-JP" sz="1600" dirty="0" err="1" smtClean="0"/>
+              <a:rPr lang="en-US" altLang="ja-JP" sz="1600" dirty="0" err="1"/>
               <a:t>technetwork</a:t>
             </a:r>
             <a:r>
-              <a:rPr lang="en-US" altLang="ja-JP" sz="1600" dirty="0" smtClean="0"/>
+              <a:rPr lang="en-US" altLang="ja-JP" sz="1600" dirty="0"/>
               <a:t>/java/</a:t>
             </a:r>
             <a:r>
-              <a:rPr lang="en-US" altLang="ja-JP" sz="1600" dirty="0" err="1" smtClean="0"/>
+              <a:rPr lang="en-US" altLang="ja-JP" sz="1600" dirty="0" err="1"/>
               <a:t>javase</a:t>
             </a:r>
             <a:r>
-              <a:rPr lang="en-US" altLang="ja-JP" sz="1600" dirty="0" smtClean="0"/>
+              <a:rPr lang="en-US" altLang="ja-JP" sz="1600" dirty="0"/>
               <a:t>/downloads/</a:t>
             </a:r>
             <a:r>
-              <a:rPr lang="en-US" altLang="ja-JP" sz="1600" dirty="0" err="1" smtClean="0"/>
+              <a:rPr lang="en-US" altLang="ja-JP" sz="1600" dirty="0" err="1"/>
               <a:t>index.html</a:t>
             </a:r>
             <a:endParaRPr lang="en-US" altLang="ja-JP" sz="1600" dirty="0"/>
@@ -7640,10 +7500,9 @@
           <a:lstStyle/>
           <a:p>
             <a:r>
-              <a:rPr lang="en-US" sz="1400" dirty="0" smtClean="0"/>
+              <a:rPr lang="en-US" sz="1400" dirty="0"/>
               <a:t>*) If you don’t have enough space, JRE is also OK. But, JDK is recommended since it let you use Java from a command line.</a:t>
             </a:r>
-            <a:endParaRPr lang="en-US" sz="1400" dirty="0"/>
           </a:p>
         </p:txBody>
       </p:sp>
@@ -7796,15 +7655,7 @@
           <a:p>
             <a:r>
               <a:rPr lang="en-US" altLang="ja-JP" dirty="0"/>
-              <a:t>2. </a:t>
-            </a:r>
-            <a:r>
-              <a:rPr lang="en-US" altLang="ja-JP" dirty="0" smtClean="0"/>
-              <a:t>Download </a:t>
-            </a:r>
-            <a:r>
-              <a:rPr lang="en-US" altLang="ja-JP" dirty="0"/>
-              <a:t>Java3D</a:t>
+              <a:t>2. Download Java3D</a:t>
             </a:r>
             <a:endParaRPr kumimoji="1" lang="ja-JP" altLang="en-US" dirty="0"/>
           </a:p>
@@ -7903,31 +7754,31 @@
           <a:lstStyle/>
           <a:p>
             <a:r>
-              <a:rPr lang="en-US" altLang="ja-JP" dirty="0" err="1" smtClean="0"/>
+              <a:rPr lang="en-US" altLang="ja-JP" dirty="0" err="1"/>
               <a:t>JSindo</a:t>
             </a:r>
             <a:r>
-              <a:rPr lang="en-US" altLang="ja-JP" dirty="0" smtClean="0"/>
+              <a:rPr lang="en-US" altLang="ja-JP" dirty="0"/>
               <a:t> uses Java3D for visualization. A stable version, 1.6.0, is available from </a:t>
             </a:r>
             <a:r>
-              <a:rPr lang="en-US" altLang="ja-JP" dirty="0" err="1" smtClean="0"/>
+              <a:rPr lang="en-US" altLang="ja-JP" dirty="0" err="1"/>
               <a:t>JogAmp</a:t>
             </a:r>
             <a:r>
-              <a:rPr lang="en-US" altLang="ja-JP" dirty="0" smtClean="0"/>
+              <a:rPr lang="en-US" altLang="ja-JP" dirty="0"/>
               <a:t>. </a:t>
             </a:r>
             <a:r>
-              <a:rPr lang="en-US" altLang="ja-JP" dirty="0" err="1" smtClean="0"/>
+              <a:rPr lang="en-US" altLang="ja-JP" dirty="0" err="1"/>
               <a:t>Goto</a:t>
             </a:r>
             <a:r>
-              <a:rPr lang="en-US" altLang="ja-JP" dirty="0" smtClean="0"/>
+              <a:rPr lang="en-US" altLang="ja-JP" dirty="0"/>
               <a:t> http://</a:t>
             </a:r>
             <a:r>
-              <a:rPr lang="en-US" altLang="ja-JP" dirty="0" err="1" smtClean="0"/>
+              <a:rPr lang="en-US" altLang="ja-JP" dirty="0" err="1"/>
               <a:t>jogamp.org</a:t>
             </a:r>
             <a:endParaRPr kumimoji="1" lang="ja-JP" altLang="en-US" dirty="0"/>
@@ -8070,7 +7921,7 @@
           <a:lstStyle/>
           <a:p>
             <a:r>
-              <a:rPr kumimoji="1" lang="en-US" altLang="ja-JP" smtClean="0"/>
+              <a:rPr kumimoji="1" lang="en-US" altLang="ja-JP"/>
               <a:t>click here</a:t>
             </a:r>
             <a:endParaRPr kumimoji="1" lang="ja-JP" altLang="en-US" dirty="0"/>
@@ -8136,19 +7987,156 @@
           <a:lstStyle/>
           <a:p>
             <a:r>
-              <a:rPr kumimoji="1" lang="en-US" altLang="ja-JP" dirty="0" smtClean="0"/>
+              <a:rPr kumimoji="1" lang="en-US" altLang="ja-JP" dirty="0"/>
               <a:t>click here and download</a:t>
             </a:r>
           </a:p>
           <a:p>
             <a:r>
-              <a:rPr lang="en-US" altLang="ja-JP" dirty="0" smtClean="0"/>
+              <a:rPr lang="en-US" altLang="ja-JP" dirty="0"/>
               <a:t>jogamp-all-platforms.7z</a:t>
             </a:r>
             <a:endParaRPr kumimoji="1" lang="ja-JP" altLang="en-US" dirty="0"/>
           </a:p>
         </p:txBody>
       </p:sp>
+      <p:sp>
+        <p:nvSpPr>
+          <p:cNvPr id="14" name="テキスト ボックス 13">
+            <a:extLst>
+              <a:ext uri="{FF2B5EF4-FFF2-40B4-BE49-F238E27FC236}">
+                <a16:creationId xmlns:a16="http://schemas.microsoft.com/office/drawing/2014/main" id="{CF862E1A-B8FE-2646-913C-EC5995414502}"/>
+              </a:ext>
+            </a:extLst>
+          </p:cNvPr>
+          <p:cNvSpPr txBox="1"/>
+          <p:nvPr/>
+        </p:nvSpPr>
+        <p:spPr>
+          <a:xfrm>
+            <a:off x="1816227" y="5910029"/>
+            <a:ext cx="4698402" cy="369332"/>
+          </a:xfrm>
+          <a:prstGeom prst="rect">
+            <a:avLst/>
+          </a:prstGeom>
+          <a:noFill/>
+        </p:spPr>
+        <p:txBody>
+          <a:bodyPr wrap="none" rtlCol="0">
+            <a:spAutoFit/>
+          </a:bodyPr>
+          <a:lstStyle/>
+          <a:p>
+            <a:r>
+              <a:rPr kumimoji="1" lang="en-US" altLang="ja-JP" dirty="0"/>
+              <a:t>Go back to the main page, then go to </a:t>
+            </a:r>
+            <a:r>
+              <a:rPr lang="en-US" altLang="ja-JP" dirty="0"/>
+              <a:t>Wiki page,</a:t>
+            </a:r>
+            <a:endParaRPr kumimoji="1" lang="ja-JP" altLang="en-US" dirty="0"/>
+          </a:p>
+        </p:txBody>
+      </p:sp>
+      <p:sp>
+        <p:nvSpPr>
+          <p:cNvPr id="17" name="正方形/長方形 16">
+            <a:extLst>
+              <a:ext uri="{FF2B5EF4-FFF2-40B4-BE49-F238E27FC236}">
+                <a16:creationId xmlns:a16="http://schemas.microsoft.com/office/drawing/2014/main" id="{F9726D90-940E-AE49-A99D-8A63B343BB76}"/>
+              </a:ext>
+            </a:extLst>
+          </p:cNvPr>
+          <p:cNvSpPr/>
+          <p:nvPr/>
+        </p:nvSpPr>
+        <p:spPr>
+          <a:xfrm>
+            <a:off x="2407507" y="2027753"/>
+            <a:ext cx="283141" cy="210950"/>
+          </a:xfrm>
+          <a:prstGeom prst="rect">
+            <a:avLst/>
+          </a:prstGeom>
+          <a:noFill/>
+          <a:ln w="28575">
+            <a:solidFill>
+              <a:srgbClr val="00B050"/>
+            </a:solidFill>
+            <a:prstDash val="sysDash"/>
+          </a:ln>
+        </p:spPr>
+        <p:style>
+          <a:lnRef idx="2">
+            <a:schemeClr val="accent1">
+              <a:shade val="50000"/>
+            </a:schemeClr>
+          </a:lnRef>
+          <a:fillRef idx="1">
+            <a:schemeClr val="accent1"/>
+          </a:fillRef>
+          <a:effectRef idx="0">
+            <a:schemeClr val="accent1"/>
+          </a:effectRef>
+          <a:fontRef idx="minor">
+            <a:schemeClr val="lt1"/>
+          </a:fontRef>
+        </p:style>
+        <p:txBody>
+          <a:bodyPr rtlCol="0" anchor="ctr"/>
+          <a:lstStyle/>
+          <a:p>
+            <a:pPr algn="ctr"/>
+            <a:endParaRPr kumimoji="1" lang="ja-JP" altLang="en-US"/>
+          </a:p>
+        </p:txBody>
+      </p:sp>
+      <p:cxnSp>
+        <p:nvCxnSpPr>
+          <p:cNvPr id="18" name="直線矢印コネクタ 17">
+            <a:extLst>
+              <a:ext uri="{FF2B5EF4-FFF2-40B4-BE49-F238E27FC236}">
+                <a16:creationId xmlns:a16="http://schemas.microsoft.com/office/drawing/2014/main" id="{6264FFE1-96C6-9343-826C-28DDF1F5C978}"/>
+              </a:ext>
+            </a:extLst>
+          </p:cNvPr>
+          <p:cNvCxnSpPr>
+            <a:cxnSpLocks/>
+          </p:cNvCxnSpPr>
+          <p:nvPr/>
+        </p:nvCxnSpPr>
+        <p:spPr>
+          <a:xfrm flipV="1">
+            <a:off x="2483768" y="2280746"/>
+            <a:ext cx="0" cy="3436882"/>
+          </a:xfrm>
+          <a:prstGeom prst="straightConnector1">
+            <a:avLst/>
+          </a:prstGeom>
+          <a:ln w="28575">
+            <a:solidFill>
+              <a:srgbClr val="00B050"/>
+            </a:solidFill>
+            <a:tailEnd type="triangle"/>
+          </a:ln>
+        </p:spPr>
+        <p:style>
+          <a:lnRef idx="1">
+            <a:schemeClr val="accent1"/>
+          </a:lnRef>
+          <a:fillRef idx="0">
+            <a:schemeClr val="accent1"/>
+          </a:fillRef>
+          <a:effectRef idx="0">
+            <a:schemeClr val="accent1"/>
+          </a:effectRef>
+          <a:fontRef idx="minor">
+            <a:schemeClr val="tx1"/>
+          </a:fontRef>
+        </p:style>
+      </p:cxnSp>
     </p:spTree>
     <p:extLst>
       <p:ext uri="{BB962C8B-B14F-4D97-AF65-F5344CB8AC3E}">
@@ -8338,7 +8326,7 @@
           <a:lstStyle/>
           <a:p>
             <a:r>
-              <a:rPr kumimoji="1" lang="en-US" altLang="ja-JP" dirty="0" smtClean="0"/>
+              <a:rPr kumimoji="1" lang="en-US" altLang="ja-JP" dirty="0"/>
               <a:t>click here</a:t>
             </a:r>
             <a:endParaRPr kumimoji="1" lang="ja-JP" altLang="en-US" dirty="0"/>
@@ -8451,21 +8439,21 @@
           <a:lstStyle/>
           <a:p>
             <a:r>
-              <a:rPr kumimoji="1" lang="en-US" altLang="ja-JP" dirty="0" smtClean="0"/>
+              <a:rPr kumimoji="1" lang="en-US" altLang="ja-JP" dirty="0"/>
               <a:t>click </a:t>
             </a:r>
             <a:r>
-              <a:rPr kumimoji="1" lang="en-US" altLang="ja-JP" smtClean="0"/>
+              <a:rPr kumimoji="1" lang="en-US" altLang="ja-JP"/>
               <a:t>here and </a:t>
             </a:r>
             <a:r>
-              <a:rPr kumimoji="1" lang="en-US" altLang="ja-JP" dirty="0" smtClean="0"/>
+              <a:rPr kumimoji="1" lang="en-US" altLang="ja-JP" dirty="0"/>
               <a:t>download</a:t>
             </a:r>
           </a:p>
           <a:p>
             <a:r>
-              <a:rPr lang="en-US" altLang="ja-JP" dirty="0" smtClean="0"/>
+              <a:rPr lang="en-US" altLang="ja-JP" dirty="0"/>
               <a:t>jogamp-java3d.7z</a:t>
             </a:r>
             <a:endParaRPr kumimoji="1" lang="ja-JP" altLang="en-US" dirty="0"/>
@@ -8531,38 +8519,8 @@
           <a:lstStyle/>
           <a:p>
             <a:r>
-              <a:rPr kumimoji="1" lang="en-US" altLang="ja-JP" smtClean="0"/>
+              <a:rPr kumimoji="1" lang="en-US" altLang="ja-JP"/>
               <a:t>…</a:t>
-            </a:r>
-            <a:endParaRPr kumimoji="1" lang="ja-JP" altLang="en-US" dirty="0"/>
-          </a:p>
-        </p:txBody>
-      </p:sp>
-      <p:sp>
-        <p:nvSpPr>
-          <p:cNvPr id="45" name="テキスト ボックス 44"/>
-          <p:cNvSpPr txBox="1"/>
-          <p:nvPr/>
-        </p:nvSpPr>
-        <p:spPr>
-          <a:xfrm>
-            <a:off x="529293" y="261552"/>
-            <a:ext cx="4134145" cy="369332"/>
-          </a:xfrm>
-          <a:prstGeom prst="rect">
-            <a:avLst/>
-          </a:prstGeom>
-          <a:noFill/>
-        </p:spPr>
-        <p:txBody>
-          <a:bodyPr wrap="none" rtlCol="0">
-            <a:spAutoFit/>
-          </a:bodyPr>
-          <a:lstStyle/>
-          <a:p>
-            <a:r>
-              <a:rPr kumimoji="1" lang="en-US" altLang="ja-JP" dirty="0" smtClean="0"/>
-              <a:t>Go back to the Main page and scroll down</a:t>
             </a:r>
             <a:endParaRPr kumimoji="1" lang="ja-JP" altLang="en-US" dirty="0"/>
           </a:p>
@@ -8596,22 +8554,22 @@
               </a:spcBef>
             </a:pPr>
             <a:r>
-              <a:rPr kumimoji="1" lang="en-US" altLang="ja-JP" dirty="0" smtClean="0"/>
+              <a:rPr kumimoji="1" lang="en-US" altLang="ja-JP" dirty="0"/>
               <a:t>The </a:t>
             </a:r>
             <a:r>
-              <a:rPr kumimoji="1" lang="en-US" altLang="ja-JP" dirty="0" err="1" smtClean="0"/>
+              <a:rPr kumimoji="1" lang="en-US" altLang="ja-JP" dirty="0" err="1"/>
               <a:t>Unarchiver</a:t>
             </a:r>
             <a:endParaRPr lang="en-US" altLang="ja-JP" dirty="0"/>
           </a:p>
           <a:p>
             <a:r>
-              <a:rPr kumimoji="1" lang="en-US" altLang="ja-JP" dirty="0" err="1" smtClean="0"/>
+              <a:rPr kumimoji="1" lang="en-US" altLang="ja-JP" dirty="0" err="1"/>
               <a:t>MacPaw</a:t>
             </a:r>
             <a:r>
-              <a:rPr kumimoji="1" lang="en-US" altLang="ja-JP" dirty="0" smtClean="0"/>
+              <a:rPr kumimoji="1" lang="en-US" altLang="ja-JP" dirty="0"/>
               <a:t> Inc.</a:t>
             </a:r>
           </a:p>
@@ -8670,19 +8628,19 @@
           <a:lstStyle/>
           <a:p>
             <a:r>
-              <a:rPr kumimoji="1" lang="en-US" altLang="ja-JP" dirty="0" smtClean="0"/>
+              <a:rPr kumimoji="1" lang="en-US" altLang="ja-JP" dirty="0"/>
               <a:t>Unarchive the two files you’ve just downloaded.</a:t>
             </a:r>
             <a:r>
-              <a:rPr lang="en-US" altLang="ja-JP" dirty="0" smtClean="0"/>
+              <a:rPr lang="en-US" altLang="ja-JP" dirty="0"/>
               <a:t> 7z files can be unarchived using, for example, “The </a:t>
             </a:r>
             <a:r>
-              <a:rPr lang="en-US" altLang="ja-JP" dirty="0" err="1" smtClean="0"/>
+              <a:rPr lang="en-US" altLang="ja-JP" dirty="0" err="1"/>
               <a:t>Unarchiver</a:t>
             </a:r>
             <a:r>
-              <a:rPr lang="en-US" altLang="ja-JP" dirty="0" smtClean="0"/>
+              <a:rPr lang="en-US" altLang="ja-JP" dirty="0"/>
               <a:t>”, </a:t>
             </a:r>
             <a:endParaRPr kumimoji="1" lang="ja-JP" altLang="en-US" dirty="0"/>
@@ -8748,11 +8706,11 @@
           <a:lstStyle/>
           <a:p>
             <a:r>
-              <a:rPr kumimoji="1" lang="en-US" altLang="ja-JP" smtClean="0"/>
+              <a:rPr kumimoji="1" lang="en-US" altLang="ja-JP"/>
               <a:t>Scroll </a:t>
             </a:r>
             <a:r>
-              <a:rPr kumimoji="1" lang="en-US" altLang="ja-JP" dirty="0" smtClean="0"/>
+              <a:rPr kumimoji="1" lang="en-US" altLang="ja-JP" dirty="0"/>
               <a:t>down</a:t>
             </a:r>
             <a:endParaRPr kumimoji="1" lang="ja-JP" altLang="en-US" dirty="0"/>
@@ -8778,6 +8736,46 @@
               <a:rPr kumimoji="1" lang="ja-JP" altLang="en-US" smtClean="0"/>
               <a:t>5</a:t>
             </a:fld>
+            <a:endParaRPr kumimoji="1" lang="ja-JP" altLang="en-US" dirty="0"/>
+          </a:p>
+        </p:txBody>
+      </p:sp>
+      <p:sp>
+        <p:nvSpPr>
+          <p:cNvPr id="19" name="テキスト ボックス 18">
+            <a:extLst>
+              <a:ext uri="{FF2B5EF4-FFF2-40B4-BE49-F238E27FC236}">
+                <a16:creationId xmlns:a16="http://schemas.microsoft.com/office/drawing/2014/main" id="{79DBF839-64FF-1C4C-87FF-F639802DE39D}"/>
+              </a:ext>
+            </a:extLst>
+          </p:cNvPr>
+          <p:cNvSpPr txBox="1"/>
+          <p:nvPr/>
+        </p:nvSpPr>
+        <p:spPr>
+          <a:xfrm>
+            <a:off x="529293" y="290580"/>
+            <a:ext cx="2670796" cy="369332"/>
+          </a:xfrm>
+          <a:prstGeom prst="rect">
+            <a:avLst/>
+          </a:prstGeom>
+          <a:noFill/>
+        </p:spPr>
+        <p:txBody>
+          <a:bodyPr wrap="none" rtlCol="0">
+            <a:spAutoFit/>
+          </a:bodyPr>
+          <a:lstStyle/>
+          <a:p>
+            <a:r>
+              <a:rPr kumimoji="1" lang="en-US" altLang="ja-JP" dirty="0"/>
+              <a:t>Scroll down the </a:t>
+            </a:r>
+            <a:r>
+              <a:rPr lang="en-US" altLang="ja-JP" dirty="0"/>
+              <a:t>Wiki page,</a:t>
+            </a:r>
             <a:endParaRPr kumimoji="1" lang="ja-JP" altLang="en-US" dirty="0"/>
           </a:p>
         </p:txBody>
@@ -8858,27 +8856,27 @@
           <a:lstStyle/>
           <a:p>
             <a:r>
-              <a:rPr kumimoji="1" lang="en-US" altLang="ja-JP" dirty="0" smtClean="0"/>
+              <a:rPr kumimoji="1" lang="en-US" altLang="ja-JP" dirty="0"/>
               <a:t>You will find jar files </a:t>
             </a:r>
             <a:r>
-              <a:rPr lang="en-US" altLang="ja-JP" dirty="0" smtClean="0"/>
+              <a:rPr lang="en-US" altLang="ja-JP" dirty="0"/>
               <a:t>in </a:t>
             </a:r>
             <a:r>
-              <a:rPr lang="en-US" altLang="ja-JP" dirty="0" err="1" smtClean="0"/>
+              <a:rPr lang="en-US" altLang="ja-JP" dirty="0" err="1"/>
               <a:t>jogamp</a:t>
             </a:r>
             <a:r>
-              <a:rPr lang="en-US" altLang="ja-JP" dirty="0" smtClean="0"/>
+              <a:rPr lang="en-US" altLang="ja-JP" dirty="0"/>
               <a:t>-all-platforms/jar and in jogamp-java3d. The following jar files are needed for </a:t>
             </a:r>
             <a:r>
-              <a:rPr lang="en-US" altLang="ja-JP" dirty="0" err="1" smtClean="0"/>
+              <a:rPr lang="en-US" altLang="ja-JP" dirty="0" err="1"/>
               <a:t>JSindo</a:t>
             </a:r>
             <a:r>
-              <a:rPr lang="en-US" altLang="ja-JP" dirty="0" smtClean="0"/>
+              <a:rPr lang="en-US" altLang="ja-JP" dirty="0"/>
               <a:t>:</a:t>
             </a:r>
             <a:endParaRPr kumimoji="1" lang="ja-JP" altLang="en-US" dirty="0"/>
@@ -8913,7 +8911,7 @@
           <a:lstStyle/>
           <a:p>
             <a:r>
-              <a:rPr lang="en-US" altLang="ja-JP" sz="1200" dirty="0" err="1" smtClean="0">
+              <a:rPr lang="en-US" altLang="ja-JP" sz="1200" dirty="0" err="1">
                 <a:latin typeface="Courier" charset="0"/>
                 <a:ea typeface="Courier" charset="0"/>
                 <a:cs typeface="Courier" charset="0"/>
@@ -8921,7 +8919,7 @@
               <a:t>jogamp</a:t>
             </a:r>
             <a:r>
-              <a:rPr lang="en-US" altLang="ja-JP" sz="1200" dirty="0" smtClean="0">
+              <a:rPr lang="en-US" altLang="ja-JP" sz="1200" dirty="0">
                 <a:latin typeface="Courier" charset="0"/>
                 <a:ea typeface="Courier" charset="0"/>
                 <a:cs typeface="Courier" charset="0"/>
@@ -8932,14 +8930,14 @@
           <a:p>
             <a:pPr lvl="1"/>
             <a:r>
-              <a:rPr lang="en-US" altLang="ja-JP" sz="1200" dirty="0" err="1" smtClean="0">
+              <a:rPr lang="en-US" altLang="ja-JP" sz="1200" dirty="0" err="1">
                 <a:latin typeface="Courier" charset="0"/>
                 <a:ea typeface="Courier" charset="0"/>
                 <a:cs typeface="Courier" charset="0"/>
               </a:rPr>
               <a:t>gluegen-rt.jar</a:t>
             </a:r>
-            <a:endParaRPr lang="en-US" altLang="ja-JP" sz="1200" dirty="0" smtClean="0">
+            <a:endParaRPr lang="en-US" altLang="ja-JP" sz="1200" dirty="0">
               <a:latin typeface="Courier" charset="0"/>
               <a:ea typeface="Courier" charset="0"/>
               <a:cs typeface="Courier" charset="0"/>
@@ -8948,14 +8946,14 @@
           <a:p>
             <a:pPr lvl="1"/>
             <a:r>
-              <a:rPr lang="en-US" altLang="ja-JP" sz="1200" dirty="0" err="1" smtClean="0">
+              <a:rPr lang="en-US" altLang="ja-JP" sz="1200" dirty="0" err="1">
                 <a:latin typeface="Courier" charset="0"/>
                 <a:ea typeface="Courier" charset="0"/>
                 <a:cs typeface="Courier" charset="0"/>
               </a:rPr>
               <a:t>gluegen.jar</a:t>
             </a:r>
-            <a:endParaRPr lang="en-US" altLang="ja-JP" sz="1200" dirty="0" smtClean="0">
+            <a:endParaRPr lang="en-US" altLang="ja-JP" sz="1200" dirty="0">
               <a:latin typeface="Courier" charset="0"/>
               <a:ea typeface="Courier" charset="0"/>
               <a:cs typeface="Courier" charset="0"/>
@@ -8964,7 +8962,7 @@
           <a:p>
             <a:pPr lvl="1"/>
             <a:r>
-              <a:rPr lang="en-US" altLang="ja-JP" sz="1200" dirty="0" err="1" smtClean="0">
+              <a:rPr lang="en-US" altLang="ja-JP" sz="1200" dirty="0" err="1">
                 <a:latin typeface="Courier" charset="0"/>
                 <a:ea typeface="Courier" charset="0"/>
                 <a:cs typeface="Courier" charset="0"/>
@@ -8972,7 +8970,7 @@
               <a:t>gluegen</a:t>
             </a:r>
             <a:r>
-              <a:rPr lang="en-US" altLang="ja-JP" sz="1200" dirty="0" smtClean="0">
+              <a:rPr lang="en-US" altLang="ja-JP" sz="1200" dirty="0">
                 <a:latin typeface="Courier" charset="0"/>
                 <a:ea typeface="Courier" charset="0"/>
                 <a:cs typeface="Courier" charset="0"/>
@@ -8980,7 +8978,7 @@
               <a:t>-</a:t>
             </a:r>
             <a:r>
-              <a:rPr lang="en-US" altLang="ja-JP" sz="1200" dirty="0" err="1" smtClean="0">
+              <a:rPr lang="en-US" altLang="ja-JP" sz="1200" dirty="0" err="1">
                 <a:latin typeface="Courier" charset="0"/>
                 <a:ea typeface="Courier" charset="0"/>
                 <a:cs typeface="Courier" charset="0"/>
@@ -8988,96 +8986,12 @@
               <a:t>rt</a:t>
             </a:r>
             <a:r>
-              <a:rPr lang="en-US" altLang="ja-JP" sz="1200" dirty="0" smtClean="0">
+              <a:rPr lang="en-US" altLang="ja-JP" sz="1200" dirty="0">
                 <a:latin typeface="Courier" charset="0"/>
                 <a:ea typeface="Courier" charset="0"/>
                 <a:cs typeface="Courier" charset="0"/>
               </a:rPr>
               <a:t>-natives-</a:t>
-            </a:r>
-            <a:r>
-              <a:rPr lang="en-US" altLang="ja-JP" sz="1200" dirty="0" err="1" smtClean="0">
-                <a:solidFill>
-                  <a:srgbClr val="FF0000"/>
-                </a:solidFill>
-                <a:latin typeface="Courier" charset="0"/>
-                <a:ea typeface="Courier" charset="0"/>
-                <a:cs typeface="Courier" charset="0"/>
-              </a:rPr>
-              <a:t>macosx</a:t>
-            </a:r>
-            <a:r>
-              <a:rPr lang="en-US" altLang="ja-JP" sz="1200" dirty="0" smtClean="0">
-                <a:solidFill>
-                  <a:srgbClr val="FF0000"/>
-                </a:solidFill>
-                <a:latin typeface="Courier" charset="0"/>
-                <a:ea typeface="Courier" charset="0"/>
-                <a:cs typeface="Courier" charset="0"/>
-              </a:rPr>
-              <a:t>-</a:t>
-            </a:r>
-            <a:r>
-              <a:rPr lang="en-US" altLang="ja-JP" sz="1200" dirty="0" err="1" smtClean="0">
-                <a:solidFill>
-                  <a:srgbClr val="FF0000"/>
-                </a:solidFill>
-                <a:latin typeface="Courier" charset="0"/>
-                <a:ea typeface="Courier" charset="0"/>
-                <a:cs typeface="Courier" charset="0"/>
-              </a:rPr>
-              <a:t>universal</a:t>
-            </a:r>
-            <a:r>
-              <a:rPr lang="en-US" altLang="ja-JP" sz="1200" dirty="0" err="1" smtClean="0">
-                <a:latin typeface="Courier" charset="0"/>
-                <a:ea typeface="Courier" charset="0"/>
-                <a:cs typeface="Courier" charset="0"/>
-              </a:rPr>
-              <a:t>.jar</a:t>
-            </a:r>
-            <a:r>
-              <a:rPr lang="en-US" altLang="ja-JP" sz="1200" dirty="0" smtClean="0">
-                <a:latin typeface="Courier" charset="0"/>
-                <a:ea typeface="Courier" charset="0"/>
-                <a:cs typeface="Courier" charset="0"/>
-              </a:rPr>
-              <a:t> </a:t>
-            </a:r>
-          </a:p>
-          <a:p>
-            <a:pPr lvl="1"/>
-            <a:r>
-              <a:rPr lang="en-US" altLang="ja-JP" sz="1200" dirty="0" err="1" smtClean="0">
-                <a:latin typeface="Courier" charset="0"/>
-                <a:ea typeface="Courier" charset="0"/>
-                <a:cs typeface="Courier" charset="0"/>
-              </a:rPr>
-              <a:t>jogl-all.jar</a:t>
-            </a:r>
-            <a:endParaRPr lang="en-US" altLang="ja-JP" sz="1200" dirty="0" smtClean="0">
-              <a:latin typeface="Courier" charset="0"/>
-              <a:ea typeface="Courier" charset="0"/>
-              <a:cs typeface="Courier" charset="0"/>
-            </a:endParaRPr>
-          </a:p>
-          <a:p>
-            <a:pPr lvl="1"/>
-            <a:r>
-              <a:rPr lang="en-US" altLang="ja-JP" sz="1200" dirty="0" err="1" smtClean="0">
-                <a:latin typeface="Courier" charset="0"/>
-                <a:ea typeface="Courier" charset="0"/>
-                <a:cs typeface="Courier" charset="0"/>
-              </a:rPr>
-              <a:t>jogl</a:t>
-            </a:r>
-            <a:r>
-              <a:rPr lang="en-US" altLang="ja-JP" sz="1200" dirty="0" smtClean="0">
-                <a:latin typeface="Courier" charset="0"/>
-                <a:ea typeface="Courier" charset="0"/>
-                <a:cs typeface="Courier" charset="0"/>
-              </a:rPr>
-              <a:t>-all-natives-</a:t>
             </a:r>
             <a:r>
               <a:rPr lang="en-US" altLang="ja-JP" sz="1200" dirty="0" err="1">
@@ -9113,14 +9027,98 @@
               <a:t>universal</a:t>
             </a:r>
             <a:r>
-              <a:rPr lang="en-US" altLang="ja-JP" sz="1200" dirty="0" err="1" smtClean="0">
+              <a:rPr lang="en-US" altLang="ja-JP" sz="1200" dirty="0" err="1">
                 <a:latin typeface="Courier" charset="0"/>
                 <a:ea typeface="Courier" charset="0"/>
                 <a:cs typeface="Courier" charset="0"/>
               </a:rPr>
               <a:t>.jar</a:t>
             </a:r>
-            <a:endParaRPr lang="en-US" altLang="ja-JP" sz="1200" dirty="0" smtClean="0">
+            <a:r>
+              <a:rPr lang="en-US" altLang="ja-JP" sz="1200" dirty="0">
+                <a:latin typeface="Courier" charset="0"/>
+                <a:ea typeface="Courier" charset="0"/>
+                <a:cs typeface="Courier" charset="0"/>
+              </a:rPr>
+              <a:t> </a:t>
+            </a:r>
+          </a:p>
+          <a:p>
+            <a:pPr lvl="1"/>
+            <a:r>
+              <a:rPr lang="en-US" altLang="ja-JP" sz="1200" dirty="0" err="1">
+                <a:latin typeface="Courier" charset="0"/>
+                <a:ea typeface="Courier" charset="0"/>
+                <a:cs typeface="Courier" charset="0"/>
+              </a:rPr>
+              <a:t>jogl-all.jar</a:t>
+            </a:r>
+            <a:endParaRPr lang="en-US" altLang="ja-JP" sz="1200" dirty="0">
+              <a:latin typeface="Courier" charset="0"/>
+              <a:ea typeface="Courier" charset="0"/>
+              <a:cs typeface="Courier" charset="0"/>
+            </a:endParaRPr>
+          </a:p>
+          <a:p>
+            <a:pPr lvl="1"/>
+            <a:r>
+              <a:rPr lang="en-US" altLang="ja-JP" sz="1200" dirty="0" err="1">
+                <a:latin typeface="Courier" charset="0"/>
+                <a:ea typeface="Courier" charset="0"/>
+                <a:cs typeface="Courier" charset="0"/>
+              </a:rPr>
+              <a:t>jogl</a:t>
+            </a:r>
+            <a:r>
+              <a:rPr lang="en-US" altLang="ja-JP" sz="1200" dirty="0">
+                <a:latin typeface="Courier" charset="0"/>
+                <a:ea typeface="Courier" charset="0"/>
+                <a:cs typeface="Courier" charset="0"/>
+              </a:rPr>
+              <a:t>-all-natives-</a:t>
+            </a:r>
+            <a:r>
+              <a:rPr lang="en-US" altLang="ja-JP" sz="1200" dirty="0" err="1">
+                <a:solidFill>
+                  <a:srgbClr val="FF0000"/>
+                </a:solidFill>
+                <a:latin typeface="Courier" charset="0"/>
+                <a:ea typeface="Courier" charset="0"/>
+                <a:cs typeface="Courier" charset="0"/>
+              </a:rPr>
+              <a:t>macosx</a:t>
+            </a:r>
+            <a:r>
+              <a:rPr lang="en-US" altLang="ja-JP" sz="1200" dirty="0">
+                <a:solidFill>
+                  <a:srgbClr val="FF0000"/>
+                </a:solidFill>
+                <a:latin typeface="Courier" charset="0"/>
+                <a:ea typeface="Courier" charset="0"/>
+                <a:cs typeface="Courier" charset="0"/>
+              </a:rPr>
+              <a:t>-</a:t>
+            </a:r>
+            <a:r>
+              <a:rPr lang="en-US" altLang="ja-JP" sz="1200" dirty="0" err="1">
+                <a:solidFill>
+                  <a:srgbClr val="FF0000"/>
+                </a:solidFill>
+                <a:latin typeface="Courier" charset="0"/>
+                <a:ea typeface="Courier" charset="0"/>
+                <a:cs typeface="Courier" charset="0"/>
+              </a:rPr>
+              <a:t>universal</a:t>
+            </a:r>
+            <a:r>
+              <a:rPr lang="en-US" altLang="ja-JP" sz="1200" dirty="0" err="1">
+                <a:latin typeface="Courier" charset="0"/>
+                <a:ea typeface="Courier" charset="0"/>
+                <a:cs typeface="Courier" charset="0"/>
+              </a:rPr>
+              <a:t>.jar</a:t>
+            </a:r>
+            <a:endParaRPr lang="en-US" altLang="ja-JP" sz="1200" dirty="0">
               <a:latin typeface="Courier" charset="0"/>
               <a:ea typeface="Courier" charset="0"/>
               <a:cs typeface="Courier" charset="0"/>
@@ -9156,7 +9154,7 @@
           <a:lstStyle/>
           <a:p>
             <a:r>
-              <a:rPr lang="en-US" altLang="ja-JP" sz="1200" dirty="0" smtClean="0">
+              <a:rPr lang="en-US" altLang="ja-JP" sz="1200" dirty="0">
                 <a:latin typeface="Courier" charset="0"/>
                 <a:ea typeface="Courier" charset="0"/>
                 <a:cs typeface="Courier" charset="0"/>
@@ -9167,7 +9165,7 @@
           <a:p>
             <a:pPr lvl="1"/>
             <a:r>
-              <a:rPr lang="en-US" altLang="ja-JP" sz="1200" dirty="0" smtClean="0">
+              <a:rPr lang="en-US" altLang="ja-JP" sz="1200" dirty="0">
                 <a:latin typeface="Courier" charset="0"/>
                 <a:ea typeface="Courier" charset="0"/>
                 <a:cs typeface="Courier" charset="0"/>
@@ -9178,7 +9176,7 @@
           <a:p>
             <a:pPr lvl="1"/>
             <a:r>
-              <a:rPr lang="en-US" altLang="ja-JP" sz="1200" dirty="0" smtClean="0">
+              <a:rPr lang="en-US" altLang="ja-JP" sz="1200" dirty="0">
                 <a:latin typeface="Courier" charset="0"/>
                 <a:ea typeface="Courier" charset="0"/>
                 <a:cs typeface="Courier" charset="0"/>
@@ -9196,7 +9194,7 @@
               </a:rPr>
               <a:t>vecmath.jar</a:t>
             </a:r>
-            <a:endParaRPr lang="en-US" altLang="ja-JP" sz="1200" dirty="0" smtClean="0">
+            <a:endParaRPr lang="en-US" altLang="ja-JP" sz="1200" dirty="0">
               <a:latin typeface="Courier" charset="0"/>
               <a:ea typeface="Courier" charset="0"/>
               <a:cs typeface="Courier" charset="0"/>
@@ -9250,7 +9248,7 @@
           <a:lstStyle/>
           <a:p>
             <a:r>
-              <a:rPr kumimoji="1" lang="en-US" altLang="ja-JP" dirty="0" smtClean="0"/>
+              <a:rPr kumimoji="1" lang="en-US" altLang="ja-JP" dirty="0"/>
               <a:t>3. Download JAMA</a:t>
             </a:r>
             <a:endParaRPr kumimoji="1" lang="ja-JP" altLang="en-US" dirty="0"/>
@@ -9334,15 +9332,15 @@
           <a:lstStyle/>
           <a:p>
             <a:r>
-              <a:rPr kumimoji="1" lang="en-US" altLang="ja-JP" dirty="0" smtClean="0"/>
+              <a:rPr kumimoji="1" lang="en-US" altLang="ja-JP" dirty="0"/>
               <a:t>JAMA is  a linear algebra library for JAVA. We use it for </a:t>
             </a:r>
             <a:r>
-              <a:rPr kumimoji="1" lang="en-US" altLang="ja-JP" smtClean="0"/>
+              <a:rPr kumimoji="1" lang="en-US" altLang="ja-JP"/>
               <a:t>matrix multiplications</a:t>
             </a:r>
             <a:r>
-              <a:rPr kumimoji="1" lang="en-US" altLang="ja-JP" dirty="0" smtClean="0"/>
+              <a:rPr kumimoji="1" lang="en-US" altLang="ja-JP" dirty="0"/>
               <a:t>, diagonalization, and so on. It can be downloaded from, </a:t>
             </a:r>
             <a:endParaRPr kumimoji="1" lang="ja-JP" altLang="en-US" dirty="0"/>
@@ -9432,7 +9430,7 @@
           <a:lstStyle/>
           <a:p>
             <a:r>
-              <a:rPr kumimoji="1" lang="en-US" altLang="ja-JP" smtClean="0"/>
+              <a:rPr kumimoji="1" lang="en-US" altLang="ja-JP"/>
               <a:t>…</a:t>
             </a:r>
             <a:endParaRPr kumimoji="1" lang="ja-JP" altLang="en-US" dirty="0"/>
@@ -9498,11 +9496,11 @@
           <a:lstStyle/>
           <a:p>
             <a:r>
-              <a:rPr kumimoji="1" lang="en-US" altLang="ja-JP" smtClean="0"/>
+              <a:rPr kumimoji="1" lang="en-US" altLang="ja-JP"/>
               <a:t>Scroll </a:t>
             </a:r>
             <a:r>
-              <a:rPr kumimoji="1" lang="en-US" altLang="ja-JP" dirty="0" smtClean="0"/>
+              <a:rPr kumimoji="1" lang="en-US" altLang="ja-JP" dirty="0"/>
               <a:t>down</a:t>
             </a:r>
             <a:endParaRPr kumimoji="1" lang="ja-JP" altLang="en-US" dirty="0"/>
@@ -9579,15 +9577,15 @@
           <a:lstStyle/>
           <a:p>
             <a:r>
-              <a:rPr kumimoji="1" lang="en-US" altLang="ja-JP" dirty="0" smtClean="0"/>
+              <a:rPr kumimoji="1" lang="en-US" altLang="ja-JP" dirty="0"/>
               <a:t>click here and download a </a:t>
             </a:r>
             <a:r>
-              <a:rPr kumimoji="1" lang="en-US" altLang="ja-JP" dirty="0" err="1" smtClean="0"/>
+              <a:rPr kumimoji="1" lang="en-US" altLang="ja-JP" dirty="0" err="1"/>
               <a:t>jarfile</a:t>
             </a:r>
             <a:r>
-              <a:rPr kumimoji="1" lang="en-US" altLang="ja-JP" dirty="0" smtClean="0"/>
+              <a:rPr kumimoji="1" lang="en-US" altLang="ja-JP" dirty="0"/>
               <a:t>.</a:t>
             </a:r>
             <a:endParaRPr kumimoji="1" lang="ja-JP" altLang="en-US" dirty="0"/>
@@ -9700,15 +9698,7 @@
           <a:p>
             <a:r>
               <a:rPr lang="en-US" altLang="ja-JP" dirty="0"/>
-              <a:t>4. </a:t>
-            </a:r>
-            <a:r>
-              <a:rPr lang="en-US" altLang="ja-JP" dirty="0" smtClean="0"/>
-              <a:t>Copy </a:t>
-            </a:r>
-            <a:r>
-              <a:rPr lang="en-US" altLang="ja-JP" dirty="0"/>
-              <a:t>jar files</a:t>
+              <a:t>4. Copy jar files</a:t>
             </a:r>
             <a:endParaRPr kumimoji="1" lang="ja-JP" altLang="en-US" dirty="0"/>
           </a:p>
@@ -9760,48 +9750,16 @@
           <a:lstStyle/>
           <a:p>
             <a:r>
-              <a:rPr lang="en-US" altLang="ja-JP" dirty="0" smtClean="0"/>
-              <a:t>Copy </a:t>
-            </a:r>
-            <a:r>
               <a:rPr lang="en-US" altLang="ja-JP" dirty="0"/>
-              <a:t>the jar files to an extension </a:t>
-            </a:r>
-            <a:r>
-              <a:rPr lang="en-US" altLang="ja-JP" dirty="0" smtClean="0"/>
-              <a:t>folder, which is set to ~/Library/Java/Extensions. Click Go menu of finder with </a:t>
-            </a:r>
-            <a:r>
-              <a:rPr lang="en-US" altLang="ja-JP" u="sng" dirty="0" smtClean="0"/>
+              <a:t>Copy the jar files to an extension folder, which is set to ~/Library/Java/Extensions. Click Go menu of finder with </a:t>
+            </a:r>
+            <a:r>
+              <a:rPr lang="en-US" altLang="ja-JP" u="sng" dirty="0"/>
               <a:t>option key pressed</a:t>
             </a:r>
             <a:r>
-              <a:rPr lang="en-US" altLang="ja-JP" dirty="0" smtClean="0"/>
-              <a:t> (~/Library is hidden) and choose Library</a:t>
-            </a:r>
-            <a:r>
               <a:rPr lang="en-US" altLang="ja-JP" dirty="0"/>
-              <a:t>. Create </a:t>
-            </a:r>
-            <a:r>
-              <a:rPr lang="en-US" altLang="ja-JP" dirty="0" smtClean="0"/>
-              <a:t>the </a:t>
-            </a:r>
-            <a:r>
-              <a:rPr lang="en-US" altLang="ja-JP" dirty="0"/>
-              <a:t>folder if you don‘t have it </a:t>
-            </a:r>
-            <a:r>
-              <a:rPr lang="en-US" altLang="ja-JP" dirty="0" smtClean="0"/>
-              <a:t>yet, then </a:t>
-            </a:r>
-            <a:r>
-              <a:rPr lang="en-US" altLang="ja-JP" dirty="0"/>
-              <a:t>copy the jar files in this </a:t>
-            </a:r>
-            <a:r>
-              <a:rPr lang="en-US" altLang="ja-JP" dirty="0" smtClean="0"/>
-              <a:t>folder.</a:t>
+              <a:t> (~/Library is hidden) and choose Library. Create the folder if you don‘t have it yet, then copy the jar files in this folder.</a:t>
             </a:r>
             <a:endParaRPr lang="ja-JP" altLang="en-US" dirty="0"/>
           </a:p>
@@ -9860,7 +9818,7 @@
           <a:lstStyle/>
           <a:p>
             <a:r>
-              <a:rPr kumimoji="1" lang="en-US" altLang="ja-JP" smtClean="0"/>
+              <a:rPr kumimoji="1" lang="en-US" altLang="ja-JP"/>
               <a:t>Library</a:t>
             </a:r>
             <a:endParaRPr kumimoji="1" lang="ja-JP" altLang="en-US" dirty="0"/>
